--- a/流程框架.pptx
+++ b/流程框架.pptx
@@ -5,11 +5,10 @@
     <p:sldMasterId id="2147483648" r:id="rId1"/>
   </p:sldMasterIdLst>
   <p:sldIdLst>
-    <p:sldId id="256" r:id="rId2"/>
-    <p:sldId id="258" r:id="rId3"/>
-    <p:sldId id="259" r:id="rId4"/>
-    <p:sldId id="260" r:id="rId5"/>
-    <p:sldId id="261" r:id="rId6"/>
+    <p:sldId id="258" r:id="rId2"/>
+    <p:sldId id="259" r:id="rId3"/>
+    <p:sldId id="260" r:id="rId4"/>
+    <p:sldId id="261" r:id="rId5"/>
   </p:sldIdLst>
   <p:sldSz cx="12192000" cy="6858000"/>
   <p:notesSz cx="6858000" cy="9144000"/>
@@ -275,7 +274,7 @@
           <a:p>
             <a:fld id="{1B7BBEA4-24BC-4F9A-BA49-26A596A24E96}" type="datetimeFigureOut">
               <a:rPr lang="zh-CN" altLang="en-US" smtClean="0"/>
-              <a:t>2021/2/27</a:t>
+              <a:t>2021/2/28</a:t>
             </a:fld>
             <a:endParaRPr lang="zh-CN" altLang="en-US"/>
           </a:p>
@@ -473,7 +472,7 @@
           <a:p>
             <a:fld id="{1B7BBEA4-24BC-4F9A-BA49-26A596A24E96}" type="datetimeFigureOut">
               <a:rPr lang="zh-CN" altLang="en-US" smtClean="0"/>
-              <a:t>2021/2/27</a:t>
+              <a:t>2021/2/28</a:t>
             </a:fld>
             <a:endParaRPr lang="zh-CN" altLang="en-US"/>
           </a:p>
@@ -681,7 +680,7 @@
           <a:p>
             <a:fld id="{1B7BBEA4-24BC-4F9A-BA49-26A596A24E96}" type="datetimeFigureOut">
               <a:rPr lang="zh-CN" altLang="en-US" smtClean="0"/>
-              <a:t>2021/2/27</a:t>
+              <a:t>2021/2/28</a:t>
             </a:fld>
             <a:endParaRPr lang="zh-CN" altLang="en-US"/>
           </a:p>
@@ -879,7 +878,7 @@
           <a:p>
             <a:fld id="{1B7BBEA4-24BC-4F9A-BA49-26A596A24E96}" type="datetimeFigureOut">
               <a:rPr lang="zh-CN" altLang="en-US" smtClean="0"/>
-              <a:t>2021/2/27</a:t>
+              <a:t>2021/2/28</a:t>
             </a:fld>
             <a:endParaRPr lang="zh-CN" altLang="en-US"/>
           </a:p>
@@ -1154,7 +1153,7 @@
           <a:p>
             <a:fld id="{1B7BBEA4-24BC-4F9A-BA49-26A596A24E96}" type="datetimeFigureOut">
               <a:rPr lang="zh-CN" altLang="en-US" smtClean="0"/>
-              <a:t>2021/2/27</a:t>
+              <a:t>2021/2/28</a:t>
             </a:fld>
             <a:endParaRPr lang="zh-CN" altLang="en-US"/>
           </a:p>
@@ -1419,7 +1418,7 @@
           <a:p>
             <a:fld id="{1B7BBEA4-24BC-4F9A-BA49-26A596A24E96}" type="datetimeFigureOut">
               <a:rPr lang="zh-CN" altLang="en-US" smtClean="0"/>
-              <a:t>2021/2/27</a:t>
+              <a:t>2021/2/28</a:t>
             </a:fld>
             <a:endParaRPr lang="zh-CN" altLang="en-US"/>
           </a:p>
@@ -1831,7 +1830,7 @@
           <a:p>
             <a:fld id="{1B7BBEA4-24BC-4F9A-BA49-26A596A24E96}" type="datetimeFigureOut">
               <a:rPr lang="zh-CN" altLang="en-US" smtClean="0"/>
-              <a:t>2021/2/27</a:t>
+              <a:t>2021/2/28</a:t>
             </a:fld>
             <a:endParaRPr lang="zh-CN" altLang="en-US"/>
           </a:p>
@@ -1972,7 +1971,7 @@
           <a:p>
             <a:fld id="{1B7BBEA4-24BC-4F9A-BA49-26A596A24E96}" type="datetimeFigureOut">
               <a:rPr lang="zh-CN" altLang="en-US" smtClean="0"/>
-              <a:t>2021/2/27</a:t>
+              <a:t>2021/2/28</a:t>
             </a:fld>
             <a:endParaRPr lang="zh-CN" altLang="en-US"/>
           </a:p>
@@ -2085,7 +2084,7 @@
           <a:p>
             <a:fld id="{1B7BBEA4-24BC-4F9A-BA49-26A596A24E96}" type="datetimeFigureOut">
               <a:rPr lang="zh-CN" altLang="en-US" smtClean="0"/>
-              <a:t>2021/2/27</a:t>
+              <a:t>2021/2/28</a:t>
             </a:fld>
             <a:endParaRPr lang="zh-CN" altLang="en-US"/>
           </a:p>
@@ -2396,7 +2395,7 @@
           <a:p>
             <a:fld id="{1B7BBEA4-24BC-4F9A-BA49-26A596A24E96}" type="datetimeFigureOut">
               <a:rPr lang="zh-CN" altLang="en-US" smtClean="0"/>
-              <a:t>2021/2/27</a:t>
+              <a:t>2021/2/28</a:t>
             </a:fld>
             <a:endParaRPr lang="zh-CN" altLang="en-US"/>
           </a:p>
@@ -2684,7 +2683,7 @@
           <a:p>
             <a:fld id="{1B7BBEA4-24BC-4F9A-BA49-26A596A24E96}" type="datetimeFigureOut">
               <a:rPr lang="zh-CN" altLang="en-US" smtClean="0"/>
-              <a:t>2021/2/27</a:t>
+              <a:t>2021/2/28</a:t>
             </a:fld>
             <a:endParaRPr lang="zh-CN" altLang="en-US"/>
           </a:p>
@@ -2925,7 +2924,7 @@
           <a:p>
             <a:fld id="{1B7BBEA4-24BC-4F9A-BA49-26A596A24E96}" type="datetimeFigureOut">
               <a:rPr lang="zh-CN" altLang="en-US" smtClean="0"/>
-              <a:t>2021/2/27</a:t>
+              <a:t>2021/2/28</a:t>
             </a:fld>
             <a:endParaRPr lang="zh-CN" altLang="en-US"/>
           </a:p>
@@ -3344,3842 +3343,6 @@
       </p:grpSpPr>
       <p:sp>
         <p:nvSpPr>
-          <p:cNvPr id="236" name="矩形: 圆角 235">
-            <a:extLst>
-              <a:ext uri="{FF2B5EF4-FFF2-40B4-BE49-F238E27FC236}">
-                <a16:creationId xmlns:a16="http://schemas.microsoft.com/office/drawing/2014/main" id="{BD235A14-01CA-4CA2-8D4A-F57697DDFA5D}"/>
-              </a:ext>
-            </a:extLst>
-          </p:cNvPr>
-          <p:cNvSpPr/>
-          <p:nvPr/>
-        </p:nvSpPr>
-        <p:spPr>
-          <a:xfrm>
-            <a:off x="1816204" y="1631049"/>
-            <a:ext cx="932058" cy="360000"/>
-          </a:xfrm>
-          <a:prstGeom prst="roundRect">
-            <a:avLst/>
-          </a:prstGeom>
-          <a:solidFill>
-            <a:srgbClr val="00B050"/>
-          </a:solidFill>
-          <a:ln>
-            <a:solidFill>
-              <a:schemeClr val="tx1"/>
-            </a:solidFill>
-          </a:ln>
-        </p:spPr>
-        <p:style>
-          <a:lnRef idx="2">
-            <a:schemeClr val="accent1">
-              <a:shade val="50000"/>
-            </a:schemeClr>
-          </a:lnRef>
-          <a:fillRef idx="1">
-            <a:schemeClr val="accent1"/>
-          </a:fillRef>
-          <a:effectRef idx="0">
-            <a:schemeClr val="accent1"/>
-          </a:effectRef>
-          <a:fontRef idx="minor">
-            <a:schemeClr val="lt1"/>
-          </a:fontRef>
-        </p:style>
-        <p:txBody>
-          <a:bodyPr wrap="none" lIns="36000" tIns="36000" rIns="36000" bIns="36000" rtlCol="0" anchor="ctr" anchorCtr="0"/>
-          <a:lstStyle/>
-          <a:p>
-            <a:r>
-              <a:rPr lang="zh-CN" altLang="en-US" sz="1000" b="1" dirty="0">
-                <a:solidFill>
-                  <a:schemeClr val="tx1"/>
-                </a:solidFill>
-                <a:latin typeface="微软雅黑 Light" panose="020B0502040204020203" pitchFamily="34" charset="-122"/>
-                <a:ea typeface="微软雅黑 Light" panose="020B0502040204020203" pitchFamily="34" charset="-122"/>
-              </a:rPr>
-              <a:t>查找善举</a:t>
-            </a:r>
-            <a:endParaRPr lang="en-US" altLang="zh-CN" sz="1000" b="1" dirty="0">
-              <a:solidFill>
-                <a:schemeClr val="tx1"/>
-              </a:solidFill>
-              <a:latin typeface="微软雅黑 Light" panose="020B0502040204020203" pitchFamily="34" charset="-122"/>
-              <a:ea typeface="微软雅黑 Light" panose="020B0502040204020203" pitchFamily="34" charset="-122"/>
-            </a:endParaRPr>
-          </a:p>
-          <a:p>
-            <a:r>
-              <a:rPr lang="en-US" altLang="zh-CN" sz="1000" b="1" dirty="0" err="1">
-                <a:solidFill>
-                  <a:schemeClr val="tx1"/>
-                </a:solidFill>
-                <a:latin typeface="微软雅黑 Light" panose="020B0502040204020203" pitchFamily="34" charset="-122"/>
-                <a:ea typeface="微软雅黑 Light" panose="020B0502040204020203" pitchFamily="34" charset="-122"/>
-              </a:rPr>
-              <a:t>find_kinddeed</a:t>
-            </a:r>
-            <a:endParaRPr lang="zh-CN" altLang="en-US" sz="1000" b="1" dirty="0">
-              <a:solidFill>
-                <a:schemeClr val="tx1"/>
-              </a:solidFill>
-              <a:latin typeface="微软雅黑 Light" panose="020B0502040204020203" pitchFamily="34" charset="-122"/>
-              <a:ea typeface="微软雅黑 Light" panose="020B0502040204020203" pitchFamily="34" charset="-122"/>
-            </a:endParaRPr>
-          </a:p>
-        </p:txBody>
-      </p:sp>
-      <p:sp>
-        <p:nvSpPr>
-          <p:cNvPr id="77" name="文本框 76">
-            <a:extLst>
-              <a:ext uri="{FF2B5EF4-FFF2-40B4-BE49-F238E27FC236}">
-                <a16:creationId xmlns:a16="http://schemas.microsoft.com/office/drawing/2014/main" id="{38F9A1A9-F6D6-451E-BCE3-E6100132B2C7}"/>
-              </a:ext>
-            </a:extLst>
-          </p:cNvPr>
-          <p:cNvSpPr txBox="1"/>
-          <p:nvPr/>
-        </p:nvSpPr>
-        <p:spPr>
-          <a:xfrm>
-            <a:off x="157110" y="6352"/>
-            <a:ext cx="1338828" cy="400110"/>
-          </a:xfrm>
-          <a:prstGeom prst="rect">
-            <a:avLst/>
-          </a:prstGeom>
-          <a:noFill/>
-        </p:spPr>
-        <p:txBody>
-          <a:bodyPr wrap="none" rtlCol="0">
-            <a:spAutoFit/>
-          </a:bodyPr>
-          <a:lstStyle/>
-          <a:p>
-            <a:r>
-              <a:rPr lang="zh-CN" altLang="en-US" sz="1000" b="1">
-                <a:latin typeface="微软雅黑 Light" panose="020B0502040204020203" pitchFamily="34" charset="-122"/>
-                <a:ea typeface="微软雅黑 Light" panose="020B0502040204020203" pitchFamily="34" charset="-122"/>
-              </a:rPr>
-              <a:t>蓝色方块为角色</a:t>
-            </a:r>
-            <a:br>
-              <a:rPr lang="en-US" altLang="zh-CN" sz="1000" b="1">
-                <a:latin typeface="微软雅黑 Light" panose="020B0502040204020203" pitchFamily="34" charset="-122"/>
-                <a:ea typeface="微软雅黑 Light" panose="020B0502040204020203" pitchFamily="34" charset="-122"/>
-              </a:rPr>
-            </a:br>
-            <a:r>
-              <a:rPr lang="zh-CN" altLang="en-US" sz="1000" b="1">
-                <a:latin typeface="微软雅黑 Light" panose="020B0502040204020203" pitchFamily="34" charset="-122"/>
-                <a:ea typeface="微软雅黑 Light" panose="020B0502040204020203" pitchFamily="34" charset="-122"/>
-              </a:rPr>
-              <a:t>绿色方块为合约方法</a:t>
-            </a:r>
-            <a:endParaRPr lang="en-US" altLang="zh-CN" sz="1000" b="1">
-              <a:latin typeface="微软雅黑 Light" panose="020B0502040204020203" pitchFamily="34" charset="-122"/>
-              <a:ea typeface="微软雅黑 Light" panose="020B0502040204020203" pitchFamily="34" charset="-122"/>
-            </a:endParaRPr>
-          </a:p>
-        </p:txBody>
-      </p:sp>
-      <p:sp>
-        <p:nvSpPr>
-          <p:cNvPr id="2" name="文本框 1">
-            <a:extLst>
-              <a:ext uri="{FF2B5EF4-FFF2-40B4-BE49-F238E27FC236}">
-                <a16:creationId xmlns:a16="http://schemas.microsoft.com/office/drawing/2014/main" id="{F13421BB-C840-460E-A60A-16F3B0411457}"/>
-              </a:ext>
-            </a:extLst>
-          </p:cNvPr>
-          <p:cNvSpPr txBox="1"/>
-          <p:nvPr/>
-        </p:nvSpPr>
-        <p:spPr>
-          <a:xfrm>
-            <a:off x="3024554" y="8797"/>
-            <a:ext cx="1890261" cy="276999"/>
-          </a:xfrm>
-          <a:prstGeom prst="rect">
-            <a:avLst/>
-          </a:prstGeom>
-          <a:noFill/>
-        </p:spPr>
-        <p:txBody>
-          <a:bodyPr wrap="none" rtlCol="0">
-            <a:spAutoFit/>
-          </a:bodyPr>
-          <a:lstStyle/>
-          <a:p>
-            <a:r>
-              <a:rPr lang="zh-CN" altLang="en-US" sz="1200" b="1"/>
-              <a:t>角色 </a:t>
-            </a:r>
-            <a:r>
-              <a:rPr lang="en-US" altLang="zh-CN" sz="1200" b="1"/>
-              <a:t>- </a:t>
-            </a:r>
-            <a:r>
-              <a:rPr lang="zh-CN" altLang="en-US" sz="1200" b="1"/>
-              <a:t>合约</a:t>
-            </a:r>
-            <a:r>
-              <a:rPr lang="en-US" altLang="zh-CN" sz="1200" b="1"/>
-              <a:t> - </a:t>
-            </a:r>
-            <a:r>
-              <a:rPr lang="zh-CN" altLang="en-US" sz="1200" b="1"/>
-              <a:t>方法关系图</a:t>
-            </a:r>
-          </a:p>
-        </p:txBody>
-      </p:sp>
-      <p:sp>
-        <p:nvSpPr>
-          <p:cNvPr id="206" name="矩形: 圆角 205">
-            <a:extLst>
-              <a:ext uri="{FF2B5EF4-FFF2-40B4-BE49-F238E27FC236}">
-                <a16:creationId xmlns:a16="http://schemas.microsoft.com/office/drawing/2014/main" id="{0CD9CA90-E783-4AF6-BCDF-1D86111E6981}"/>
-              </a:ext>
-            </a:extLst>
-          </p:cNvPr>
-          <p:cNvSpPr/>
-          <p:nvPr/>
-        </p:nvSpPr>
-        <p:spPr>
-          <a:xfrm>
-            <a:off x="442129" y="3351674"/>
-            <a:ext cx="576000" cy="360000"/>
-          </a:xfrm>
-          <a:prstGeom prst="roundRect">
-            <a:avLst/>
-          </a:prstGeom>
-          <a:solidFill>
-            <a:srgbClr val="00B0F0"/>
-          </a:solidFill>
-          <a:ln>
-            <a:solidFill>
-              <a:schemeClr val="tx1"/>
-            </a:solidFill>
-          </a:ln>
-        </p:spPr>
-        <p:style>
-          <a:lnRef idx="2">
-            <a:schemeClr val="accent1">
-              <a:shade val="50000"/>
-            </a:schemeClr>
-          </a:lnRef>
-          <a:fillRef idx="1">
-            <a:schemeClr val="accent1"/>
-          </a:fillRef>
-          <a:effectRef idx="0">
-            <a:schemeClr val="accent1"/>
-          </a:effectRef>
-          <a:fontRef idx="minor">
-            <a:schemeClr val="lt1"/>
-          </a:fontRef>
-        </p:style>
-        <p:txBody>
-          <a:bodyPr wrap="none" lIns="36000" tIns="36000" rIns="36000" bIns="36000" rtlCol="0" anchor="ctr" anchorCtr="0"/>
-          <a:lstStyle/>
-          <a:p>
-            <a:r>
-              <a:rPr lang="zh-CN" altLang="en-US" sz="1000" b="1">
-                <a:solidFill>
-                  <a:schemeClr val="tx1"/>
-                </a:solidFill>
-                <a:latin typeface="微软雅黑 Light" panose="020B0502040204020203" pitchFamily="34" charset="-122"/>
-                <a:ea typeface="微软雅黑 Light" panose="020B0502040204020203" pitchFamily="34" charset="-122"/>
-              </a:rPr>
-              <a:t>合约账户</a:t>
-            </a:r>
-          </a:p>
-        </p:txBody>
-      </p:sp>
-      <p:grpSp>
-        <p:nvGrpSpPr>
-          <p:cNvPr id="18" name="组合 17">
-            <a:extLst>
-              <a:ext uri="{FF2B5EF4-FFF2-40B4-BE49-F238E27FC236}">
-                <a16:creationId xmlns:a16="http://schemas.microsoft.com/office/drawing/2014/main" id="{483F83C3-5F8C-4AAE-8BB2-C683FDF1A978}"/>
-              </a:ext>
-            </a:extLst>
-          </p:cNvPr>
-          <p:cNvGrpSpPr/>
-          <p:nvPr/>
-        </p:nvGrpSpPr>
-        <p:grpSpPr>
-          <a:xfrm>
-            <a:off x="111517" y="3834802"/>
-            <a:ext cx="1237224" cy="981230"/>
-            <a:chOff x="111517" y="5617690"/>
-            <a:chExt cx="1237224" cy="981230"/>
-          </a:xfrm>
-        </p:grpSpPr>
-        <p:sp>
-          <p:nvSpPr>
-            <p:cNvPr id="69" name="矩形: 圆角 68">
-              <a:extLst>
-                <a:ext uri="{FF2B5EF4-FFF2-40B4-BE49-F238E27FC236}">
-                  <a16:creationId xmlns:a16="http://schemas.microsoft.com/office/drawing/2014/main" id="{D7E98E40-A327-4321-84F9-63621DD1A400}"/>
-                </a:ext>
-              </a:extLst>
-            </p:cNvPr>
-            <p:cNvSpPr/>
-            <p:nvPr/>
-          </p:nvSpPr>
-          <p:spPr>
-            <a:xfrm>
-              <a:off x="111517" y="5617690"/>
-              <a:ext cx="1237224" cy="981230"/>
-            </a:xfrm>
-            <a:prstGeom prst="roundRect">
-              <a:avLst>
-                <a:gd name="adj" fmla="val 6667"/>
-              </a:avLst>
-            </a:prstGeom>
-            <a:solidFill>
-              <a:schemeClr val="bg2"/>
-            </a:solidFill>
-            <a:ln w="3175"/>
-          </p:spPr>
-          <p:style>
-            <a:lnRef idx="2">
-              <a:schemeClr val="accent1">
-                <a:shade val="50000"/>
-              </a:schemeClr>
-            </a:lnRef>
-            <a:fillRef idx="1">
-              <a:schemeClr val="accent1"/>
-            </a:fillRef>
-            <a:effectRef idx="0">
-              <a:schemeClr val="accent1"/>
-            </a:effectRef>
-            <a:fontRef idx="minor">
-              <a:schemeClr val="lt1"/>
-            </a:fontRef>
-          </p:style>
-          <p:txBody>
-            <a:bodyPr rtlCol="0" anchor="ctr"/>
-            <a:lstStyle/>
-            <a:p>
-              <a:pPr algn="ctr"/>
-              <a:endParaRPr lang="zh-CN" altLang="en-US"/>
-            </a:p>
-          </p:txBody>
-        </p:sp>
-        <p:sp>
-          <p:nvSpPr>
-            <p:cNvPr id="213" name="矩形: 圆角 212">
-              <a:extLst>
-                <a:ext uri="{FF2B5EF4-FFF2-40B4-BE49-F238E27FC236}">
-                  <a16:creationId xmlns:a16="http://schemas.microsoft.com/office/drawing/2014/main" id="{5AA371F5-32B2-4F1F-A026-42A43DC15F81}"/>
-                </a:ext>
-              </a:extLst>
-            </p:cNvPr>
-            <p:cNvSpPr/>
-            <p:nvPr/>
-          </p:nvSpPr>
-          <p:spPr>
-            <a:xfrm>
-              <a:off x="191938" y="5733221"/>
-              <a:ext cx="869223" cy="360000"/>
-            </a:xfrm>
-            <a:prstGeom prst="roundRect">
-              <a:avLst/>
-            </a:prstGeom>
-            <a:solidFill>
-              <a:schemeClr val="accent2">
-                <a:lumMod val="60000"/>
-                <a:lumOff val="40000"/>
-              </a:schemeClr>
-            </a:solidFill>
-            <a:ln>
-              <a:solidFill>
-                <a:schemeClr val="tx1"/>
-              </a:solidFill>
-            </a:ln>
-          </p:spPr>
-          <p:style>
-            <a:lnRef idx="2">
-              <a:schemeClr val="accent1">
-                <a:shade val="50000"/>
-              </a:schemeClr>
-            </a:lnRef>
-            <a:fillRef idx="1">
-              <a:schemeClr val="accent1"/>
-            </a:fillRef>
-            <a:effectRef idx="0">
-              <a:schemeClr val="accent1"/>
-            </a:effectRef>
-            <a:fontRef idx="minor">
-              <a:schemeClr val="lt1"/>
-            </a:fontRef>
-          </p:style>
-          <p:txBody>
-            <a:bodyPr wrap="none" lIns="36000" tIns="36000" rIns="36000" bIns="36000" rtlCol="0" anchor="ctr" anchorCtr="0"/>
-            <a:lstStyle/>
-            <a:p>
-              <a:r>
-                <a:rPr lang="zh-CN" altLang="en-US" sz="1000" b="1">
-                  <a:solidFill>
-                    <a:schemeClr val="tx1"/>
-                  </a:solidFill>
-                  <a:latin typeface="微软雅黑 Light" panose="020B0502040204020203" pitchFamily="34" charset="-122"/>
-                  <a:ea typeface="微软雅黑 Light" panose="020B0502040204020203" pitchFamily="34" charset="-122"/>
-                </a:rPr>
-                <a:t>转账给法师</a:t>
-              </a:r>
-              <a:endParaRPr lang="en-US" altLang="zh-CN" sz="1000" b="1">
-                <a:solidFill>
-                  <a:schemeClr val="tx1"/>
-                </a:solidFill>
-                <a:latin typeface="微软雅黑 Light" panose="020B0502040204020203" pitchFamily="34" charset="-122"/>
-                <a:ea typeface="微软雅黑 Light" panose="020B0502040204020203" pitchFamily="34" charset="-122"/>
-              </a:endParaRPr>
-            </a:p>
-            <a:p>
-              <a:r>
-                <a:rPr lang="zh-CN" altLang="en-US" sz="1000" b="1">
-                  <a:solidFill>
-                    <a:schemeClr val="tx1"/>
-                  </a:solidFill>
-                  <a:latin typeface="微软雅黑 Light" panose="020B0502040204020203" pitchFamily="34" charset="-122"/>
-                  <a:ea typeface="微软雅黑 Light" panose="020B0502040204020203" pitchFamily="34" charset="-122"/>
-                </a:rPr>
-                <a:t>合约</a:t>
-              </a:r>
-              <a:r>
-                <a:rPr lang="en-US" altLang="zh-CN" sz="1000" b="1">
-                  <a:solidFill>
-                    <a:schemeClr val="tx1"/>
-                  </a:solidFill>
-                  <a:latin typeface="微软雅黑 Light" panose="020B0502040204020203" pitchFamily="34" charset="-122"/>
-                  <a:ea typeface="微软雅黑 Light" panose="020B0502040204020203" pitchFamily="34" charset="-122"/>
-                </a:rPr>
-                <a:t>transfer</a:t>
-              </a:r>
-              <a:endParaRPr lang="zh-CN" altLang="en-US" sz="1000" b="1">
-                <a:solidFill>
-                  <a:schemeClr val="tx1"/>
-                </a:solidFill>
-                <a:latin typeface="微软雅黑 Light" panose="020B0502040204020203" pitchFamily="34" charset="-122"/>
-                <a:ea typeface="微软雅黑 Light" panose="020B0502040204020203" pitchFamily="34" charset="-122"/>
-              </a:endParaRPr>
-            </a:p>
-          </p:txBody>
-        </p:sp>
-        <p:sp>
-          <p:nvSpPr>
-            <p:cNvPr id="214" name="矩形: 圆角 213">
-              <a:extLst>
-                <a:ext uri="{FF2B5EF4-FFF2-40B4-BE49-F238E27FC236}">
-                  <a16:creationId xmlns:a16="http://schemas.microsoft.com/office/drawing/2014/main" id="{CA076384-FDFF-4BA1-A320-CFA3A24A384E}"/>
-                </a:ext>
-              </a:extLst>
-            </p:cNvPr>
-            <p:cNvSpPr/>
-            <p:nvPr/>
-          </p:nvSpPr>
-          <p:spPr>
-            <a:xfrm>
-              <a:off x="191939" y="6125373"/>
-              <a:ext cx="1080000" cy="360000"/>
-            </a:xfrm>
-            <a:prstGeom prst="roundRect">
-              <a:avLst/>
-            </a:prstGeom>
-            <a:solidFill>
-              <a:schemeClr val="accent2">
-                <a:lumMod val="60000"/>
-                <a:lumOff val="40000"/>
-              </a:schemeClr>
-            </a:solidFill>
-            <a:ln>
-              <a:solidFill>
-                <a:schemeClr val="tx1"/>
-              </a:solidFill>
-            </a:ln>
-          </p:spPr>
-          <p:style>
-            <a:lnRef idx="2">
-              <a:schemeClr val="accent1">
-                <a:shade val="50000"/>
-              </a:schemeClr>
-            </a:lnRef>
-            <a:fillRef idx="1">
-              <a:schemeClr val="accent1"/>
-            </a:fillRef>
-            <a:effectRef idx="0">
-              <a:schemeClr val="accent1"/>
-            </a:effectRef>
-            <a:fontRef idx="minor">
-              <a:schemeClr val="lt1"/>
-            </a:fontRef>
-          </p:style>
-          <p:txBody>
-            <a:bodyPr wrap="none" lIns="36000" tIns="36000" rIns="36000" bIns="36000" rtlCol="0" anchor="ctr" anchorCtr="0"/>
-            <a:lstStyle/>
-            <a:p>
-              <a:r>
-                <a:rPr lang="zh-CN" altLang="en-US" sz="1000" b="1">
-                  <a:solidFill>
-                    <a:schemeClr val="tx1"/>
-                  </a:solidFill>
-                  <a:latin typeface="微软雅黑 Light" panose="020B0502040204020203" pitchFamily="34" charset="-122"/>
-                  <a:ea typeface="微软雅黑 Light" panose="020B0502040204020203" pitchFamily="34" charset="-122"/>
-                </a:rPr>
-                <a:t>转账给用户礼包</a:t>
-              </a:r>
-              <a:endParaRPr lang="en-US" altLang="zh-CN" sz="1000" b="1">
-                <a:solidFill>
-                  <a:schemeClr val="tx1"/>
-                </a:solidFill>
-                <a:latin typeface="微软雅黑 Light" panose="020B0502040204020203" pitchFamily="34" charset="-122"/>
-                <a:ea typeface="微软雅黑 Light" panose="020B0502040204020203" pitchFamily="34" charset="-122"/>
-              </a:endParaRPr>
-            </a:p>
-            <a:p>
-              <a:r>
-                <a:rPr lang="zh-CN" altLang="en-US" sz="1000" b="1">
-                  <a:solidFill>
-                    <a:schemeClr val="tx1"/>
-                  </a:solidFill>
-                  <a:latin typeface="微软雅黑 Light" panose="020B0502040204020203" pitchFamily="34" charset="-122"/>
-                  <a:ea typeface="微软雅黑 Light" panose="020B0502040204020203" pitchFamily="34" charset="-122"/>
-                </a:rPr>
-                <a:t>合约</a:t>
-              </a:r>
-              <a:r>
-                <a:rPr lang="en-US" altLang="zh-CN" sz="1000" b="1">
-                  <a:solidFill>
-                    <a:schemeClr val="tx1"/>
-                  </a:solidFill>
-                  <a:latin typeface="微软雅黑 Light" panose="020B0502040204020203" pitchFamily="34" charset="-122"/>
-                  <a:ea typeface="微软雅黑 Light" panose="020B0502040204020203" pitchFamily="34" charset="-122"/>
-                </a:rPr>
-                <a:t>transfer</a:t>
-              </a:r>
-              <a:endParaRPr lang="zh-CN" altLang="en-US" sz="1000" b="1">
-                <a:solidFill>
-                  <a:schemeClr val="tx1"/>
-                </a:solidFill>
-                <a:latin typeface="微软雅黑 Light" panose="020B0502040204020203" pitchFamily="34" charset="-122"/>
-                <a:ea typeface="微软雅黑 Light" panose="020B0502040204020203" pitchFamily="34" charset="-122"/>
-              </a:endParaRPr>
-            </a:p>
-          </p:txBody>
-        </p:sp>
-      </p:grpSp>
-      <p:sp>
-        <p:nvSpPr>
-          <p:cNvPr id="194" name="矩形: 圆角 193">
-            <a:extLst>
-              <a:ext uri="{FF2B5EF4-FFF2-40B4-BE49-F238E27FC236}">
-                <a16:creationId xmlns:a16="http://schemas.microsoft.com/office/drawing/2014/main" id="{99A48C2B-A665-4757-8107-4ED3881156C7}"/>
-              </a:ext>
-            </a:extLst>
-          </p:cNvPr>
-          <p:cNvSpPr/>
-          <p:nvPr/>
-        </p:nvSpPr>
-        <p:spPr>
-          <a:xfrm>
-            <a:off x="1923891" y="3351674"/>
-            <a:ext cx="720000" cy="360000"/>
-          </a:xfrm>
-          <a:prstGeom prst="roundRect">
-            <a:avLst/>
-          </a:prstGeom>
-          <a:solidFill>
-            <a:srgbClr val="00B0F0"/>
-          </a:solidFill>
-          <a:ln>
-            <a:solidFill>
-              <a:schemeClr val="accent1"/>
-            </a:solidFill>
-          </a:ln>
-        </p:spPr>
-        <p:style>
-          <a:lnRef idx="2">
-            <a:schemeClr val="accent1">
-              <a:shade val="50000"/>
-            </a:schemeClr>
-          </a:lnRef>
-          <a:fillRef idx="1">
-            <a:schemeClr val="accent1"/>
-          </a:fillRef>
-          <a:effectRef idx="0">
-            <a:schemeClr val="accent1"/>
-          </a:effectRef>
-          <a:fontRef idx="minor">
-            <a:schemeClr val="lt1"/>
-          </a:fontRef>
-        </p:style>
-        <p:txBody>
-          <a:bodyPr wrap="none" lIns="36000" tIns="36000" rIns="36000" bIns="36000" rtlCol="0" anchor="ctr" anchorCtr="0"/>
-          <a:lstStyle/>
-          <a:p>
-            <a:r>
-              <a:rPr lang="zh-CN" altLang="en-US" sz="1000" b="1" dirty="0">
-                <a:solidFill>
-                  <a:schemeClr val="tx1"/>
-                </a:solidFill>
-                <a:latin typeface="微软雅黑 Light" panose="020B0502040204020203" pitchFamily="34" charset="-122"/>
-                <a:ea typeface="微软雅黑 Light" panose="020B0502040204020203" pitchFamily="34" charset="-122"/>
-              </a:rPr>
-              <a:t>合约部署者</a:t>
-            </a:r>
-          </a:p>
-        </p:txBody>
-      </p:sp>
-      <p:grpSp>
-        <p:nvGrpSpPr>
-          <p:cNvPr id="32" name="组合 31">
-            <a:extLst>
-              <a:ext uri="{FF2B5EF4-FFF2-40B4-BE49-F238E27FC236}">
-                <a16:creationId xmlns:a16="http://schemas.microsoft.com/office/drawing/2014/main" id="{29E54BD5-137D-4016-958C-0386D7CAA07B}"/>
-              </a:ext>
-            </a:extLst>
-          </p:cNvPr>
-          <p:cNvGrpSpPr/>
-          <p:nvPr/>
-        </p:nvGrpSpPr>
-        <p:grpSpPr>
-          <a:xfrm>
-            <a:off x="1621488" y="3834802"/>
-            <a:ext cx="1324807" cy="1903058"/>
-            <a:chOff x="1621488" y="3834802"/>
-            <a:chExt cx="1324807" cy="1903058"/>
-          </a:xfrm>
-        </p:grpSpPr>
-        <p:sp>
-          <p:nvSpPr>
-            <p:cNvPr id="17" name="矩形: 圆角 16">
-              <a:extLst>
-                <a:ext uri="{FF2B5EF4-FFF2-40B4-BE49-F238E27FC236}">
-                  <a16:creationId xmlns:a16="http://schemas.microsoft.com/office/drawing/2014/main" id="{4F200DF9-58D6-47AD-80BC-A1FCA52CF049}"/>
-                </a:ext>
-              </a:extLst>
-            </p:cNvPr>
-            <p:cNvSpPr/>
-            <p:nvPr/>
-          </p:nvSpPr>
-          <p:spPr>
-            <a:xfrm>
-              <a:off x="1621488" y="3834802"/>
-              <a:ext cx="1324807" cy="1903058"/>
-            </a:xfrm>
-            <a:prstGeom prst="roundRect">
-              <a:avLst>
-                <a:gd name="adj" fmla="val 6667"/>
-              </a:avLst>
-            </a:prstGeom>
-            <a:solidFill>
-              <a:schemeClr val="bg2"/>
-            </a:solidFill>
-            <a:ln w="3175"/>
-          </p:spPr>
-          <p:style>
-            <a:lnRef idx="2">
-              <a:schemeClr val="accent1">
-                <a:shade val="50000"/>
-              </a:schemeClr>
-            </a:lnRef>
-            <a:fillRef idx="1">
-              <a:schemeClr val="accent1"/>
-            </a:fillRef>
-            <a:effectRef idx="0">
-              <a:schemeClr val="accent1"/>
-            </a:effectRef>
-            <a:fontRef idx="minor">
-              <a:schemeClr val="lt1"/>
-            </a:fontRef>
-          </p:style>
-          <p:txBody>
-            <a:bodyPr rtlCol="0" anchor="ctr"/>
-            <a:lstStyle/>
-            <a:p>
-              <a:pPr algn="ctr"/>
-              <a:endParaRPr lang="zh-CN" altLang="en-US"/>
-            </a:p>
-          </p:txBody>
-        </p:sp>
-        <p:sp>
-          <p:nvSpPr>
-            <p:cNvPr id="198" name="矩形: 圆角 197">
-              <a:extLst>
-                <a:ext uri="{FF2B5EF4-FFF2-40B4-BE49-F238E27FC236}">
-                  <a16:creationId xmlns:a16="http://schemas.microsoft.com/office/drawing/2014/main" id="{5CAC6811-CB6E-400C-84DD-B57C65B31854}"/>
-                </a:ext>
-              </a:extLst>
-            </p:cNvPr>
-            <p:cNvSpPr/>
-            <p:nvPr/>
-          </p:nvSpPr>
-          <p:spPr>
-            <a:xfrm>
-              <a:off x="1706233" y="4871960"/>
-              <a:ext cx="576000" cy="360000"/>
-            </a:xfrm>
-            <a:prstGeom prst="roundRect">
-              <a:avLst/>
-            </a:prstGeom>
-            <a:solidFill>
-              <a:srgbClr val="00B050"/>
-            </a:solidFill>
-            <a:ln>
-              <a:solidFill>
-                <a:schemeClr val="accent1"/>
-              </a:solidFill>
-            </a:ln>
-          </p:spPr>
-          <p:style>
-            <a:lnRef idx="2">
-              <a:schemeClr val="accent1">
-                <a:shade val="50000"/>
-              </a:schemeClr>
-            </a:lnRef>
-            <a:fillRef idx="1">
-              <a:schemeClr val="accent1"/>
-            </a:fillRef>
-            <a:effectRef idx="0">
-              <a:schemeClr val="accent1"/>
-            </a:effectRef>
-            <a:fontRef idx="minor">
-              <a:schemeClr val="lt1"/>
-            </a:fontRef>
-          </p:style>
-          <p:txBody>
-            <a:bodyPr wrap="none" lIns="36000" tIns="36000" rIns="36000" bIns="36000" rtlCol="0" anchor="ctr" anchorCtr="0"/>
-            <a:lstStyle/>
-            <a:p>
-              <a:r>
-                <a:rPr lang="zh-CN" altLang="en-US" sz="1000" b="1">
-                  <a:solidFill>
-                    <a:schemeClr val="tx1"/>
-                  </a:solidFill>
-                  <a:latin typeface="微软雅黑 Light" panose="020B0502040204020203" pitchFamily="34" charset="-122"/>
-                  <a:ea typeface="微软雅黑 Light" panose="020B0502040204020203" pitchFamily="34" charset="-122"/>
-                </a:rPr>
-                <a:t>部署</a:t>
-              </a:r>
-              <a:endParaRPr lang="en-US" altLang="zh-CN" sz="1000" b="1">
-                <a:solidFill>
-                  <a:schemeClr val="tx1"/>
-                </a:solidFill>
-                <a:latin typeface="微软雅黑 Light" panose="020B0502040204020203" pitchFamily="34" charset="-122"/>
-                <a:ea typeface="微软雅黑 Light" panose="020B0502040204020203" pitchFamily="34" charset="-122"/>
-              </a:endParaRPr>
-            </a:p>
-            <a:p>
-              <a:r>
-                <a:rPr lang="en-US" altLang="zh-CN" sz="1000" b="1">
-                  <a:solidFill>
-                    <a:schemeClr val="tx1"/>
-                  </a:solidFill>
-                  <a:latin typeface="微软雅黑 Light" panose="020B0502040204020203" pitchFamily="34" charset="-122"/>
-                  <a:ea typeface="微软雅黑 Light" panose="020B0502040204020203" pitchFamily="34" charset="-122"/>
-                </a:rPr>
-                <a:t>initialize</a:t>
-              </a:r>
-              <a:endParaRPr lang="zh-CN" altLang="en-US" sz="1000" b="1">
-                <a:solidFill>
-                  <a:schemeClr val="tx1"/>
-                </a:solidFill>
-                <a:latin typeface="微软雅黑 Light" panose="020B0502040204020203" pitchFamily="34" charset="-122"/>
-                <a:ea typeface="微软雅黑 Light" panose="020B0502040204020203" pitchFamily="34" charset="-122"/>
-              </a:endParaRPr>
-            </a:p>
-          </p:txBody>
-        </p:sp>
-        <p:sp>
-          <p:nvSpPr>
-            <p:cNvPr id="199" name="矩形: 圆角 198">
-              <a:extLst>
-                <a:ext uri="{FF2B5EF4-FFF2-40B4-BE49-F238E27FC236}">
-                  <a16:creationId xmlns:a16="http://schemas.microsoft.com/office/drawing/2014/main" id="{BB7CF2A1-7FAC-4A82-9E8C-BE42AA0375FE}"/>
-                </a:ext>
-              </a:extLst>
-            </p:cNvPr>
-            <p:cNvSpPr/>
-            <p:nvPr/>
-          </p:nvSpPr>
-          <p:spPr>
-            <a:xfrm>
-              <a:off x="1706233" y="5282624"/>
-              <a:ext cx="576000" cy="360000"/>
-            </a:xfrm>
-            <a:prstGeom prst="roundRect">
-              <a:avLst/>
-            </a:prstGeom>
-            <a:solidFill>
-              <a:srgbClr val="00B050"/>
-            </a:solidFill>
-            <a:ln>
-              <a:solidFill>
-                <a:schemeClr val="accent1"/>
-              </a:solidFill>
-            </a:ln>
-          </p:spPr>
-          <p:style>
-            <a:lnRef idx="2">
-              <a:schemeClr val="accent1">
-                <a:shade val="50000"/>
-              </a:schemeClr>
-            </a:lnRef>
-            <a:fillRef idx="1">
-              <a:schemeClr val="accent1"/>
-            </a:fillRef>
-            <a:effectRef idx="0">
-              <a:schemeClr val="accent1"/>
-            </a:effectRef>
-            <a:fontRef idx="minor">
-              <a:schemeClr val="lt1"/>
-            </a:fontRef>
-          </p:style>
-          <p:txBody>
-            <a:bodyPr wrap="none" lIns="36000" tIns="36000" rIns="36000" bIns="36000" rtlCol="0" anchor="ctr" anchorCtr="0"/>
-            <a:lstStyle/>
-            <a:p>
-              <a:r>
-                <a:rPr lang="zh-CN" altLang="en-US" sz="1000" b="1">
-                  <a:solidFill>
-                    <a:schemeClr val="tx1"/>
-                  </a:solidFill>
-                  <a:latin typeface="微软雅黑 Light" panose="020B0502040204020203" pitchFamily="34" charset="-122"/>
-                  <a:ea typeface="微软雅黑 Light" panose="020B0502040204020203" pitchFamily="34" charset="-122"/>
-                </a:rPr>
-                <a:t>升级</a:t>
-              </a:r>
-              <a:endParaRPr lang="en-US" altLang="zh-CN" sz="1000" b="1">
-                <a:solidFill>
-                  <a:schemeClr val="tx1"/>
-                </a:solidFill>
-                <a:latin typeface="微软雅黑 Light" panose="020B0502040204020203" pitchFamily="34" charset="-122"/>
-                <a:ea typeface="微软雅黑 Light" panose="020B0502040204020203" pitchFamily="34" charset="-122"/>
-              </a:endParaRPr>
-            </a:p>
-            <a:p>
-              <a:r>
-                <a:rPr lang="en-US" altLang="zh-CN" sz="1000" b="1">
-                  <a:solidFill>
-                    <a:schemeClr val="tx1"/>
-                  </a:solidFill>
-                  <a:latin typeface="微软雅黑 Light" panose="020B0502040204020203" pitchFamily="34" charset="-122"/>
-                  <a:ea typeface="微软雅黑 Light" panose="020B0502040204020203" pitchFamily="34" charset="-122"/>
-                </a:rPr>
-                <a:t>none</a:t>
-              </a:r>
-              <a:endParaRPr lang="zh-CN" altLang="en-US" sz="1000" b="1">
-                <a:solidFill>
-                  <a:schemeClr val="tx1"/>
-                </a:solidFill>
-                <a:latin typeface="微软雅黑 Light" panose="020B0502040204020203" pitchFamily="34" charset="-122"/>
-                <a:ea typeface="微软雅黑 Light" panose="020B0502040204020203" pitchFamily="34" charset="-122"/>
-              </a:endParaRPr>
-            </a:p>
-          </p:txBody>
-        </p:sp>
-        <p:sp>
-          <p:nvSpPr>
-            <p:cNvPr id="201" name="矩形: 圆角 200">
-              <a:extLst>
-                <a:ext uri="{FF2B5EF4-FFF2-40B4-BE49-F238E27FC236}">
-                  <a16:creationId xmlns:a16="http://schemas.microsoft.com/office/drawing/2014/main" id="{9273225C-1706-423C-B6DC-1322896C1A02}"/>
-                </a:ext>
-              </a:extLst>
-            </p:cNvPr>
-            <p:cNvSpPr/>
-            <p:nvPr/>
-          </p:nvSpPr>
-          <p:spPr>
-            <a:xfrm>
-              <a:off x="1706233" y="3919955"/>
-              <a:ext cx="1152000" cy="360000"/>
-            </a:xfrm>
-            <a:prstGeom prst="roundRect">
-              <a:avLst/>
-            </a:prstGeom>
-            <a:solidFill>
-              <a:srgbClr val="00B050"/>
-            </a:solidFill>
-            <a:ln>
-              <a:solidFill>
-                <a:schemeClr val="accent1"/>
-              </a:solidFill>
-            </a:ln>
-          </p:spPr>
-          <p:style>
-            <a:lnRef idx="2">
-              <a:schemeClr val="accent1">
-                <a:shade val="50000"/>
-              </a:schemeClr>
-            </a:lnRef>
-            <a:fillRef idx="1">
-              <a:schemeClr val="accent1"/>
-            </a:fillRef>
-            <a:effectRef idx="0">
-              <a:schemeClr val="accent1"/>
-            </a:effectRef>
-            <a:fontRef idx="minor">
-              <a:schemeClr val="lt1"/>
-            </a:fontRef>
-          </p:style>
-          <p:txBody>
-            <a:bodyPr wrap="none" lIns="36000" tIns="36000" rIns="36000" bIns="36000" rtlCol="0" anchor="ctr" anchorCtr="0"/>
-            <a:lstStyle/>
-            <a:p>
-              <a:r>
-                <a:rPr lang="zh-CN" altLang="en-US" sz="1000" b="1">
-                  <a:solidFill>
-                    <a:schemeClr val="tx1"/>
-                  </a:solidFill>
-                  <a:latin typeface="微软雅黑 Light" panose="020B0502040204020203" pitchFamily="34" charset="-122"/>
-                  <a:ea typeface="微软雅黑 Light" panose="020B0502040204020203" pitchFamily="34" charset="-122"/>
-                </a:rPr>
-                <a:t>批准成为基金会</a:t>
-              </a:r>
-              <a:endParaRPr lang="en-US" altLang="zh-CN" sz="1000" b="1">
-                <a:solidFill>
-                  <a:schemeClr val="tx1"/>
-                </a:solidFill>
-                <a:latin typeface="微软雅黑 Light" panose="020B0502040204020203" pitchFamily="34" charset="-122"/>
-                <a:ea typeface="微软雅黑 Light" panose="020B0502040204020203" pitchFamily="34" charset="-122"/>
-              </a:endParaRPr>
-            </a:p>
-            <a:p>
-              <a:r>
-                <a:rPr lang="en-US" altLang="zh-CN" sz="1000" b="1">
-                  <a:solidFill>
-                    <a:schemeClr val="tx1"/>
-                  </a:solidFill>
-                  <a:latin typeface="微软雅黑 Light" panose="020B0502040204020203" pitchFamily="34" charset="-122"/>
-                  <a:ea typeface="微软雅黑 Light" panose="020B0502040204020203" pitchFamily="34" charset="-122"/>
-                </a:rPr>
-                <a:t>approve_founder</a:t>
-              </a:r>
-              <a:endParaRPr lang="zh-CN" altLang="en-US" sz="1000" b="1">
-                <a:solidFill>
-                  <a:schemeClr val="tx1"/>
-                </a:solidFill>
-                <a:latin typeface="微软雅黑 Light" panose="020B0502040204020203" pitchFamily="34" charset="-122"/>
-                <a:ea typeface="微软雅黑 Light" panose="020B0502040204020203" pitchFamily="34" charset="-122"/>
-              </a:endParaRPr>
-            </a:p>
-          </p:txBody>
-        </p:sp>
-        <p:sp>
-          <p:nvSpPr>
-            <p:cNvPr id="218" name="矩形: 圆角 217">
-              <a:extLst>
-                <a:ext uri="{FF2B5EF4-FFF2-40B4-BE49-F238E27FC236}">
-                  <a16:creationId xmlns:a16="http://schemas.microsoft.com/office/drawing/2014/main" id="{A340258D-AC6E-4011-8C5D-2A96AB10E1B2}"/>
-                </a:ext>
-              </a:extLst>
-            </p:cNvPr>
-            <p:cNvSpPr/>
-            <p:nvPr/>
-          </p:nvSpPr>
-          <p:spPr>
-            <a:xfrm>
-              <a:off x="1706233" y="4323782"/>
-              <a:ext cx="1152000" cy="360000"/>
-            </a:xfrm>
-            <a:prstGeom prst="roundRect">
-              <a:avLst/>
-            </a:prstGeom>
-            <a:solidFill>
-              <a:srgbClr val="00B050"/>
-            </a:solidFill>
-            <a:ln>
-              <a:solidFill>
-                <a:schemeClr val="accent1"/>
-              </a:solidFill>
-            </a:ln>
-          </p:spPr>
-          <p:style>
-            <a:lnRef idx="2">
-              <a:schemeClr val="accent1">
-                <a:shade val="50000"/>
-              </a:schemeClr>
-            </a:lnRef>
-            <a:fillRef idx="1">
-              <a:schemeClr val="accent1"/>
-            </a:fillRef>
-            <a:effectRef idx="0">
-              <a:schemeClr val="accent1"/>
-            </a:effectRef>
-            <a:fontRef idx="minor">
-              <a:schemeClr val="lt1"/>
-            </a:fontRef>
-          </p:style>
-          <p:txBody>
-            <a:bodyPr wrap="none" lIns="36000" tIns="36000" rIns="36000" bIns="36000" rtlCol="0" anchor="ctr" anchorCtr="0"/>
-            <a:lstStyle/>
-            <a:p>
-              <a:r>
-                <a:rPr lang="zh-CN" altLang="en-US" sz="1000" b="1">
-                  <a:solidFill>
-                    <a:schemeClr val="tx1"/>
-                  </a:solidFill>
-                  <a:latin typeface="微软雅黑 Light" panose="020B0502040204020203" pitchFamily="34" charset="-122"/>
-                  <a:ea typeface="微软雅黑 Light" panose="020B0502040204020203" pitchFamily="34" charset="-122"/>
-                </a:rPr>
-                <a:t>取消基金会资格</a:t>
-              </a:r>
-              <a:endParaRPr lang="en-US" altLang="zh-CN" sz="1000" b="1">
-                <a:solidFill>
-                  <a:schemeClr val="tx1"/>
-                </a:solidFill>
-                <a:latin typeface="微软雅黑 Light" panose="020B0502040204020203" pitchFamily="34" charset="-122"/>
-                <a:ea typeface="微软雅黑 Light" panose="020B0502040204020203" pitchFamily="34" charset="-122"/>
-              </a:endParaRPr>
-            </a:p>
-            <a:p>
-              <a:r>
-                <a:rPr lang="en-US" altLang="zh-CN" sz="1000" b="1" i="0">
-                  <a:solidFill>
-                    <a:schemeClr val="tx1"/>
-                  </a:solidFill>
-                  <a:effectLst/>
-                  <a:latin typeface="微软雅黑 Light" panose="020B0502040204020203" pitchFamily="34" charset="-122"/>
-                  <a:ea typeface="微软雅黑 Light" panose="020B0502040204020203" pitchFamily="34" charset="-122"/>
-                </a:rPr>
-                <a:t>recusal_founder</a:t>
-              </a:r>
-              <a:endParaRPr lang="en-US" altLang="zh-CN" sz="1000" b="1" i="0">
-                <a:solidFill>
-                  <a:srgbClr val="434343"/>
-                </a:solidFill>
-                <a:effectLst/>
-                <a:latin typeface="Arial" panose="020B0604020202020204" pitchFamily="34" charset="0"/>
-              </a:endParaRPr>
-            </a:p>
-          </p:txBody>
-        </p:sp>
-      </p:grpSp>
-      <p:sp>
-        <p:nvSpPr>
-          <p:cNvPr id="197" name="矩形: 圆角 196">
-            <a:extLst>
-              <a:ext uri="{FF2B5EF4-FFF2-40B4-BE49-F238E27FC236}">
-                <a16:creationId xmlns:a16="http://schemas.microsoft.com/office/drawing/2014/main" id="{6DA7874C-9355-4AC9-A97E-377C9E0A6B11}"/>
-              </a:ext>
-            </a:extLst>
-          </p:cNvPr>
-          <p:cNvSpPr/>
-          <p:nvPr/>
-        </p:nvSpPr>
-        <p:spPr>
-          <a:xfrm>
-            <a:off x="9489205" y="3351674"/>
-            <a:ext cx="576000" cy="360000"/>
-          </a:xfrm>
-          <a:prstGeom prst="roundRect">
-            <a:avLst/>
-          </a:prstGeom>
-          <a:solidFill>
-            <a:srgbClr val="00B0F0"/>
-          </a:solidFill>
-          <a:ln>
-            <a:solidFill>
-              <a:schemeClr val="tx1"/>
-            </a:solidFill>
-          </a:ln>
-        </p:spPr>
-        <p:style>
-          <a:lnRef idx="2">
-            <a:schemeClr val="accent1">
-              <a:shade val="50000"/>
-            </a:schemeClr>
-          </a:lnRef>
-          <a:fillRef idx="1">
-            <a:schemeClr val="accent1"/>
-          </a:fillRef>
-          <a:effectRef idx="0">
-            <a:schemeClr val="accent1"/>
-          </a:effectRef>
-          <a:fontRef idx="minor">
-            <a:schemeClr val="lt1"/>
-          </a:fontRef>
-        </p:style>
-        <p:txBody>
-          <a:bodyPr wrap="none" lIns="36000" tIns="36000" rIns="36000" bIns="36000" rtlCol="0" anchor="ctr" anchorCtr="0"/>
-          <a:lstStyle/>
-          <a:p>
-            <a:r>
-              <a:rPr lang="zh-CN" altLang="en-US" sz="1000" b="1" dirty="0">
-                <a:solidFill>
-                  <a:schemeClr val="tx1"/>
-                </a:solidFill>
-                <a:latin typeface="微软雅黑 Light" panose="020B0502040204020203" pitchFamily="34" charset="-122"/>
-                <a:ea typeface="微软雅黑 Light" panose="020B0502040204020203" pitchFamily="34" charset="-122"/>
-              </a:rPr>
-              <a:t>会员</a:t>
-            </a:r>
-          </a:p>
-        </p:txBody>
-      </p:sp>
-      <p:grpSp>
-        <p:nvGrpSpPr>
-          <p:cNvPr id="20" name="组合 19">
-            <a:extLst>
-              <a:ext uri="{FF2B5EF4-FFF2-40B4-BE49-F238E27FC236}">
-                <a16:creationId xmlns:a16="http://schemas.microsoft.com/office/drawing/2014/main" id="{5C21F9E7-5786-428E-AEA3-7FD82276D929}"/>
-              </a:ext>
-            </a:extLst>
-          </p:cNvPr>
-          <p:cNvGrpSpPr/>
-          <p:nvPr/>
-        </p:nvGrpSpPr>
-        <p:grpSpPr>
-          <a:xfrm>
-            <a:off x="9195557" y="3834802"/>
-            <a:ext cx="1163296" cy="971134"/>
-            <a:chOff x="7934985" y="2073056"/>
-            <a:chExt cx="1163296" cy="971134"/>
-          </a:xfrm>
-        </p:grpSpPr>
-        <p:sp>
-          <p:nvSpPr>
-            <p:cNvPr id="73" name="矩形: 圆角 72">
-              <a:extLst>
-                <a:ext uri="{FF2B5EF4-FFF2-40B4-BE49-F238E27FC236}">
-                  <a16:creationId xmlns:a16="http://schemas.microsoft.com/office/drawing/2014/main" id="{E451326B-9A4B-43FA-A0B4-6B256D22D9B4}"/>
-                </a:ext>
-              </a:extLst>
-            </p:cNvPr>
-            <p:cNvSpPr/>
-            <p:nvPr/>
-          </p:nvSpPr>
-          <p:spPr>
-            <a:xfrm>
-              <a:off x="7934985" y="2073056"/>
-              <a:ext cx="1163296" cy="971134"/>
-            </a:xfrm>
-            <a:prstGeom prst="roundRect">
-              <a:avLst>
-                <a:gd name="adj" fmla="val 6667"/>
-              </a:avLst>
-            </a:prstGeom>
-            <a:solidFill>
-              <a:schemeClr val="bg2"/>
-            </a:solidFill>
-            <a:ln w="3175"/>
-          </p:spPr>
-          <p:style>
-            <a:lnRef idx="2">
-              <a:schemeClr val="accent1">
-                <a:shade val="50000"/>
-              </a:schemeClr>
-            </a:lnRef>
-            <a:fillRef idx="1">
-              <a:schemeClr val="accent1"/>
-            </a:fillRef>
-            <a:effectRef idx="0">
-              <a:schemeClr val="accent1"/>
-            </a:effectRef>
-            <a:fontRef idx="minor">
-              <a:schemeClr val="lt1"/>
-            </a:fontRef>
-          </p:style>
-          <p:txBody>
-            <a:bodyPr rtlCol="0" anchor="ctr"/>
-            <a:lstStyle/>
-            <a:p>
-              <a:pPr algn="ctr"/>
-              <a:endParaRPr lang="zh-CN" altLang="en-US"/>
-            </a:p>
-          </p:txBody>
-        </p:sp>
-        <p:sp>
-          <p:nvSpPr>
-            <p:cNvPr id="204" name="矩形: 圆角 203">
-              <a:extLst>
-                <a:ext uri="{FF2B5EF4-FFF2-40B4-BE49-F238E27FC236}">
-                  <a16:creationId xmlns:a16="http://schemas.microsoft.com/office/drawing/2014/main" id="{E962CBFC-1696-48A9-96DA-0FDE0339D61B}"/>
-                </a:ext>
-              </a:extLst>
-            </p:cNvPr>
-            <p:cNvSpPr/>
-            <p:nvPr/>
-          </p:nvSpPr>
-          <p:spPr>
-            <a:xfrm>
-              <a:off x="8010550" y="2162975"/>
-              <a:ext cx="933191" cy="360000"/>
-            </a:xfrm>
-            <a:prstGeom prst="roundRect">
-              <a:avLst/>
-            </a:prstGeom>
-            <a:solidFill>
-              <a:srgbClr val="00B050"/>
-            </a:solidFill>
-            <a:ln>
-              <a:solidFill>
-                <a:schemeClr val="tx1"/>
-              </a:solidFill>
-            </a:ln>
-          </p:spPr>
-          <p:style>
-            <a:lnRef idx="2">
-              <a:schemeClr val="accent1">
-                <a:shade val="50000"/>
-              </a:schemeClr>
-            </a:lnRef>
-            <a:fillRef idx="1">
-              <a:schemeClr val="accent1"/>
-            </a:fillRef>
-            <a:effectRef idx="0">
-              <a:schemeClr val="accent1"/>
-            </a:effectRef>
-            <a:fontRef idx="minor">
-              <a:schemeClr val="lt1"/>
-            </a:fontRef>
-          </p:style>
-          <p:txBody>
-            <a:bodyPr wrap="none" lIns="36000" tIns="36000" rIns="36000" bIns="36000" rtlCol="0" anchor="ctr" anchorCtr="0"/>
-            <a:lstStyle/>
-            <a:p>
-              <a:r>
-                <a:rPr lang="zh-CN" altLang="en-US" sz="1000" b="1">
-                  <a:solidFill>
-                    <a:schemeClr val="tx1"/>
-                  </a:solidFill>
-                  <a:latin typeface="微软雅黑 Light" panose="020B0502040204020203" pitchFamily="34" charset="-122"/>
-                  <a:ea typeface="微软雅黑 Light" panose="020B0502040204020203" pitchFamily="34" charset="-122"/>
-                </a:rPr>
-                <a:t>祈求善举</a:t>
-              </a:r>
-              <a:endParaRPr lang="en-US" altLang="zh-CN" sz="1000" b="1">
-                <a:solidFill>
-                  <a:schemeClr val="tx1"/>
-                </a:solidFill>
-                <a:latin typeface="微软雅黑 Light" panose="020B0502040204020203" pitchFamily="34" charset="-122"/>
-                <a:ea typeface="微软雅黑 Light" panose="020B0502040204020203" pitchFamily="34" charset="-122"/>
-              </a:endParaRPr>
-            </a:p>
-            <a:p>
-              <a:r>
-                <a:rPr lang="en-US" altLang="zh-CN" sz="1000" b="1">
-                  <a:solidFill>
-                    <a:schemeClr val="tx1"/>
-                  </a:solidFill>
-                  <a:latin typeface="微软雅黑 Light" panose="020B0502040204020203" pitchFamily="34" charset="-122"/>
-                  <a:ea typeface="微软雅黑 Light" panose="020B0502040204020203" pitchFamily="34" charset="-122"/>
-                </a:rPr>
-                <a:t>pray_kinddeed</a:t>
-              </a:r>
-              <a:endParaRPr lang="zh-CN" altLang="en-US" sz="1000" b="1">
-                <a:solidFill>
-                  <a:schemeClr val="tx1"/>
-                </a:solidFill>
-                <a:latin typeface="微软雅黑 Light" panose="020B0502040204020203" pitchFamily="34" charset="-122"/>
-                <a:ea typeface="微软雅黑 Light" panose="020B0502040204020203" pitchFamily="34" charset="-122"/>
-              </a:endParaRPr>
-            </a:p>
-          </p:txBody>
-        </p:sp>
-        <p:sp>
-          <p:nvSpPr>
-            <p:cNvPr id="217" name="矩形: 圆角 216">
-              <a:extLst>
-                <a:ext uri="{FF2B5EF4-FFF2-40B4-BE49-F238E27FC236}">
-                  <a16:creationId xmlns:a16="http://schemas.microsoft.com/office/drawing/2014/main" id="{F8DB8693-0CA4-4E72-92AD-C65C316416FF}"/>
-                </a:ext>
-              </a:extLst>
-            </p:cNvPr>
-            <p:cNvSpPr/>
-            <p:nvPr/>
-          </p:nvSpPr>
-          <p:spPr>
-            <a:xfrm>
-              <a:off x="8010550" y="2601068"/>
-              <a:ext cx="1010320" cy="360000"/>
-            </a:xfrm>
-            <a:prstGeom prst="roundRect">
-              <a:avLst/>
-            </a:prstGeom>
-            <a:solidFill>
-              <a:srgbClr val="FF0000"/>
-            </a:solidFill>
-            <a:ln>
-              <a:solidFill>
-                <a:schemeClr val="tx1"/>
-              </a:solidFill>
-            </a:ln>
-          </p:spPr>
-          <p:style>
-            <a:lnRef idx="2">
-              <a:schemeClr val="accent1">
-                <a:shade val="50000"/>
-              </a:schemeClr>
-            </a:lnRef>
-            <a:fillRef idx="1">
-              <a:schemeClr val="accent1"/>
-            </a:fillRef>
-            <a:effectRef idx="0">
-              <a:schemeClr val="accent1"/>
-            </a:effectRef>
-            <a:fontRef idx="minor">
-              <a:schemeClr val="lt1"/>
-            </a:fontRef>
-          </p:style>
-          <p:txBody>
-            <a:bodyPr wrap="none" lIns="36000" tIns="36000" rIns="36000" bIns="36000" rtlCol="0" anchor="ctr" anchorCtr="0"/>
-            <a:lstStyle/>
-            <a:p>
-              <a:r>
-                <a:rPr lang="zh-CN" altLang="en-US" sz="1000" b="1">
-                  <a:solidFill>
-                    <a:schemeClr val="tx1"/>
-                  </a:solidFill>
-                  <a:latin typeface="微软雅黑 Light" panose="020B0502040204020203" pitchFamily="34" charset="-122"/>
-                  <a:ea typeface="微软雅黑 Light" panose="020B0502040204020203" pitchFamily="34" charset="-122"/>
-                </a:rPr>
-                <a:t>撤销善举</a:t>
-              </a:r>
-              <a:endParaRPr lang="en-US" altLang="zh-CN" sz="1000" b="1">
-                <a:solidFill>
-                  <a:schemeClr val="tx1"/>
-                </a:solidFill>
-                <a:latin typeface="微软雅黑 Light" panose="020B0502040204020203" pitchFamily="34" charset="-122"/>
-                <a:ea typeface="微软雅黑 Light" panose="020B0502040204020203" pitchFamily="34" charset="-122"/>
-              </a:endParaRPr>
-            </a:p>
-            <a:p>
-              <a:r>
-                <a:rPr lang="en-US" altLang="zh-CN" sz="1000" b="1">
-                  <a:solidFill>
-                    <a:schemeClr val="tx1"/>
-                  </a:solidFill>
-                  <a:latin typeface="微软雅黑 Light" panose="020B0502040204020203" pitchFamily="34" charset="-122"/>
-                  <a:ea typeface="微软雅黑 Light" panose="020B0502040204020203" pitchFamily="34" charset="-122"/>
-                </a:rPr>
-                <a:t>undo_kinddeed</a:t>
-              </a:r>
-              <a:endParaRPr lang="zh-CN" altLang="en-US" sz="1000" b="1">
-                <a:solidFill>
-                  <a:schemeClr val="tx1"/>
-                </a:solidFill>
-                <a:latin typeface="微软雅黑 Light" panose="020B0502040204020203" pitchFamily="34" charset="-122"/>
-                <a:ea typeface="微软雅黑 Light" panose="020B0502040204020203" pitchFamily="34" charset="-122"/>
-              </a:endParaRPr>
-            </a:p>
-          </p:txBody>
-        </p:sp>
-      </p:grpSp>
-      <p:sp>
-        <p:nvSpPr>
-          <p:cNvPr id="212" name="矩形: 圆角 211">
-            <a:extLst>
-              <a:ext uri="{FF2B5EF4-FFF2-40B4-BE49-F238E27FC236}">
-                <a16:creationId xmlns:a16="http://schemas.microsoft.com/office/drawing/2014/main" id="{A871C761-A8BF-4FC4-857B-C6B7821A01AA}"/>
-              </a:ext>
-            </a:extLst>
-          </p:cNvPr>
-          <p:cNvSpPr/>
-          <p:nvPr/>
-        </p:nvSpPr>
-        <p:spPr>
-          <a:xfrm>
-            <a:off x="10718004" y="1631049"/>
-            <a:ext cx="1224000" cy="360000"/>
-          </a:xfrm>
-          <a:prstGeom prst="roundRect">
-            <a:avLst/>
-          </a:prstGeom>
-          <a:solidFill>
-            <a:srgbClr val="00B050"/>
-          </a:solidFill>
-          <a:ln>
-            <a:solidFill>
-              <a:schemeClr val="tx1"/>
-            </a:solidFill>
-          </a:ln>
-        </p:spPr>
-        <p:style>
-          <a:lnRef idx="2">
-            <a:schemeClr val="accent1">
-              <a:shade val="50000"/>
-            </a:schemeClr>
-          </a:lnRef>
-          <a:fillRef idx="1">
-            <a:schemeClr val="accent1"/>
-          </a:fillRef>
-          <a:effectRef idx="0">
-            <a:schemeClr val="accent1"/>
-          </a:effectRef>
-          <a:fontRef idx="minor">
-            <a:schemeClr val="lt1"/>
-          </a:fontRef>
-        </p:style>
-        <p:txBody>
-          <a:bodyPr wrap="none" lIns="36000" tIns="36000" rIns="36000" bIns="36000" rtlCol="0" anchor="ctr" anchorCtr="0"/>
-          <a:lstStyle/>
-          <a:p>
-            <a:r>
-              <a:rPr lang="zh-CN" altLang="en-US" sz="1000" b="1" dirty="0">
-                <a:solidFill>
-                  <a:schemeClr val="tx1"/>
-                </a:solidFill>
-                <a:latin typeface="微软雅黑 Light" panose="020B0502040204020203" pitchFamily="34" charset="-122"/>
-                <a:ea typeface="微软雅黑 Light" panose="020B0502040204020203" pitchFamily="34" charset="-122"/>
-              </a:rPr>
-              <a:t>申请成为法师或寺院</a:t>
-            </a:r>
-            <a:endParaRPr lang="en-US" altLang="zh-CN" sz="1000" b="1" dirty="0">
-              <a:solidFill>
-                <a:schemeClr val="tx1"/>
-              </a:solidFill>
-              <a:latin typeface="微软雅黑 Light" panose="020B0502040204020203" pitchFamily="34" charset="-122"/>
-              <a:ea typeface="微软雅黑 Light" panose="020B0502040204020203" pitchFamily="34" charset="-122"/>
-            </a:endParaRPr>
-          </a:p>
-          <a:p>
-            <a:r>
-              <a:rPr lang="en-US" altLang="zh-CN" sz="1000" b="1" dirty="0" err="1">
-                <a:solidFill>
-                  <a:schemeClr val="tx1"/>
-                </a:solidFill>
-                <a:latin typeface="微软雅黑 Light" panose="020B0502040204020203" pitchFamily="34" charset="-122"/>
-                <a:ea typeface="微软雅黑 Light" panose="020B0502040204020203" pitchFamily="34" charset="-122"/>
-              </a:rPr>
-              <a:t>apply_master</a:t>
-            </a:r>
-            <a:endParaRPr lang="zh-CN" altLang="en-US" sz="1000" b="1" dirty="0">
-              <a:solidFill>
-                <a:schemeClr val="tx1"/>
-              </a:solidFill>
-              <a:latin typeface="微软雅黑 Light" panose="020B0502040204020203" pitchFamily="34" charset="-122"/>
-              <a:ea typeface="微软雅黑 Light" panose="020B0502040204020203" pitchFamily="34" charset="-122"/>
-            </a:endParaRPr>
-          </a:p>
-        </p:txBody>
-      </p:sp>
-      <p:sp>
-        <p:nvSpPr>
-          <p:cNvPr id="196" name="矩形: 圆角 195">
-            <a:extLst>
-              <a:ext uri="{FF2B5EF4-FFF2-40B4-BE49-F238E27FC236}">
-                <a16:creationId xmlns:a16="http://schemas.microsoft.com/office/drawing/2014/main" id="{093324E3-2643-4C24-8375-DA6BFAC16E53}"/>
-              </a:ext>
-            </a:extLst>
-          </p:cNvPr>
-          <p:cNvSpPr/>
-          <p:nvPr/>
-        </p:nvSpPr>
-        <p:spPr>
-          <a:xfrm>
-            <a:off x="5793941" y="3351674"/>
-            <a:ext cx="720000" cy="360000"/>
-          </a:xfrm>
-          <a:prstGeom prst="roundRect">
-            <a:avLst/>
-          </a:prstGeom>
-          <a:solidFill>
-            <a:srgbClr val="00B0F0"/>
-          </a:solidFill>
-          <a:ln>
-            <a:solidFill>
-              <a:schemeClr val="tx1"/>
-            </a:solidFill>
-          </a:ln>
-        </p:spPr>
-        <p:style>
-          <a:lnRef idx="2">
-            <a:schemeClr val="accent1">
-              <a:shade val="50000"/>
-            </a:schemeClr>
-          </a:lnRef>
-          <a:fillRef idx="1">
-            <a:schemeClr val="accent1"/>
-          </a:fillRef>
-          <a:effectRef idx="0">
-            <a:schemeClr val="accent1"/>
-          </a:effectRef>
-          <a:fontRef idx="minor">
-            <a:schemeClr val="lt1"/>
-          </a:fontRef>
-        </p:style>
-        <p:txBody>
-          <a:bodyPr wrap="none" lIns="36000" tIns="36000" rIns="36000" bIns="36000" rtlCol="0" anchor="ctr" anchorCtr="0"/>
-          <a:lstStyle/>
-          <a:p>
-            <a:r>
-              <a:rPr lang="zh-CN" altLang="en-US" sz="1000" b="1" dirty="0">
-                <a:solidFill>
-                  <a:schemeClr val="tx1"/>
-                </a:solidFill>
-                <a:latin typeface="微软雅黑 Light" panose="020B0502040204020203" pitchFamily="34" charset="-122"/>
-                <a:ea typeface="微软雅黑 Light" panose="020B0502040204020203" pitchFamily="34" charset="-122"/>
-              </a:rPr>
-              <a:t>寺院</a:t>
-            </a:r>
-          </a:p>
-        </p:txBody>
-      </p:sp>
-      <p:sp>
-        <p:nvSpPr>
-          <p:cNvPr id="211" name="矩形: 圆角 210">
-            <a:extLst>
-              <a:ext uri="{FF2B5EF4-FFF2-40B4-BE49-F238E27FC236}">
-                <a16:creationId xmlns:a16="http://schemas.microsoft.com/office/drawing/2014/main" id="{B20F459B-D4DB-4EDD-AC94-ACC5E110EEFB}"/>
-              </a:ext>
-            </a:extLst>
-          </p:cNvPr>
-          <p:cNvSpPr/>
-          <p:nvPr/>
-        </p:nvSpPr>
-        <p:spPr>
-          <a:xfrm>
-            <a:off x="9164282" y="1631049"/>
-            <a:ext cx="1224000" cy="360000"/>
-          </a:xfrm>
-          <a:prstGeom prst="roundRect">
-            <a:avLst/>
-          </a:prstGeom>
-          <a:solidFill>
-            <a:srgbClr val="00B050"/>
-          </a:solidFill>
-          <a:ln>
-            <a:solidFill>
-              <a:schemeClr val="tx1"/>
-            </a:solidFill>
-          </a:ln>
-        </p:spPr>
-        <p:style>
-          <a:lnRef idx="2">
-            <a:schemeClr val="accent1">
-              <a:shade val="50000"/>
-            </a:schemeClr>
-          </a:lnRef>
-          <a:fillRef idx="1">
-            <a:schemeClr val="accent1"/>
-          </a:fillRef>
-          <a:effectRef idx="0">
-            <a:schemeClr val="accent1"/>
-          </a:effectRef>
-          <a:fontRef idx="minor">
-            <a:schemeClr val="lt1"/>
-          </a:fontRef>
-        </p:style>
-        <p:txBody>
-          <a:bodyPr wrap="none" lIns="36000" tIns="36000" rIns="36000" bIns="36000" rtlCol="0" anchor="ctr" anchorCtr="0"/>
-          <a:lstStyle/>
-          <a:p>
-            <a:r>
-              <a:rPr lang="zh-CN" altLang="en-US" sz="1000" b="1" dirty="0">
-                <a:solidFill>
-                  <a:schemeClr val="tx1"/>
-                </a:solidFill>
-                <a:latin typeface="微软雅黑 Light" panose="020B0502040204020203" pitchFamily="34" charset="-122"/>
-                <a:ea typeface="微软雅黑 Light" panose="020B0502040204020203" pitchFamily="34" charset="-122"/>
-              </a:rPr>
-              <a:t>申请成为基金会成员</a:t>
-            </a:r>
-            <a:endParaRPr lang="en-US" altLang="zh-CN" sz="1000" b="1" dirty="0">
-              <a:solidFill>
-                <a:schemeClr val="tx1"/>
-              </a:solidFill>
-              <a:latin typeface="微软雅黑 Light" panose="020B0502040204020203" pitchFamily="34" charset="-122"/>
-              <a:ea typeface="微软雅黑 Light" panose="020B0502040204020203" pitchFamily="34" charset="-122"/>
-            </a:endParaRPr>
-          </a:p>
-          <a:p>
-            <a:r>
-              <a:rPr lang="en-US" altLang="zh-CN" sz="1000" b="1" dirty="0" err="1">
-                <a:solidFill>
-                  <a:schemeClr val="tx1"/>
-                </a:solidFill>
-                <a:latin typeface="微软雅黑 Light" panose="020B0502040204020203" pitchFamily="34" charset="-122"/>
-                <a:ea typeface="微软雅黑 Light" panose="020B0502040204020203" pitchFamily="34" charset="-122"/>
-              </a:rPr>
-              <a:t>apply_founder</a:t>
-            </a:r>
-            <a:endParaRPr lang="zh-CN" altLang="en-US" sz="1000" b="1" dirty="0">
-              <a:solidFill>
-                <a:schemeClr val="tx1"/>
-              </a:solidFill>
-              <a:latin typeface="微软雅黑 Light" panose="020B0502040204020203" pitchFamily="34" charset="-122"/>
-              <a:ea typeface="微软雅黑 Light" panose="020B0502040204020203" pitchFamily="34" charset="-122"/>
-            </a:endParaRPr>
-          </a:p>
-        </p:txBody>
-      </p:sp>
-      <p:grpSp>
-        <p:nvGrpSpPr>
-          <p:cNvPr id="249" name="组合 248">
-            <a:extLst>
-              <a:ext uri="{FF2B5EF4-FFF2-40B4-BE49-F238E27FC236}">
-                <a16:creationId xmlns:a16="http://schemas.microsoft.com/office/drawing/2014/main" id="{2643E2EE-2FA6-4D7C-B831-94AE9E240B57}"/>
-              </a:ext>
-            </a:extLst>
-          </p:cNvPr>
-          <p:cNvGrpSpPr/>
-          <p:nvPr/>
-        </p:nvGrpSpPr>
-        <p:grpSpPr>
-          <a:xfrm>
-            <a:off x="5470410" y="630424"/>
-            <a:ext cx="1367062" cy="1360625"/>
-            <a:chOff x="2503899" y="823198"/>
-            <a:chExt cx="1367062" cy="1360625"/>
-          </a:xfrm>
-        </p:grpSpPr>
-        <p:sp>
-          <p:nvSpPr>
-            <p:cNvPr id="113" name="矩形: 圆角 112">
-              <a:extLst>
-                <a:ext uri="{FF2B5EF4-FFF2-40B4-BE49-F238E27FC236}">
-                  <a16:creationId xmlns:a16="http://schemas.microsoft.com/office/drawing/2014/main" id="{FC8AF81E-0E9D-44E0-BDFD-51C02EADB8D3}"/>
-                </a:ext>
-              </a:extLst>
-            </p:cNvPr>
-            <p:cNvSpPr/>
-            <p:nvPr/>
-          </p:nvSpPr>
-          <p:spPr>
-            <a:xfrm>
-              <a:off x="2503899" y="823198"/>
-              <a:ext cx="1367062" cy="1360625"/>
-            </a:xfrm>
-            <a:prstGeom prst="roundRect">
-              <a:avLst>
-                <a:gd name="adj" fmla="val 6667"/>
-              </a:avLst>
-            </a:prstGeom>
-            <a:solidFill>
-              <a:schemeClr val="bg2"/>
-            </a:solidFill>
-            <a:ln w="3175"/>
-          </p:spPr>
-          <p:style>
-            <a:lnRef idx="2">
-              <a:schemeClr val="accent1">
-                <a:shade val="50000"/>
-              </a:schemeClr>
-            </a:lnRef>
-            <a:fillRef idx="1">
-              <a:schemeClr val="accent1"/>
-            </a:fillRef>
-            <a:effectRef idx="0">
-              <a:schemeClr val="accent1"/>
-            </a:effectRef>
-            <a:fontRef idx="minor">
-              <a:schemeClr val="lt1"/>
-            </a:fontRef>
-          </p:style>
-          <p:txBody>
-            <a:bodyPr rtlCol="0" anchor="ctr"/>
-            <a:lstStyle/>
-            <a:p>
-              <a:pPr algn="ctr"/>
-              <a:endParaRPr lang="zh-CN" altLang="en-US"/>
-            </a:p>
-          </p:txBody>
-        </p:sp>
-        <p:sp>
-          <p:nvSpPr>
-            <p:cNvPr id="235" name="矩形: 圆角 234">
-              <a:extLst>
-                <a:ext uri="{FF2B5EF4-FFF2-40B4-BE49-F238E27FC236}">
-                  <a16:creationId xmlns:a16="http://schemas.microsoft.com/office/drawing/2014/main" id="{0957AD97-EAE8-4F3A-8C80-067418879FE2}"/>
-                </a:ext>
-              </a:extLst>
-            </p:cNvPr>
-            <p:cNvSpPr/>
-            <p:nvPr/>
-          </p:nvSpPr>
-          <p:spPr>
-            <a:xfrm>
-              <a:off x="2607539" y="913149"/>
-              <a:ext cx="1152000" cy="360000"/>
-            </a:xfrm>
-            <a:prstGeom prst="roundRect">
-              <a:avLst/>
-            </a:prstGeom>
-            <a:solidFill>
-              <a:srgbClr val="00B050"/>
-            </a:solidFill>
-            <a:ln>
-              <a:solidFill>
-                <a:schemeClr val="tx1"/>
-              </a:solidFill>
-            </a:ln>
-          </p:spPr>
-          <p:style>
-            <a:lnRef idx="2">
-              <a:schemeClr val="accent1">
-                <a:shade val="50000"/>
-              </a:schemeClr>
-            </a:lnRef>
-            <a:fillRef idx="1">
-              <a:schemeClr val="accent1"/>
-            </a:fillRef>
-            <a:effectRef idx="0">
-              <a:schemeClr val="accent1"/>
-            </a:effectRef>
-            <a:fontRef idx="minor">
-              <a:schemeClr val="lt1"/>
-            </a:fontRef>
-          </p:style>
-          <p:txBody>
-            <a:bodyPr wrap="none" lIns="36000" tIns="36000" rIns="36000" bIns="36000" rtlCol="0" anchor="ctr" anchorCtr="0"/>
-            <a:lstStyle/>
-            <a:p>
-              <a:r>
-                <a:rPr lang="zh-CN" altLang="en-US" sz="1000" b="1">
-                  <a:solidFill>
-                    <a:schemeClr val="tx1"/>
-                  </a:solidFill>
-                  <a:latin typeface="微软雅黑 Light" panose="020B0502040204020203" pitchFamily="34" charset="-122"/>
-                  <a:ea typeface="微软雅黑 Light" panose="020B0502040204020203" pitchFamily="34" charset="-122"/>
-                </a:rPr>
-                <a:t>添加善举</a:t>
-              </a:r>
-              <a:endParaRPr lang="en-US" altLang="zh-CN" sz="1000" b="1">
-                <a:solidFill>
-                  <a:schemeClr val="tx1"/>
-                </a:solidFill>
-                <a:latin typeface="微软雅黑 Light" panose="020B0502040204020203" pitchFamily="34" charset="-122"/>
-                <a:ea typeface="微软雅黑 Light" panose="020B0502040204020203" pitchFamily="34" charset="-122"/>
-              </a:endParaRPr>
-            </a:p>
-            <a:p>
-              <a:r>
-                <a:rPr lang="en-US" altLang="zh-CN" sz="1000" b="1">
-                  <a:solidFill>
-                    <a:schemeClr val="tx1"/>
-                  </a:solidFill>
-                  <a:latin typeface="微软雅黑 Light" panose="020B0502040204020203" pitchFamily="34" charset="-122"/>
-                  <a:ea typeface="微软雅黑 Light" panose="020B0502040204020203" pitchFamily="34" charset="-122"/>
-                </a:rPr>
-                <a:t>add_kinddeed</a:t>
-              </a:r>
-              <a:endParaRPr lang="zh-CN" altLang="en-US" sz="1000" b="1">
-                <a:solidFill>
-                  <a:schemeClr val="tx1"/>
-                </a:solidFill>
-                <a:latin typeface="微软雅黑 Light" panose="020B0502040204020203" pitchFamily="34" charset="-122"/>
-                <a:ea typeface="微软雅黑 Light" panose="020B0502040204020203" pitchFamily="34" charset="-122"/>
-              </a:endParaRPr>
-            </a:p>
-          </p:txBody>
-        </p:sp>
-        <p:sp>
-          <p:nvSpPr>
-            <p:cNvPr id="237" name="矩形: 圆角 236">
-              <a:extLst>
-                <a:ext uri="{FF2B5EF4-FFF2-40B4-BE49-F238E27FC236}">
-                  <a16:creationId xmlns:a16="http://schemas.microsoft.com/office/drawing/2014/main" id="{D596845A-25AD-42FE-9DD1-7922E75B5E9A}"/>
-                </a:ext>
-              </a:extLst>
-            </p:cNvPr>
-            <p:cNvSpPr/>
-            <p:nvPr/>
-          </p:nvSpPr>
-          <p:spPr>
-            <a:xfrm>
-              <a:off x="2607539" y="1317632"/>
-              <a:ext cx="1152000" cy="360000"/>
-            </a:xfrm>
-            <a:prstGeom prst="roundRect">
-              <a:avLst/>
-            </a:prstGeom>
-            <a:solidFill>
-              <a:srgbClr val="00B050"/>
-            </a:solidFill>
-            <a:ln>
-              <a:solidFill>
-                <a:schemeClr val="tx1"/>
-              </a:solidFill>
-            </a:ln>
-          </p:spPr>
-          <p:style>
-            <a:lnRef idx="2">
-              <a:schemeClr val="accent1">
-                <a:shade val="50000"/>
-              </a:schemeClr>
-            </a:lnRef>
-            <a:fillRef idx="1">
-              <a:schemeClr val="accent1"/>
-            </a:fillRef>
-            <a:effectRef idx="0">
-              <a:schemeClr val="accent1"/>
-            </a:effectRef>
-            <a:fontRef idx="minor">
-              <a:schemeClr val="lt1"/>
-            </a:fontRef>
-          </p:style>
-          <p:txBody>
-            <a:bodyPr wrap="none" lIns="36000" tIns="36000" rIns="36000" bIns="36000" rtlCol="0" anchor="ctr" anchorCtr="0"/>
-            <a:lstStyle/>
-            <a:p>
-              <a:r>
-                <a:rPr lang="zh-CN" altLang="en-US" sz="1000" b="1">
-                  <a:solidFill>
-                    <a:schemeClr val="tx1"/>
-                  </a:solidFill>
-                  <a:latin typeface="微软雅黑 Light" panose="020B0502040204020203" pitchFamily="34" charset="-122"/>
-                  <a:ea typeface="微软雅黑 Light" panose="020B0502040204020203" pitchFamily="34" charset="-122"/>
-                </a:rPr>
-                <a:t>删除善举</a:t>
-              </a:r>
-              <a:endParaRPr lang="en-US" altLang="zh-CN" sz="1000" b="1">
-                <a:solidFill>
-                  <a:schemeClr val="tx1"/>
-                </a:solidFill>
-                <a:latin typeface="微软雅黑 Light" panose="020B0502040204020203" pitchFamily="34" charset="-122"/>
-                <a:ea typeface="微软雅黑 Light" panose="020B0502040204020203" pitchFamily="34" charset="-122"/>
-              </a:endParaRPr>
-            </a:p>
-            <a:p>
-              <a:r>
-                <a:rPr lang="en-US" altLang="zh-CN" sz="1000" b="1">
-                  <a:solidFill>
-                    <a:schemeClr val="tx1"/>
-                  </a:solidFill>
-                  <a:latin typeface="微软雅黑 Light" panose="020B0502040204020203" pitchFamily="34" charset="-122"/>
-                  <a:ea typeface="微软雅黑 Light" panose="020B0502040204020203" pitchFamily="34" charset="-122"/>
-                </a:rPr>
-                <a:t>delete_kinddeed</a:t>
-              </a:r>
-              <a:endParaRPr lang="zh-CN" altLang="en-US" sz="1000" b="1">
-                <a:solidFill>
-                  <a:schemeClr val="tx1"/>
-                </a:solidFill>
-                <a:latin typeface="微软雅黑 Light" panose="020B0502040204020203" pitchFamily="34" charset="-122"/>
-                <a:ea typeface="微软雅黑 Light" panose="020B0502040204020203" pitchFamily="34" charset="-122"/>
-              </a:endParaRPr>
-            </a:p>
-          </p:txBody>
-        </p:sp>
-        <p:sp>
-          <p:nvSpPr>
-            <p:cNvPr id="238" name="矩形: 圆角 237">
-              <a:extLst>
-                <a:ext uri="{FF2B5EF4-FFF2-40B4-BE49-F238E27FC236}">
-                  <a16:creationId xmlns:a16="http://schemas.microsoft.com/office/drawing/2014/main" id="{F31C432A-1990-4076-8CFE-E7A054708446}"/>
-                </a:ext>
-              </a:extLst>
-            </p:cNvPr>
-            <p:cNvSpPr/>
-            <p:nvPr/>
-          </p:nvSpPr>
-          <p:spPr>
-            <a:xfrm>
-              <a:off x="2607539" y="1722115"/>
-              <a:ext cx="1152000" cy="360000"/>
-            </a:xfrm>
-            <a:prstGeom prst="roundRect">
-              <a:avLst/>
-            </a:prstGeom>
-            <a:solidFill>
-              <a:srgbClr val="00B050"/>
-            </a:solidFill>
-            <a:ln>
-              <a:solidFill>
-                <a:schemeClr val="tx1"/>
-              </a:solidFill>
-            </a:ln>
-          </p:spPr>
-          <p:style>
-            <a:lnRef idx="2">
-              <a:schemeClr val="accent1">
-                <a:shade val="50000"/>
-              </a:schemeClr>
-            </a:lnRef>
-            <a:fillRef idx="1">
-              <a:schemeClr val="accent1"/>
-            </a:fillRef>
-            <a:effectRef idx="0">
-              <a:schemeClr val="accent1"/>
-            </a:effectRef>
-            <a:fontRef idx="minor">
-              <a:schemeClr val="lt1"/>
-            </a:fontRef>
-          </p:style>
-          <p:txBody>
-            <a:bodyPr wrap="none" lIns="36000" tIns="36000" rIns="36000" bIns="36000" rtlCol="0" anchor="ctr" anchorCtr="0"/>
-            <a:lstStyle/>
-            <a:p>
-              <a:r>
-                <a:rPr lang="zh-CN" altLang="en-US" sz="1000" b="1">
-                  <a:solidFill>
-                    <a:schemeClr val="tx1"/>
-                  </a:solidFill>
-                  <a:latin typeface="微软雅黑 Light" panose="020B0502040204020203" pitchFamily="34" charset="-122"/>
-                  <a:ea typeface="微软雅黑 Light" panose="020B0502040204020203" pitchFamily="34" charset="-122"/>
-                </a:rPr>
-                <a:t>修改善举</a:t>
-              </a:r>
-              <a:endParaRPr lang="en-US" altLang="zh-CN" sz="1000" b="1">
-                <a:solidFill>
-                  <a:schemeClr val="tx1"/>
-                </a:solidFill>
-                <a:latin typeface="微软雅黑 Light" panose="020B0502040204020203" pitchFamily="34" charset="-122"/>
-                <a:ea typeface="微软雅黑 Light" panose="020B0502040204020203" pitchFamily="34" charset="-122"/>
-              </a:endParaRPr>
-            </a:p>
-            <a:p>
-              <a:r>
-                <a:rPr lang="en-US" altLang="zh-CN" sz="1000" b="1">
-                  <a:solidFill>
-                    <a:schemeClr val="tx1"/>
-                  </a:solidFill>
-                  <a:latin typeface="微软雅黑 Light" panose="020B0502040204020203" pitchFamily="34" charset="-122"/>
-                  <a:ea typeface="微软雅黑 Light" panose="020B0502040204020203" pitchFamily="34" charset="-122"/>
-                </a:rPr>
-                <a:t>update_kinddeed</a:t>
-              </a:r>
-              <a:endParaRPr lang="zh-CN" altLang="en-US" sz="1000" b="1">
-                <a:solidFill>
-                  <a:schemeClr val="tx1"/>
-                </a:solidFill>
-                <a:latin typeface="微软雅黑 Light" panose="020B0502040204020203" pitchFamily="34" charset="-122"/>
-                <a:ea typeface="微软雅黑 Light" panose="020B0502040204020203" pitchFamily="34" charset="-122"/>
-              </a:endParaRPr>
-            </a:p>
-          </p:txBody>
-        </p:sp>
-      </p:grpSp>
-      <p:sp>
-        <p:nvSpPr>
-          <p:cNvPr id="195" name="矩形: 圆角 194">
-            <a:extLst>
-              <a:ext uri="{FF2B5EF4-FFF2-40B4-BE49-F238E27FC236}">
-                <a16:creationId xmlns:a16="http://schemas.microsoft.com/office/drawing/2014/main" id="{91033425-93C8-4623-83C5-FFB074BF48C1}"/>
-              </a:ext>
-            </a:extLst>
-          </p:cNvPr>
-          <p:cNvSpPr/>
-          <p:nvPr/>
-        </p:nvSpPr>
-        <p:spPr>
-          <a:xfrm>
-            <a:off x="3774098" y="3351674"/>
-            <a:ext cx="720000" cy="360000"/>
-          </a:xfrm>
-          <a:prstGeom prst="roundRect">
-            <a:avLst/>
-          </a:prstGeom>
-          <a:solidFill>
-            <a:srgbClr val="00B0F0"/>
-          </a:solidFill>
-          <a:ln>
-            <a:solidFill>
-              <a:schemeClr val="tx1"/>
-            </a:solidFill>
-          </a:ln>
-        </p:spPr>
-        <p:style>
-          <a:lnRef idx="2">
-            <a:schemeClr val="accent1">
-              <a:shade val="50000"/>
-            </a:schemeClr>
-          </a:lnRef>
-          <a:fillRef idx="1">
-            <a:schemeClr val="accent1"/>
-          </a:fillRef>
-          <a:effectRef idx="0">
-            <a:schemeClr val="accent1"/>
-          </a:effectRef>
-          <a:fontRef idx="minor">
-            <a:schemeClr val="lt1"/>
-          </a:fontRef>
-        </p:style>
-        <p:txBody>
-          <a:bodyPr wrap="none" lIns="36000" tIns="36000" rIns="36000" bIns="36000" rtlCol="0" anchor="ctr" anchorCtr="0"/>
-          <a:lstStyle/>
-          <a:p>
-            <a:r>
-              <a:rPr lang="zh-CN" altLang="en-US" sz="1000" b="1">
-                <a:solidFill>
-                  <a:schemeClr val="tx1"/>
-                </a:solidFill>
-                <a:latin typeface="微软雅黑 Light" panose="020B0502040204020203" pitchFamily="34" charset="-122"/>
-                <a:ea typeface="微软雅黑 Light" panose="020B0502040204020203" pitchFamily="34" charset="-122"/>
-              </a:rPr>
-              <a:t>基金会成员</a:t>
-            </a:r>
-          </a:p>
-        </p:txBody>
-      </p:sp>
-      <p:grpSp>
-        <p:nvGrpSpPr>
-          <p:cNvPr id="19" name="组合 18">
-            <a:extLst>
-              <a:ext uri="{FF2B5EF4-FFF2-40B4-BE49-F238E27FC236}">
-                <a16:creationId xmlns:a16="http://schemas.microsoft.com/office/drawing/2014/main" id="{8C5A7DBB-A947-4957-B3D5-92D80D479D8F}"/>
-              </a:ext>
-            </a:extLst>
-          </p:cNvPr>
-          <p:cNvGrpSpPr/>
-          <p:nvPr/>
-        </p:nvGrpSpPr>
-        <p:grpSpPr>
-          <a:xfrm>
-            <a:off x="3219042" y="3834802"/>
-            <a:ext cx="1830112" cy="2849292"/>
-            <a:chOff x="3519128" y="2110595"/>
-            <a:chExt cx="1830112" cy="2849292"/>
-          </a:xfrm>
-        </p:grpSpPr>
-        <p:sp>
-          <p:nvSpPr>
-            <p:cNvPr id="71" name="矩形: 圆角 70">
-              <a:extLst>
-                <a:ext uri="{FF2B5EF4-FFF2-40B4-BE49-F238E27FC236}">
-                  <a16:creationId xmlns:a16="http://schemas.microsoft.com/office/drawing/2014/main" id="{191EB022-B913-4809-87A7-37E31B7F2609}"/>
-                </a:ext>
-              </a:extLst>
-            </p:cNvPr>
-            <p:cNvSpPr/>
-            <p:nvPr/>
-          </p:nvSpPr>
-          <p:spPr>
-            <a:xfrm>
-              <a:off x="3519128" y="2110595"/>
-              <a:ext cx="1830112" cy="2849292"/>
-            </a:xfrm>
-            <a:prstGeom prst="roundRect">
-              <a:avLst>
-                <a:gd name="adj" fmla="val 6667"/>
-              </a:avLst>
-            </a:prstGeom>
-            <a:solidFill>
-              <a:schemeClr val="bg2"/>
-            </a:solidFill>
-            <a:ln w="3175"/>
-          </p:spPr>
-          <p:style>
-            <a:lnRef idx="2">
-              <a:schemeClr val="accent1">
-                <a:shade val="50000"/>
-              </a:schemeClr>
-            </a:lnRef>
-            <a:fillRef idx="1">
-              <a:schemeClr val="accent1"/>
-            </a:fillRef>
-            <a:effectRef idx="0">
-              <a:schemeClr val="accent1"/>
-            </a:effectRef>
-            <a:fontRef idx="minor">
-              <a:schemeClr val="lt1"/>
-            </a:fontRef>
-          </p:style>
-          <p:txBody>
-            <a:bodyPr rtlCol="0" anchor="ctr"/>
-            <a:lstStyle/>
-            <a:p>
-              <a:pPr algn="ctr"/>
-              <a:endParaRPr lang="zh-CN" altLang="en-US"/>
-            </a:p>
-          </p:txBody>
-        </p:sp>
-        <p:grpSp>
-          <p:nvGrpSpPr>
-            <p:cNvPr id="11" name="组合 10">
-              <a:extLst>
-                <a:ext uri="{FF2B5EF4-FFF2-40B4-BE49-F238E27FC236}">
-                  <a16:creationId xmlns:a16="http://schemas.microsoft.com/office/drawing/2014/main" id="{E57B7FAD-8C11-4588-ABF1-A48D737A2ECF}"/>
-                </a:ext>
-              </a:extLst>
-            </p:cNvPr>
-            <p:cNvGrpSpPr/>
-            <p:nvPr/>
-          </p:nvGrpSpPr>
-          <p:grpSpPr>
-            <a:xfrm>
-              <a:off x="3602223" y="2194724"/>
-              <a:ext cx="1260000" cy="763827"/>
-              <a:chOff x="3862877" y="2928810"/>
-              <a:chExt cx="1260000" cy="763827"/>
-            </a:xfrm>
-          </p:grpSpPr>
-          <p:sp>
-            <p:nvSpPr>
-              <p:cNvPr id="200" name="矩形: 圆角 199">
-                <a:extLst>
-                  <a:ext uri="{FF2B5EF4-FFF2-40B4-BE49-F238E27FC236}">
-                    <a16:creationId xmlns:a16="http://schemas.microsoft.com/office/drawing/2014/main" id="{2FADA372-CB91-4556-9959-E60DBA3DBD51}"/>
-                  </a:ext>
-                </a:extLst>
-              </p:cNvPr>
-              <p:cNvSpPr/>
-              <p:nvPr/>
-            </p:nvSpPr>
-            <p:spPr>
-              <a:xfrm>
-                <a:off x="3862877" y="2928810"/>
-                <a:ext cx="1260000" cy="360000"/>
-              </a:xfrm>
-              <a:prstGeom prst="roundRect">
-                <a:avLst/>
-              </a:prstGeom>
-              <a:solidFill>
-                <a:srgbClr val="00B050"/>
-              </a:solidFill>
-              <a:ln>
-                <a:solidFill>
-                  <a:schemeClr val="tx1"/>
-                </a:solidFill>
-              </a:ln>
-            </p:spPr>
-            <p:style>
-              <a:lnRef idx="2">
-                <a:schemeClr val="accent1">
-                  <a:shade val="50000"/>
-                </a:schemeClr>
-              </a:lnRef>
-              <a:fillRef idx="1">
-                <a:schemeClr val="accent1"/>
-              </a:fillRef>
-              <a:effectRef idx="0">
-                <a:schemeClr val="accent1"/>
-              </a:effectRef>
-              <a:fontRef idx="minor">
-                <a:schemeClr val="lt1"/>
-              </a:fontRef>
-            </p:style>
-            <p:txBody>
-              <a:bodyPr wrap="none" lIns="36000" tIns="36000" rIns="36000" bIns="36000" rtlCol="0" anchor="ctr" anchorCtr="0"/>
-              <a:lstStyle/>
-              <a:p>
-                <a:r>
-                  <a:rPr lang="zh-CN" altLang="en-US" sz="1000" b="1">
-                    <a:solidFill>
-                      <a:schemeClr val="tx1"/>
-                    </a:solidFill>
-                    <a:latin typeface="微软雅黑 Light" panose="020B0502040204020203" pitchFamily="34" charset="-122"/>
-                    <a:ea typeface="微软雅黑 Light" panose="020B0502040204020203" pitchFamily="34" charset="-122"/>
-                  </a:rPr>
-                  <a:t>批准成为法师或寺院</a:t>
-                </a:r>
-                <a:endParaRPr lang="en-US" altLang="zh-CN" sz="1000" b="1">
-                  <a:solidFill>
-                    <a:schemeClr val="tx1"/>
-                  </a:solidFill>
-                  <a:latin typeface="微软雅黑 Light" panose="020B0502040204020203" pitchFamily="34" charset="-122"/>
-                  <a:ea typeface="微软雅黑 Light" panose="020B0502040204020203" pitchFamily="34" charset="-122"/>
-                </a:endParaRPr>
-              </a:p>
-              <a:p>
-                <a:r>
-                  <a:rPr lang="en-US" altLang="zh-CN" sz="1000" b="1">
-                    <a:solidFill>
-                      <a:schemeClr val="tx1"/>
-                    </a:solidFill>
-                    <a:latin typeface="微软雅黑 Light" panose="020B0502040204020203" pitchFamily="34" charset="-122"/>
-                    <a:ea typeface="微软雅黑 Light" panose="020B0502040204020203" pitchFamily="34" charset="-122"/>
-                  </a:rPr>
-                  <a:t>approve_master</a:t>
-                </a:r>
-                <a:endParaRPr lang="zh-CN" altLang="en-US" sz="1000" b="1">
-                  <a:solidFill>
-                    <a:schemeClr val="tx1"/>
-                  </a:solidFill>
-                  <a:latin typeface="微软雅黑 Light" panose="020B0502040204020203" pitchFamily="34" charset="-122"/>
-                  <a:ea typeface="微软雅黑 Light" panose="020B0502040204020203" pitchFamily="34" charset="-122"/>
-                </a:endParaRPr>
-              </a:p>
-            </p:txBody>
-          </p:sp>
-          <p:sp>
-            <p:nvSpPr>
-              <p:cNvPr id="220" name="矩形: 圆角 219">
-                <a:extLst>
-                  <a:ext uri="{FF2B5EF4-FFF2-40B4-BE49-F238E27FC236}">
-                    <a16:creationId xmlns:a16="http://schemas.microsoft.com/office/drawing/2014/main" id="{12892BFA-0808-4A39-8AA9-F5B56A283215}"/>
-                  </a:ext>
-                </a:extLst>
-              </p:cNvPr>
-              <p:cNvSpPr/>
-              <p:nvPr/>
-            </p:nvSpPr>
-            <p:spPr>
-              <a:xfrm>
-                <a:off x="3862877" y="3332637"/>
-                <a:ext cx="1260000" cy="360000"/>
-              </a:xfrm>
-              <a:prstGeom prst="roundRect">
-                <a:avLst/>
-              </a:prstGeom>
-              <a:solidFill>
-                <a:srgbClr val="00B050"/>
-              </a:solidFill>
-              <a:ln>
-                <a:solidFill>
-                  <a:schemeClr val="tx1"/>
-                </a:solidFill>
-              </a:ln>
-            </p:spPr>
-            <p:style>
-              <a:lnRef idx="2">
-                <a:schemeClr val="accent1">
-                  <a:shade val="50000"/>
-                </a:schemeClr>
-              </a:lnRef>
-              <a:fillRef idx="1">
-                <a:schemeClr val="accent1"/>
-              </a:fillRef>
-              <a:effectRef idx="0">
-                <a:schemeClr val="accent1"/>
-              </a:effectRef>
-              <a:fontRef idx="minor">
-                <a:schemeClr val="lt1"/>
-              </a:fontRef>
-            </p:style>
-            <p:txBody>
-              <a:bodyPr wrap="none" lIns="36000" tIns="36000" rIns="36000" bIns="36000" rtlCol="0" anchor="ctr" anchorCtr="0"/>
-              <a:lstStyle/>
-              <a:p>
-                <a:r>
-                  <a:rPr lang="zh-CN" altLang="en-US" sz="1000" b="1">
-                    <a:solidFill>
-                      <a:schemeClr val="tx1"/>
-                    </a:solidFill>
-                    <a:latin typeface="微软雅黑 Light" panose="020B0502040204020203" pitchFamily="34" charset="-122"/>
-                    <a:ea typeface="微软雅黑 Light" panose="020B0502040204020203" pitchFamily="34" charset="-122"/>
-                  </a:rPr>
-                  <a:t>取消法师或寺院资格</a:t>
-                </a:r>
-                <a:endParaRPr lang="en-US" altLang="zh-CN" sz="1000" b="1">
-                  <a:solidFill>
-                    <a:schemeClr val="tx1"/>
-                  </a:solidFill>
-                  <a:latin typeface="微软雅黑 Light" panose="020B0502040204020203" pitchFamily="34" charset="-122"/>
-                  <a:ea typeface="微软雅黑 Light" panose="020B0502040204020203" pitchFamily="34" charset="-122"/>
-                </a:endParaRPr>
-              </a:p>
-              <a:p>
-                <a:r>
-                  <a:rPr lang="en-US" altLang="zh-CN" sz="1000" b="1">
-                    <a:solidFill>
-                      <a:schemeClr val="tx1"/>
-                    </a:solidFill>
-                    <a:latin typeface="微软雅黑 Light" panose="020B0502040204020203" pitchFamily="34" charset="-122"/>
-                    <a:ea typeface="微软雅黑 Light" panose="020B0502040204020203" pitchFamily="34" charset="-122"/>
-                  </a:rPr>
-                  <a:t>recusal_master</a:t>
-                </a:r>
-                <a:endParaRPr lang="zh-CN" altLang="en-US" sz="1000" b="1">
-                  <a:solidFill>
-                    <a:schemeClr val="tx1"/>
-                  </a:solidFill>
-                  <a:latin typeface="微软雅黑 Light" panose="020B0502040204020203" pitchFamily="34" charset="-122"/>
-                  <a:ea typeface="微软雅黑 Light" panose="020B0502040204020203" pitchFamily="34" charset="-122"/>
-                </a:endParaRPr>
-              </a:p>
-            </p:txBody>
-          </p:sp>
-        </p:grpSp>
-        <p:sp>
-          <p:nvSpPr>
-            <p:cNvPr id="215" name="矩形: 圆角 214">
-              <a:extLst>
-                <a:ext uri="{FF2B5EF4-FFF2-40B4-BE49-F238E27FC236}">
-                  <a16:creationId xmlns:a16="http://schemas.microsoft.com/office/drawing/2014/main" id="{5CF34D47-F6DA-4CD7-8A4A-17175CE59E3B}"/>
-                </a:ext>
-              </a:extLst>
-            </p:cNvPr>
-            <p:cNvSpPr/>
-            <p:nvPr/>
-          </p:nvSpPr>
-          <p:spPr>
-            <a:xfrm>
-              <a:off x="3602223" y="3146731"/>
-              <a:ext cx="1663578" cy="360000"/>
-            </a:xfrm>
-            <a:prstGeom prst="roundRect">
-              <a:avLst/>
-            </a:prstGeom>
-            <a:solidFill>
-              <a:srgbClr val="00B050"/>
-            </a:solidFill>
-            <a:ln>
-              <a:solidFill>
-                <a:schemeClr val="tx1"/>
-              </a:solidFill>
-            </a:ln>
-          </p:spPr>
-          <p:style>
-            <a:lnRef idx="2">
-              <a:schemeClr val="accent1">
-                <a:shade val="50000"/>
-              </a:schemeClr>
-            </a:lnRef>
-            <a:fillRef idx="1">
-              <a:schemeClr val="accent1"/>
-            </a:fillRef>
-            <a:effectRef idx="0">
-              <a:schemeClr val="accent1"/>
-            </a:effectRef>
-            <a:fontRef idx="minor">
-              <a:schemeClr val="lt1"/>
-            </a:fontRef>
-          </p:style>
-          <p:txBody>
-            <a:bodyPr wrap="none" lIns="36000" tIns="36000" rIns="36000" bIns="36000" rtlCol="0" anchor="ctr" anchorCtr="0"/>
-            <a:lstStyle/>
-            <a:p>
-              <a:r>
-                <a:rPr lang="zh-CN" altLang="en-US" sz="1000" b="1">
-                  <a:solidFill>
-                    <a:schemeClr val="tx1"/>
-                  </a:solidFill>
-                  <a:latin typeface="微软雅黑 Light" panose="020B0502040204020203" pitchFamily="34" charset="-122"/>
-                  <a:ea typeface="微软雅黑 Light" panose="020B0502040204020203" pitchFamily="34" charset="-122"/>
-                </a:rPr>
-                <a:t>批准善举上架</a:t>
-              </a:r>
-              <a:endParaRPr lang="en-US" altLang="zh-CN" sz="1000" b="1">
-                <a:solidFill>
-                  <a:schemeClr val="tx1"/>
-                </a:solidFill>
-                <a:latin typeface="微软雅黑 Light" panose="020B0502040204020203" pitchFamily="34" charset="-122"/>
-                <a:ea typeface="微软雅黑 Light" panose="020B0502040204020203" pitchFamily="34" charset="-122"/>
-              </a:endParaRPr>
-            </a:p>
-            <a:p>
-              <a:r>
-                <a:rPr lang="en-US" altLang="zh-CN" sz="1000" b="1">
-                  <a:solidFill>
-                    <a:schemeClr val="tx1"/>
-                  </a:solidFill>
-                  <a:latin typeface="微软雅黑 Light" panose="020B0502040204020203" pitchFamily="34" charset="-122"/>
-                  <a:ea typeface="微软雅黑 Light" panose="020B0502040204020203" pitchFamily="34" charset="-122"/>
-                </a:rPr>
-                <a:t>approve_online_kinddeed</a:t>
-              </a:r>
-              <a:endParaRPr lang="zh-CN" altLang="en-US" sz="1000" b="1">
-                <a:solidFill>
-                  <a:schemeClr val="tx1"/>
-                </a:solidFill>
-                <a:latin typeface="微软雅黑 Light" panose="020B0502040204020203" pitchFamily="34" charset="-122"/>
-                <a:ea typeface="微软雅黑 Light" panose="020B0502040204020203" pitchFamily="34" charset="-122"/>
-              </a:endParaRPr>
-            </a:p>
-          </p:txBody>
-        </p:sp>
-        <p:sp>
-          <p:nvSpPr>
-            <p:cNvPr id="222" name="矩形: 圆角 221">
-              <a:extLst>
-                <a:ext uri="{FF2B5EF4-FFF2-40B4-BE49-F238E27FC236}">
-                  <a16:creationId xmlns:a16="http://schemas.microsoft.com/office/drawing/2014/main" id="{0F42CEB0-5C78-48B1-B81B-2F081ED61ECA}"/>
-                </a:ext>
-              </a:extLst>
-            </p:cNvPr>
-            <p:cNvSpPr/>
-            <p:nvPr/>
-          </p:nvSpPr>
-          <p:spPr>
-            <a:xfrm>
-              <a:off x="3602223" y="3557395"/>
-              <a:ext cx="1663578" cy="360000"/>
-            </a:xfrm>
-            <a:prstGeom prst="roundRect">
-              <a:avLst/>
-            </a:prstGeom>
-            <a:solidFill>
-              <a:srgbClr val="00B050"/>
-            </a:solidFill>
-            <a:ln>
-              <a:solidFill>
-                <a:schemeClr val="tx1"/>
-              </a:solidFill>
-            </a:ln>
-          </p:spPr>
-          <p:style>
-            <a:lnRef idx="2">
-              <a:schemeClr val="accent1">
-                <a:shade val="50000"/>
-              </a:schemeClr>
-            </a:lnRef>
-            <a:fillRef idx="1">
-              <a:schemeClr val="accent1"/>
-            </a:fillRef>
-            <a:effectRef idx="0">
-              <a:schemeClr val="accent1"/>
-            </a:effectRef>
-            <a:fontRef idx="minor">
-              <a:schemeClr val="lt1"/>
-            </a:fontRef>
-          </p:style>
-          <p:txBody>
-            <a:bodyPr wrap="none" lIns="36000" tIns="36000" rIns="36000" bIns="36000" rtlCol="0" anchor="ctr" anchorCtr="0"/>
-            <a:lstStyle/>
-            <a:p>
-              <a:r>
-                <a:rPr lang="zh-CN" altLang="en-US" sz="1000" b="1">
-                  <a:solidFill>
-                    <a:schemeClr val="tx1"/>
-                  </a:solidFill>
-                  <a:latin typeface="微软雅黑 Light" panose="020B0502040204020203" pitchFamily="34" charset="-122"/>
-                  <a:ea typeface="微软雅黑 Light" panose="020B0502040204020203" pitchFamily="34" charset="-122"/>
-                </a:rPr>
-                <a:t>批准善举下架</a:t>
-              </a:r>
-            </a:p>
-            <a:p>
-              <a:r>
-                <a:rPr lang="en-US" altLang="zh-CN" sz="1000" b="1">
-                  <a:solidFill>
-                    <a:schemeClr val="tx1"/>
-                  </a:solidFill>
-                  <a:latin typeface="微软雅黑 Light" panose="020B0502040204020203" pitchFamily="34" charset="-122"/>
-                  <a:ea typeface="微软雅黑 Light" panose="020B0502040204020203" pitchFamily="34" charset="-122"/>
-                </a:rPr>
-                <a:t>approve_offline_kinddeed</a:t>
-              </a:r>
-              <a:endParaRPr lang="zh-CN" altLang="en-US" sz="1000" b="1">
-                <a:solidFill>
-                  <a:schemeClr val="tx1"/>
-                </a:solidFill>
-                <a:latin typeface="微软雅黑 Light" panose="020B0502040204020203" pitchFamily="34" charset="-122"/>
-                <a:ea typeface="微软雅黑 Light" panose="020B0502040204020203" pitchFamily="34" charset="-122"/>
-              </a:endParaRPr>
-            </a:p>
-          </p:txBody>
-        </p:sp>
-        <p:grpSp>
-          <p:nvGrpSpPr>
-            <p:cNvPr id="3" name="组合 2">
-              <a:extLst>
-                <a:ext uri="{FF2B5EF4-FFF2-40B4-BE49-F238E27FC236}">
-                  <a16:creationId xmlns:a16="http://schemas.microsoft.com/office/drawing/2014/main" id="{780B69E3-CD54-4F9C-A564-C96B04FE9BC2}"/>
-                </a:ext>
-              </a:extLst>
-            </p:cNvPr>
-            <p:cNvGrpSpPr/>
-            <p:nvPr/>
-          </p:nvGrpSpPr>
-          <p:grpSpPr>
-            <a:xfrm>
-              <a:off x="3602223" y="4090949"/>
-              <a:ext cx="1600078" cy="757668"/>
-              <a:chOff x="3862877" y="4596434"/>
-              <a:chExt cx="1600078" cy="757668"/>
-            </a:xfrm>
-          </p:grpSpPr>
-          <p:sp>
-            <p:nvSpPr>
-              <p:cNvPr id="242" name="矩形: 圆角 241">
-                <a:extLst>
-                  <a:ext uri="{FF2B5EF4-FFF2-40B4-BE49-F238E27FC236}">
-                    <a16:creationId xmlns:a16="http://schemas.microsoft.com/office/drawing/2014/main" id="{1D6823E3-5FF6-4CE9-8873-D0C95DB6EF67}"/>
-                  </a:ext>
-                </a:extLst>
-              </p:cNvPr>
-              <p:cNvSpPr/>
-              <p:nvPr/>
-            </p:nvSpPr>
-            <p:spPr>
-              <a:xfrm>
-                <a:off x="3862877" y="4596434"/>
-                <a:ext cx="1600078" cy="360000"/>
-              </a:xfrm>
-              <a:prstGeom prst="roundRect">
-                <a:avLst/>
-              </a:prstGeom>
-              <a:solidFill>
-                <a:srgbClr val="00B050"/>
-              </a:solidFill>
-              <a:ln>
-                <a:solidFill>
-                  <a:schemeClr val="tx1"/>
-                </a:solidFill>
-              </a:ln>
-            </p:spPr>
-            <p:style>
-              <a:lnRef idx="2">
-                <a:schemeClr val="accent1">
-                  <a:shade val="50000"/>
-                </a:schemeClr>
-              </a:lnRef>
-              <a:fillRef idx="1">
-                <a:schemeClr val="accent1"/>
-              </a:fillRef>
-              <a:effectRef idx="0">
-                <a:schemeClr val="accent1"/>
-              </a:effectRef>
-              <a:fontRef idx="minor">
-                <a:schemeClr val="lt1"/>
-              </a:fontRef>
-            </p:style>
-            <p:txBody>
-              <a:bodyPr wrap="none" lIns="36000" tIns="36000" rIns="36000" bIns="36000" rtlCol="0" anchor="ctr" anchorCtr="0"/>
-              <a:lstStyle/>
-              <a:p>
-                <a:r>
-                  <a:rPr lang="zh-CN" altLang="en-US" sz="1000" b="1">
-                    <a:solidFill>
-                      <a:schemeClr val="tx1"/>
-                    </a:solidFill>
-                    <a:latin typeface="微软雅黑 Light" panose="020B0502040204020203" pitchFamily="34" charset="-122"/>
-                    <a:ea typeface="微软雅黑 Light" panose="020B0502040204020203" pitchFamily="34" charset="-122"/>
-                  </a:rPr>
-                  <a:t>批准善举凭证</a:t>
-                </a:r>
-                <a:endParaRPr lang="en-US" altLang="zh-CN" sz="1000" b="1">
-                  <a:solidFill>
-                    <a:schemeClr val="tx1"/>
-                  </a:solidFill>
-                  <a:latin typeface="微软雅黑 Light" panose="020B0502040204020203" pitchFamily="34" charset="-122"/>
-                  <a:ea typeface="微软雅黑 Light" panose="020B0502040204020203" pitchFamily="34" charset="-122"/>
-                </a:endParaRPr>
-              </a:p>
-              <a:p>
-                <a:r>
-                  <a:rPr lang="en-US" altLang="zh-CN" sz="1000" b="1">
-                    <a:solidFill>
-                      <a:schemeClr val="tx1"/>
-                    </a:solidFill>
-                    <a:latin typeface="微软雅黑 Light" panose="020B0502040204020203" pitchFamily="34" charset="-122"/>
-                    <a:ea typeface="微软雅黑 Light" panose="020B0502040204020203" pitchFamily="34" charset="-122"/>
-                  </a:rPr>
-                  <a:t>approve_kinddeed_proof</a:t>
-                </a:r>
-                <a:endParaRPr lang="zh-CN" altLang="en-US" sz="1000" b="1">
-                  <a:solidFill>
-                    <a:schemeClr val="tx1"/>
-                  </a:solidFill>
-                  <a:latin typeface="微软雅黑 Light" panose="020B0502040204020203" pitchFamily="34" charset="-122"/>
-                  <a:ea typeface="微软雅黑 Light" panose="020B0502040204020203" pitchFamily="34" charset="-122"/>
-                </a:endParaRPr>
-              </a:p>
-            </p:txBody>
-          </p:sp>
-          <p:sp>
-            <p:nvSpPr>
-              <p:cNvPr id="47" name="矩形: 圆角 46">
-                <a:extLst>
-                  <a:ext uri="{FF2B5EF4-FFF2-40B4-BE49-F238E27FC236}">
-                    <a16:creationId xmlns:a16="http://schemas.microsoft.com/office/drawing/2014/main" id="{82720F6F-EEC8-423D-91F9-ECA1310A022A}"/>
-                  </a:ext>
-                </a:extLst>
-              </p:cNvPr>
-              <p:cNvSpPr/>
-              <p:nvPr/>
-            </p:nvSpPr>
-            <p:spPr>
-              <a:xfrm>
-                <a:off x="3862877" y="4994102"/>
-                <a:ext cx="1600078" cy="360000"/>
-              </a:xfrm>
-              <a:prstGeom prst="roundRect">
-                <a:avLst/>
-              </a:prstGeom>
-              <a:solidFill>
-                <a:srgbClr val="00B050"/>
-              </a:solidFill>
-              <a:ln>
-                <a:solidFill>
-                  <a:schemeClr val="tx1"/>
-                </a:solidFill>
-              </a:ln>
-            </p:spPr>
-            <p:style>
-              <a:lnRef idx="2">
-                <a:schemeClr val="accent1">
-                  <a:shade val="50000"/>
-                </a:schemeClr>
-              </a:lnRef>
-              <a:fillRef idx="1">
-                <a:schemeClr val="accent1"/>
-              </a:fillRef>
-              <a:effectRef idx="0">
-                <a:schemeClr val="accent1"/>
-              </a:effectRef>
-              <a:fontRef idx="minor">
-                <a:schemeClr val="lt1"/>
-              </a:fontRef>
-            </p:style>
-            <p:txBody>
-              <a:bodyPr wrap="none" lIns="36000" tIns="36000" rIns="36000" bIns="36000" rtlCol="0" anchor="ctr" anchorCtr="0"/>
-              <a:lstStyle/>
-              <a:p>
-                <a:r>
-                  <a:rPr lang="zh-CN" altLang="en-US" sz="1000" b="1">
-                    <a:solidFill>
-                      <a:schemeClr val="tx1"/>
-                    </a:solidFill>
-                    <a:latin typeface="微软雅黑 Light" panose="020B0502040204020203" pitchFamily="34" charset="-122"/>
-                    <a:ea typeface="微软雅黑 Light" panose="020B0502040204020203" pitchFamily="34" charset="-122"/>
-                  </a:rPr>
-                  <a:t>拒绝善举凭证</a:t>
-                </a:r>
-                <a:endParaRPr lang="en-US" altLang="zh-CN" sz="1000" b="1">
-                  <a:solidFill>
-                    <a:schemeClr val="tx1"/>
-                  </a:solidFill>
-                  <a:latin typeface="微软雅黑 Light" panose="020B0502040204020203" pitchFamily="34" charset="-122"/>
-                  <a:ea typeface="微软雅黑 Light" panose="020B0502040204020203" pitchFamily="34" charset="-122"/>
-                </a:endParaRPr>
-              </a:p>
-              <a:p>
-                <a:r>
-                  <a:rPr lang="en-US" altLang="zh-CN" sz="1000" b="1">
-                    <a:solidFill>
-                      <a:schemeClr val="tx1"/>
-                    </a:solidFill>
-                    <a:latin typeface="微软雅黑 Light" panose="020B0502040204020203" pitchFamily="34" charset="-122"/>
-                    <a:ea typeface="微软雅黑 Light" panose="020B0502040204020203" pitchFamily="34" charset="-122"/>
-                  </a:rPr>
-                  <a:t>refuse_kinddeed_proof</a:t>
-                </a:r>
-                <a:endParaRPr lang="zh-CN" altLang="en-US" sz="1000" b="1">
-                  <a:solidFill>
-                    <a:schemeClr val="tx1"/>
-                  </a:solidFill>
-                  <a:latin typeface="微软雅黑 Light" panose="020B0502040204020203" pitchFamily="34" charset="-122"/>
-                  <a:ea typeface="微软雅黑 Light" panose="020B0502040204020203" pitchFamily="34" charset="-122"/>
-                </a:endParaRPr>
-              </a:p>
-            </p:txBody>
-          </p:sp>
-        </p:grpSp>
-      </p:grpSp>
-      <p:sp>
-        <p:nvSpPr>
-          <p:cNvPr id="56" name="矩形: 圆角 55">
-            <a:extLst>
-              <a:ext uri="{FF2B5EF4-FFF2-40B4-BE49-F238E27FC236}">
-                <a16:creationId xmlns:a16="http://schemas.microsoft.com/office/drawing/2014/main" id="{764E04C7-EBD1-4886-B6DE-4258BCC6FF7B}"/>
-              </a:ext>
-            </a:extLst>
-          </p:cNvPr>
-          <p:cNvSpPr/>
-          <p:nvPr/>
-        </p:nvSpPr>
-        <p:spPr>
-          <a:xfrm>
-            <a:off x="10941645" y="3351674"/>
-            <a:ext cx="576000" cy="360000"/>
-          </a:xfrm>
-          <a:prstGeom prst="roundRect">
-            <a:avLst/>
-          </a:prstGeom>
-          <a:solidFill>
-            <a:srgbClr val="00B0F0"/>
-          </a:solidFill>
-          <a:ln>
-            <a:solidFill>
-              <a:schemeClr val="tx1"/>
-            </a:solidFill>
-          </a:ln>
-        </p:spPr>
-        <p:style>
-          <a:lnRef idx="2">
-            <a:schemeClr val="accent1">
-              <a:shade val="50000"/>
-            </a:schemeClr>
-          </a:lnRef>
-          <a:fillRef idx="1">
-            <a:schemeClr val="accent1"/>
-          </a:fillRef>
-          <a:effectRef idx="0">
-            <a:schemeClr val="accent1"/>
-          </a:effectRef>
-          <a:fontRef idx="minor">
-            <a:schemeClr val="lt1"/>
-          </a:fontRef>
-        </p:style>
-        <p:txBody>
-          <a:bodyPr wrap="none" lIns="36000" tIns="36000" rIns="36000" bIns="36000" rtlCol="0" anchor="ctr" anchorCtr="0"/>
-          <a:lstStyle/>
-          <a:p>
-            <a:r>
-              <a:rPr lang="zh-CN" altLang="en-US" sz="1000" b="1" dirty="0">
-                <a:solidFill>
-                  <a:schemeClr val="tx1"/>
-                </a:solidFill>
-                <a:latin typeface="微软雅黑 Light" panose="020B0502040204020203" pitchFamily="34" charset="-122"/>
-                <a:ea typeface="微软雅黑 Light" panose="020B0502040204020203" pitchFamily="34" charset="-122"/>
-              </a:rPr>
-              <a:t>用户</a:t>
-            </a:r>
-          </a:p>
-        </p:txBody>
-      </p:sp>
-      <p:sp>
-        <p:nvSpPr>
-          <p:cNvPr id="74" name="矩形: 圆角 73">
-            <a:extLst>
-              <a:ext uri="{FF2B5EF4-FFF2-40B4-BE49-F238E27FC236}">
-                <a16:creationId xmlns:a16="http://schemas.microsoft.com/office/drawing/2014/main" id="{25E43358-1374-449A-A8DB-A3A99B147849}"/>
-              </a:ext>
-            </a:extLst>
-          </p:cNvPr>
-          <p:cNvSpPr/>
-          <p:nvPr/>
-        </p:nvSpPr>
-        <p:spPr>
-          <a:xfrm>
-            <a:off x="10631600" y="3834802"/>
-            <a:ext cx="1196091" cy="971134"/>
-          </a:xfrm>
-          <a:prstGeom prst="roundRect">
-            <a:avLst>
-              <a:gd name="adj" fmla="val 6667"/>
-            </a:avLst>
-          </a:prstGeom>
-          <a:solidFill>
-            <a:schemeClr val="bg2"/>
-          </a:solidFill>
-          <a:ln w="3175"/>
-        </p:spPr>
-        <p:style>
-          <a:lnRef idx="2">
-            <a:schemeClr val="accent1">
-              <a:shade val="50000"/>
-            </a:schemeClr>
-          </a:lnRef>
-          <a:fillRef idx="1">
-            <a:schemeClr val="accent1"/>
-          </a:fillRef>
-          <a:effectRef idx="0">
-            <a:schemeClr val="accent1"/>
-          </a:effectRef>
-          <a:fontRef idx="minor">
-            <a:schemeClr val="lt1"/>
-          </a:fontRef>
-        </p:style>
-        <p:txBody>
-          <a:bodyPr rtlCol="0" anchor="ctr"/>
-          <a:lstStyle/>
-          <a:p>
-            <a:pPr algn="ctr"/>
-            <a:endParaRPr lang="zh-CN" altLang="en-US"/>
-          </a:p>
-        </p:txBody>
-      </p:sp>
-      <p:sp>
-        <p:nvSpPr>
-          <p:cNvPr id="61" name="矩形: 圆角 60">
-            <a:extLst>
-              <a:ext uri="{FF2B5EF4-FFF2-40B4-BE49-F238E27FC236}">
-                <a16:creationId xmlns:a16="http://schemas.microsoft.com/office/drawing/2014/main" id="{C321E997-2EBD-4429-89EF-1FDF9B0DB58B}"/>
-              </a:ext>
-            </a:extLst>
-          </p:cNvPr>
-          <p:cNvSpPr/>
-          <p:nvPr/>
-        </p:nvSpPr>
-        <p:spPr>
-          <a:xfrm>
-            <a:off x="7730769" y="3351674"/>
-            <a:ext cx="720000" cy="360000"/>
-          </a:xfrm>
-          <a:prstGeom prst="roundRect">
-            <a:avLst/>
-          </a:prstGeom>
-          <a:solidFill>
-            <a:srgbClr val="00B0F0"/>
-          </a:solidFill>
-          <a:ln>
-            <a:solidFill>
-              <a:schemeClr val="tx1"/>
-            </a:solidFill>
-          </a:ln>
-        </p:spPr>
-        <p:style>
-          <a:lnRef idx="2">
-            <a:schemeClr val="accent1">
-              <a:shade val="50000"/>
-            </a:schemeClr>
-          </a:lnRef>
-          <a:fillRef idx="1">
-            <a:schemeClr val="accent1"/>
-          </a:fillRef>
-          <a:effectRef idx="0">
-            <a:schemeClr val="accent1"/>
-          </a:effectRef>
-          <a:fontRef idx="minor">
-            <a:schemeClr val="lt1"/>
-          </a:fontRef>
-        </p:style>
-        <p:txBody>
-          <a:bodyPr wrap="none" lIns="36000" tIns="36000" rIns="36000" bIns="36000" rtlCol="0" anchor="ctr" anchorCtr="0"/>
-          <a:lstStyle/>
-          <a:p>
-            <a:r>
-              <a:rPr lang="zh-CN" altLang="en-US" sz="1000" b="1" dirty="0">
-                <a:solidFill>
-                  <a:schemeClr val="tx1"/>
-                </a:solidFill>
-                <a:latin typeface="微软雅黑 Light" panose="020B0502040204020203" pitchFamily="34" charset="-122"/>
-                <a:ea typeface="微软雅黑 Light" panose="020B0502040204020203" pitchFamily="34" charset="-122"/>
-              </a:rPr>
-              <a:t>法师</a:t>
-            </a:r>
-          </a:p>
-        </p:txBody>
-      </p:sp>
-      <p:grpSp>
-        <p:nvGrpSpPr>
-          <p:cNvPr id="22" name="组合 21">
-            <a:extLst>
-              <a:ext uri="{FF2B5EF4-FFF2-40B4-BE49-F238E27FC236}">
-                <a16:creationId xmlns:a16="http://schemas.microsoft.com/office/drawing/2014/main" id="{DF1FE318-7C41-4171-80D3-39C8B1B9BAC7}"/>
-              </a:ext>
-            </a:extLst>
-          </p:cNvPr>
-          <p:cNvGrpSpPr/>
-          <p:nvPr/>
-        </p:nvGrpSpPr>
-        <p:grpSpPr>
-          <a:xfrm>
-            <a:off x="7258729" y="3834802"/>
-            <a:ext cx="1664081" cy="1558990"/>
-            <a:chOff x="8388223" y="4220882"/>
-            <a:chExt cx="1664081" cy="1558990"/>
-          </a:xfrm>
-        </p:grpSpPr>
-        <p:sp>
-          <p:nvSpPr>
-            <p:cNvPr id="75" name="矩形: 圆角 74">
-              <a:extLst>
-                <a:ext uri="{FF2B5EF4-FFF2-40B4-BE49-F238E27FC236}">
-                  <a16:creationId xmlns:a16="http://schemas.microsoft.com/office/drawing/2014/main" id="{B09002F8-5B72-4F5E-8002-F5B0DDA779DB}"/>
-                </a:ext>
-              </a:extLst>
-            </p:cNvPr>
-            <p:cNvSpPr/>
-            <p:nvPr/>
-          </p:nvSpPr>
-          <p:spPr>
-            <a:xfrm>
-              <a:off x="8388223" y="4220882"/>
-              <a:ext cx="1664081" cy="1558990"/>
-            </a:xfrm>
-            <a:prstGeom prst="roundRect">
-              <a:avLst>
-                <a:gd name="adj" fmla="val 6667"/>
-              </a:avLst>
-            </a:prstGeom>
-            <a:solidFill>
-              <a:schemeClr val="bg2"/>
-            </a:solidFill>
-            <a:ln w="3175"/>
-          </p:spPr>
-          <p:style>
-            <a:lnRef idx="2">
-              <a:schemeClr val="accent1">
-                <a:shade val="50000"/>
-              </a:schemeClr>
-            </a:lnRef>
-            <a:fillRef idx="1">
-              <a:schemeClr val="accent1"/>
-            </a:fillRef>
-            <a:effectRef idx="0">
-              <a:schemeClr val="accent1"/>
-            </a:effectRef>
-            <a:fontRef idx="minor">
-              <a:schemeClr val="lt1"/>
-            </a:fontRef>
-          </p:style>
-          <p:txBody>
-            <a:bodyPr rtlCol="0" anchor="ctr"/>
-            <a:lstStyle/>
-            <a:p>
-              <a:pPr algn="ctr"/>
-              <a:endParaRPr lang="zh-CN" altLang="en-US"/>
-            </a:p>
-          </p:txBody>
-        </p:sp>
-        <p:sp>
-          <p:nvSpPr>
-            <p:cNvPr id="62" name="矩形: 圆角 61">
-              <a:extLst>
-                <a:ext uri="{FF2B5EF4-FFF2-40B4-BE49-F238E27FC236}">
-                  <a16:creationId xmlns:a16="http://schemas.microsoft.com/office/drawing/2014/main" id="{11D7D891-F4DF-49D7-A427-8815E7E02886}"/>
-                </a:ext>
-              </a:extLst>
-            </p:cNvPr>
-            <p:cNvSpPr/>
-            <p:nvPr/>
-          </p:nvSpPr>
-          <p:spPr>
-            <a:xfrm>
-              <a:off x="8471577" y="4313830"/>
-              <a:ext cx="1405632" cy="360000"/>
-            </a:xfrm>
-            <a:prstGeom prst="roundRect">
-              <a:avLst/>
-            </a:prstGeom>
-            <a:solidFill>
-              <a:srgbClr val="00B050"/>
-            </a:solidFill>
-            <a:ln>
-              <a:solidFill>
-                <a:schemeClr val="tx1"/>
-              </a:solidFill>
-            </a:ln>
-          </p:spPr>
-          <p:style>
-            <a:lnRef idx="2">
-              <a:schemeClr val="accent1">
-                <a:shade val="50000"/>
-              </a:schemeClr>
-            </a:lnRef>
-            <a:fillRef idx="1">
-              <a:schemeClr val="accent1"/>
-            </a:fillRef>
-            <a:effectRef idx="0">
-              <a:schemeClr val="accent1"/>
-            </a:effectRef>
-            <a:fontRef idx="minor">
-              <a:schemeClr val="lt1"/>
-            </a:fontRef>
-          </p:style>
-          <p:txBody>
-            <a:bodyPr wrap="none" lIns="36000" tIns="36000" rIns="36000" bIns="36000" rtlCol="0" anchor="ctr" anchorCtr="0"/>
-            <a:lstStyle/>
-            <a:p>
-              <a:r>
-                <a:rPr lang="zh-CN" altLang="en-US" sz="1000" b="1">
-                  <a:solidFill>
-                    <a:schemeClr val="tx1"/>
-                  </a:solidFill>
-                  <a:latin typeface="微软雅黑 Light" panose="020B0502040204020203" pitchFamily="34" charset="-122"/>
-                  <a:ea typeface="微软雅黑 Light" panose="020B0502040204020203" pitchFamily="34" charset="-122"/>
-                </a:rPr>
-                <a:t>申请上架善举</a:t>
-              </a:r>
-              <a:endParaRPr lang="en-US" altLang="zh-CN" sz="1000" b="1">
-                <a:solidFill>
-                  <a:schemeClr val="tx1"/>
-                </a:solidFill>
-                <a:latin typeface="微软雅黑 Light" panose="020B0502040204020203" pitchFamily="34" charset="-122"/>
-                <a:ea typeface="微软雅黑 Light" panose="020B0502040204020203" pitchFamily="34" charset="-122"/>
-              </a:endParaRPr>
-            </a:p>
-            <a:p>
-              <a:r>
-                <a:rPr lang="en-US" altLang="zh-CN" sz="1000" b="1">
-                  <a:solidFill>
-                    <a:schemeClr val="tx1"/>
-                  </a:solidFill>
-                  <a:latin typeface="微软雅黑 Light" panose="020B0502040204020203" pitchFamily="34" charset="-122"/>
-                  <a:ea typeface="微软雅黑 Light" panose="020B0502040204020203" pitchFamily="34" charset="-122"/>
-                </a:rPr>
-                <a:t>apply_online_kinddeed</a:t>
-              </a:r>
-              <a:endParaRPr lang="zh-CN" altLang="en-US" sz="1000" b="1">
-                <a:solidFill>
-                  <a:schemeClr val="tx1"/>
-                </a:solidFill>
-                <a:latin typeface="微软雅黑 Light" panose="020B0502040204020203" pitchFamily="34" charset="-122"/>
-                <a:ea typeface="微软雅黑 Light" panose="020B0502040204020203" pitchFamily="34" charset="-122"/>
-              </a:endParaRPr>
-            </a:p>
-          </p:txBody>
-        </p:sp>
-        <p:sp>
-          <p:nvSpPr>
-            <p:cNvPr id="63" name="矩形: 圆角 62">
-              <a:extLst>
-                <a:ext uri="{FF2B5EF4-FFF2-40B4-BE49-F238E27FC236}">
-                  <a16:creationId xmlns:a16="http://schemas.microsoft.com/office/drawing/2014/main" id="{D2118454-2238-4B17-AAC5-1FA950F533B6}"/>
-                </a:ext>
-              </a:extLst>
-            </p:cNvPr>
-            <p:cNvSpPr/>
-            <p:nvPr/>
-          </p:nvSpPr>
-          <p:spPr>
-            <a:xfrm>
-              <a:off x="8471577" y="4724494"/>
-              <a:ext cx="1405632" cy="360000"/>
-            </a:xfrm>
-            <a:prstGeom prst="roundRect">
-              <a:avLst/>
-            </a:prstGeom>
-            <a:solidFill>
-              <a:srgbClr val="00B050"/>
-            </a:solidFill>
-            <a:ln>
-              <a:solidFill>
-                <a:schemeClr val="tx1"/>
-              </a:solidFill>
-            </a:ln>
-          </p:spPr>
-          <p:style>
-            <a:lnRef idx="2">
-              <a:schemeClr val="accent1">
-                <a:shade val="50000"/>
-              </a:schemeClr>
-            </a:lnRef>
-            <a:fillRef idx="1">
-              <a:schemeClr val="accent1"/>
-            </a:fillRef>
-            <a:effectRef idx="0">
-              <a:schemeClr val="accent1"/>
-            </a:effectRef>
-            <a:fontRef idx="minor">
-              <a:schemeClr val="lt1"/>
-            </a:fontRef>
-          </p:style>
-          <p:txBody>
-            <a:bodyPr wrap="none" lIns="36000" tIns="36000" rIns="36000" bIns="36000" rtlCol="0" anchor="ctr" anchorCtr="0"/>
-            <a:lstStyle/>
-            <a:p>
-              <a:r>
-                <a:rPr lang="zh-CN" altLang="en-US" sz="1000" b="1">
-                  <a:solidFill>
-                    <a:schemeClr val="tx1"/>
-                  </a:solidFill>
-                  <a:latin typeface="微软雅黑 Light" panose="020B0502040204020203" pitchFamily="34" charset="-122"/>
-                  <a:ea typeface="微软雅黑 Light" panose="020B0502040204020203" pitchFamily="34" charset="-122"/>
-                </a:rPr>
-                <a:t>申请下架善举</a:t>
-              </a:r>
-              <a:endParaRPr lang="en-US" altLang="zh-CN" sz="1000" b="1">
-                <a:solidFill>
-                  <a:schemeClr val="tx1"/>
-                </a:solidFill>
-                <a:latin typeface="微软雅黑 Light" panose="020B0502040204020203" pitchFamily="34" charset="-122"/>
-                <a:ea typeface="微软雅黑 Light" panose="020B0502040204020203" pitchFamily="34" charset="-122"/>
-              </a:endParaRPr>
-            </a:p>
-            <a:p>
-              <a:r>
-                <a:rPr lang="en-US" altLang="zh-CN" sz="1000" b="1">
-                  <a:solidFill>
-                    <a:schemeClr val="tx1"/>
-                  </a:solidFill>
-                  <a:latin typeface="微软雅黑 Light" panose="020B0502040204020203" pitchFamily="34" charset="-122"/>
-                  <a:ea typeface="微软雅黑 Light" panose="020B0502040204020203" pitchFamily="34" charset="-122"/>
-                </a:rPr>
-                <a:t>apply_offline_kinddeed</a:t>
-              </a:r>
-              <a:endParaRPr lang="zh-CN" altLang="en-US" sz="1000" b="1">
-                <a:solidFill>
-                  <a:schemeClr val="tx1"/>
-                </a:solidFill>
-                <a:latin typeface="微软雅黑 Light" panose="020B0502040204020203" pitchFamily="34" charset="-122"/>
-                <a:ea typeface="微软雅黑 Light" panose="020B0502040204020203" pitchFamily="34" charset="-122"/>
-              </a:endParaRPr>
-            </a:p>
-          </p:txBody>
-        </p:sp>
-        <p:sp>
-          <p:nvSpPr>
-            <p:cNvPr id="64" name="矩形: 圆角 63">
-              <a:extLst>
-                <a:ext uri="{FF2B5EF4-FFF2-40B4-BE49-F238E27FC236}">
-                  <a16:creationId xmlns:a16="http://schemas.microsoft.com/office/drawing/2014/main" id="{D07E23FB-6C91-405F-B2AD-644F42893A8A}"/>
-                </a:ext>
-              </a:extLst>
-            </p:cNvPr>
-            <p:cNvSpPr/>
-            <p:nvPr/>
-          </p:nvSpPr>
-          <p:spPr>
-            <a:xfrm>
-              <a:off x="8471577" y="5316208"/>
-              <a:ext cx="1505751" cy="360000"/>
-            </a:xfrm>
-            <a:prstGeom prst="roundRect">
-              <a:avLst/>
-            </a:prstGeom>
-            <a:solidFill>
-              <a:srgbClr val="00B050"/>
-            </a:solidFill>
-            <a:ln>
-              <a:solidFill>
-                <a:schemeClr val="tx1"/>
-              </a:solidFill>
-            </a:ln>
-          </p:spPr>
-          <p:style>
-            <a:lnRef idx="2">
-              <a:schemeClr val="accent1">
-                <a:shade val="50000"/>
-              </a:schemeClr>
-            </a:lnRef>
-            <a:fillRef idx="1">
-              <a:schemeClr val="accent1"/>
-            </a:fillRef>
-            <a:effectRef idx="0">
-              <a:schemeClr val="accent1"/>
-            </a:effectRef>
-            <a:fontRef idx="minor">
-              <a:schemeClr val="lt1"/>
-            </a:fontRef>
-          </p:style>
-          <p:txBody>
-            <a:bodyPr wrap="none" lIns="36000" tIns="36000" rIns="36000" bIns="36000" rtlCol="0" anchor="ctr" anchorCtr="0"/>
-            <a:lstStyle/>
-            <a:p>
-              <a:r>
-                <a:rPr lang="zh-CN" altLang="en-US" sz="1000" b="1">
-                  <a:solidFill>
-                    <a:schemeClr val="tx1"/>
-                  </a:solidFill>
-                  <a:latin typeface="微软雅黑 Light" panose="020B0502040204020203" pitchFamily="34" charset="-122"/>
-                  <a:ea typeface="微软雅黑 Light" panose="020B0502040204020203" pitchFamily="34" charset="-122"/>
-                </a:rPr>
-                <a:t>上传善举凭证</a:t>
-              </a:r>
-              <a:endParaRPr lang="en-US" altLang="zh-CN" sz="1000" b="1">
-                <a:solidFill>
-                  <a:schemeClr val="tx1"/>
-                </a:solidFill>
-                <a:latin typeface="微软雅黑 Light" panose="020B0502040204020203" pitchFamily="34" charset="-122"/>
-                <a:ea typeface="微软雅黑 Light" panose="020B0502040204020203" pitchFamily="34" charset="-122"/>
-              </a:endParaRPr>
-            </a:p>
-            <a:p>
-              <a:r>
-                <a:rPr lang="en-US" altLang="zh-CN" sz="1000" b="1">
-                  <a:solidFill>
-                    <a:schemeClr val="tx1"/>
-                  </a:solidFill>
-                  <a:latin typeface="微软雅黑 Light" panose="020B0502040204020203" pitchFamily="34" charset="-122"/>
-                  <a:ea typeface="微软雅黑 Light" panose="020B0502040204020203" pitchFamily="34" charset="-122"/>
-                </a:rPr>
-                <a:t>upload_kinddeed_proof</a:t>
-              </a:r>
-              <a:endParaRPr lang="zh-CN" altLang="en-US" sz="1000" b="1">
-                <a:solidFill>
-                  <a:schemeClr val="tx1"/>
-                </a:solidFill>
-                <a:latin typeface="微软雅黑 Light" panose="020B0502040204020203" pitchFamily="34" charset="-122"/>
-                <a:ea typeface="微软雅黑 Light" panose="020B0502040204020203" pitchFamily="34" charset="-122"/>
-              </a:endParaRPr>
-            </a:p>
-          </p:txBody>
-        </p:sp>
-      </p:grpSp>
-      <p:sp>
-        <p:nvSpPr>
-          <p:cNvPr id="81" name="矩形: 圆角 80">
-            <a:extLst>
-              <a:ext uri="{FF2B5EF4-FFF2-40B4-BE49-F238E27FC236}">
-                <a16:creationId xmlns:a16="http://schemas.microsoft.com/office/drawing/2014/main" id="{85D651F0-BFBA-445D-B76B-D13890269769}"/>
-              </a:ext>
-            </a:extLst>
-          </p:cNvPr>
-          <p:cNvSpPr/>
-          <p:nvPr/>
-        </p:nvSpPr>
-        <p:spPr>
-          <a:xfrm>
-            <a:off x="5321901" y="3877617"/>
-            <a:ext cx="1664081" cy="1558990"/>
-          </a:xfrm>
-          <a:prstGeom prst="roundRect">
-            <a:avLst>
-              <a:gd name="adj" fmla="val 6667"/>
-            </a:avLst>
-          </a:prstGeom>
-          <a:solidFill>
-            <a:schemeClr val="bg2"/>
-          </a:solidFill>
-          <a:ln w="3175"/>
-        </p:spPr>
-        <p:style>
-          <a:lnRef idx="2">
-            <a:schemeClr val="accent1">
-              <a:shade val="50000"/>
-            </a:schemeClr>
-          </a:lnRef>
-          <a:fillRef idx="1">
-            <a:schemeClr val="accent1"/>
-          </a:fillRef>
-          <a:effectRef idx="0">
-            <a:schemeClr val="accent1"/>
-          </a:effectRef>
-          <a:fontRef idx="minor">
-            <a:schemeClr val="lt1"/>
-          </a:fontRef>
-        </p:style>
-        <p:txBody>
-          <a:bodyPr rtlCol="0" anchor="ctr"/>
-          <a:lstStyle/>
-          <a:p>
-            <a:pPr algn="ctr"/>
-            <a:endParaRPr lang="zh-CN" altLang="en-US"/>
-          </a:p>
-        </p:txBody>
-      </p:sp>
-      <p:cxnSp>
-        <p:nvCxnSpPr>
-          <p:cNvPr id="25" name="直接箭头连接符 24">
-            <a:extLst>
-              <a:ext uri="{FF2B5EF4-FFF2-40B4-BE49-F238E27FC236}">
-                <a16:creationId xmlns:a16="http://schemas.microsoft.com/office/drawing/2014/main" id="{59BD4B2B-BA7B-4987-BF58-10EE70326D4B}"/>
-              </a:ext>
-            </a:extLst>
-          </p:cNvPr>
-          <p:cNvCxnSpPr>
-            <a:cxnSpLocks/>
-            <a:stCxn id="197" idx="0"/>
-            <a:endCxn id="211" idx="2"/>
-          </p:cNvCxnSpPr>
-          <p:nvPr/>
-        </p:nvCxnSpPr>
-        <p:spPr>
-          <a:xfrm flipH="1" flipV="1">
-            <a:off x="9776282" y="1991049"/>
-            <a:ext cx="923" cy="1360625"/>
-          </a:xfrm>
-          <a:prstGeom prst="straightConnector1">
-            <a:avLst/>
-          </a:prstGeom>
-          <a:ln>
-            <a:tailEnd type="triangle"/>
-          </a:ln>
-        </p:spPr>
-        <p:style>
-          <a:lnRef idx="1">
-            <a:schemeClr val="accent1"/>
-          </a:lnRef>
-          <a:fillRef idx="0">
-            <a:schemeClr val="accent1"/>
-          </a:fillRef>
-          <a:effectRef idx="0">
-            <a:schemeClr val="accent1"/>
-          </a:effectRef>
-          <a:fontRef idx="minor">
-            <a:schemeClr val="tx1"/>
-          </a:fontRef>
-        </p:style>
-      </p:cxnSp>
-      <p:cxnSp>
-        <p:nvCxnSpPr>
-          <p:cNvPr id="87" name="直接箭头连接符 86">
-            <a:extLst>
-              <a:ext uri="{FF2B5EF4-FFF2-40B4-BE49-F238E27FC236}">
-                <a16:creationId xmlns:a16="http://schemas.microsoft.com/office/drawing/2014/main" id="{159A551E-6309-4D38-A1C2-02EEEC6106E9}"/>
-              </a:ext>
-            </a:extLst>
-          </p:cNvPr>
-          <p:cNvCxnSpPr>
-            <a:cxnSpLocks/>
-            <a:stCxn id="56" idx="0"/>
-            <a:endCxn id="211" idx="2"/>
-          </p:cNvCxnSpPr>
-          <p:nvPr/>
-        </p:nvCxnSpPr>
-        <p:spPr>
-          <a:xfrm flipH="1" flipV="1">
-            <a:off x="9776282" y="1991049"/>
-            <a:ext cx="1453363" cy="1360625"/>
-          </a:xfrm>
-          <a:prstGeom prst="straightConnector1">
-            <a:avLst/>
-          </a:prstGeom>
-          <a:ln>
-            <a:tailEnd type="triangle"/>
-          </a:ln>
-        </p:spPr>
-        <p:style>
-          <a:lnRef idx="1">
-            <a:schemeClr val="accent1"/>
-          </a:lnRef>
-          <a:fillRef idx="0">
-            <a:schemeClr val="accent1"/>
-          </a:fillRef>
-          <a:effectRef idx="0">
-            <a:schemeClr val="accent1"/>
-          </a:effectRef>
-          <a:fontRef idx="minor">
-            <a:schemeClr val="tx1"/>
-          </a:fontRef>
-        </p:style>
-      </p:cxnSp>
-      <p:cxnSp>
-        <p:nvCxnSpPr>
-          <p:cNvPr id="96" name="直接箭头连接符 95">
-            <a:extLst>
-              <a:ext uri="{FF2B5EF4-FFF2-40B4-BE49-F238E27FC236}">
-                <a16:creationId xmlns:a16="http://schemas.microsoft.com/office/drawing/2014/main" id="{CF6F43D5-664F-4ED4-9F51-3C0E04B8EEDC}"/>
-              </a:ext>
-            </a:extLst>
-          </p:cNvPr>
-          <p:cNvCxnSpPr>
-            <a:cxnSpLocks/>
-            <a:stCxn id="61" idx="0"/>
-            <a:endCxn id="211" idx="2"/>
-          </p:cNvCxnSpPr>
-          <p:nvPr/>
-        </p:nvCxnSpPr>
-        <p:spPr>
-          <a:xfrm flipV="1">
-            <a:off x="8090769" y="1991049"/>
-            <a:ext cx="1685513" cy="1360625"/>
-          </a:xfrm>
-          <a:prstGeom prst="straightConnector1">
-            <a:avLst/>
-          </a:prstGeom>
-          <a:ln>
-            <a:tailEnd type="triangle"/>
-          </a:ln>
-        </p:spPr>
-        <p:style>
-          <a:lnRef idx="1">
-            <a:schemeClr val="accent1"/>
-          </a:lnRef>
-          <a:fillRef idx="0">
-            <a:schemeClr val="accent1"/>
-          </a:fillRef>
-          <a:effectRef idx="0">
-            <a:schemeClr val="accent1"/>
-          </a:effectRef>
-          <a:fontRef idx="minor">
-            <a:schemeClr val="tx1"/>
-          </a:fontRef>
-        </p:style>
-      </p:cxnSp>
-      <p:cxnSp>
-        <p:nvCxnSpPr>
-          <p:cNvPr id="105" name="直接箭头连接符 104">
-            <a:extLst>
-              <a:ext uri="{FF2B5EF4-FFF2-40B4-BE49-F238E27FC236}">
-                <a16:creationId xmlns:a16="http://schemas.microsoft.com/office/drawing/2014/main" id="{3BF46C0F-7F10-4F72-ADF2-7891C005C283}"/>
-              </a:ext>
-            </a:extLst>
-          </p:cNvPr>
-          <p:cNvCxnSpPr>
-            <a:cxnSpLocks/>
-            <a:stCxn id="56" idx="0"/>
-            <a:endCxn id="212" idx="2"/>
-          </p:cNvCxnSpPr>
-          <p:nvPr/>
-        </p:nvCxnSpPr>
-        <p:spPr>
-          <a:xfrm flipV="1">
-            <a:off x="11229645" y="1991049"/>
-            <a:ext cx="100359" cy="1360625"/>
-          </a:xfrm>
-          <a:prstGeom prst="straightConnector1">
-            <a:avLst/>
-          </a:prstGeom>
-          <a:ln>
-            <a:tailEnd type="triangle"/>
-          </a:ln>
-        </p:spPr>
-        <p:style>
-          <a:lnRef idx="1">
-            <a:schemeClr val="accent1"/>
-          </a:lnRef>
-          <a:fillRef idx="0">
-            <a:schemeClr val="accent1"/>
-          </a:fillRef>
-          <a:effectRef idx="0">
-            <a:schemeClr val="accent1"/>
-          </a:effectRef>
-          <a:fontRef idx="minor">
-            <a:schemeClr val="tx1"/>
-          </a:fontRef>
-        </p:style>
-      </p:cxnSp>
-      <p:cxnSp>
-        <p:nvCxnSpPr>
-          <p:cNvPr id="108" name="直接箭头连接符 107">
-            <a:extLst>
-              <a:ext uri="{FF2B5EF4-FFF2-40B4-BE49-F238E27FC236}">
-                <a16:creationId xmlns:a16="http://schemas.microsoft.com/office/drawing/2014/main" id="{29E23DD3-9C05-49DD-BC97-E13B96AB91A1}"/>
-              </a:ext>
-            </a:extLst>
-          </p:cNvPr>
-          <p:cNvCxnSpPr>
-            <a:cxnSpLocks/>
-            <a:stCxn id="197" idx="0"/>
-            <a:endCxn id="212" idx="2"/>
-          </p:cNvCxnSpPr>
-          <p:nvPr/>
-        </p:nvCxnSpPr>
-        <p:spPr>
-          <a:xfrm flipV="1">
-            <a:off x="9777205" y="1991049"/>
-            <a:ext cx="1552799" cy="1360625"/>
-          </a:xfrm>
-          <a:prstGeom prst="straightConnector1">
-            <a:avLst/>
-          </a:prstGeom>
-          <a:ln>
-            <a:tailEnd type="triangle"/>
-          </a:ln>
-        </p:spPr>
-        <p:style>
-          <a:lnRef idx="1">
-            <a:schemeClr val="accent1"/>
-          </a:lnRef>
-          <a:fillRef idx="0">
-            <a:schemeClr val="accent1"/>
-          </a:fillRef>
-          <a:effectRef idx="0">
-            <a:schemeClr val="accent1"/>
-          </a:effectRef>
-          <a:fontRef idx="minor">
-            <a:schemeClr val="tx1"/>
-          </a:fontRef>
-        </p:style>
-      </p:cxnSp>
-      <p:cxnSp>
-        <p:nvCxnSpPr>
-          <p:cNvPr id="115" name="直接箭头连接符 114">
-            <a:extLst>
-              <a:ext uri="{FF2B5EF4-FFF2-40B4-BE49-F238E27FC236}">
-                <a16:creationId xmlns:a16="http://schemas.microsoft.com/office/drawing/2014/main" id="{18DF3FC4-DDA1-4153-A1CE-7FE4FFAB2714}"/>
-              </a:ext>
-            </a:extLst>
-          </p:cNvPr>
-          <p:cNvCxnSpPr>
-            <a:cxnSpLocks/>
-            <a:stCxn id="61" idx="0"/>
-            <a:endCxn id="113" idx="2"/>
-          </p:cNvCxnSpPr>
-          <p:nvPr/>
-        </p:nvCxnSpPr>
-        <p:spPr>
-          <a:xfrm flipH="1" flipV="1">
-            <a:off x="6153941" y="1991049"/>
-            <a:ext cx="1936828" cy="1360625"/>
-          </a:xfrm>
-          <a:prstGeom prst="straightConnector1">
-            <a:avLst/>
-          </a:prstGeom>
-          <a:ln>
-            <a:tailEnd type="triangle"/>
-          </a:ln>
-        </p:spPr>
-        <p:style>
-          <a:lnRef idx="1">
-            <a:schemeClr val="accent1"/>
-          </a:lnRef>
-          <a:fillRef idx="0">
-            <a:schemeClr val="accent1"/>
-          </a:fillRef>
-          <a:effectRef idx="0">
-            <a:schemeClr val="accent1"/>
-          </a:effectRef>
-          <a:fontRef idx="minor">
-            <a:schemeClr val="tx1"/>
-          </a:fontRef>
-        </p:style>
-      </p:cxnSp>
-      <p:cxnSp>
-        <p:nvCxnSpPr>
-          <p:cNvPr id="118" name="直接箭头连接符 117">
-            <a:extLst>
-              <a:ext uri="{FF2B5EF4-FFF2-40B4-BE49-F238E27FC236}">
-                <a16:creationId xmlns:a16="http://schemas.microsoft.com/office/drawing/2014/main" id="{2E1DBBF4-54D4-47EA-B7A2-8A1C8BCA92BB}"/>
-              </a:ext>
-            </a:extLst>
-          </p:cNvPr>
-          <p:cNvCxnSpPr>
-            <a:cxnSpLocks/>
-            <a:stCxn id="196" idx="0"/>
-            <a:endCxn id="113" idx="2"/>
-          </p:cNvCxnSpPr>
-          <p:nvPr/>
-        </p:nvCxnSpPr>
-        <p:spPr>
-          <a:xfrm flipV="1">
-            <a:off x="6153941" y="1991049"/>
-            <a:ext cx="0" cy="1360625"/>
-          </a:xfrm>
-          <a:prstGeom prst="straightConnector1">
-            <a:avLst/>
-          </a:prstGeom>
-          <a:ln>
-            <a:tailEnd type="triangle"/>
-          </a:ln>
-        </p:spPr>
-        <p:style>
-          <a:lnRef idx="1">
-            <a:schemeClr val="accent1"/>
-          </a:lnRef>
-          <a:fillRef idx="0">
-            <a:schemeClr val="accent1"/>
-          </a:fillRef>
-          <a:effectRef idx="0">
-            <a:schemeClr val="accent1"/>
-          </a:effectRef>
-          <a:fontRef idx="minor">
-            <a:schemeClr val="tx1"/>
-          </a:fontRef>
-        </p:style>
-      </p:cxnSp>
-      <p:cxnSp>
-        <p:nvCxnSpPr>
-          <p:cNvPr id="121" name="直接箭头连接符 120">
-            <a:extLst>
-              <a:ext uri="{FF2B5EF4-FFF2-40B4-BE49-F238E27FC236}">
-                <a16:creationId xmlns:a16="http://schemas.microsoft.com/office/drawing/2014/main" id="{402A3807-0C80-4744-A37D-EA6235F92456}"/>
-              </a:ext>
-            </a:extLst>
-          </p:cNvPr>
-          <p:cNvCxnSpPr>
-            <a:cxnSpLocks/>
-            <a:stCxn id="195" idx="0"/>
-            <a:endCxn id="113" idx="2"/>
-          </p:cNvCxnSpPr>
-          <p:nvPr/>
-        </p:nvCxnSpPr>
-        <p:spPr>
-          <a:xfrm flipV="1">
-            <a:off x="4134098" y="1991049"/>
-            <a:ext cx="2019843" cy="1360625"/>
-          </a:xfrm>
-          <a:prstGeom prst="straightConnector1">
-            <a:avLst/>
-          </a:prstGeom>
-          <a:ln>
-            <a:tailEnd type="triangle"/>
-          </a:ln>
-        </p:spPr>
-        <p:style>
-          <a:lnRef idx="1">
-            <a:schemeClr val="accent1"/>
-          </a:lnRef>
-          <a:fillRef idx="0">
-            <a:schemeClr val="accent1"/>
-          </a:fillRef>
-          <a:effectRef idx="0">
-            <a:schemeClr val="accent1"/>
-          </a:effectRef>
-          <a:fontRef idx="minor">
-            <a:schemeClr val="tx1"/>
-          </a:fontRef>
-        </p:style>
-      </p:cxnSp>
-      <p:cxnSp>
-        <p:nvCxnSpPr>
-          <p:cNvPr id="125" name="直接箭头连接符 124">
-            <a:extLst>
-              <a:ext uri="{FF2B5EF4-FFF2-40B4-BE49-F238E27FC236}">
-                <a16:creationId xmlns:a16="http://schemas.microsoft.com/office/drawing/2014/main" id="{CB614F27-D29B-467A-9FE7-6D4563019347}"/>
-              </a:ext>
-            </a:extLst>
-          </p:cNvPr>
-          <p:cNvCxnSpPr>
-            <a:cxnSpLocks/>
-            <a:stCxn id="194" idx="0"/>
-            <a:endCxn id="236" idx="2"/>
-          </p:cNvCxnSpPr>
-          <p:nvPr/>
-        </p:nvCxnSpPr>
-        <p:spPr>
-          <a:xfrm flipH="1" flipV="1">
-            <a:off x="2282233" y="1991049"/>
-            <a:ext cx="1658" cy="1360625"/>
-          </a:xfrm>
-          <a:prstGeom prst="straightConnector1">
-            <a:avLst/>
-          </a:prstGeom>
-          <a:ln w="3175">
-            <a:solidFill>
-              <a:schemeClr val="bg1">
-                <a:lumMod val="85000"/>
-              </a:schemeClr>
-            </a:solidFill>
-            <a:prstDash val="solid"/>
-            <a:tailEnd type="triangle"/>
-          </a:ln>
-        </p:spPr>
-        <p:style>
-          <a:lnRef idx="1">
-            <a:schemeClr val="accent1"/>
-          </a:lnRef>
-          <a:fillRef idx="0">
-            <a:schemeClr val="accent1"/>
-          </a:fillRef>
-          <a:effectRef idx="0">
-            <a:schemeClr val="accent1"/>
-          </a:effectRef>
-          <a:fontRef idx="minor">
-            <a:schemeClr val="tx1"/>
-          </a:fontRef>
-        </p:style>
-      </p:cxnSp>
-      <p:cxnSp>
-        <p:nvCxnSpPr>
-          <p:cNvPr id="128" name="直接箭头连接符 127">
-            <a:extLst>
-              <a:ext uri="{FF2B5EF4-FFF2-40B4-BE49-F238E27FC236}">
-                <a16:creationId xmlns:a16="http://schemas.microsoft.com/office/drawing/2014/main" id="{324386A9-A27C-4F10-A8B2-B50BE4FA587D}"/>
-              </a:ext>
-            </a:extLst>
-          </p:cNvPr>
-          <p:cNvCxnSpPr>
-            <a:cxnSpLocks/>
-            <a:stCxn id="195" idx="0"/>
-            <a:endCxn id="236" idx="2"/>
-          </p:cNvCxnSpPr>
-          <p:nvPr/>
-        </p:nvCxnSpPr>
-        <p:spPr>
-          <a:xfrm flipH="1" flipV="1">
-            <a:off x="2282233" y="1991049"/>
-            <a:ext cx="1851865" cy="1360625"/>
-          </a:xfrm>
-          <a:prstGeom prst="straightConnector1">
-            <a:avLst/>
-          </a:prstGeom>
-          <a:ln w="3175">
-            <a:solidFill>
-              <a:schemeClr val="bg1">
-                <a:lumMod val="85000"/>
-              </a:schemeClr>
-            </a:solidFill>
-            <a:prstDash val="solid"/>
-            <a:tailEnd type="triangle"/>
-          </a:ln>
-        </p:spPr>
-        <p:style>
-          <a:lnRef idx="1">
-            <a:schemeClr val="accent1"/>
-          </a:lnRef>
-          <a:fillRef idx="0">
-            <a:schemeClr val="accent1"/>
-          </a:fillRef>
-          <a:effectRef idx="0">
-            <a:schemeClr val="accent1"/>
-          </a:effectRef>
-          <a:fontRef idx="minor">
-            <a:schemeClr val="tx1"/>
-          </a:fontRef>
-        </p:style>
-      </p:cxnSp>
-      <p:cxnSp>
-        <p:nvCxnSpPr>
-          <p:cNvPr id="129" name="直接箭头连接符 128">
-            <a:extLst>
-              <a:ext uri="{FF2B5EF4-FFF2-40B4-BE49-F238E27FC236}">
-                <a16:creationId xmlns:a16="http://schemas.microsoft.com/office/drawing/2014/main" id="{FB2E2EA4-F3AC-4E16-B5A1-0D9BCA2C49A8}"/>
-              </a:ext>
-            </a:extLst>
-          </p:cNvPr>
-          <p:cNvCxnSpPr>
-            <a:cxnSpLocks/>
-            <a:stCxn id="196" idx="0"/>
-            <a:endCxn id="236" idx="2"/>
-          </p:cNvCxnSpPr>
-          <p:nvPr/>
-        </p:nvCxnSpPr>
-        <p:spPr>
-          <a:xfrm flipH="1" flipV="1">
-            <a:off x="2282233" y="1991049"/>
-            <a:ext cx="3871708" cy="1360625"/>
-          </a:xfrm>
-          <a:prstGeom prst="straightConnector1">
-            <a:avLst/>
-          </a:prstGeom>
-          <a:ln w="3175">
-            <a:solidFill>
-              <a:schemeClr val="bg1">
-                <a:lumMod val="85000"/>
-              </a:schemeClr>
-            </a:solidFill>
-            <a:prstDash val="solid"/>
-            <a:tailEnd type="triangle"/>
-          </a:ln>
-        </p:spPr>
-        <p:style>
-          <a:lnRef idx="1">
-            <a:schemeClr val="accent1"/>
-          </a:lnRef>
-          <a:fillRef idx="0">
-            <a:schemeClr val="accent1"/>
-          </a:fillRef>
-          <a:effectRef idx="0">
-            <a:schemeClr val="accent1"/>
-          </a:effectRef>
-          <a:fontRef idx="minor">
-            <a:schemeClr val="tx1"/>
-          </a:fontRef>
-        </p:style>
-      </p:cxnSp>
-      <p:cxnSp>
-        <p:nvCxnSpPr>
-          <p:cNvPr id="130" name="直接箭头连接符 129">
-            <a:extLst>
-              <a:ext uri="{FF2B5EF4-FFF2-40B4-BE49-F238E27FC236}">
-                <a16:creationId xmlns:a16="http://schemas.microsoft.com/office/drawing/2014/main" id="{5381FC4C-D3F0-444E-8B6F-2E6CD40537AE}"/>
-              </a:ext>
-            </a:extLst>
-          </p:cNvPr>
-          <p:cNvCxnSpPr>
-            <a:cxnSpLocks/>
-            <a:stCxn id="61" idx="0"/>
-            <a:endCxn id="236" idx="2"/>
-          </p:cNvCxnSpPr>
-          <p:nvPr/>
-        </p:nvCxnSpPr>
-        <p:spPr>
-          <a:xfrm flipH="1" flipV="1">
-            <a:off x="2282233" y="1991049"/>
-            <a:ext cx="5808536" cy="1360625"/>
-          </a:xfrm>
-          <a:prstGeom prst="straightConnector1">
-            <a:avLst/>
-          </a:prstGeom>
-          <a:ln w="3175">
-            <a:solidFill>
-              <a:schemeClr val="bg1">
-                <a:lumMod val="85000"/>
-              </a:schemeClr>
-            </a:solidFill>
-            <a:prstDash val="solid"/>
-            <a:tailEnd type="triangle"/>
-          </a:ln>
-        </p:spPr>
-        <p:style>
-          <a:lnRef idx="1">
-            <a:schemeClr val="accent1"/>
-          </a:lnRef>
-          <a:fillRef idx="0">
-            <a:schemeClr val="accent1"/>
-          </a:fillRef>
-          <a:effectRef idx="0">
-            <a:schemeClr val="accent1"/>
-          </a:effectRef>
-          <a:fontRef idx="minor">
-            <a:schemeClr val="tx1"/>
-          </a:fontRef>
-        </p:style>
-      </p:cxnSp>
-      <p:cxnSp>
-        <p:nvCxnSpPr>
-          <p:cNvPr id="131" name="直接箭头连接符 130">
-            <a:extLst>
-              <a:ext uri="{FF2B5EF4-FFF2-40B4-BE49-F238E27FC236}">
-                <a16:creationId xmlns:a16="http://schemas.microsoft.com/office/drawing/2014/main" id="{AF57C6D2-86D8-461A-AF51-0EED757B17C6}"/>
-              </a:ext>
-            </a:extLst>
-          </p:cNvPr>
-          <p:cNvCxnSpPr>
-            <a:cxnSpLocks/>
-            <a:stCxn id="197" idx="0"/>
-            <a:endCxn id="236" idx="2"/>
-          </p:cNvCxnSpPr>
-          <p:nvPr/>
-        </p:nvCxnSpPr>
-        <p:spPr>
-          <a:xfrm flipH="1" flipV="1">
-            <a:off x="2282233" y="1991049"/>
-            <a:ext cx="7494972" cy="1360625"/>
-          </a:xfrm>
-          <a:prstGeom prst="straightConnector1">
-            <a:avLst/>
-          </a:prstGeom>
-          <a:ln w="3175">
-            <a:solidFill>
-              <a:schemeClr val="bg1">
-                <a:lumMod val="85000"/>
-              </a:schemeClr>
-            </a:solidFill>
-            <a:prstDash val="solid"/>
-            <a:tailEnd type="triangle"/>
-          </a:ln>
-        </p:spPr>
-        <p:style>
-          <a:lnRef idx="1">
-            <a:schemeClr val="accent1"/>
-          </a:lnRef>
-          <a:fillRef idx="0">
-            <a:schemeClr val="accent1"/>
-          </a:fillRef>
-          <a:effectRef idx="0">
-            <a:schemeClr val="accent1"/>
-          </a:effectRef>
-          <a:fontRef idx="minor">
-            <a:schemeClr val="tx1"/>
-          </a:fontRef>
-        </p:style>
-      </p:cxnSp>
-      <p:cxnSp>
-        <p:nvCxnSpPr>
-          <p:cNvPr id="132" name="直接箭头连接符 131">
-            <a:extLst>
-              <a:ext uri="{FF2B5EF4-FFF2-40B4-BE49-F238E27FC236}">
-                <a16:creationId xmlns:a16="http://schemas.microsoft.com/office/drawing/2014/main" id="{7AA3E6BC-4A03-4B90-B681-960BAC452A59}"/>
-              </a:ext>
-            </a:extLst>
-          </p:cNvPr>
-          <p:cNvCxnSpPr>
-            <a:cxnSpLocks/>
-            <a:stCxn id="56" idx="0"/>
-            <a:endCxn id="236" idx="2"/>
-          </p:cNvCxnSpPr>
-          <p:nvPr/>
-        </p:nvCxnSpPr>
-        <p:spPr>
-          <a:xfrm flipH="1" flipV="1">
-            <a:off x="2282233" y="1991049"/>
-            <a:ext cx="8947412" cy="1360625"/>
-          </a:xfrm>
-          <a:prstGeom prst="straightConnector1">
-            <a:avLst/>
-          </a:prstGeom>
-          <a:ln w="3175">
-            <a:solidFill>
-              <a:schemeClr val="bg1">
-                <a:lumMod val="85000"/>
-              </a:schemeClr>
-            </a:solidFill>
-            <a:prstDash val="solid"/>
-            <a:tailEnd type="triangle"/>
-          </a:ln>
-        </p:spPr>
-        <p:style>
-          <a:lnRef idx="1">
-            <a:schemeClr val="accent1"/>
-          </a:lnRef>
-          <a:fillRef idx="0">
-            <a:schemeClr val="accent1"/>
-          </a:fillRef>
-          <a:effectRef idx="0">
-            <a:schemeClr val="accent1"/>
-          </a:effectRef>
-          <a:fontRef idx="minor">
-            <a:schemeClr val="tx1"/>
-          </a:fontRef>
-        </p:style>
-      </p:cxnSp>
-    </p:spTree>
-    <p:extLst>
-      <p:ext uri="{BB962C8B-B14F-4D97-AF65-F5344CB8AC3E}">
-        <p14:creationId xmlns:p14="http://schemas.microsoft.com/office/powerpoint/2010/main" val="4107499728"/>
-      </p:ext>
-    </p:extLst>
-  </p:cSld>
-  <p:clrMapOvr>
-    <a:masterClrMapping/>
-  </p:clrMapOvr>
-</p:sld>
-</file>
-
-<file path=ppt/slides/slide2.xml><?xml version="1.0" encoding="utf-8"?>
-<p:sld xmlns:a="http://schemas.openxmlformats.org/drawingml/2006/main" xmlns:r="http://schemas.openxmlformats.org/officeDocument/2006/relationships" xmlns:p="http://schemas.openxmlformats.org/presentationml/2006/main">
-  <p:cSld>
-    <p:spTree>
-      <p:nvGrpSpPr>
-        <p:cNvPr id="1" name=""/>
-        <p:cNvGrpSpPr/>
-        <p:nvPr/>
-      </p:nvGrpSpPr>
-      <p:grpSpPr>
-        <a:xfrm>
-          <a:off x="0" y="0"/>
-          <a:ext cx="0" cy="0"/>
-          <a:chOff x="0" y="0"/>
-          <a:chExt cx="0" cy="0"/>
-        </a:xfrm>
-      </p:grpSpPr>
-      <p:sp>
-        <p:nvSpPr>
           <p:cNvPr id="98" name="矩形 97">
             <a:extLst>
               <a:ext uri="{FF2B5EF4-FFF2-40B4-BE49-F238E27FC236}">
@@ -9735,7 +5898,7 @@
 </p:sld>
 </file>
 
-<file path=ppt/slides/slide3.xml><?xml version="1.0" encoding="utf-8"?>
+<file path=ppt/slides/slide2.xml><?xml version="1.0" encoding="utf-8"?>
 <p:sld xmlns:a="http://schemas.openxmlformats.org/drawingml/2006/main" xmlns:r="http://schemas.openxmlformats.org/officeDocument/2006/relationships" xmlns:p="http://schemas.openxmlformats.org/presentationml/2006/main">
   <p:cSld>
     <p:spTree>
@@ -13121,7 +9284,7 @@
 </p:sld>
 </file>
 
-<file path=ppt/slides/slide4.xml><?xml version="1.0" encoding="utf-8"?>
+<file path=ppt/slides/slide3.xml><?xml version="1.0" encoding="utf-8"?>
 <p:sld xmlns:a="http://schemas.openxmlformats.org/drawingml/2006/main" xmlns:r="http://schemas.openxmlformats.org/officeDocument/2006/relationships" xmlns:p="http://schemas.openxmlformats.org/presentationml/2006/main">
   <p:cSld>
     <p:spTree>
@@ -15352,7 +11515,7 @@
 </p:sld>
 </file>
 
-<file path=ppt/slides/slide5.xml><?xml version="1.0" encoding="utf-8"?>
+<file path=ppt/slides/slide4.xml><?xml version="1.0" encoding="utf-8"?>
 <p:sld xmlns:a="http://schemas.openxmlformats.org/drawingml/2006/main" xmlns:r="http://schemas.openxmlformats.org/officeDocument/2006/relationships" xmlns:p="http://schemas.openxmlformats.org/presentationml/2006/main">
   <p:cSld>
     <p:spTree>

--- a/流程框架.pptx
+++ b/流程框架.pptx
@@ -6,9 +6,10 @@
   </p:sldMasterIdLst>
   <p:sldIdLst>
     <p:sldId id="258" r:id="rId2"/>
-    <p:sldId id="259" r:id="rId3"/>
-    <p:sldId id="260" r:id="rId4"/>
-    <p:sldId id="261" r:id="rId5"/>
+    <p:sldId id="262" r:id="rId3"/>
+    <p:sldId id="259" r:id="rId4"/>
+    <p:sldId id="260" r:id="rId5"/>
+    <p:sldId id="261" r:id="rId6"/>
   </p:sldIdLst>
   <p:sldSz cx="12192000" cy="6858000"/>
   <p:notesSz cx="6858000" cy="9144000"/>
@@ -3355,8 +3356,8 @@
         </p:nvSpPr>
         <p:spPr>
           <a:xfrm>
-            <a:off x="472441" y="1053546"/>
-            <a:ext cx="6586727" cy="2142545"/>
+            <a:off x="472441" y="1053547"/>
+            <a:ext cx="7062567" cy="2656808"/>
           </a:xfrm>
           <a:prstGeom prst="rect">
             <a:avLst/>
@@ -3495,7 +3496,7 @@
         </p:nvSpPr>
         <p:spPr>
           <a:xfrm>
-            <a:off x="3282820" y="1893121"/>
+            <a:off x="3704850" y="2422417"/>
             <a:ext cx="720000" cy="360000"/>
           </a:xfrm>
           <a:prstGeom prst="roundRect">
@@ -3557,7 +3558,7 @@
         </p:nvSpPr>
         <p:spPr>
           <a:xfrm>
-            <a:off x="682437" y="1215916"/>
+            <a:off x="688319" y="1181088"/>
             <a:ext cx="503021" cy="360000"/>
           </a:xfrm>
           <a:prstGeom prst="roundRect">
@@ -3619,7 +3620,7 @@
         </p:nvSpPr>
         <p:spPr>
           <a:xfrm>
-            <a:off x="4742274" y="1893121"/>
+            <a:off x="5164304" y="2422417"/>
             <a:ext cx="1224000" cy="360000"/>
           </a:xfrm>
           <a:prstGeom prst="roundRect">
@@ -3707,7 +3708,7 @@
         </p:nvSpPr>
         <p:spPr>
           <a:xfrm>
-            <a:off x="1894564" y="1215916"/>
+            <a:off x="2316594" y="1637098"/>
             <a:ext cx="1269260" cy="360000"/>
           </a:xfrm>
           <a:prstGeom prst="roundRect">
@@ -3799,8 +3800,8 @@
         </p:nvCxnSpPr>
         <p:spPr>
           <a:xfrm>
-            <a:off x="1185458" y="1395916"/>
-            <a:ext cx="151655" cy="0"/>
+            <a:off x="1191340" y="1361088"/>
+            <a:ext cx="391957" cy="456010"/>
           </a:xfrm>
           <a:prstGeom prst="straightConnector1">
             <a:avLst/>
@@ -3841,7 +3842,7 @@
         </p:nvSpPr>
         <p:spPr>
           <a:xfrm>
-            <a:off x="1337113" y="1215916"/>
+            <a:off x="1583297" y="1637098"/>
             <a:ext cx="387547" cy="360000"/>
           </a:xfrm>
           <a:prstGeom prst="roundRect">
@@ -3910,8 +3911,8 @@
         </p:nvCxnSpPr>
         <p:spPr>
           <a:xfrm>
-            <a:off x="1724660" y="1395916"/>
-            <a:ext cx="169904" cy="0"/>
+            <a:off x="1970844" y="1817098"/>
+            <a:ext cx="345750" cy="0"/>
           </a:xfrm>
           <a:prstGeom prst="straightConnector1">
             <a:avLst/>
@@ -3956,8 +3957,8 @@
         </p:nvCxnSpPr>
         <p:spPr>
           <a:xfrm>
-            <a:off x="2529194" y="1575916"/>
-            <a:ext cx="1" cy="317205"/>
+            <a:off x="2951224" y="1997098"/>
+            <a:ext cx="1" cy="425319"/>
           </a:xfrm>
           <a:prstGeom prst="straightConnector1">
             <a:avLst/>
@@ -3998,7 +3999,7 @@
         </p:nvSpPr>
         <p:spPr>
           <a:xfrm>
-            <a:off x="2335421" y="1893121"/>
+            <a:off x="2757451" y="2422417"/>
             <a:ext cx="387547" cy="360000"/>
           </a:xfrm>
           <a:prstGeom prst="roundRect">
@@ -4067,7 +4068,7 @@
         </p:nvCxnSpPr>
         <p:spPr>
           <a:xfrm>
-            <a:off x="2722968" y="2073121"/>
+            <a:off x="3144998" y="2602417"/>
             <a:ext cx="559852" cy="0"/>
           </a:xfrm>
           <a:prstGeom prst="straightConnector1">
@@ -4113,7 +4114,7 @@
         </p:nvCxnSpPr>
         <p:spPr>
           <a:xfrm>
-            <a:off x="4002820" y="2073121"/>
+            <a:off x="4424850" y="2602417"/>
             <a:ext cx="192796" cy="0"/>
           </a:xfrm>
           <a:prstGeom prst="straightConnector1">
@@ -4155,7 +4156,7 @@
         </p:nvSpPr>
         <p:spPr>
           <a:xfrm>
-            <a:off x="4195616" y="1893121"/>
+            <a:off x="4617646" y="2422417"/>
             <a:ext cx="387547" cy="360000"/>
           </a:xfrm>
           <a:prstGeom prst="roundRect">
@@ -4224,7 +4225,7 @@
         </p:nvCxnSpPr>
         <p:spPr>
           <a:xfrm>
-            <a:off x="4583163" y="2073121"/>
+            <a:off x="5005193" y="2602417"/>
             <a:ext cx="159111" cy="0"/>
           </a:xfrm>
           <a:prstGeom prst="straightConnector1">
@@ -4270,7 +4271,7 @@
         </p:nvCxnSpPr>
         <p:spPr>
           <a:xfrm>
-            <a:off x="5354274" y="2253121"/>
+            <a:off x="5776304" y="2782417"/>
             <a:ext cx="1" cy="413245"/>
           </a:xfrm>
           <a:prstGeom prst="straightConnector1">
@@ -4312,7 +4313,7 @@
         </p:nvSpPr>
         <p:spPr>
           <a:xfrm>
-            <a:off x="5160501" y="2666366"/>
+            <a:off x="5582531" y="3195662"/>
             <a:ext cx="387547" cy="360000"/>
           </a:xfrm>
           <a:prstGeom prst="roundRect">
@@ -4381,7 +4382,7 @@
         </p:nvCxnSpPr>
         <p:spPr>
           <a:xfrm>
-            <a:off x="5548048" y="2846366"/>
+            <a:off x="5970078" y="3375662"/>
             <a:ext cx="623966" cy="0"/>
           </a:xfrm>
           <a:prstGeom prst="straightConnector1">
@@ -4423,7 +4424,7 @@
         </p:nvSpPr>
         <p:spPr>
           <a:xfrm>
-            <a:off x="6172014" y="2666366"/>
+            <a:off x="6594044" y="3195662"/>
             <a:ext cx="720000" cy="360000"/>
           </a:xfrm>
           <a:prstGeom prst="roundRect">
@@ -4791,10 +4792,10 @@
       </p:grpSp>
       <p:sp>
         <p:nvSpPr>
-          <p:cNvPr id="109" name="矩形 108">
-            <a:extLst>
-              <a:ext uri="{FF2B5EF4-FFF2-40B4-BE49-F238E27FC236}">
-                <a16:creationId xmlns:a16="http://schemas.microsoft.com/office/drawing/2014/main" id="{2775CEA4-AF43-4949-BE36-FAB2DBA484AB}"/>
+          <p:cNvPr id="50" name="矩形: 圆角 49">
+            <a:extLst>
+              <a:ext uri="{FF2B5EF4-FFF2-40B4-BE49-F238E27FC236}">
+                <a16:creationId xmlns:a16="http://schemas.microsoft.com/office/drawing/2014/main" id="{B40DB807-3E67-4E30-8A20-8D3129DB8CB3}"/>
               </a:ext>
             </a:extLst>
           </p:cNvPr>
@@ -4803,8 +4804,224 @@
         </p:nvSpPr>
         <p:spPr>
           <a:xfrm>
-            <a:off x="472441" y="3930679"/>
-            <a:ext cx="6949439" cy="2192274"/>
+            <a:off x="688320" y="1637098"/>
+            <a:ext cx="503021" cy="360000"/>
+          </a:xfrm>
+          <a:prstGeom prst="roundRect">
+            <a:avLst/>
+          </a:prstGeom>
+          <a:solidFill>
+            <a:srgbClr val="00B0F0"/>
+          </a:solidFill>
+          <a:ln>
+            <a:solidFill>
+              <a:schemeClr val="tx1"/>
+            </a:solidFill>
+          </a:ln>
+        </p:spPr>
+        <p:style>
+          <a:lnRef idx="2">
+            <a:schemeClr val="accent1">
+              <a:shade val="50000"/>
+            </a:schemeClr>
+          </a:lnRef>
+          <a:fillRef idx="1">
+            <a:schemeClr val="accent1"/>
+          </a:fillRef>
+          <a:effectRef idx="0">
+            <a:schemeClr val="accent1"/>
+          </a:effectRef>
+          <a:fontRef idx="minor">
+            <a:schemeClr val="lt1"/>
+          </a:fontRef>
+        </p:style>
+        <p:txBody>
+          <a:bodyPr wrap="none" lIns="36000" tIns="36000" rIns="36000" bIns="36000" rtlCol="0" anchor="ctr" anchorCtr="0"/>
+          <a:lstStyle/>
+          <a:p>
+            <a:r>
+              <a:rPr lang="zh-CN" altLang="en-US" sz="1000" b="1">
+                <a:solidFill>
+                  <a:schemeClr val="tx1"/>
+                </a:solidFill>
+                <a:latin typeface="微软雅黑 Light" panose="020B0502040204020203" pitchFamily="34" charset="-122"/>
+                <a:ea typeface="微软雅黑 Light" panose="020B0502040204020203" pitchFamily="34" charset="-122"/>
+              </a:rPr>
+              <a:t>法师</a:t>
+            </a:r>
+          </a:p>
+        </p:txBody>
+      </p:sp>
+      <p:sp>
+        <p:nvSpPr>
+          <p:cNvPr id="51" name="矩形: 圆角 50">
+            <a:extLst>
+              <a:ext uri="{FF2B5EF4-FFF2-40B4-BE49-F238E27FC236}">
+                <a16:creationId xmlns:a16="http://schemas.microsoft.com/office/drawing/2014/main" id="{3362D236-1F3E-4777-B34E-3E36721FFCFC}"/>
+              </a:ext>
+            </a:extLst>
+          </p:cNvPr>
+          <p:cNvSpPr/>
+          <p:nvPr/>
+        </p:nvSpPr>
+        <p:spPr>
+          <a:xfrm>
+            <a:off x="688320" y="2093109"/>
+            <a:ext cx="503021" cy="360000"/>
+          </a:xfrm>
+          <a:prstGeom prst="roundRect">
+            <a:avLst/>
+          </a:prstGeom>
+          <a:solidFill>
+            <a:srgbClr val="00B0F0"/>
+          </a:solidFill>
+          <a:ln>
+            <a:solidFill>
+              <a:schemeClr val="tx1"/>
+            </a:solidFill>
+          </a:ln>
+        </p:spPr>
+        <p:style>
+          <a:lnRef idx="2">
+            <a:schemeClr val="accent1">
+              <a:shade val="50000"/>
+            </a:schemeClr>
+          </a:lnRef>
+          <a:fillRef idx="1">
+            <a:schemeClr val="accent1"/>
+          </a:fillRef>
+          <a:effectRef idx="0">
+            <a:schemeClr val="accent1"/>
+          </a:effectRef>
+          <a:fontRef idx="minor">
+            <a:schemeClr val="lt1"/>
+          </a:fontRef>
+        </p:style>
+        <p:txBody>
+          <a:bodyPr wrap="none" lIns="36000" tIns="36000" rIns="36000" bIns="36000" rtlCol="0" anchor="ctr" anchorCtr="0"/>
+          <a:lstStyle/>
+          <a:p>
+            <a:r>
+              <a:rPr lang="zh-CN" altLang="en-US" sz="1000" b="1">
+                <a:solidFill>
+                  <a:schemeClr val="tx1"/>
+                </a:solidFill>
+                <a:latin typeface="微软雅黑 Light" panose="020B0502040204020203" pitchFamily="34" charset="-122"/>
+                <a:ea typeface="微软雅黑 Light" panose="020B0502040204020203" pitchFamily="34" charset="-122"/>
+              </a:rPr>
+              <a:t>寺院</a:t>
+            </a:r>
+          </a:p>
+        </p:txBody>
+      </p:sp>
+      <p:cxnSp>
+        <p:nvCxnSpPr>
+          <p:cNvPr id="54" name="直接箭头连接符 53">
+            <a:extLst>
+              <a:ext uri="{FF2B5EF4-FFF2-40B4-BE49-F238E27FC236}">
+                <a16:creationId xmlns:a16="http://schemas.microsoft.com/office/drawing/2014/main" id="{9C655938-C7D1-44BA-A772-834CD0B24CBC}"/>
+              </a:ext>
+            </a:extLst>
+          </p:cNvPr>
+          <p:cNvCxnSpPr>
+            <a:cxnSpLocks/>
+            <a:stCxn id="50" idx="3"/>
+            <a:endCxn id="60" idx="1"/>
+          </p:cNvCxnSpPr>
+          <p:nvPr/>
+        </p:nvCxnSpPr>
+        <p:spPr>
+          <a:xfrm>
+            <a:off x="1191341" y="1817098"/>
+            <a:ext cx="391956" cy="0"/>
+          </a:xfrm>
+          <a:prstGeom prst="straightConnector1">
+            <a:avLst/>
+          </a:prstGeom>
+          <a:ln w="15875">
+            <a:solidFill>
+              <a:schemeClr val="tx1"/>
+            </a:solidFill>
+            <a:tailEnd type="triangle"/>
+          </a:ln>
+        </p:spPr>
+        <p:style>
+          <a:lnRef idx="1">
+            <a:schemeClr val="accent1"/>
+          </a:lnRef>
+          <a:fillRef idx="0">
+            <a:schemeClr val="accent1"/>
+          </a:fillRef>
+          <a:effectRef idx="0">
+            <a:schemeClr val="accent1"/>
+          </a:effectRef>
+          <a:fontRef idx="minor">
+            <a:schemeClr val="tx1"/>
+          </a:fontRef>
+        </p:style>
+      </p:cxnSp>
+      <p:cxnSp>
+        <p:nvCxnSpPr>
+          <p:cNvPr id="56" name="直接箭头连接符 55">
+            <a:extLst>
+              <a:ext uri="{FF2B5EF4-FFF2-40B4-BE49-F238E27FC236}">
+                <a16:creationId xmlns:a16="http://schemas.microsoft.com/office/drawing/2014/main" id="{8CAA603B-4EA4-4701-A283-47247925174D}"/>
+              </a:ext>
+            </a:extLst>
+          </p:cNvPr>
+          <p:cNvCxnSpPr>
+            <a:cxnSpLocks/>
+            <a:stCxn id="51" idx="3"/>
+            <a:endCxn id="60" idx="1"/>
+          </p:cNvCxnSpPr>
+          <p:nvPr/>
+        </p:nvCxnSpPr>
+        <p:spPr>
+          <a:xfrm flipV="1">
+            <a:off x="1191341" y="1817098"/>
+            <a:ext cx="391956" cy="456011"/>
+          </a:xfrm>
+          <a:prstGeom prst="straightConnector1">
+            <a:avLst/>
+          </a:prstGeom>
+          <a:ln w="15875">
+            <a:solidFill>
+              <a:schemeClr val="tx1"/>
+            </a:solidFill>
+            <a:tailEnd type="triangle"/>
+          </a:ln>
+        </p:spPr>
+        <p:style>
+          <a:lnRef idx="1">
+            <a:schemeClr val="accent1"/>
+          </a:lnRef>
+          <a:fillRef idx="0">
+            <a:schemeClr val="accent1"/>
+          </a:fillRef>
+          <a:effectRef idx="0">
+            <a:schemeClr val="accent1"/>
+          </a:effectRef>
+          <a:fontRef idx="minor">
+            <a:schemeClr val="tx1"/>
+          </a:fontRef>
+        </p:style>
+      </p:cxnSp>
+      <p:sp>
+        <p:nvSpPr>
+          <p:cNvPr id="63" name="矩形 62">
+            <a:extLst>
+              <a:ext uri="{FF2B5EF4-FFF2-40B4-BE49-F238E27FC236}">
+                <a16:creationId xmlns:a16="http://schemas.microsoft.com/office/drawing/2014/main" id="{831241BA-6A33-4823-9B59-A4F3A10263AC}"/>
+              </a:ext>
+            </a:extLst>
+          </p:cNvPr>
+          <p:cNvSpPr/>
+          <p:nvPr/>
+        </p:nvSpPr>
+        <p:spPr>
+          <a:xfrm>
+            <a:off x="487667" y="4351243"/>
+            <a:ext cx="6949439" cy="2337891"/>
           </a:xfrm>
           <a:prstGeom prst="rect">
             <a:avLst/>
@@ -4845,10 +5062,10 @@
       </p:sp>
       <p:sp>
         <p:nvSpPr>
-          <p:cNvPr id="110" name="文本框 109">
-            <a:extLst>
-              <a:ext uri="{FF2B5EF4-FFF2-40B4-BE49-F238E27FC236}">
-                <a16:creationId xmlns:a16="http://schemas.microsoft.com/office/drawing/2014/main" id="{4B276279-C2DA-4B5E-9C41-4E4DB8872276}"/>
+          <p:cNvPr id="64" name="文本框 63">
+            <a:extLst>
+              <a:ext uri="{FF2B5EF4-FFF2-40B4-BE49-F238E27FC236}">
+                <a16:creationId xmlns:a16="http://schemas.microsoft.com/office/drawing/2014/main" id="{95DC8E94-8929-410A-96BE-C7132157947F}"/>
               </a:ext>
             </a:extLst>
           </p:cNvPr>
@@ -4857,8 +5074,8 @@
         </p:nvSpPr>
         <p:spPr>
           <a:xfrm>
-            <a:off x="411495" y="3612179"/>
-            <a:ext cx="1569660" cy="276999"/>
+            <a:off x="426721" y="4032744"/>
+            <a:ext cx="1107996" cy="276999"/>
           </a:xfrm>
           <a:prstGeom prst="rect">
             <a:avLst/>
@@ -4873,17 +5090,17 @@
           <a:p>
             <a:r>
               <a:rPr lang="zh-CN" altLang="en-US" sz="1200" b="1"/>
-              <a:t>申请成为法师或寺院</a:t>
-            </a:r>
-          </a:p>
-        </p:txBody>
-      </p:sp>
-      <p:sp>
-        <p:nvSpPr>
-          <p:cNvPr id="111" name="矩形: 圆角 110">
-            <a:extLst>
-              <a:ext uri="{FF2B5EF4-FFF2-40B4-BE49-F238E27FC236}">
-                <a16:creationId xmlns:a16="http://schemas.microsoft.com/office/drawing/2014/main" id="{0D341FA7-0684-4A92-B4AE-9B8B65F4585D}"/>
+              <a:t>申请成为寺院</a:t>
+            </a:r>
+          </a:p>
+        </p:txBody>
+      </p:sp>
+      <p:sp>
+        <p:nvSpPr>
+          <p:cNvPr id="65" name="矩形: 圆角 64">
+            <a:extLst>
+              <a:ext uri="{FF2B5EF4-FFF2-40B4-BE49-F238E27FC236}">
+                <a16:creationId xmlns:a16="http://schemas.microsoft.com/office/drawing/2014/main" id="{A96A435A-5C8D-4462-9237-16F724FEC0B1}"/>
               </a:ext>
             </a:extLst>
           </p:cNvPr>
@@ -4892,7 +5109,7 @@
         </p:nvSpPr>
         <p:spPr>
           <a:xfrm>
-            <a:off x="3355010" y="4823592"/>
+            <a:off x="3273874" y="5445325"/>
             <a:ext cx="806306" cy="360000"/>
           </a:xfrm>
           <a:prstGeom prst="roundRect">
@@ -4959,10 +5176,10 @@
       </p:sp>
       <p:sp>
         <p:nvSpPr>
-          <p:cNvPr id="112" name="矩形: 圆角 111">
-            <a:extLst>
-              <a:ext uri="{FF2B5EF4-FFF2-40B4-BE49-F238E27FC236}">
-                <a16:creationId xmlns:a16="http://schemas.microsoft.com/office/drawing/2014/main" id="{94051B10-8FE5-40C3-AEB0-0C1BFD46592B}"/>
+          <p:cNvPr id="69" name="矩形: 圆角 68">
+            <a:extLst>
+              <a:ext uri="{FF2B5EF4-FFF2-40B4-BE49-F238E27FC236}">
+                <a16:creationId xmlns:a16="http://schemas.microsoft.com/office/drawing/2014/main" id="{B8EF05B7-5655-434B-8B41-70264E611A9A}"/>
               </a:ext>
             </a:extLst>
           </p:cNvPr>
@@ -4971,7 +5188,873 @@
         </p:nvSpPr>
         <p:spPr>
           <a:xfrm>
-            <a:off x="682437" y="4074759"/>
+            <a:off x="5039909" y="5445325"/>
+            <a:ext cx="1039796" cy="360000"/>
+          </a:xfrm>
+          <a:prstGeom prst="roundRect">
+            <a:avLst/>
+          </a:prstGeom>
+          <a:solidFill>
+            <a:srgbClr val="00B050"/>
+          </a:solidFill>
+          <a:ln>
+            <a:solidFill>
+              <a:schemeClr val="tx1"/>
+            </a:solidFill>
+          </a:ln>
+        </p:spPr>
+        <p:style>
+          <a:lnRef idx="2">
+            <a:schemeClr val="accent1">
+              <a:shade val="50000"/>
+            </a:schemeClr>
+          </a:lnRef>
+          <a:fillRef idx="1">
+            <a:schemeClr val="accent1"/>
+          </a:fillRef>
+          <a:effectRef idx="0">
+            <a:schemeClr val="accent1"/>
+          </a:effectRef>
+          <a:fontRef idx="minor">
+            <a:schemeClr val="lt1"/>
+          </a:fontRef>
+        </p:style>
+        <p:txBody>
+          <a:bodyPr wrap="none" lIns="36000" tIns="36000" rIns="36000" bIns="36000" rtlCol="0" anchor="ctr" anchorCtr="0"/>
+          <a:lstStyle/>
+          <a:p>
+            <a:r>
+              <a:rPr lang="zh-CN" altLang="en-US" sz="1000" b="1">
+                <a:solidFill>
+                  <a:schemeClr val="tx1"/>
+                </a:solidFill>
+                <a:latin typeface="微软雅黑 Light" panose="020B0502040204020203" pitchFamily="34" charset="-122"/>
+                <a:ea typeface="微软雅黑 Light" panose="020B0502040204020203" pitchFamily="34" charset="-122"/>
+              </a:rPr>
+              <a:t>批准寺院</a:t>
+            </a:r>
+            <a:endParaRPr lang="en-US" altLang="zh-CN" sz="1000" b="1">
+              <a:solidFill>
+                <a:schemeClr val="tx1"/>
+              </a:solidFill>
+              <a:latin typeface="微软雅黑 Light" panose="020B0502040204020203" pitchFamily="34" charset="-122"/>
+              <a:ea typeface="微软雅黑 Light" panose="020B0502040204020203" pitchFamily="34" charset="-122"/>
+            </a:endParaRPr>
+          </a:p>
+          <a:p>
+            <a:r>
+              <a:rPr lang="en-US" altLang="zh-CN" sz="1000" b="1">
+                <a:solidFill>
+                  <a:schemeClr val="tx1"/>
+                </a:solidFill>
+                <a:latin typeface="微软雅黑 Light" panose="020B0502040204020203" pitchFamily="34" charset="-122"/>
+                <a:ea typeface="微软雅黑 Light" panose="020B0502040204020203" pitchFamily="34" charset="-122"/>
+              </a:rPr>
+              <a:t>approve_temple</a:t>
+            </a:r>
+            <a:endParaRPr lang="zh-CN" altLang="en-US" sz="1000" b="1">
+              <a:solidFill>
+                <a:schemeClr val="tx1"/>
+              </a:solidFill>
+              <a:latin typeface="微软雅黑 Light" panose="020B0502040204020203" pitchFamily="34" charset="-122"/>
+              <a:ea typeface="微软雅黑 Light" panose="020B0502040204020203" pitchFamily="34" charset="-122"/>
+            </a:endParaRPr>
+          </a:p>
+        </p:txBody>
+      </p:sp>
+      <p:sp>
+        <p:nvSpPr>
+          <p:cNvPr id="70" name="矩形: 圆角 69">
+            <a:extLst>
+              <a:ext uri="{FF2B5EF4-FFF2-40B4-BE49-F238E27FC236}">
+                <a16:creationId xmlns:a16="http://schemas.microsoft.com/office/drawing/2014/main" id="{9808AE68-A823-46B4-A871-7EBCBFE989DD}"/>
+              </a:ext>
+            </a:extLst>
+          </p:cNvPr>
+          <p:cNvSpPr/>
+          <p:nvPr/>
+        </p:nvSpPr>
+        <p:spPr>
+          <a:xfrm>
+            <a:off x="2128661" y="4696492"/>
+            <a:ext cx="885695" cy="360000"/>
+          </a:xfrm>
+          <a:prstGeom prst="roundRect">
+            <a:avLst/>
+          </a:prstGeom>
+          <a:solidFill>
+            <a:srgbClr val="00B050"/>
+          </a:solidFill>
+          <a:ln>
+            <a:solidFill>
+              <a:schemeClr val="tx1"/>
+            </a:solidFill>
+          </a:ln>
+        </p:spPr>
+        <p:style>
+          <a:lnRef idx="2">
+            <a:schemeClr val="accent1">
+              <a:shade val="50000"/>
+            </a:schemeClr>
+          </a:lnRef>
+          <a:fillRef idx="1">
+            <a:schemeClr val="accent1"/>
+          </a:fillRef>
+          <a:effectRef idx="0">
+            <a:schemeClr val="accent1"/>
+          </a:effectRef>
+          <a:fontRef idx="minor">
+            <a:schemeClr val="lt1"/>
+          </a:fontRef>
+        </p:style>
+        <p:txBody>
+          <a:bodyPr wrap="none" lIns="36000" tIns="36000" rIns="36000" bIns="36000" rtlCol="0" anchor="ctr" anchorCtr="0"/>
+          <a:lstStyle/>
+          <a:p>
+            <a:r>
+              <a:rPr lang="zh-CN" altLang="en-US" sz="1000" b="1">
+                <a:solidFill>
+                  <a:schemeClr val="tx1"/>
+                </a:solidFill>
+                <a:latin typeface="微软雅黑 Light" panose="020B0502040204020203" pitchFamily="34" charset="-122"/>
+                <a:ea typeface="微软雅黑 Light" panose="020B0502040204020203" pitchFamily="34" charset="-122"/>
+              </a:rPr>
+              <a:t>申请成为寺院</a:t>
+            </a:r>
+            <a:endParaRPr lang="en-US" altLang="zh-CN" sz="1000" b="1">
+              <a:solidFill>
+                <a:schemeClr val="tx1"/>
+              </a:solidFill>
+              <a:latin typeface="微软雅黑 Light" panose="020B0502040204020203" pitchFamily="34" charset="-122"/>
+              <a:ea typeface="微软雅黑 Light" panose="020B0502040204020203" pitchFamily="34" charset="-122"/>
+            </a:endParaRPr>
+          </a:p>
+          <a:p>
+            <a:r>
+              <a:rPr lang="en-US" altLang="zh-CN" sz="1000" b="1">
+                <a:solidFill>
+                  <a:schemeClr val="tx1"/>
+                </a:solidFill>
+                <a:latin typeface="微软雅黑 Light" panose="020B0502040204020203" pitchFamily="34" charset="-122"/>
+                <a:ea typeface="微软雅黑 Light" panose="020B0502040204020203" pitchFamily="34" charset="-122"/>
+              </a:rPr>
+              <a:t>apply_temple</a:t>
+            </a:r>
+            <a:endParaRPr lang="zh-CN" altLang="en-US" sz="1000" b="1">
+              <a:solidFill>
+                <a:schemeClr val="tx1"/>
+              </a:solidFill>
+              <a:latin typeface="微软雅黑 Light" panose="020B0502040204020203" pitchFamily="34" charset="-122"/>
+              <a:ea typeface="微软雅黑 Light" panose="020B0502040204020203" pitchFamily="34" charset="-122"/>
+            </a:endParaRPr>
+          </a:p>
+        </p:txBody>
+      </p:sp>
+      <p:cxnSp>
+        <p:nvCxnSpPr>
+          <p:cNvPr id="71" name="直接箭头连接符 70">
+            <a:extLst>
+              <a:ext uri="{FF2B5EF4-FFF2-40B4-BE49-F238E27FC236}">
+                <a16:creationId xmlns:a16="http://schemas.microsoft.com/office/drawing/2014/main" id="{8307FA66-E561-4701-8BD1-A4788836EB19}"/>
+              </a:ext>
+            </a:extLst>
+          </p:cNvPr>
+          <p:cNvCxnSpPr>
+            <a:cxnSpLocks/>
+            <a:stCxn id="91" idx="3"/>
+            <a:endCxn id="72" idx="1"/>
+          </p:cNvCxnSpPr>
+          <p:nvPr/>
+        </p:nvCxnSpPr>
+        <p:spPr>
+          <a:xfrm>
+            <a:off x="1180021" y="4649371"/>
+            <a:ext cx="371377" cy="227121"/>
+          </a:xfrm>
+          <a:prstGeom prst="straightConnector1">
+            <a:avLst/>
+          </a:prstGeom>
+          <a:ln w="15875">
+            <a:solidFill>
+              <a:schemeClr val="tx1"/>
+            </a:solidFill>
+            <a:tailEnd type="triangle"/>
+          </a:ln>
+        </p:spPr>
+        <p:style>
+          <a:lnRef idx="1">
+            <a:schemeClr val="accent1"/>
+          </a:lnRef>
+          <a:fillRef idx="0">
+            <a:schemeClr val="accent1"/>
+          </a:fillRef>
+          <a:effectRef idx="0">
+            <a:schemeClr val="accent1"/>
+          </a:effectRef>
+          <a:fontRef idx="minor">
+            <a:schemeClr val="tx1"/>
+          </a:fontRef>
+        </p:style>
+      </p:cxnSp>
+      <p:sp>
+        <p:nvSpPr>
+          <p:cNvPr id="72" name="矩形: 圆角 71">
+            <a:extLst>
+              <a:ext uri="{FF2B5EF4-FFF2-40B4-BE49-F238E27FC236}">
+                <a16:creationId xmlns:a16="http://schemas.microsoft.com/office/drawing/2014/main" id="{3CE39E2B-001B-449C-A45D-9EB036FB1896}"/>
+              </a:ext>
+            </a:extLst>
+          </p:cNvPr>
+          <p:cNvSpPr/>
+          <p:nvPr/>
+        </p:nvSpPr>
+        <p:spPr>
+          <a:xfrm>
+            <a:off x="1551398" y="4696492"/>
+            <a:ext cx="387547" cy="360000"/>
+          </a:xfrm>
+          <a:prstGeom prst="roundRect">
+            <a:avLst/>
+          </a:prstGeom>
+          <a:solidFill>
+            <a:schemeClr val="accent4">
+              <a:lumMod val="40000"/>
+              <a:lumOff val="60000"/>
+            </a:schemeClr>
+          </a:solidFill>
+          <a:ln>
+            <a:solidFill>
+              <a:schemeClr val="tx1"/>
+            </a:solidFill>
+          </a:ln>
+        </p:spPr>
+        <p:style>
+          <a:lnRef idx="2">
+            <a:schemeClr val="accent1">
+              <a:shade val="50000"/>
+            </a:schemeClr>
+          </a:lnRef>
+          <a:fillRef idx="1">
+            <a:schemeClr val="accent1"/>
+          </a:fillRef>
+          <a:effectRef idx="0">
+            <a:schemeClr val="accent1"/>
+          </a:effectRef>
+          <a:fontRef idx="minor">
+            <a:schemeClr val="lt1"/>
+          </a:fontRef>
+        </p:style>
+        <p:txBody>
+          <a:bodyPr wrap="none" lIns="36000" tIns="36000" rIns="36000" bIns="36000" rtlCol="0" anchor="ctr" anchorCtr="0"/>
+          <a:lstStyle/>
+          <a:p>
+            <a:r>
+              <a:rPr lang="zh-CN" altLang="en-US" sz="1000" b="1">
+                <a:solidFill>
+                  <a:schemeClr val="tx1"/>
+                </a:solidFill>
+                <a:latin typeface="微软雅黑 Light" panose="020B0502040204020203" pitchFamily="34" charset="-122"/>
+                <a:ea typeface="微软雅黑 Light" panose="020B0502040204020203" pitchFamily="34" charset="-122"/>
+              </a:rPr>
+              <a:t>后端</a:t>
+            </a:r>
+          </a:p>
+        </p:txBody>
+      </p:sp>
+      <p:cxnSp>
+        <p:nvCxnSpPr>
+          <p:cNvPr id="74" name="直接箭头连接符 73">
+            <a:extLst>
+              <a:ext uri="{FF2B5EF4-FFF2-40B4-BE49-F238E27FC236}">
+                <a16:creationId xmlns:a16="http://schemas.microsoft.com/office/drawing/2014/main" id="{E8B0CC8C-0A0A-4F76-9D0E-E86CAD890E81}"/>
+              </a:ext>
+            </a:extLst>
+          </p:cNvPr>
+          <p:cNvCxnSpPr>
+            <a:cxnSpLocks/>
+            <a:stCxn id="72" idx="3"/>
+            <a:endCxn id="70" idx="1"/>
+          </p:cNvCxnSpPr>
+          <p:nvPr/>
+        </p:nvCxnSpPr>
+        <p:spPr>
+          <a:xfrm>
+            <a:off x="1938945" y="4876492"/>
+            <a:ext cx="189716" cy="0"/>
+          </a:xfrm>
+          <a:prstGeom prst="straightConnector1">
+            <a:avLst/>
+          </a:prstGeom>
+          <a:ln w="15875">
+            <a:solidFill>
+              <a:schemeClr val="tx1"/>
+            </a:solidFill>
+            <a:tailEnd type="triangle"/>
+          </a:ln>
+        </p:spPr>
+        <p:style>
+          <a:lnRef idx="1">
+            <a:schemeClr val="accent1"/>
+          </a:lnRef>
+          <a:fillRef idx="0">
+            <a:schemeClr val="accent1"/>
+          </a:fillRef>
+          <a:effectRef idx="0">
+            <a:schemeClr val="accent1"/>
+          </a:effectRef>
+          <a:fontRef idx="minor">
+            <a:schemeClr val="tx1"/>
+          </a:fontRef>
+        </p:style>
+      </p:cxnSp>
+      <p:cxnSp>
+        <p:nvCxnSpPr>
+          <p:cNvPr id="75" name="直接箭头连接符 74">
+            <a:extLst>
+              <a:ext uri="{FF2B5EF4-FFF2-40B4-BE49-F238E27FC236}">
+                <a16:creationId xmlns:a16="http://schemas.microsoft.com/office/drawing/2014/main" id="{CF4F5427-D8DA-41E3-B496-9191339FFEB2}"/>
+              </a:ext>
+            </a:extLst>
+          </p:cNvPr>
+          <p:cNvCxnSpPr>
+            <a:cxnSpLocks/>
+            <a:stCxn id="70" idx="2"/>
+            <a:endCxn id="76" idx="0"/>
+          </p:cNvCxnSpPr>
+          <p:nvPr/>
+        </p:nvCxnSpPr>
+        <p:spPr>
+          <a:xfrm>
+            <a:off x="2571509" y="5056492"/>
+            <a:ext cx="0" cy="388833"/>
+          </a:xfrm>
+          <a:prstGeom prst="straightConnector1">
+            <a:avLst/>
+          </a:prstGeom>
+          <a:ln w="28575">
+            <a:solidFill>
+              <a:srgbClr val="FF0000"/>
+            </a:solidFill>
+            <a:tailEnd type="triangle"/>
+          </a:ln>
+        </p:spPr>
+        <p:style>
+          <a:lnRef idx="1">
+            <a:schemeClr val="accent1"/>
+          </a:lnRef>
+          <a:fillRef idx="0">
+            <a:schemeClr val="accent1"/>
+          </a:fillRef>
+          <a:effectRef idx="0">
+            <a:schemeClr val="accent1"/>
+          </a:effectRef>
+          <a:fontRef idx="minor">
+            <a:schemeClr val="tx1"/>
+          </a:fontRef>
+        </p:style>
+      </p:cxnSp>
+      <p:sp>
+        <p:nvSpPr>
+          <p:cNvPr id="76" name="矩形: 圆角 75">
+            <a:extLst>
+              <a:ext uri="{FF2B5EF4-FFF2-40B4-BE49-F238E27FC236}">
+                <a16:creationId xmlns:a16="http://schemas.microsoft.com/office/drawing/2014/main" id="{213C9BEF-958F-4690-A8AC-00879E46A176}"/>
+              </a:ext>
+            </a:extLst>
+          </p:cNvPr>
+          <p:cNvSpPr/>
+          <p:nvPr/>
+        </p:nvSpPr>
+        <p:spPr>
+          <a:xfrm>
+            <a:off x="2377735" y="5445325"/>
+            <a:ext cx="387547" cy="360000"/>
+          </a:xfrm>
+          <a:prstGeom prst="roundRect">
+            <a:avLst/>
+          </a:prstGeom>
+          <a:solidFill>
+            <a:schemeClr val="accent4">
+              <a:lumMod val="40000"/>
+              <a:lumOff val="60000"/>
+            </a:schemeClr>
+          </a:solidFill>
+          <a:ln>
+            <a:solidFill>
+              <a:schemeClr val="tx1"/>
+            </a:solidFill>
+          </a:ln>
+        </p:spPr>
+        <p:style>
+          <a:lnRef idx="2">
+            <a:schemeClr val="accent1">
+              <a:shade val="50000"/>
+            </a:schemeClr>
+          </a:lnRef>
+          <a:fillRef idx="1">
+            <a:schemeClr val="accent1"/>
+          </a:fillRef>
+          <a:effectRef idx="0">
+            <a:schemeClr val="accent1"/>
+          </a:effectRef>
+          <a:fontRef idx="minor">
+            <a:schemeClr val="lt1"/>
+          </a:fontRef>
+        </p:style>
+        <p:txBody>
+          <a:bodyPr wrap="none" lIns="36000" tIns="36000" rIns="36000" bIns="36000" rtlCol="0" anchor="ctr" anchorCtr="0"/>
+          <a:lstStyle/>
+          <a:p>
+            <a:r>
+              <a:rPr lang="zh-CN" altLang="en-US" sz="1000" b="1">
+                <a:solidFill>
+                  <a:schemeClr val="tx1"/>
+                </a:solidFill>
+                <a:latin typeface="微软雅黑 Light" panose="020B0502040204020203" pitchFamily="34" charset="-122"/>
+                <a:ea typeface="微软雅黑 Light" panose="020B0502040204020203" pitchFamily="34" charset="-122"/>
+              </a:rPr>
+              <a:t>后端</a:t>
+            </a:r>
+          </a:p>
+        </p:txBody>
+      </p:sp>
+      <p:cxnSp>
+        <p:nvCxnSpPr>
+          <p:cNvPr id="77" name="直接箭头连接符 76">
+            <a:extLst>
+              <a:ext uri="{FF2B5EF4-FFF2-40B4-BE49-F238E27FC236}">
+                <a16:creationId xmlns:a16="http://schemas.microsoft.com/office/drawing/2014/main" id="{C7974728-1136-4D3C-A5C2-51E98BC8D11E}"/>
+              </a:ext>
+            </a:extLst>
+          </p:cNvPr>
+          <p:cNvCxnSpPr>
+            <a:cxnSpLocks/>
+            <a:stCxn id="76" idx="3"/>
+            <a:endCxn id="65" idx="1"/>
+          </p:cNvCxnSpPr>
+          <p:nvPr/>
+        </p:nvCxnSpPr>
+        <p:spPr>
+          <a:xfrm>
+            <a:off x="2765282" y="5625325"/>
+            <a:ext cx="508592" cy="0"/>
+          </a:xfrm>
+          <a:prstGeom prst="straightConnector1">
+            <a:avLst/>
+          </a:prstGeom>
+          <a:ln w="25400">
+            <a:solidFill>
+              <a:srgbClr val="00B050"/>
+            </a:solidFill>
+            <a:tailEnd type="triangle"/>
+          </a:ln>
+        </p:spPr>
+        <p:style>
+          <a:lnRef idx="1">
+            <a:schemeClr val="accent1"/>
+          </a:lnRef>
+          <a:fillRef idx="0">
+            <a:schemeClr val="accent1"/>
+          </a:fillRef>
+          <a:effectRef idx="0">
+            <a:schemeClr val="accent1"/>
+          </a:effectRef>
+          <a:fontRef idx="minor">
+            <a:schemeClr val="tx1"/>
+          </a:fontRef>
+        </p:style>
+      </p:cxnSp>
+      <p:cxnSp>
+        <p:nvCxnSpPr>
+          <p:cNvPr id="78" name="直接箭头连接符 77">
+            <a:extLst>
+              <a:ext uri="{FF2B5EF4-FFF2-40B4-BE49-F238E27FC236}">
+                <a16:creationId xmlns:a16="http://schemas.microsoft.com/office/drawing/2014/main" id="{D422074B-32B7-4C9C-BAB7-5F8A71DF7978}"/>
+              </a:ext>
+            </a:extLst>
+          </p:cNvPr>
+          <p:cNvCxnSpPr>
+            <a:cxnSpLocks/>
+            <a:stCxn id="65" idx="3"/>
+            <a:endCxn id="80" idx="1"/>
+          </p:cNvCxnSpPr>
+          <p:nvPr/>
+        </p:nvCxnSpPr>
+        <p:spPr>
+          <a:xfrm>
+            <a:off x="4080180" y="5625325"/>
+            <a:ext cx="221752" cy="0"/>
+          </a:xfrm>
+          <a:prstGeom prst="straightConnector1">
+            <a:avLst/>
+          </a:prstGeom>
+          <a:ln w="15875">
+            <a:solidFill>
+              <a:schemeClr val="tx1"/>
+            </a:solidFill>
+            <a:tailEnd type="triangle"/>
+          </a:ln>
+        </p:spPr>
+        <p:style>
+          <a:lnRef idx="1">
+            <a:schemeClr val="accent1"/>
+          </a:lnRef>
+          <a:fillRef idx="0">
+            <a:schemeClr val="accent1"/>
+          </a:fillRef>
+          <a:effectRef idx="0">
+            <a:schemeClr val="accent1"/>
+          </a:effectRef>
+          <a:fontRef idx="minor">
+            <a:schemeClr val="tx1"/>
+          </a:fontRef>
+        </p:style>
+      </p:cxnSp>
+      <p:sp>
+        <p:nvSpPr>
+          <p:cNvPr id="80" name="矩形: 圆角 79">
+            <a:extLst>
+              <a:ext uri="{FF2B5EF4-FFF2-40B4-BE49-F238E27FC236}">
+                <a16:creationId xmlns:a16="http://schemas.microsoft.com/office/drawing/2014/main" id="{A72412F8-1F4D-4ED8-857B-43FE15168BAC}"/>
+              </a:ext>
+            </a:extLst>
+          </p:cNvPr>
+          <p:cNvSpPr/>
+          <p:nvPr/>
+        </p:nvSpPr>
+        <p:spPr>
+          <a:xfrm>
+            <a:off x="4301932" y="5445325"/>
+            <a:ext cx="387547" cy="360000"/>
+          </a:xfrm>
+          <a:prstGeom prst="roundRect">
+            <a:avLst/>
+          </a:prstGeom>
+          <a:solidFill>
+            <a:schemeClr val="accent4">
+              <a:lumMod val="40000"/>
+              <a:lumOff val="60000"/>
+            </a:schemeClr>
+          </a:solidFill>
+          <a:ln>
+            <a:solidFill>
+              <a:schemeClr val="tx1"/>
+            </a:solidFill>
+          </a:ln>
+        </p:spPr>
+        <p:style>
+          <a:lnRef idx="2">
+            <a:schemeClr val="accent1">
+              <a:shade val="50000"/>
+            </a:schemeClr>
+          </a:lnRef>
+          <a:fillRef idx="1">
+            <a:schemeClr val="accent1"/>
+          </a:fillRef>
+          <a:effectRef idx="0">
+            <a:schemeClr val="accent1"/>
+          </a:effectRef>
+          <a:fontRef idx="minor">
+            <a:schemeClr val="lt1"/>
+          </a:fontRef>
+        </p:style>
+        <p:txBody>
+          <a:bodyPr wrap="none" lIns="36000" tIns="36000" rIns="36000" bIns="36000" rtlCol="0" anchor="ctr" anchorCtr="0"/>
+          <a:lstStyle/>
+          <a:p>
+            <a:r>
+              <a:rPr lang="zh-CN" altLang="en-US" sz="1000" b="1">
+                <a:solidFill>
+                  <a:schemeClr val="tx1"/>
+                </a:solidFill>
+                <a:latin typeface="微软雅黑 Light" panose="020B0502040204020203" pitchFamily="34" charset="-122"/>
+                <a:ea typeface="微软雅黑 Light" panose="020B0502040204020203" pitchFamily="34" charset="-122"/>
+              </a:rPr>
+              <a:t>后端</a:t>
+            </a:r>
+          </a:p>
+        </p:txBody>
+      </p:sp>
+      <p:cxnSp>
+        <p:nvCxnSpPr>
+          <p:cNvPr id="82" name="直接箭头连接符 81">
+            <a:extLst>
+              <a:ext uri="{FF2B5EF4-FFF2-40B4-BE49-F238E27FC236}">
+                <a16:creationId xmlns:a16="http://schemas.microsoft.com/office/drawing/2014/main" id="{46CBFDA7-8F54-4088-AC2E-8373EB36E103}"/>
+              </a:ext>
+            </a:extLst>
+          </p:cNvPr>
+          <p:cNvCxnSpPr>
+            <a:cxnSpLocks/>
+            <a:stCxn id="80" idx="3"/>
+            <a:endCxn id="69" idx="1"/>
+          </p:cNvCxnSpPr>
+          <p:nvPr/>
+        </p:nvCxnSpPr>
+        <p:spPr>
+          <a:xfrm>
+            <a:off x="4689479" y="5625325"/>
+            <a:ext cx="350430" cy="0"/>
+          </a:xfrm>
+          <a:prstGeom prst="straightConnector1">
+            <a:avLst/>
+          </a:prstGeom>
+          <a:ln w="15875">
+            <a:solidFill>
+              <a:schemeClr val="tx1"/>
+            </a:solidFill>
+            <a:tailEnd type="triangle"/>
+          </a:ln>
+        </p:spPr>
+        <p:style>
+          <a:lnRef idx="1">
+            <a:schemeClr val="accent1"/>
+          </a:lnRef>
+          <a:fillRef idx="0">
+            <a:schemeClr val="accent1"/>
+          </a:fillRef>
+          <a:effectRef idx="0">
+            <a:schemeClr val="accent1"/>
+          </a:effectRef>
+          <a:fontRef idx="minor">
+            <a:schemeClr val="tx1"/>
+          </a:fontRef>
+        </p:style>
+      </p:cxnSp>
+      <p:cxnSp>
+        <p:nvCxnSpPr>
+          <p:cNvPr id="83" name="直接箭头连接符 82">
+            <a:extLst>
+              <a:ext uri="{FF2B5EF4-FFF2-40B4-BE49-F238E27FC236}">
+                <a16:creationId xmlns:a16="http://schemas.microsoft.com/office/drawing/2014/main" id="{4C3A8767-DA2E-4604-AF65-A6568FDCE517}"/>
+              </a:ext>
+            </a:extLst>
+          </p:cNvPr>
+          <p:cNvCxnSpPr>
+            <a:cxnSpLocks/>
+            <a:stCxn id="69" idx="2"/>
+            <a:endCxn id="84" idx="0"/>
+          </p:cNvCxnSpPr>
+          <p:nvPr/>
+        </p:nvCxnSpPr>
+        <p:spPr>
+          <a:xfrm>
+            <a:off x="5559807" y="5805325"/>
+            <a:ext cx="1" cy="327901"/>
+          </a:xfrm>
+          <a:prstGeom prst="straightConnector1">
+            <a:avLst/>
+          </a:prstGeom>
+          <a:ln w="28575">
+            <a:solidFill>
+              <a:srgbClr val="FF0000"/>
+            </a:solidFill>
+            <a:tailEnd type="triangle"/>
+          </a:ln>
+        </p:spPr>
+        <p:style>
+          <a:lnRef idx="1">
+            <a:schemeClr val="accent1"/>
+          </a:lnRef>
+          <a:fillRef idx="0">
+            <a:schemeClr val="accent1"/>
+          </a:fillRef>
+          <a:effectRef idx="0">
+            <a:schemeClr val="accent1"/>
+          </a:effectRef>
+          <a:fontRef idx="minor">
+            <a:schemeClr val="tx1"/>
+          </a:fontRef>
+        </p:style>
+      </p:cxnSp>
+      <p:sp>
+        <p:nvSpPr>
+          <p:cNvPr id="84" name="矩形: 圆角 83">
+            <a:extLst>
+              <a:ext uri="{FF2B5EF4-FFF2-40B4-BE49-F238E27FC236}">
+                <a16:creationId xmlns:a16="http://schemas.microsoft.com/office/drawing/2014/main" id="{83F2A268-5FE2-40F3-8A50-4A7C8DAFFCCD}"/>
+              </a:ext>
+            </a:extLst>
+          </p:cNvPr>
+          <p:cNvSpPr/>
+          <p:nvPr/>
+        </p:nvSpPr>
+        <p:spPr>
+          <a:xfrm>
+            <a:off x="5366034" y="6133226"/>
+            <a:ext cx="387547" cy="360000"/>
+          </a:xfrm>
+          <a:prstGeom prst="roundRect">
+            <a:avLst/>
+          </a:prstGeom>
+          <a:solidFill>
+            <a:schemeClr val="accent4">
+              <a:lumMod val="40000"/>
+              <a:lumOff val="60000"/>
+            </a:schemeClr>
+          </a:solidFill>
+          <a:ln>
+            <a:solidFill>
+              <a:schemeClr val="tx1"/>
+            </a:solidFill>
+          </a:ln>
+        </p:spPr>
+        <p:style>
+          <a:lnRef idx="2">
+            <a:schemeClr val="accent1">
+              <a:shade val="50000"/>
+            </a:schemeClr>
+          </a:lnRef>
+          <a:fillRef idx="1">
+            <a:schemeClr val="accent1"/>
+          </a:fillRef>
+          <a:effectRef idx="0">
+            <a:schemeClr val="accent1"/>
+          </a:effectRef>
+          <a:fontRef idx="minor">
+            <a:schemeClr val="lt1"/>
+          </a:fontRef>
+        </p:style>
+        <p:txBody>
+          <a:bodyPr wrap="none" lIns="36000" tIns="36000" rIns="36000" bIns="36000" rtlCol="0" anchor="ctr" anchorCtr="0"/>
+          <a:lstStyle/>
+          <a:p>
+            <a:r>
+              <a:rPr lang="zh-CN" altLang="en-US" sz="1000" b="1">
+                <a:solidFill>
+                  <a:schemeClr val="tx1"/>
+                </a:solidFill>
+                <a:latin typeface="微软雅黑 Light" panose="020B0502040204020203" pitchFamily="34" charset="-122"/>
+                <a:ea typeface="微软雅黑 Light" panose="020B0502040204020203" pitchFamily="34" charset="-122"/>
+              </a:rPr>
+              <a:t>后端</a:t>
+            </a:r>
+          </a:p>
+        </p:txBody>
+      </p:sp>
+      <p:cxnSp>
+        <p:nvCxnSpPr>
+          <p:cNvPr id="88" name="直接箭头连接符 87">
+            <a:extLst>
+              <a:ext uri="{FF2B5EF4-FFF2-40B4-BE49-F238E27FC236}">
+                <a16:creationId xmlns:a16="http://schemas.microsoft.com/office/drawing/2014/main" id="{B1A72765-3A25-4DF6-958A-D60584D14EFB}"/>
+              </a:ext>
+            </a:extLst>
+          </p:cNvPr>
+          <p:cNvCxnSpPr>
+            <a:cxnSpLocks/>
+            <a:stCxn id="84" idx="3"/>
+            <a:endCxn id="90" idx="1"/>
+          </p:cNvCxnSpPr>
+          <p:nvPr/>
+        </p:nvCxnSpPr>
+        <p:spPr>
+          <a:xfrm>
+            <a:off x="5753581" y="6313226"/>
+            <a:ext cx="584185" cy="0"/>
+          </a:xfrm>
+          <a:prstGeom prst="straightConnector1">
+            <a:avLst/>
+          </a:prstGeom>
+          <a:ln w="25400">
+            <a:solidFill>
+              <a:srgbClr val="00B050"/>
+            </a:solidFill>
+            <a:tailEnd type="triangle"/>
+          </a:ln>
+        </p:spPr>
+        <p:style>
+          <a:lnRef idx="1">
+            <a:schemeClr val="accent1"/>
+          </a:lnRef>
+          <a:fillRef idx="0">
+            <a:schemeClr val="accent1"/>
+          </a:fillRef>
+          <a:effectRef idx="0">
+            <a:schemeClr val="accent1"/>
+          </a:effectRef>
+          <a:fontRef idx="minor">
+            <a:schemeClr val="tx1"/>
+          </a:fontRef>
+        </p:style>
+      </p:cxnSp>
+      <p:sp>
+        <p:nvSpPr>
+          <p:cNvPr id="90" name="矩形: 圆角 89">
+            <a:extLst>
+              <a:ext uri="{FF2B5EF4-FFF2-40B4-BE49-F238E27FC236}">
+                <a16:creationId xmlns:a16="http://schemas.microsoft.com/office/drawing/2014/main" id="{B61757A8-0308-4F54-B409-B5B4CAF02E43}"/>
+              </a:ext>
+            </a:extLst>
+          </p:cNvPr>
+          <p:cNvSpPr/>
+          <p:nvPr/>
+        </p:nvSpPr>
+        <p:spPr>
+          <a:xfrm>
+            <a:off x="6337766" y="6133226"/>
+            <a:ext cx="468992" cy="360000"/>
+          </a:xfrm>
+          <a:prstGeom prst="roundRect">
+            <a:avLst/>
+          </a:prstGeom>
+          <a:solidFill>
+            <a:srgbClr val="00B0F0"/>
+          </a:solidFill>
+          <a:ln>
+            <a:solidFill>
+              <a:schemeClr val="tx1"/>
+            </a:solidFill>
+          </a:ln>
+        </p:spPr>
+        <p:style>
+          <a:lnRef idx="2">
+            <a:schemeClr val="accent1">
+              <a:shade val="50000"/>
+            </a:schemeClr>
+          </a:lnRef>
+          <a:fillRef idx="1">
+            <a:schemeClr val="accent1"/>
+          </a:fillRef>
+          <a:effectRef idx="0">
+            <a:schemeClr val="accent1"/>
+          </a:effectRef>
+          <a:fontRef idx="minor">
+            <a:schemeClr val="lt1"/>
+          </a:fontRef>
+        </p:style>
+        <p:txBody>
+          <a:bodyPr wrap="none" lIns="36000" tIns="36000" rIns="36000" bIns="36000" rtlCol="0" anchor="ctr" anchorCtr="0"/>
+          <a:lstStyle/>
+          <a:p>
+            <a:r>
+              <a:rPr lang="zh-CN" altLang="en-US" sz="1000" b="1">
+                <a:solidFill>
+                  <a:schemeClr val="tx1"/>
+                </a:solidFill>
+                <a:latin typeface="微软雅黑 Light" panose="020B0502040204020203" pitchFamily="34" charset="-122"/>
+                <a:ea typeface="微软雅黑 Light" panose="020B0502040204020203" pitchFamily="34" charset="-122"/>
+              </a:rPr>
+              <a:t>寺院</a:t>
+            </a:r>
+          </a:p>
+        </p:txBody>
+      </p:sp>
+      <p:sp>
+        <p:nvSpPr>
+          <p:cNvPr id="91" name="矩形: 圆角 90">
+            <a:extLst>
+              <a:ext uri="{FF2B5EF4-FFF2-40B4-BE49-F238E27FC236}">
+                <a16:creationId xmlns:a16="http://schemas.microsoft.com/office/drawing/2014/main" id="{AE48D62E-AA81-4636-9C2B-0E593827A22A}"/>
+              </a:ext>
+            </a:extLst>
+          </p:cNvPr>
+          <p:cNvSpPr/>
+          <p:nvPr/>
+        </p:nvSpPr>
+        <p:spPr>
+          <a:xfrm>
+            <a:off x="677000" y="4469371"/>
             <a:ext cx="503021" cy="360000"/>
           </a:xfrm>
           <a:prstGeom prst="roundRect">
@@ -5021,10 +6104,10 @@
       </p:sp>
       <p:sp>
         <p:nvSpPr>
-          <p:cNvPr id="113" name="矩形: 圆角 112">
-            <a:extLst>
-              <a:ext uri="{FF2B5EF4-FFF2-40B4-BE49-F238E27FC236}">
-                <a16:creationId xmlns:a16="http://schemas.microsoft.com/office/drawing/2014/main" id="{0CC3772F-9C87-4E2F-A8A2-1A246271D874}"/>
+          <p:cNvPr id="96" name="矩形: 圆角 95">
+            <a:extLst>
+              <a:ext uri="{FF2B5EF4-FFF2-40B4-BE49-F238E27FC236}">
+                <a16:creationId xmlns:a16="http://schemas.microsoft.com/office/drawing/2014/main" id="{9B750EE1-CAF2-47BF-B9FE-A27FA56FA630}"/>
               </a:ext>
             </a:extLst>
           </p:cNvPr>
@@ -5033,14 +6116,14 @@
         </p:nvSpPr>
         <p:spPr>
           <a:xfrm>
-            <a:off x="4989162" y="4823592"/>
-            <a:ext cx="1100742" cy="360000"/>
+            <a:off x="677000" y="4938630"/>
+            <a:ext cx="503021" cy="360000"/>
           </a:xfrm>
           <a:prstGeom prst="roundRect">
             <a:avLst/>
           </a:prstGeom>
           <a:solidFill>
-            <a:srgbClr val="00B050"/>
+            <a:srgbClr val="00B0F0"/>
           </a:solidFill>
           <a:ln>
             <a:solidFill>
@@ -5076,145 +6159,31 @@
                 <a:latin typeface="微软雅黑 Light" panose="020B0502040204020203" pitchFamily="34" charset="-122"/>
                 <a:ea typeface="微软雅黑 Light" panose="020B0502040204020203" pitchFamily="34" charset="-122"/>
               </a:rPr>
-              <a:t>批准法师或寺院</a:t>
-            </a:r>
-            <a:endParaRPr lang="en-US" altLang="zh-CN" sz="1000" b="1">
-              <a:solidFill>
-                <a:schemeClr val="tx1"/>
-              </a:solidFill>
-              <a:latin typeface="微软雅黑 Light" panose="020B0502040204020203" pitchFamily="34" charset="-122"/>
-              <a:ea typeface="微软雅黑 Light" panose="020B0502040204020203" pitchFamily="34" charset="-122"/>
-            </a:endParaRPr>
-          </a:p>
-          <a:p>
-            <a:r>
-              <a:rPr lang="en-US" altLang="zh-CN" sz="1000" b="1">
-                <a:solidFill>
-                  <a:schemeClr val="tx1"/>
-                </a:solidFill>
-                <a:latin typeface="微软雅黑 Light" panose="020B0502040204020203" pitchFamily="34" charset="-122"/>
-                <a:ea typeface="微软雅黑 Light" panose="020B0502040204020203" pitchFamily="34" charset="-122"/>
-              </a:rPr>
-              <a:t>approve_master</a:t>
-            </a:r>
-            <a:endParaRPr lang="zh-CN" altLang="en-US" sz="1000" b="1">
-              <a:solidFill>
-                <a:schemeClr val="tx1"/>
-              </a:solidFill>
-              <a:latin typeface="微软雅黑 Light" panose="020B0502040204020203" pitchFamily="34" charset="-122"/>
-              <a:ea typeface="微软雅黑 Light" panose="020B0502040204020203" pitchFamily="34" charset="-122"/>
-            </a:endParaRPr>
-          </a:p>
-        </p:txBody>
-      </p:sp>
-      <p:sp>
-        <p:nvSpPr>
-          <p:cNvPr id="114" name="矩形: 圆角 113">
-            <a:extLst>
-              <a:ext uri="{FF2B5EF4-FFF2-40B4-BE49-F238E27FC236}">
-                <a16:creationId xmlns:a16="http://schemas.microsoft.com/office/drawing/2014/main" id="{56D432EF-B0F4-47FD-84B5-6B322835F986}"/>
-              </a:ext>
-            </a:extLst>
-          </p:cNvPr>
-          <p:cNvSpPr/>
-          <p:nvPr/>
-        </p:nvSpPr>
-        <p:spPr>
-          <a:xfrm>
-            <a:off x="1937236" y="4074759"/>
-            <a:ext cx="1224000" cy="360000"/>
-          </a:xfrm>
-          <a:prstGeom prst="roundRect">
-            <a:avLst/>
-          </a:prstGeom>
-          <a:solidFill>
-            <a:srgbClr val="00B050"/>
-          </a:solidFill>
-          <a:ln>
-            <a:solidFill>
-              <a:schemeClr val="tx1"/>
-            </a:solidFill>
-          </a:ln>
-        </p:spPr>
-        <p:style>
-          <a:lnRef idx="2">
-            <a:schemeClr val="accent1">
-              <a:shade val="50000"/>
-            </a:schemeClr>
-          </a:lnRef>
-          <a:fillRef idx="1">
-            <a:schemeClr val="accent1"/>
-          </a:fillRef>
-          <a:effectRef idx="0">
-            <a:schemeClr val="accent1"/>
-          </a:effectRef>
-          <a:fontRef idx="minor">
-            <a:schemeClr val="lt1"/>
-          </a:fontRef>
-        </p:style>
-        <p:txBody>
-          <a:bodyPr wrap="none" lIns="36000" tIns="36000" rIns="36000" bIns="36000" rtlCol="0" anchor="ctr" anchorCtr="0"/>
-          <a:lstStyle/>
-          <a:p>
-            <a:r>
-              <a:rPr lang="zh-CN" altLang="en-US" sz="1000" b="1">
-                <a:solidFill>
-                  <a:schemeClr val="tx1"/>
-                </a:solidFill>
-                <a:latin typeface="微软雅黑 Light" panose="020B0502040204020203" pitchFamily="34" charset="-122"/>
-                <a:ea typeface="微软雅黑 Light" panose="020B0502040204020203" pitchFamily="34" charset="-122"/>
-              </a:rPr>
-              <a:t>申请成为法师或寺院</a:t>
-            </a:r>
-            <a:endParaRPr lang="en-US" altLang="zh-CN" sz="1000" b="1">
-              <a:solidFill>
-                <a:schemeClr val="tx1"/>
-              </a:solidFill>
-              <a:latin typeface="微软雅黑 Light" panose="020B0502040204020203" pitchFamily="34" charset="-122"/>
-              <a:ea typeface="微软雅黑 Light" panose="020B0502040204020203" pitchFamily="34" charset="-122"/>
-            </a:endParaRPr>
-          </a:p>
-          <a:p>
-            <a:r>
-              <a:rPr lang="en-US" altLang="zh-CN" sz="1000" b="1">
-                <a:solidFill>
-                  <a:schemeClr val="tx1"/>
-                </a:solidFill>
-                <a:latin typeface="微软雅黑 Light" panose="020B0502040204020203" pitchFamily="34" charset="-122"/>
-                <a:ea typeface="微软雅黑 Light" panose="020B0502040204020203" pitchFamily="34" charset="-122"/>
-              </a:rPr>
-              <a:t>apply_master</a:t>
-            </a:r>
-            <a:endParaRPr lang="zh-CN" altLang="en-US" sz="1000" b="1">
-              <a:solidFill>
-                <a:schemeClr val="tx1"/>
-              </a:solidFill>
-              <a:latin typeface="微软雅黑 Light" panose="020B0502040204020203" pitchFamily="34" charset="-122"/>
-              <a:ea typeface="微软雅黑 Light" panose="020B0502040204020203" pitchFamily="34" charset="-122"/>
-            </a:endParaRPr>
+              <a:t>法师</a:t>
+            </a:r>
           </a:p>
         </p:txBody>
       </p:sp>
       <p:cxnSp>
         <p:nvCxnSpPr>
-          <p:cNvPr id="115" name="直接箭头连接符 114">
-            <a:extLst>
-              <a:ext uri="{FF2B5EF4-FFF2-40B4-BE49-F238E27FC236}">
-                <a16:creationId xmlns:a16="http://schemas.microsoft.com/office/drawing/2014/main" id="{BE5F9369-6052-4D1A-83AC-E1E4BF320B97}"/>
+          <p:cNvPr id="99" name="直接箭头连接符 98">
+            <a:extLst>
+              <a:ext uri="{FF2B5EF4-FFF2-40B4-BE49-F238E27FC236}">
+                <a16:creationId xmlns:a16="http://schemas.microsoft.com/office/drawing/2014/main" id="{A78D3AF7-4BA3-4DFF-BF56-DEA4DE96C558}"/>
               </a:ext>
             </a:extLst>
           </p:cNvPr>
           <p:cNvCxnSpPr>
             <a:cxnSpLocks/>
-            <a:stCxn id="112" idx="3"/>
-            <a:endCxn id="116" idx="1"/>
+            <a:stCxn id="96" idx="3"/>
+            <a:endCxn id="72" idx="1"/>
           </p:cNvCxnSpPr>
           <p:nvPr/>
         </p:nvCxnSpPr>
         <p:spPr>
-          <a:xfrm>
-            <a:off x="1185458" y="4254759"/>
-            <a:ext cx="174515" cy="0"/>
+          <a:xfrm flipV="1">
+            <a:off x="1180021" y="4876492"/>
+            <a:ext cx="371377" cy="242138"/>
           </a:xfrm>
           <a:prstGeom prst="straightConnector1">
             <a:avLst/>
@@ -5241,650 +6210,6 @@
           </a:fontRef>
         </p:style>
       </p:cxnSp>
-      <p:sp>
-        <p:nvSpPr>
-          <p:cNvPr id="116" name="矩形: 圆角 115">
-            <a:extLst>
-              <a:ext uri="{FF2B5EF4-FFF2-40B4-BE49-F238E27FC236}">
-                <a16:creationId xmlns:a16="http://schemas.microsoft.com/office/drawing/2014/main" id="{BCB1141B-4D91-4AC3-ABF3-76AC3BCE5229}"/>
-              </a:ext>
-            </a:extLst>
-          </p:cNvPr>
-          <p:cNvSpPr/>
-          <p:nvPr/>
-        </p:nvSpPr>
-        <p:spPr>
-          <a:xfrm>
-            <a:off x="1359973" y="4074759"/>
-            <a:ext cx="387547" cy="360000"/>
-          </a:xfrm>
-          <a:prstGeom prst="roundRect">
-            <a:avLst/>
-          </a:prstGeom>
-          <a:solidFill>
-            <a:schemeClr val="accent4">
-              <a:lumMod val="40000"/>
-              <a:lumOff val="60000"/>
-            </a:schemeClr>
-          </a:solidFill>
-          <a:ln>
-            <a:solidFill>
-              <a:schemeClr val="tx1"/>
-            </a:solidFill>
-          </a:ln>
-        </p:spPr>
-        <p:style>
-          <a:lnRef idx="2">
-            <a:schemeClr val="accent1">
-              <a:shade val="50000"/>
-            </a:schemeClr>
-          </a:lnRef>
-          <a:fillRef idx="1">
-            <a:schemeClr val="accent1"/>
-          </a:fillRef>
-          <a:effectRef idx="0">
-            <a:schemeClr val="accent1"/>
-          </a:effectRef>
-          <a:fontRef idx="minor">
-            <a:schemeClr val="lt1"/>
-          </a:fontRef>
-        </p:style>
-        <p:txBody>
-          <a:bodyPr wrap="none" lIns="36000" tIns="36000" rIns="36000" bIns="36000" rtlCol="0" anchor="ctr" anchorCtr="0"/>
-          <a:lstStyle/>
-          <a:p>
-            <a:r>
-              <a:rPr lang="zh-CN" altLang="en-US" sz="1000" b="1">
-                <a:solidFill>
-                  <a:schemeClr val="tx1"/>
-                </a:solidFill>
-                <a:latin typeface="微软雅黑 Light" panose="020B0502040204020203" pitchFamily="34" charset="-122"/>
-                <a:ea typeface="微软雅黑 Light" panose="020B0502040204020203" pitchFamily="34" charset="-122"/>
-              </a:rPr>
-              <a:t>后端</a:t>
-            </a:r>
-          </a:p>
-        </p:txBody>
-      </p:sp>
-      <p:cxnSp>
-        <p:nvCxnSpPr>
-          <p:cNvPr id="117" name="直接箭头连接符 116">
-            <a:extLst>
-              <a:ext uri="{FF2B5EF4-FFF2-40B4-BE49-F238E27FC236}">
-                <a16:creationId xmlns:a16="http://schemas.microsoft.com/office/drawing/2014/main" id="{1B10D57F-F5A5-4D94-A24F-0BC4C77E1B3D}"/>
-              </a:ext>
-            </a:extLst>
-          </p:cNvPr>
-          <p:cNvCxnSpPr>
-            <a:cxnSpLocks/>
-            <a:stCxn id="116" idx="3"/>
-            <a:endCxn id="114" idx="1"/>
-          </p:cNvCxnSpPr>
-          <p:nvPr/>
-        </p:nvCxnSpPr>
-        <p:spPr>
-          <a:xfrm>
-            <a:off x="1747520" y="4254759"/>
-            <a:ext cx="189716" cy="0"/>
-          </a:xfrm>
-          <a:prstGeom prst="straightConnector1">
-            <a:avLst/>
-          </a:prstGeom>
-          <a:ln w="15875">
-            <a:solidFill>
-              <a:schemeClr val="tx1"/>
-            </a:solidFill>
-            <a:tailEnd type="triangle"/>
-          </a:ln>
-        </p:spPr>
-        <p:style>
-          <a:lnRef idx="1">
-            <a:schemeClr val="accent1"/>
-          </a:lnRef>
-          <a:fillRef idx="0">
-            <a:schemeClr val="accent1"/>
-          </a:fillRef>
-          <a:effectRef idx="0">
-            <a:schemeClr val="accent1"/>
-          </a:effectRef>
-          <a:fontRef idx="minor">
-            <a:schemeClr val="tx1"/>
-          </a:fontRef>
-        </p:style>
-      </p:cxnSp>
-      <p:cxnSp>
-        <p:nvCxnSpPr>
-          <p:cNvPr id="118" name="直接箭头连接符 117">
-            <a:extLst>
-              <a:ext uri="{FF2B5EF4-FFF2-40B4-BE49-F238E27FC236}">
-                <a16:creationId xmlns:a16="http://schemas.microsoft.com/office/drawing/2014/main" id="{6629826E-3620-42BE-A87F-3AE9628D9CA2}"/>
-              </a:ext>
-            </a:extLst>
-          </p:cNvPr>
-          <p:cNvCxnSpPr>
-            <a:cxnSpLocks/>
-            <a:stCxn id="114" idx="2"/>
-            <a:endCxn id="119" idx="0"/>
-          </p:cNvCxnSpPr>
-          <p:nvPr/>
-        </p:nvCxnSpPr>
-        <p:spPr>
-          <a:xfrm>
-            <a:off x="2549236" y="4434759"/>
-            <a:ext cx="1" cy="388833"/>
-          </a:xfrm>
-          <a:prstGeom prst="straightConnector1">
-            <a:avLst/>
-          </a:prstGeom>
-          <a:ln w="28575">
-            <a:solidFill>
-              <a:srgbClr val="FF0000"/>
-            </a:solidFill>
-            <a:tailEnd type="triangle"/>
-          </a:ln>
-        </p:spPr>
-        <p:style>
-          <a:lnRef idx="1">
-            <a:schemeClr val="accent1"/>
-          </a:lnRef>
-          <a:fillRef idx="0">
-            <a:schemeClr val="accent1"/>
-          </a:fillRef>
-          <a:effectRef idx="0">
-            <a:schemeClr val="accent1"/>
-          </a:effectRef>
-          <a:fontRef idx="minor">
-            <a:schemeClr val="tx1"/>
-          </a:fontRef>
-        </p:style>
-      </p:cxnSp>
-      <p:sp>
-        <p:nvSpPr>
-          <p:cNvPr id="119" name="矩形: 圆角 118">
-            <a:extLst>
-              <a:ext uri="{FF2B5EF4-FFF2-40B4-BE49-F238E27FC236}">
-                <a16:creationId xmlns:a16="http://schemas.microsoft.com/office/drawing/2014/main" id="{22F74092-EF15-448B-94D7-C034C5BF410A}"/>
-              </a:ext>
-            </a:extLst>
-          </p:cNvPr>
-          <p:cNvSpPr/>
-          <p:nvPr/>
-        </p:nvSpPr>
-        <p:spPr>
-          <a:xfrm>
-            <a:off x="2355463" y="4823592"/>
-            <a:ext cx="387547" cy="360000"/>
-          </a:xfrm>
-          <a:prstGeom prst="roundRect">
-            <a:avLst/>
-          </a:prstGeom>
-          <a:solidFill>
-            <a:schemeClr val="accent4">
-              <a:lumMod val="40000"/>
-              <a:lumOff val="60000"/>
-            </a:schemeClr>
-          </a:solidFill>
-          <a:ln>
-            <a:solidFill>
-              <a:schemeClr val="tx1"/>
-            </a:solidFill>
-          </a:ln>
-        </p:spPr>
-        <p:style>
-          <a:lnRef idx="2">
-            <a:schemeClr val="accent1">
-              <a:shade val="50000"/>
-            </a:schemeClr>
-          </a:lnRef>
-          <a:fillRef idx="1">
-            <a:schemeClr val="accent1"/>
-          </a:fillRef>
-          <a:effectRef idx="0">
-            <a:schemeClr val="accent1"/>
-          </a:effectRef>
-          <a:fontRef idx="minor">
-            <a:schemeClr val="lt1"/>
-          </a:fontRef>
-        </p:style>
-        <p:txBody>
-          <a:bodyPr wrap="none" lIns="36000" tIns="36000" rIns="36000" bIns="36000" rtlCol="0" anchor="ctr" anchorCtr="0"/>
-          <a:lstStyle/>
-          <a:p>
-            <a:r>
-              <a:rPr lang="zh-CN" altLang="en-US" sz="1000" b="1">
-                <a:solidFill>
-                  <a:schemeClr val="tx1"/>
-                </a:solidFill>
-                <a:latin typeface="微软雅黑 Light" panose="020B0502040204020203" pitchFamily="34" charset="-122"/>
-                <a:ea typeface="微软雅黑 Light" panose="020B0502040204020203" pitchFamily="34" charset="-122"/>
-              </a:rPr>
-              <a:t>后端</a:t>
-            </a:r>
-          </a:p>
-        </p:txBody>
-      </p:sp>
-      <p:cxnSp>
-        <p:nvCxnSpPr>
-          <p:cNvPr id="120" name="直接箭头连接符 119">
-            <a:extLst>
-              <a:ext uri="{FF2B5EF4-FFF2-40B4-BE49-F238E27FC236}">
-                <a16:creationId xmlns:a16="http://schemas.microsoft.com/office/drawing/2014/main" id="{9238D1B0-9D96-490E-8736-262CE2974D48}"/>
-              </a:ext>
-            </a:extLst>
-          </p:cNvPr>
-          <p:cNvCxnSpPr>
-            <a:cxnSpLocks/>
-            <a:stCxn id="119" idx="3"/>
-            <a:endCxn id="111" idx="1"/>
-          </p:cNvCxnSpPr>
-          <p:nvPr/>
-        </p:nvCxnSpPr>
-        <p:spPr>
-          <a:xfrm>
-            <a:off x="2743010" y="5003592"/>
-            <a:ext cx="612000" cy="0"/>
-          </a:xfrm>
-          <a:prstGeom prst="straightConnector1">
-            <a:avLst/>
-          </a:prstGeom>
-          <a:ln w="25400">
-            <a:solidFill>
-              <a:srgbClr val="00B050"/>
-            </a:solidFill>
-            <a:tailEnd type="triangle"/>
-          </a:ln>
-        </p:spPr>
-        <p:style>
-          <a:lnRef idx="1">
-            <a:schemeClr val="accent1"/>
-          </a:lnRef>
-          <a:fillRef idx="0">
-            <a:schemeClr val="accent1"/>
-          </a:fillRef>
-          <a:effectRef idx="0">
-            <a:schemeClr val="accent1"/>
-          </a:effectRef>
-          <a:fontRef idx="minor">
-            <a:schemeClr val="tx1"/>
-          </a:fontRef>
-        </p:style>
-      </p:cxnSp>
-      <p:cxnSp>
-        <p:nvCxnSpPr>
-          <p:cNvPr id="121" name="直接箭头连接符 120">
-            <a:extLst>
-              <a:ext uri="{FF2B5EF4-FFF2-40B4-BE49-F238E27FC236}">
-                <a16:creationId xmlns:a16="http://schemas.microsoft.com/office/drawing/2014/main" id="{3CF6DC00-D2B7-42E7-B1A0-0AA2DE3F3641}"/>
-              </a:ext>
-            </a:extLst>
-          </p:cNvPr>
-          <p:cNvCxnSpPr>
-            <a:cxnSpLocks/>
-            <a:stCxn id="111" idx="3"/>
-            <a:endCxn id="122" idx="1"/>
-          </p:cNvCxnSpPr>
-          <p:nvPr/>
-        </p:nvCxnSpPr>
-        <p:spPr>
-          <a:xfrm>
-            <a:off x="4161316" y="5003592"/>
-            <a:ext cx="221752" cy="0"/>
-          </a:xfrm>
-          <a:prstGeom prst="straightConnector1">
-            <a:avLst/>
-          </a:prstGeom>
-          <a:ln w="15875">
-            <a:solidFill>
-              <a:schemeClr val="tx1"/>
-            </a:solidFill>
-            <a:tailEnd type="triangle"/>
-          </a:ln>
-        </p:spPr>
-        <p:style>
-          <a:lnRef idx="1">
-            <a:schemeClr val="accent1"/>
-          </a:lnRef>
-          <a:fillRef idx="0">
-            <a:schemeClr val="accent1"/>
-          </a:fillRef>
-          <a:effectRef idx="0">
-            <a:schemeClr val="accent1"/>
-          </a:effectRef>
-          <a:fontRef idx="minor">
-            <a:schemeClr val="tx1"/>
-          </a:fontRef>
-        </p:style>
-      </p:cxnSp>
-      <p:sp>
-        <p:nvSpPr>
-          <p:cNvPr id="122" name="矩形: 圆角 121">
-            <a:extLst>
-              <a:ext uri="{FF2B5EF4-FFF2-40B4-BE49-F238E27FC236}">
-                <a16:creationId xmlns:a16="http://schemas.microsoft.com/office/drawing/2014/main" id="{3085DEE5-4FAF-4A4C-B817-6FBD90D8AC94}"/>
-              </a:ext>
-            </a:extLst>
-          </p:cNvPr>
-          <p:cNvSpPr/>
-          <p:nvPr/>
-        </p:nvSpPr>
-        <p:spPr>
-          <a:xfrm>
-            <a:off x="4383068" y="4823592"/>
-            <a:ext cx="387547" cy="360000"/>
-          </a:xfrm>
-          <a:prstGeom prst="roundRect">
-            <a:avLst/>
-          </a:prstGeom>
-          <a:solidFill>
-            <a:schemeClr val="accent4">
-              <a:lumMod val="40000"/>
-              <a:lumOff val="60000"/>
-            </a:schemeClr>
-          </a:solidFill>
-          <a:ln>
-            <a:solidFill>
-              <a:schemeClr val="tx1"/>
-            </a:solidFill>
-          </a:ln>
-        </p:spPr>
-        <p:style>
-          <a:lnRef idx="2">
-            <a:schemeClr val="accent1">
-              <a:shade val="50000"/>
-            </a:schemeClr>
-          </a:lnRef>
-          <a:fillRef idx="1">
-            <a:schemeClr val="accent1"/>
-          </a:fillRef>
-          <a:effectRef idx="0">
-            <a:schemeClr val="accent1"/>
-          </a:effectRef>
-          <a:fontRef idx="minor">
-            <a:schemeClr val="lt1"/>
-          </a:fontRef>
-        </p:style>
-        <p:txBody>
-          <a:bodyPr wrap="none" lIns="36000" tIns="36000" rIns="36000" bIns="36000" rtlCol="0" anchor="ctr" anchorCtr="0"/>
-          <a:lstStyle/>
-          <a:p>
-            <a:r>
-              <a:rPr lang="zh-CN" altLang="en-US" sz="1000" b="1">
-                <a:solidFill>
-                  <a:schemeClr val="tx1"/>
-                </a:solidFill>
-                <a:latin typeface="微软雅黑 Light" panose="020B0502040204020203" pitchFamily="34" charset="-122"/>
-                <a:ea typeface="微软雅黑 Light" panose="020B0502040204020203" pitchFamily="34" charset="-122"/>
-              </a:rPr>
-              <a:t>后端</a:t>
-            </a:r>
-          </a:p>
-        </p:txBody>
-      </p:sp>
-      <p:cxnSp>
-        <p:nvCxnSpPr>
-          <p:cNvPr id="123" name="直接箭头连接符 122">
-            <a:extLst>
-              <a:ext uri="{FF2B5EF4-FFF2-40B4-BE49-F238E27FC236}">
-                <a16:creationId xmlns:a16="http://schemas.microsoft.com/office/drawing/2014/main" id="{356E74B3-9074-41E6-BD38-96A59F716BEB}"/>
-              </a:ext>
-            </a:extLst>
-          </p:cNvPr>
-          <p:cNvCxnSpPr>
-            <a:cxnSpLocks/>
-            <a:stCxn id="122" idx="3"/>
-            <a:endCxn id="113" idx="1"/>
-          </p:cNvCxnSpPr>
-          <p:nvPr/>
-        </p:nvCxnSpPr>
-        <p:spPr>
-          <a:xfrm>
-            <a:off x="4770615" y="5003592"/>
-            <a:ext cx="218547" cy="0"/>
-          </a:xfrm>
-          <a:prstGeom prst="straightConnector1">
-            <a:avLst/>
-          </a:prstGeom>
-          <a:ln w="15875">
-            <a:solidFill>
-              <a:schemeClr val="tx1"/>
-            </a:solidFill>
-            <a:tailEnd type="triangle"/>
-          </a:ln>
-        </p:spPr>
-        <p:style>
-          <a:lnRef idx="1">
-            <a:schemeClr val="accent1"/>
-          </a:lnRef>
-          <a:fillRef idx="0">
-            <a:schemeClr val="accent1"/>
-          </a:fillRef>
-          <a:effectRef idx="0">
-            <a:schemeClr val="accent1"/>
-          </a:effectRef>
-          <a:fontRef idx="minor">
-            <a:schemeClr val="tx1"/>
-          </a:fontRef>
-        </p:style>
-      </p:cxnSp>
-      <p:cxnSp>
-        <p:nvCxnSpPr>
-          <p:cNvPr id="124" name="直接箭头连接符 123">
-            <a:extLst>
-              <a:ext uri="{FF2B5EF4-FFF2-40B4-BE49-F238E27FC236}">
-                <a16:creationId xmlns:a16="http://schemas.microsoft.com/office/drawing/2014/main" id="{039883E4-B203-4294-ACD4-E1CBF8AA9BFA}"/>
-              </a:ext>
-            </a:extLst>
-          </p:cNvPr>
-          <p:cNvCxnSpPr>
-            <a:cxnSpLocks/>
-            <a:stCxn id="113" idx="2"/>
-            <a:endCxn id="125" idx="0"/>
-          </p:cNvCxnSpPr>
-          <p:nvPr/>
-        </p:nvCxnSpPr>
-        <p:spPr>
-          <a:xfrm>
-            <a:off x="5539533" y="5183592"/>
-            <a:ext cx="1" cy="327901"/>
-          </a:xfrm>
-          <a:prstGeom prst="straightConnector1">
-            <a:avLst/>
-          </a:prstGeom>
-          <a:ln w="28575">
-            <a:solidFill>
-              <a:srgbClr val="FF0000"/>
-            </a:solidFill>
-            <a:tailEnd type="triangle"/>
-          </a:ln>
-        </p:spPr>
-        <p:style>
-          <a:lnRef idx="1">
-            <a:schemeClr val="accent1"/>
-          </a:lnRef>
-          <a:fillRef idx="0">
-            <a:schemeClr val="accent1"/>
-          </a:fillRef>
-          <a:effectRef idx="0">
-            <a:schemeClr val="accent1"/>
-          </a:effectRef>
-          <a:fontRef idx="minor">
-            <a:schemeClr val="tx1"/>
-          </a:fontRef>
-        </p:style>
-      </p:cxnSp>
-      <p:sp>
-        <p:nvSpPr>
-          <p:cNvPr id="125" name="矩形: 圆角 124">
-            <a:extLst>
-              <a:ext uri="{FF2B5EF4-FFF2-40B4-BE49-F238E27FC236}">
-                <a16:creationId xmlns:a16="http://schemas.microsoft.com/office/drawing/2014/main" id="{E3419127-6BB4-4588-AC16-05731ADE3E3A}"/>
-              </a:ext>
-            </a:extLst>
-          </p:cNvPr>
-          <p:cNvSpPr/>
-          <p:nvPr/>
-        </p:nvSpPr>
-        <p:spPr>
-          <a:xfrm>
-            <a:off x="5345760" y="5511493"/>
-            <a:ext cx="387547" cy="360000"/>
-          </a:xfrm>
-          <a:prstGeom prst="roundRect">
-            <a:avLst/>
-          </a:prstGeom>
-          <a:solidFill>
-            <a:schemeClr val="accent4">
-              <a:lumMod val="40000"/>
-              <a:lumOff val="60000"/>
-            </a:schemeClr>
-          </a:solidFill>
-          <a:ln>
-            <a:solidFill>
-              <a:schemeClr val="tx1"/>
-            </a:solidFill>
-          </a:ln>
-        </p:spPr>
-        <p:style>
-          <a:lnRef idx="2">
-            <a:schemeClr val="accent1">
-              <a:shade val="50000"/>
-            </a:schemeClr>
-          </a:lnRef>
-          <a:fillRef idx="1">
-            <a:schemeClr val="accent1"/>
-          </a:fillRef>
-          <a:effectRef idx="0">
-            <a:schemeClr val="accent1"/>
-          </a:effectRef>
-          <a:fontRef idx="minor">
-            <a:schemeClr val="lt1"/>
-          </a:fontRef>
-        </p:style>
-        <p:txBody>
-          <a:bodyPr wrap="none" lIns="36000" tIns="36000" rIns="36000" bIns="36000" rtlCol="0" anchor="ctr" anchorCtr="0"/>
-          <a:lstStyle/>
-          <a:p>
-            <a:r>
-              <a:rPr lang="zh-CN" altLang="en-US" sz="1000" b="1">
-                <a:solidFill>
-                  <a:schemeClr val="tx1"/>
-                </a:solidFill>
-                <a:latin typeface="微软雅黑 Light" panose="020B0502040204020203" pitchFamily="34" charset="-122"/>
-                <a:ea typeface="微软雅黑 Light" panose="020B0502040204020203" pitchFamily="34" charset="-122"/>
-              </a:rPr>
-              <a:t>后端</a:t>
-            </a:r>
-          </a:p>
-        </p:txBody>
-      </p:sp>
-      <p:cxnSp>
-        <p:nvCxnSpPr>
-          <p:cNvPr id="126" name="直接箭头连接符 125">
-            <a:extLst>
-              <a:ext uri="{FF2B5EF4-FFF2-40B4-BE49-F238E27FC236}">
-                <a16:creationId xmlns:a16="http://schemas.microsoft.com/office/drawing/2014/main" id="{9A8A68D1-B9DF-4970-9879-59BCDEDFADE8}"/>
-              </a:ext>
-            </a:extLst>
-          </p:cNvPr>
-          <p:cNvCxnSpPr>
-            <a:cxnSpLocks/>
-            <a:stCxn id="125" idx="3"/>
-            <a:endCxn id="128" idx="1"/>
-          </p:cNvCxnSpPr>
-          <p:nvPr/>
-        </p:nvCxnSpPr>
-        <p:spPr>
-          <a:xfrm>
-            <a:off x="5733307" y="5691493"/>
-            <a:ext cx="685595" cy="0"/>
-          </a:xfrm>
-          <a:prstGeom prst="straightConnector1">
-            <a:avLst/>
-          </a:prstGeom>
-          <a:ln w="25400">
-            <a:solidFill>
-              <a:srgbClr val="00B050"/>
-            </a:solidFill>
-            <a:tailEnd type="triangle"/>
-          </a:ln>
-        </p:spPr>
-        <p:style>
-          <a:lnRef idx="1">
-            <a:schemeClr val="accent1"/>
-          </a:lnRef>
-          <a:fillRef idx="0">
-            <a:schemeClr val="accent1"/>
-          </a:fillRef>
-          <a:effectRef idx="0">
-            <a:schemeClr val="accent1"/>
-          </a:effectRef>
-          <a:fontRef idx="minor">
-            <a:schemeClr val="tx1"/>
-          </a:fontRef>
-        </p:style>
-      </p:cxnSp>
-      <p:sp>
-        <p:nvSpPr>
-          <p:cNvPr id="128" name="矩形: 圆角 127">
-            <a:extLst>
-              <a:ext uri="{FF2B5EF4-FFF2-40B4-BE49-F238E27FC236}">
-                <a16:creationId xmlns:a16="http://schemas.microsoft.com/office/drawing/2014/main" id="{92D6173D-AAB3-46F1-A2C1-41CFC4E297C5}"/>
-              </a:ext>
-            </a:extLst>
-          </p:cNvPr>
-          <p:cNvSpPr/>
-          <p:nvPr/>
-        </p:nvSpPr>
-        <p:spPr>
-          <a:xfrm>
-            <a:off x="6418902" y="5511493"/>
-            <a:ext cx="720000" cy="360000"/>
-          </a:xfrm>
-          <a:prstGeom prst="roundRect">
-            <a:avLst/>
-          </a:prstGeom>
-          <a:solidFill>
-            <a:srgbClr val="00B0F0"/>
-          </a:solidFill>
-          <a:ln>
-            <a:solidFill>
-              <a:schemeClr val="tx1"/>
-            </a:solidFill>
-          </a:ln>
-        </p:spPr>
-        <p:style>
-          <a:lnRef idx="2">
-            <a:schemeClr val="accent1">
-              <a:shade val="50000"/>
-            </a:schemeClr>
-          </a:lnRef>
-          <a:fillRef idx="1">
-            <a:schemeClr val="accent1"/>
-          </a:fillRef>
-          <a:effectRef idx="0">
-            <a:schemeClr val="accent1"/>
-          </a:effectRef>
-          <a:fontRef idx="minor">
-            <a:schemeClr val="lt1"/>
-          </a:fontRef>
-        </p:style>
-        <p:txBody>
-          <a:bodyPr wrap="none" lIns="36000" tIns="36000" rIns="36000" bIns="36000" rtlCol="0" anchor="ctr" anchorCtr="0"/>
-          <a:lstStyle/>
-          <a:p>
-            <a:r>
-              <a:rPr lang="zh-CN" altLang="en-US" sz="1000" b="1">
-                <a:solidFill>
-                  <a:schemeClr val="tx1"/>
-                </a:solidFill>
-                <a:latin typeface="微软雅黑 Light" panose="020B0502040204020203" pitchFamily="34" charset="-122"/>
-                <a:ea typeface="微软雅黑 Light" panose="020B0502040204020203" pitchFamily="34" charset="-122"/>
-              </a:rPr>
-              <a:t>法师或寺院</a:t>
-            </a:r>
-          </a:p>
-        </p:txBody>
-      </p:sp>
     </p:spTree>
     <p:extLst>
       <p:ext uri="{BB962C8B-B14F-4D97-AF65-F5344CB8AC3E}">
@@ -5917,60 +6242,6 @@
       </p:grpSpPr>
       <p:sp>
         <p:nvSpPr>
-          <p:cNvPr id="98" name="矩形 97">
-            <a:extLst>
-              <a:ext uri="{FF2B5EF4-FFF2-40B4-BE49-F238E27FC236}">
-                <a16:creationId xmlns:a16="http://schemas.microsoft.com/office/drawing/2014/main" id="{2ADFC412-FC8E-40C0-A9B6-727AE6C4A7AC}"/>
-              </a:ext>
-            </a:extLst>
-          </p:cNvPr>
-          <p:cNvSpPr/>
-          <p:nvPr/>
-        </p:nvSpPr>
-        <p:spPr>
-          <a:xfrm>
-            <a:off x="472441" y="1167652"/>
-            <a:ext cx="9028463" cy="2705654"/>
-          </a:xfrm>
-          <a:prstGeom prst="rect">
-            <a:avLst/>
-          </a:prstGeom>
-          <a:solidFill>
-            <a:schemeClr val="bg1">
-              <a:lumMod val="95000"/>
-            </a:schemeClr>
-          </a:solidFill>
-          <a:ln>
-            <a:noFill/>
-          </a:ln>
-        </p:spPr>
-        <p:style>
-          <a:lnRef idx="2">
-            <a:schemeClr val="accent1">
-              <a:shade val="50000"/>
-            </a:schemeClr>
-          </a:lnRef>
-          <a:fillRef idx="1">
-            <a:schemeClr val="accent1"/>
-          </a:fillRef>
-          <a:effectRef idx="0">
-            <a:schemeClr val="accent1"/>
-          </a:effectRef>
-          <a:fontRef idx="minor">
-            <a:schemeClr val="lt1"/>
-          </a:fontRef>
-        </p:style>
-        <p:txBody>
-          <a:bodyPr rtlCol="0" anchor="ctr"/>
-          <a:lstStyle/>
-          <a:p>
-            <a:pPr algn="ctr"/>
-            <a:endParaRPr lang="zh-CN" altLang="en-US"/>
-          </a:p>
-        </p:txBody>
-      </p:sp>
-      <p:sp>
-        <p:nvSpPr>
           <p:cNvPr id="2" name="文本框 1">
             <a:extLst>
               <a:ext uri="{FF2B5EF4-FFF2-40B4-BE49-F238E27FC236}">
@@ -6016,371 +6287,6 @@
             <a:r>
               <a:rPr lang="zh-CN" altLang="en-US" sz="1200" b="1"/>
               <a:t>方面对应关系图</a:t>
-            </a:r>
-          </a:p>
-        </p:txBody>
-      </p:sp>
-      <p:sp>
-        <p:nvSpPr>
-          <p:cNvPr id="46" name="文本框 45">
-            <a:extLst>
-              <a:ext uri="{FF2B5EF4-FFF2-40B4-BE49-F238E27FC236}">
-                <a16:creationId xmlns:a16="http://schemas.microsoft.com/office/drawing/2014/main" id="{BF5D3473-021A-4960-82A4-A830167CDC19}"/>
-              </a:ext>
-            </a:extLst>
-          </p:cNvPr>
-          <p:cNvSpPr txBox="1"/>
-          <p:nvPr/>
-        </p:nvSpPr>
-        <p:spPr>
-          <a:xfrm>
-            <a:off x="411495" y="808513"/>
-            <a:ext cx="1415772" cy="276999"/>
-          </a:xfrm>
-          <a:prstGeom prst="rect">
-            <a:avLst/>
-          </a:prstGeom>
-          <a:noFill/>
-        </p:spPr>
-        <p:txBody>
-          <a:bodyPr wrap="none" rtlCol="0">
-            <a:spAutoFit/>
-          </a:bodyPr>
-          <a:lstStyle/>
-          <a:p>
-            <a:r>
-              <a:rPr lang="zh-CN" altLang="en-US" sz="1200" b="1"/>
-              <a:t>申请善举上架下架</a:t>
-            </a:r>
-          </a:p>
-        </p:txBody>
-      </p:sp>
-      <p:sp>
-        <p:nvSpPr>
-          <p:cNvPr id="48" name="矩形: 圆角 47">
-            <a:extLst>
-              <a:ext uri="{FF2B5EF4-FFF2-40B4-BE49-F238E27FC236}">
-                <a16:creationId xmlns:a16="http://schemas.microsoft.com/office/drawing/2014/main" id="{EBD4EA97-5025-4DE6-B38D-69D50269EB33}"/>
-              </a:ext>
-            </a:extLst>
-          </p:cNvPr>
-          <p:cNvSpPr/>
-          <p:nvPr/>
-        </p:nvSpPr>
-        <p:spPr>
-          <a:xfrm>
-            <a:off x="651957" y="1779093"/>
-            <a:ext cx="720000" cy="360000"/>
-          </a:xfrm>
-          <a:prstGeom prst="roundRect">
-            <a:avLst/>
-          </a:prstGeom>
-          <a:solidFill>
-            <a:srgbClr val="00B0F0"/>
-          </a:solidFill>
-          <a:ln>
-            <a:solidFill>
-              <a:schemeClr val="tx1"/>
-            </a:solidFill>
-          </a:ln>
-        </p:spPr>
-        <p:style>
-          <a:lnRef idx="2">
-            <a:schemeClr val="accent1">
-              <a:shade val="50000"/>
-            </a:schemeClr>
-          </a:lnRef>
-          <a:fillRef idx="1">
-            <a:schemeClr val="accent1"/>
-          </a:fillRef>
-          <a:effectRef idx="0">
-            <a:schemeClr val="accent1"/>
-          </a:effectRef>
-          <a:fontRef idx="minor">
-            <a:schemeClr val="lt1"/>
-          </a:fontRef>
-        </p:style>
-        <p:txBody>
-          <a:bodyPr wrap="none" lIns="36000" tIns="36000" rIns="36000" bIns="36000" rtlCol="0" anchor="ctr" anchorCtr="0"/>
-          <a:lstStyle/>
-          <a:p>
-            <a:r>
-              <a:rPr lang="zh-CN" altLang="en-US" sz="1000" b="1">
-                <a:solidFill>
-                  <a:schemeClr val="tx1"/>
-                </a:solidFill>
-                <a:latin typeface="微软雅黑 Light" panose="020B0502040204020203" pitchFamily="34" charset="-122"/>
-                <a:ea typeface="微软雅黑 Light" panose="020B0502040204020203" pitchFamily="34" charset="-122"/>
-              </a:rPr>
-              <a:t>法师或寺院</a:t>
-            </a:r>
-          </a:p>
-        </p:txBody>
-      </p:sp>
-      <p:cxnSp>
-        <p:nvCxnSpPr>
-          <p:cNvPr id="57" name="直接箭头连接符 56">
-            <a:extLst>
-              <a:ext uri="{FF2B5EF4-FFF2-40B4-BE49-F238E27FC236}">
-                <a16:creationId xmlns:a16="http://schemas.microsoft.com/office/drawing/2014/main" id="{44D402C3-9D68-4660-83D0-40229B324883}"/>
-              </a:ext>
-            </a:extLst>
-          </p:cNvPr>
-          <p:cNvCxnSpPr>
-            <a:cxnSpLocks/>
-            <a:stCxn id="48" idx="3"/>
-            <a:endCxn id="60" idx="1"/>
-          </p:cNvCxnSpPr>
-          <p:nvPr/>
-        </p:nvCxnSpPr>
-        <p:spPr>
-          <a:xfrm>
-            <a:off x="1371957" y="1959093"/>
-            <a:ext cx="198836" cy="0"/>
-          </a:xfrm>
-          <a:prstGeom prst="straightConnector1">
-            <a:avLst/>
-          </a:prstGeom>
-          <a:ln w="15875">
-            <a:solidFill>
-              <a:schemeClr val="tx1"/>
-            </a:solidFill>
-            <a:tailEnd type="triangle"/>
-          </a:ln>
-        </p:spPr>
-        <p:style>
-          <a:lnRef idx="1">
-            <a:schemeClr val="accent1"/>
-          </a:lnRef>
-          <a:fillRef idx="0">
-            <a:schemeClr val="accent1"/>
-          </a:fillRef>
-          <a:effectRef idx="0">
-            <a:schemeClr val="accent1"/>
-          </a:effectRef>
-          <a:fontRef idx="minor">
-            <a:schemeClr val="tx1"/>
-          </a:fontRef>
-        </p:style>
-      </p:cxnSp>
-      <p:sp>
-        <p:nvSpPr>
-          <p:cNvPr id="60" name="矩形: 圆角 59">
-            <a:extLst>
-              <a:ext uri="{FF2B5EF4-FFF2-40B4-BE49-F238E27FC236}">
-                <a16:creationId xmlns:a16="http://schemas.microsoft.com/office/drawing/2014/main" id="{CE979948-2673-4DFB-8A65-C49927893609}"/>
-              </a:ext>
-            </a:extLst>
-          </p:cNvPr>
-          <p:cNvSpPr/>
-          <p:nvPr/>
-        </p:nvSpPr>
-        <p:spPr>
-          <a:xfrm>
-            <a:off x="1570793" y="1779093"/>
-            <a:ext cx="387547" cy="360000"/>
-          </a:xfrm>
-          <a:prstGeom prst="roundRect">
-            <a:avLst/>
-          </a:prstGeom>
-          <a:solidFill>
-            <a:schemeClr val="accent4">
-              <a:lumMod val="40000"/>
-              <a:lumOff val="60000"/>
-            </a:schemeClr>
-          </a:solidFill>
-          <a:ln>
-            <a:solidFill>
-              <a:schemeClr val="tx1"/>
-            </a:solidFill>
-          </a:ln>
-        </p:spPr>
-        <p:style>
-          <a:lnRef idx="2">
-            <a:schemeClr val="accent1">
-              <a:shade val="50000"/>
-            </a:schemeClr>
-          </a:lnRef>
-          <a:fillRef idx="1">
-            <a:schemeClr val="accent1"/>
-          </a:fillRef>
-          <a:effectRef idx="0">
-            <a:schemeClr val="accent1"/>
-          </a:effectRef>
-          <a:fontRef idx="minor">
-            <a:schemeClr val="lt1"/>
-          </a:fontRef>
-        </p:style>
-        <p:txBody>
-          <a:bodyPr wrap="none" lIns="36000" tIns="36000" rIns="36000" bIns="36000" rtlCol="0" anchor="ctr" anchorCtr="0"/>
-          <a:lstStyle/>
-          <a:p>
-            <a:r>
-              <a:rPr lang="zh-CN" altLang="en-US" sz="1000" b="1">
-                <a:solidFill>
-                  <a:schemeClr val="tx1"/>
-                </a:solidFill>
-                <a:latin typeface="微软雅黑 Light" panose="020B0502040204020203" pitchFamily="34" charset="-122"/>
-                <a:ea typeface="微软雅黑 Light" panose="020B0502040204020203" pitchFamily="34" charset="-122"/>
-              </a:rPr>
-              <a:t>后端</a:t>
-            </a:r>
-          </a:p>
-        </p:txBody>
-      </p:sp>
-      <p:cxnSp>
-        <p:nvCxnSpPr>
-          <p:cNvPr id="62" name="直接箭头连接符 61">
-            <a:extLst>
-              <a:ext uri="{FF2B5EF4-FFF2-40B4-BE49-F238E27FC236}">
-                <a16:creationId xmlns:a16="http://schemas.microsoft.com/office/drawing/2014/main" id="{46F5EA98-BA87-4C0C-8EFE-79B9B6041A4D}"/>
-              </a:ext>
-            </a:extLst>
-          </p:cNvPr>
-          <p:cNvCxnSpPr>
-            <a:cxnSpLocks/>
-            <a:stCxn id="60" idx="3"/>
-            <a:endCxn id="143" idx="1"/>
-          </p:cNvCxnSpPr>
-          <p:nvPr/>
-        </p:nvCxnSpPr>
-        <p:spPr>
-          <a:xfrm>
-            <a:off x="1958340" y="1959093"/>
-            <a:ext cx="267312" cy="0"/>
-          </a:xfrm>
-          <a:prstGeom prst="straightConnector1">
-            <a:avLst/>
-          </a:prstGeom>
-          <a:ln w="15875">
-            <a:solidFill>
-              <a:schemeClr val="tx1"/>
-            </a:solidFill>
-            <a:tailEnd type="triangle"/>
-          </a:ln>
-        </p:spPr>
-        <p:style>
-          <a:lnRef idx="1">
-            <a:schemeClr val="accent1"/>
-          </a:lnRef>
-          <a:fillRef idx="0">
-            <a:schemeClr val="accent1"/>
-          </a:fillRef>
-          <a:effectRef idx="0">
-            <a:schemeClr val="accent1"/>
-          </a:effectRef>
-          <a:fontRef idx="minor">
-            <a:schemeClr val="tx1"/>
-          </a:fontRef>
-        </p:style>
-      </p:cxnSp>
-      <p:cxnSp>
-        <p:nvCxnSpPr>
-          <p:cNvPr id="66" name="直接箭头连接符 65">
-            <a:extLst>
-              <a:ext uri="{FF2B5EF4-FFF2-40B4-BE49-F238E27FC236}">
-                <a16:creationId xmlns:a16="http://schemas.microsoft.com/office/drawing/2014/main" id="{1E1E8DE9-9571-4532-B2C0-CF05C7652144}"/>
-              </a:ext>
-            </a:extLst>
-          </p:cNvPr>
-          <p:cNvCxnSpPr>
-            <a:cxnSpLocks/>
-            <a:stCxn id="144" idx="2"/>
-            <a:endCxn id="67" idx="0"/>
-          </p:cNvCxnSpPr>
-          <p:nvPr/>
-        </p:nvCxnSpPr>
-        <p:spPr>
-          <a:xfrm flipH="1">
-            <a:off x="3679751" y="2139194"/>
-            <a:ext cx="743558" cy="391272"/>
-          </a:xfrm>
-          <a:prstGeom prst="straightConnector1">
-            <a:avLst/>
-          </a:prstGeom>
-          <a:ln w="28575">
-            <a:solidFill>
-              <a:srgbClr val="FF0000"/>
-            </a:solidFill>
-            <a:tailEnd type="triangle"/>
-          </a:ln>
-        </p:spPr>
-        <p:style>
-          <a:lnRef idx="1">
-            <a:schemeClr val="accent1"/>
-          </a:lnRef>
-          <a:fillRef idx="0">
-            <a:schemeClr val="accent1"/>
-          </a:fillRef>
-          <a:effectRef idx="0">
-            <a:schemeClr val="accent1"/>
-          </a:effectRef>
-          <a:fontRef idx="minor">
-            <a:schemeClr val="tx1"/>
-          </a:fontRef>
-        </p:style>
-      </p:cxnSp>
-      <p:sp>
-        <p:nvSpPr>
-          <p:cNvPr id="67" name="矩形: 圆角 66">
-            <a:extLst>
-              <a:ext uri="{FF2B5EF4-FFF2-40B4-BE49-F238E27FC236}">
-                <a16:creationId xmlns:a16="http://schemas.microsoft.com/office/drawing/2014/main" id="{0BA7F1C4-AC2D-4833-BC4A-C654159529A6}"/>
-              </a:ext>
-            </a:extLst>
-          </p:cNvPr>
-          <p:cNvSpPr/>
-          <p:nvPr/>
-        </p:nvSpPr>
-        <p:spPr>
-          <a:xfrm>
-            <a:off x="3485977" y="2530466"/>
-            <a:ext cx="387547" cy="360000"/>
-          </a:xfrm>
-          <a:prstGeom prst="roundRect">
-            <a:avLst/>
-          </a:prstGeom>
-          <a:solidFill>
-            <a:schemeClr val="accent4">
-              <a:lumMod val="40000"/>
-              <a:lumOff val="60000"/>
-            </a:schemeClr>
-          </a:solidFill>
-          <a:ln>
-            <a:solidFill>
-              <a:schemeClr val="tx1"/>
-            </a:solidFill>
-          </a:ln>
-        </p:spPr>
-        <p:style>
-          <a:lnRef idx="2">
-            <a:schemeClr val="accent1">
-              <a:shade val="50000"/>
-            </a:schemeClr>
-          </a:lnRef>
-          <a:fillRef idx="1">
-            <a:schemeClr val="accent1"/>
-          </a:fillRef>
-          <a:effectRef idx="0">
-            <a:schemeClr val="accent1"/>
-          </a:effectRef>
-          <a:fontRef idx="minor">
-            <a:schemeClr val="lt1"/>
-          </a:fontRef>
-        </p:style>
-        <p:txBody>
-          <a:bodyPr wrap="none" lIns="36000" tIns="36000" rIns="36000" bIns="36000" rtlCol="0" anchor="ctr" anchorCtr="0"/>
-          <a:lstStyle/>
-          <a:p>
-            <a:r>
-              <a:rPr lang="zh-CN" altLang="en-US" sz="1000" b="1">
-                <a:solidFill>
-                  <a:schemeClr val="tx1"/>
-                </a:solidFill>
-                <a:latin typeface="微软雅黑 Light" panose="020B0502040204020203" pitchFamily="34" charset="-122"/>
-                <a:ea typeface="微软雅黑 Light" panose="020B0502040204020203" pitchFamily="34" charset="-122"/>
-              </a:rPr>
-              <a:t>后端</a:t>
             </a:r>
           </a:p>
         </p:txBody>
@@ -6703,58 +6609,12 @@
           </p:txBody>
         </p:sp>
       </p:grpSp>
-      <p:cxnSp>
-        <p:nvCxnSpPr>
-          <p:cNvPr id="61" name="直接箭头连接符 60">
-            <a:extLst>
-              <a:ext uri="{FF2B5EF4-FFF2-40B4-BE49-F238E27FC236}">
-                <a16:creationId xmlns:a16="http://schemas.microsoft.com/office/drawing/2014/main" id="{93EE83CB-22E4-41E8-A854-A32925D029BD}"/>
-              </a:ext>
-            </a:extLst>
-          </p:cNvPr>
-          <p:cNvCxnSpPr>
-            <a:cxnSpLocks/>
-            <a:stCxn id="143" idx="2"/>
-            <a:endCxn id="67" idx="0"/>
-          </p:cNvCxnSpPr>
-          <p:nvPr/>
-        </p:nvCxnSpPr>
-        <p:spPr>
-          <a:xfrm>
-            <a:off x="2936191" y="2139093"/>
-            <a:ext cx="743560" cy="391373"/>
-          </a:xfrm>
-          <a:prstGeom prst="straightConnector1">
-            <a:avLst/>
-          </a:prstGeom>
-          <a:ln w="28575">
-            <a:solidFill>
-              <a:srgbClr val="FF0000"/>
-            </a:solidFill>
-            <a:tailEnd type="triangle"/>
-          </a:ln>
-        </p:spPr>
-        <p:style>
-          <a:lnRef idx="1">
-            <a:schemeClr val="accent1"/>
-          </a:lnRef>
-          <a:fillRef idx="0">
-            <a:schemeClr val="accent1"/>
-          </a:fillRef>
-          <a:effectRef idx="0">
-            <a:schemeClr val="accent1"/>
-          </a:effectRef>
-          <a:fontRef idx="minor">
-            <a:schemeClr val="tx1"/>
-          </a:fontRef>
-        </p:style>
-      </p:cxnSp>
-      <p:sp>
-        <p:nvSpPr>
-          <p:cNvPr id="69" name="矩形: 圆角 68">
-            <a:extLst>
-              <a:ext uri="{FF2B5EF4-FFF2-40B4-BE49-F238E27FC236}">
-                <a16:creationId xmlns:a16="http://schemas.microsoft.com/office/drawing/2014/main" id="{C4FF7E89-30A1-4ABF-BDB9-B7ECD826ACA3}"/>
+      <p:sp>
+        <p:nvSpPr>
+          <p:cNvPr id="109" name="矩形 108">
+            <a:extLst>
+              <a:ext uri="{FF2B5EF4-FFF2-40B4-BE49-F238E27FC236}">
+                <a16:creationId xmlns:a16="http://schemas.microsoft.com/office/drawing/2014/main" id="{2775CEA4-AF43-4949-BE36-FAB2DBA484AB}"/>
               </a:ext>
             </a:extLst>
           </p:cNvPr>
@@ -6763,7 +6623,96 @@
         </p:nvSpPr>
         <p:spPr>
           <a:xfrm>
-            <a:off x="4295062" y="2530462"/>
+            <a:off x="472441" y="3930679"/>
+            <a:ext cx="7010385" cy="2192274"/>
+          </a:xfrm>
+          <a:prstGeom prst="rect">
+            <a:avLst/>
+          </a:prstGeom>
+          <a:solidFill>
+            <a:schemeClr val="bg1">
+              <a:lumMod val="95000"/>
+            </a:schemeClr>
+          </a:solidFill>
+          <a:ln>
+            <a:noFill/>
+          </a:ln>
+        </p:spPr>
+        <p:style>
+          <a:lnRef idx="2">
+            <a:schemeClr val="accent1">
+              <a:shade val="50000"/>
+            </a:schemeClr>
+          </a:lnRef>
+          <a:fillRef idx="1">
+            <a:schemeClr val="accent1"/>
+          </a:fillRef>
+          <a:effectRef idx="0">
+            <a:schemeClr val="accent1"/>
+          </a:effectRef>
+          <a:fontRef idx="minor">
+            <a:schemeClr val="lt1"/>
+          </a:fontRef>
+        </p:style>
+        <p:txBody>
+          <a:bodyPr rtlCol="0" anchor="ctr"/>
+          <a:lstStyle/>
+          <a:p>
+            <a:pPr algn="ctr"/>
+            <a:endParaRPr lang="zh-CN" altLang="en-US"/>
+          </a:p>
+        </p:txBody>
+      </p:sp>
+      <p:sp>
+        <p:nvSpPr>
+          <p:cNvPr id="110" name="文本框 109">
+            <a:extLst>
+              <a:ext uri="{FF2B5EF4-FFF2-40B4-BE49-F238E27FC236}">
+                <a16:creationId xmlns:a16="http://schemas.microsoft.com/office/drawing/2014/main" id="{4B276279-C2DA-4B5E-9C41-4E4DB8872276}"/>
+              </a:ext>
+            </a:extLst>
+          </p:cNvPr>
+          <p:cNvSpPr txBox="1"/>
+          <p:nvPr/>
+        </p:nvSpPr>
+        <p:spPr>
+          <a:xfrm>
+            <a:off x="411495" y="3612179"/>
+            <a:ext cx="1107996" cy="276999"/>
+          </a:xfrm>
+          <a:prstGeom prst="rect">
+            <a:avLst/>
+          </a:prstGeom>
+          <a:noFill/>
+        </p:spPr>
+        <p:txBody>
+          <a:bodyPr wrap="none" rtlCol="0">
+            <a:spAutoFit/>
+          </a:bodyPr>
+          <a:lstStyle/>
+          <a:p>
+            <a:r>
+              <a:rPr lang="zh-CN" altLang="en-US" sz="1200" b="1"/>
+              <a:t>申请成为法师</a:t>
+            </a:r>
+          </a:p>
+        </p:txBody>
+      </p:sp>
+      <p:sp>
+        <p:nvSpPr>
+          <p:cNvPr id="111" name="矩形: 圆角 110">
+            <a:extLst>
+              <a:ext uri="{FF2B5EF4-FFF2-40B4-BE49-F238E27FC236}">
+                <a16:creationId xmlns:a16="http://schemas.microsoft.com/office/drawing/2014/main" id="{0D341FA7-0684-4A92-B4AE-9B8B65F4585D}"/>
+              </a:ext>
+            </a:extLst>
+          </p:cNvPr>
+          <p:cNvSpPr/>
+          <p:nvPr/>
+        </p:nvSpPr>
+        <p:spPr>
+          <a:xfrm>
+            <a:off x="3361692" y="4823592"/>
             <a:ext cx="806306" cy="360000"/>
           </a:xfrm>
           <a:prstGeom prst="roundRect">
@@ -6828,33 +6777,271 @@
           </a:p>
         </p:txBody>
       </p:sp>
+      <p:sp>
+        <p:nvSpPr>
+          <p:cNvPr id="112" name="矩形: 圆角 111">
+            <a:extLst>
+              <a:ext uri="{FF2B5EF4-FFF2-40B4-BE49-F238E27FC236}">
+                <a16:creationId xmlns:a16="http://schemas.microsoft.com/office/drawing/2014/main" id="{94051B10-8FE5-40C3-AEB0-0C1BFD46592B}"/>
+              </a:ext>
+            </a:extLst>
+          </p:cNvPr>
+          <p:cNvSpPr/>
+          <p:nvPr/>
+        </p:nvSpPr>
+        <p:spPr>
+          <a:xfrm>
+            <a:off x="722720" y="4074759"/>
+            <a:ext cx="503021" cy="360000"/>
+          </a:xfrm>
+          <a:prstGeom prst="roundRect">
+            <a:avLst/>
+          </a:prstGeom>
+          <a:solidFill>
+            <a:srgbClr val="00B0F0"/>
+          </a:solidFill>
+          <a:ln>
+            <a:solidFill>
+              <a:schemeClr val="tx1"/>
+            </a:solidFill>
+          </a:ln>
+        </p:spPr>
+        <p:style>
+          <a:lnRef idx="2">
+            <a:schemeClr val="accent1">
+              <a:shade val="50000"/>
+            </a:schemeClr>
+          </a:lnRef>
+          <a:fillRef idx="1">
+            <a:schemeClr val="accent1"/>
+          </a:fillRef>
+          <a:effectRef idx="0">
+            <a:schemeClr val="accent1"/>
+          </a:effectRef>
+          <a:fontRef idx="minor">
+            <a:schemeClr val="lt1"/>
+          </a:fontRef>
+        </p:style>
+        <p:txBody>
+          <a:bodyPr wrap="none" lIns="36000" tIns="36000" rIns="36000" bIns="36000" rtlCol="0" anchor="ctr" anchorCtr="0"/>
+          <a:lstStyle/>
+          <a:p>
+            <a:r>
+              <a:rPr lang="zh-CN" altLang="en-US" sz="1000" b="1">
+                <a:solidFill>
+                  <a:schemeClr val="tx1"/>
+                </a:solidFill>
+                <a:latin typeface="微软雅黑 Light" panose="020B0502040204020203" pitchFamily="34" charset="-122"/>
+                <a:ea typeface="微软雅黑 Light" panose="020B0502040204020203" pitchFamily="34" charset="-122"/>
+              </a:rPr>
+              <a:t>用户</a:t>
+            </a:r>
+          </a:p>
+        </p:txBody>
+      </p:sp>
+      <p:sp>
+        <p:nvSpPr>
+          <p:cNvPr id="113" name="矩形: 圆角 112">
+            <a:extLst>
+              <a:ext uri="{FF2B5EF4-FFF2-40B4-BE49-F238E27FC236}">
+                <a16:creationId xmlns:a16="http://schemas.microsoft.com/office/drawing/2014/main" id="{0CC3772F-9C87-4E2F-A8A2-1A246271D874}"/>
+              </a:ext>
+            </a:extLst>
+          </p:cNvPr>
+          <p:cNvSpPr/>
+          <p:nvPr/>
+        </p:nvSpPr>
+        <p:spPr>
+          <a:xfrm>
+            <a:off x="5129486" y="4823592"/>
+            <a:ext cx="1033569" cy="360000"/>
+          </a:xfrm>
+          <a:prstGeom prst="roundRect">
+            <a:avLst/>
+          </a:prstGeom>
+          <a:solidFill>
+            <a:srgbClr val="00B050"/>
+          </a:solidFill>
+          <a:ln>
+            <a:solidFill>
+              <a:schemeClr val="tx1"/>
+            </a:solidFill>
+          </a:ln>
+        </p:spPr>
+        <p:style>
+          <a:lnRef idx="2">
+            <a:schemeClr val="accent1">
+              <a:shade val="50000"/>
+            </a:schemeClr>
+          </a:lnRef>
+          <a:fillRef idx="1">
+            <a:schemeClr val="accent1"/>
+          </a:fillRef>
+          <a:effectRef idx="0">
+            <a:schemeClr val="accent1"/>
+          </a:effectRef>
+          <a:fontRef idx="minor">
+            <a:schemeClr val="lt1"/>
+          </a:fontRef>
+        </p:style>
+        <p:txBody>
+          <a:bodyPr wrap="none" lIns="36000" tIns="36000" rIns="36000" bIns="36000" rtlCol="0" anchor="ctr" anchorCtr="0"/>
+          <a:lstStyle/>
+          <a:p>
+            <a:r>
+              <a:rPr lang="zh-CN" altLang="en-US" sz="1000" b="1">
+                <a:solidFill>
+                  <a:schemeClr val="tx1"/>
+                </a:solidFill>
+                <a:latin typeface="微软雅黑 Light" panose="020B0502040204020203" pitchFamily="34" charset="-122"/>
+                <a:ea typeface="微软雅黑 Light" panose="020B0502040204020203" pitchFamily="34" charset="-122"/>
+              </a:rPr>
+              <a:t>批准法师</a:t>
+            </a:r>
+            <a:endParaRPr lang="en-US" altLang="zh-CN" sz="1000" b="1">
+              <a:solidFill>
+                <a:schemeClr val="tx1"/>
+              </a:solidFill>
+              <a:latin typeface="微软雅黑 Light" panose="020B0502040204020203" pitchFamily="34" charset="-122"/>
+              <a:ea typeface="微软雅黑 Light" panose="020B0502040204020203" pitchFamily="34" charset="-122"/>
+            </a:endParaRPr>
+          </a:p>
+          <a:p>
+            <a:r>
+              <a:rPr lang="en-US" altLang="zh-CN" sz="1000" b="1">
+                <a:solidFill>
+                  <a:schemeClr val="tx1"/>
+                </a:solidFill>
+                <a:latin typeface="微软雅黑 Light" panose="020B0502040204020203" pitchFamily="34" charset="-122"/>
+                <a:ea typeface="微软雅黑 Light" panose="020B0502040204020203" pitchFamily="34" charset="-122"/>
+              </a:rPr>
+              <a:t>approve_master</a:t>
+            </a:r>
+            <a:endParaRPr lang="zh-CN" altLang="en-US" sz="1000" b="1">
+              <a:solidFill>
+                <a:schemeClr val="tx1"/>
+              </a:solidFill>
+              <a:latin typeface="微软雅黑 Light" panose="020B0502040204020203" pitchFamily="34" charset="-122"/>
+              <a:ea typeface="微软雅黑 Light" panose="020B0502040204020203" pitchFamily="34" charset="-122"/>
+            </a:endParaRPr>
+          </a:p>
+        </p:txBody>
+      </p:sp>
+      <p:sp>
+        <p:nvSpPr>
+          <p:cNvPr id="114" name="矩形: 圆角 113">
+            <a:extLst>
+              <a:ext uri="{FF2B5EF4-FFF2-40B4-BE49-F238E27FC236}">
+                <a16:creationId xmlns:a16="http://schemas.microsoft.com/office/drawing/2014/main" id="{56D432EF-B0F4-47FD-84B5-6B322835F986}"/>
+              </a:ext>
+            </a:extLst>
+          </p:cNvPr>
+          <p:cNvSpPr/>
+          <p:nvPr/>
+        </p:nvSpPr>
+        <p:spPr>
+          <a:xfrm>
+            <a:off x="2214017" y="4074759"/>
+            <a:ext cx="946641" cy="360000"/>
+          </a:xfrm>
+          <a:prstGeom prst="roundRect">
+            <a:avLst/>
+          </a:prstGeom>
+          <a:solidFill>
+            <a:srgbClr val="00B050"/>
+          </a:solidFill>
+          <a:ln>
+            <a:solidFill>
+              <a:schemeClr val="tx1"/>
+            </a:solidFill>
+          </a:ln>
+        </p:spPr>
+        <p:style>
+          <a:lnRef idx="2">
+            <a:schemeClr val="accent1">
+              <a:shade val="50000"/>
+            </a:schemeClr>
+          </a:lnRef>
+          <a:fillRef idx="1">
+            <a:schemeClr val="accent1"/>
+          </a:fillRef>
+          <a:effectRef idx="0">
+            <a:schemeClr val="accent1"/>
+          </a:effectRef>
+          <a:fontRef idx="minor">
+            <a:schemeClr val="lt1"/>
+          </a:fontRef>
+        </p:style>
+        <p:txBody>
+          <a:bodyPr wrap="none" lIns="36000" tIns="36000" rIns="36000" bIns="36000" rtlCol="0" anchor="ctr" anchorCtr="0"/>
+          <a:lstStyle/>
+          <a:p>
+            <a:r>
+              <a:rPr lang="zh-CN" altLang="en-US" sz="1000" b="1">
+                <a:solidFill>
+                  <a:schemeClr val="tx1"/>
+                </a:solidFill>
+                <a:latin typeface="微软雅黑 Light" panose="020B0502040204020203" pitchFamily="34" charset="-122"/>
+                <a:ea typeface="微软雅黑 Light" panose="020B0502040204020203" pitchFamily="34" charset="-122"/>
+              </a:rPr>
+              <a:t>申请成为法师</a:t>
+            </a:r>
+            <a:endParaRPr lang="en-US" altLang="zh-CN" sz="1000" b="1">
+              <a:solidFill>
+                <a:schemeClr val="tx1"/>
+              </a:solidFill>
+              <a:latin typeface="微软雅黑 Light" panose="020B0502040204020203" pitchFamily="34" charset="-122"/>
+              <a:ea typeface="微软雅黑 Light" panose="020B0502040204020203" pitchFamily="34" charset="-122"/>
+            </a:endParaRPr>
+          </a:p>
+          <a:p>
+            <a:r>
+              <a:rPr lang="en-US" altLang="zh-CN" sz="1000" b="1">
+                <a:solidFill>
+                  <a:schemeClr val="tx1"/>
+                </a:solidFill>
+                <a:latin typeface="微软雅黑 Light" panose="020B0502040204020203" pitchFamily="34" charset="-122"/>
+                <a:ea typeface="微软雅黑 Light" panose="020B0502040204020203" pitchFamily="34" charset="-122"/>
+              </a:rPr>
+              <a:t>apply_master</a:t>
+            </a:r>
+            <a:endParaRPr lang="zh-CN" altLang="en-US" sz="1000" b="1">
+              <a:solidFill>
+                <a:schemeClr val="tx1"/>
+              </a:solidFill>
+              <a:latin typeface="微软雅黑 Light" panose="020B0502040204020203" pitchFamily="34" charset="-122"/>
+              <a:ea typeface="微软雅黑 Light" panose="020B0502040204020203" pitchFamily="34" charset="-122"/>
+            </a:endParaRPr>
+          </a:p>
+        </p:txBody>
+      </p:sp>
       <p:cxnSp>
         <p:nvCxnSpPr>
-          <p:cNvPr id="71" name="直接箭头连接符 70">
-            <a:extLst>
-              <a:ext uri="{FF2B5EF4-FFF2-40B4-BE49-F238E27FC236}">
-                <a16:creationId xmlns:a16="http://schemas.microsoft.com/office/drawing/2014/main" id="{7579D706-F21C-4E76-844F-67CD7B249C19}"/>
+          <p:cNvPr id="115" name="直接箭头连接符 114">
+            <a:extLst>
+              <a:ext uri="{FF2B5EF4-FFF2-40B4-BE49-F238E27FC236}">
+                <a16:creationId xmlns:a16="http://schemas.microsoft.com/office/drawing/2014/main" id="{BE5F9369-6052-4D1A-83AC-E1E4BF320B97}"/>
               </a:ext>
             </a:extLst>
           </p:cNvPr>
           <p:cNvCxnSpPr>
             <a:cxnSpLocks/>
-            <a:stCxn id="67" idx="3"/>
-            <a:endCxn id="69" idx="1"/>
+            <a:stCxn id="112" idx="3"/>
+            <a:endCxn id="116" idx="1"/>
           </p:cNvCxnSpPr>
           <p:nvPr/>
         </p:nvCxnSpPr>
         <p:spPr>
-          <a:xfrm flipV="1">
-            <a:off x="3873524" y="2710462"/>
-            <a:ext cx="421538" cy="4"/>
+          <a:xfrm>
+            <a:off x="1225741" y="4254759"/>
+            <a:ext cx="271392" cy="0"/>
           </a:xfrm>
           <a:prstGeom prst="straightConnector1">
             <a:avLst/>
           </a:prstGeom>
-          <a:ln w="25400">
-            <a:solidFill>
-              <a:srgbClr val="00B050"/>
+          <a:ln w="15875">
+            <a:solidFill>
+              <a:schemeClr val="tx1"/>
             </a:solidFill>
             <a:tailEnd type="triangle"/>
           </a:ln>
@@ -6874,58 +7061,12 @@
           </a:fontRef>
         </p:style>
       </p:cxnSp>
-      <p:cxnSp>
-        <p:nvCxnSpPr>
-          <p:cNvPr id="72" name="直接箭头连接符 71">
-            <a:extLst>
-              <a:ext uri="{FF2B5EF4-FFF2-40B4-BE49-F238E27FC236}">
-                <a16:creationId xmlns:a16="http://schemas.microsoft.com/office/drawing/2014/main" id="{342AA069-23CD-4A71-9233-1E1A6B00EAAA}"/>
-              </a:ext>
-            </a:extLst>
-          </p:cNvPr>
-          <p:cNvCxnSpPr>
-            <a:cxnSpLocks/>
-            <a:stCxn id="69" idx="3"/>
-            <a:endCxn id="74" idx="1"/>
-          </p:cNvCxnSpPr>
-          <p:nvPr/>
-        </p:nvCxnSpPr>
-        <p:spPr>
-          <a:xfrm>
-            <a:off x="5101368" y="2710462"/>
-            <a:ext cx="216037" cy="0"/>
-          </a:xfrm>
-          <a:prstGeom prst="straightConnector1">
-            <a:avLst/>
-          </a:prstGeom>
-          <a:ln w="15875">
-            <a:solidFill>
-              <a:schemeClr val="tx1"/>
-            </a:solidFill>
-            <a:tailEnd type="triangle"/>
-          </a:ln>
-        </p:spPr>
-        <p:style>
-          <a:lnRef idx="1">
-            <a:schemeClr val="accent1"/>
-          </a:lnRef>
-          <a:fillRef idx="0">
-            <a:schemeClr val="accent1"/>
-          </a:fillRef>
-          <a:effectRef idx="0">
-            <a:schemeClr val="accent1"/>
-          </a:effectRef>
-          <a:fontRef idx="minor">
-            <a:schemeClr val="tx1"/>
-          </a:fontRef>
-        </p:style>
-      </p:cxnSp>
-      <p:sp>
-        <p:nvSpPr>
-          <p:cNvPr id="74" name="矩形: 圆角 73">
-            <a:extLst>
-              <a:ext uri="{FF2B5EF4-FFF2-40B4-BE49-F238E27FC236}">
-                <a16:creationId xmlns:a16="http://schemas.microsoft.com/office/drawing/2014/main" id="{E66DC2E1-5702-42A2-99B4-8F00F403CFE5}"/>
+      <p:sp>
+        <p:nvSpPr>
+          <p:cNvPr id="116" name="矩形: 圆角 115">
+            <a:extLst>
+              <a:ext uri="{FF2B5EF4-FFF2-40B4-BE49-F238E27FC236}">
+                <a16:creationId xmlns:a16="http://schemas.microsoft.com/office/drawing/2014/main" id="{BCB1141B-4D91-4AC3-ABF3-76AC3BCE5229}"/>
               </a:ext>
             </a:extLst>
           </p:cNvPr>
@@ -6934,7 +7075,7 @@
         </p:nvSpPr>
         <p:spPr>
           <a:xfrm>
-            <a:off x="5317405" y="2530462"/>
+            <a:off x="1497133" y="4074759"/>
             <a:ext cx="387547" cy="360000"/>
           </a:xfrm>
           <a:prstGeom prst="roundRect">
@@ -6987,24 +7128,24 @@
       </p:sp>
       <p:cxnSp>
         <p:nvCxnSpPr>
-          <p:cNvPr id="75" name="直接箭头连接符 74">
-            <a:extLst>
-              <a:ext uri="{FF2B5EF4-FFF2-40B4-BE49-F238E27FC236}">
-                <a16:creationId xmlns:a16="http://schemas.microsoft.com/office/drawing/2014/main" id="{B1CC438F-A859-4A5B-A4C0-76EBA1F729AD}"/>
+          <p:cNvPr id="117" name="直接箭头连接符 116">
+            <a:extLst>
+              <a:ext uri="{FF2B5EF4-FFF2-40B4-BE49-F238E27FC236}">
+                <a16:creationId xmlns:a16="http://schemas.microsoft.com/office/drawing/2014/main" id="{1B10D57F-F5A5-4D94-A24F-0BC4C77E1B3D}"/>
               </a:ext>
             </a:extLst>
           </p:cNvPr>
           <p:cNvCxnSpPr>
             <a:cxnSpLocks/>
-            <a:stCxn id="74" idx="3"/>
-            <a:endCxn id="140" idx="1"/>
+            <a:stCxn id="116" idx="3"/>
+            <a:endCxn id="114" idx="1"/>
           </p:cNvCxnSpPr>
           <p:nvPr/>
         </p:nvCxnSpPr>
         <p:spPr>
           <a:xfrm>
-            <a:off x="5704952" y="2710462"/>
-            <a:ext cx="237012" cy="0"/>
+            <a:off x="1884680" y="4254759"/>
+            <a:ext cx="329337" cy="0"/>
           </a:xfrm>
           <a:prstGeom prst="straightConnector1">
             <a:avLst/>
@@ -7033,24 +7174,24 @@
       </p:cxnSp>
       <p:cxnSp>
         <p:nvCxnSpPr>
-          <p:cNvPr id="76" name="直接箭头连接符 75">
-            <a:extLst>
-              <a:ext uri="{FF2B5EF4-FFF2-40B4-BE49-F238E27FC236}">
-                <a16:creationId xmlns:a16="http://schemas.microsoft.com/office/drawing/2014/main" id="{15865907-5830-496D-B639-2CD8510BC2D9}"/>
+          <p:cNvPr id="118" name="直接箭头连接符 117">
+            <a:extLst>
+              <a:ext uri="{FF2B5EF4-FFF2-40B4-BE49-F238E27FC236}">
+                <a16:creationId xmlns:a16="http://schemas.microsoft.com/office/drawing/2014/main" id="{6629826E-3620-42BE-A87F-3AE9628D9CA2}"/>
               </a:ext>
             </a:extLst>
           </p:cNvPr>
           <p:cNvCxnSpPr>
             <a:cxnSpLocks/>
-            <a:stCxn id="140" idx="2"/>
-            <a:endCxn id="77" idx="0"/>
+            <a:stCxn id="114" idx="2"/>
+            <a:endCxn id="119" idx="0"/>
           </p:cNvCxnSpPr>
           <p:nvPr/>
         </p:nvCxnSpPr>
         <p:spPr>
           <a:xfrm>
-            <a:off x="6764112" y="2890462"/>
-            <a:ext cx="848786" cy="404101"/>
+            <a:off x="2687338" y="4434759"/>
+            <a:ext cx="0" cy="388833"/>
           </a:xfrm>
           <a:prstGeom prst="straightConnector1">
             <a:avLst/>
@@ -7079,10 +7220,10 @@
       </p:cxnSp>
       <p:sp>
         <p:nvSpPr>
-          <p:cNvPr id="77" name="矩形: 圆角 76">
-            <a:extLst>
-              <a:ext uri="{FF2B5EF4-FFF2-40B4-BE49-F238E27FC236}">
-                <a16:creationId xmlns:a16="http://schemas.microsoft.com/office/drawing/2014/main" id="{611505B1-D127-48DD-9B46-47FF5AAB3B6C}"/>
+          <p:cNvPr id="119" name="矩形: 圆角 118">
+            <a:extLst>
+              <a:ext uri="{FF2B5EF4-FFF2-40B4-BE49-F238E27FC236}">
+                <a16:creationId xmlns:a16="http://schemas.microsoft.com/office/drawing/2014/main" id="{22F74092-EF15-448B-94D7-C034C5BF410A}"/>
               </a:ext>
             </a:extLst>
           </p:cNvPr>
@@ -7091,7 +7232,7 @@
         </p:nvSpPr>
         <p:spPr>
           <a:xfrm>
-            <a:off x="7419124" y="3294563"/>
+            <a:off x="2493564" y="4823592"/>
             <a:ext cx="387547" cy="360000"/>
           </a:xfrm>
           <a:prstGeom prst="roundRect">
@@ -7144,24 +7285,24 @@
       </p:sp>
       <p:cxnSp>
         <p:nvCxnSpPr>
-          <p:cNvPr id="78" name="直接箭头连接符 77">
-            <a:extLst>
-              <a:ext uri="{FF2B5EF4-FFF2-40B4-BE49-F238E27FC236}">
-                <a16:creationId xmlns:a16="http://schemas.microsoft.com/office/drawing/2014/main" id="{A8E1B373-C08D-4E4A-BC77-EF6323BBB2F2}"/>
+          <p:cNvPr id="120" name="直接箭头连接符 119">
+            <a:extLst>
+              <a:ext uri="{FF2B5EF4-FFF2-40B4-BE49-F238E27FC236}">
+                <a16:creationId xmlns:a16="http://schemas.microsoft.com/office/drawing/2014/main" id="{9238D1B0-9D96-490E-8736-262CE2974D48}"/>
               </a:ext>
             </a:extLst>
           </p:cNvPr>
           <p:cNvCxnSpPr>
             <a:cxnSpLocks/>
-            <a:stCxn id="77" idx="3"/>
-            <a:endCxn id="80" idx="1"/>
+            <a:stCxn id="119" idx="3"/>
+            <a:endCxn id="111" idx="1"/>
           </p:cNvCxnSpPr>
           <p:nvPr/>
         </p:nvCxnSpPr>
         <p:spPr>
           <a:xfrm>
-            <a:off x="7806671" y="3474563"/>
-            <a:ext cx="586444" cy="0"/>
+            <a:off x="2881111" y="5003592"/>
+            <a:ext cx="480581" cy="0"/>
           </a:xfrm>
           <a:prstGeom prst="straightConnector1">
             <a:avLst/>
@@ -7188,238 +7329,26 @@
           </a:fontRef>
         </p:style>
       </p:cxnSp>
-      <p:sp>
-        <p:nvSpPr>
-          <p:cNvPr id="80" name="矩形: 圆角 79">
-            <a:extLst>
-              <a:ext uri="{FF2B5EF4-FFF2-40B4-BE49-F238E27FC236}">
-                <a16:creationId xmlns:a16="http://schemas.microsoft.com/office/drawing/2014/main" id="{CBD1392E-E069-4CD7-B6F3-D801A640CF23}"/>
-              </a:ext>
-            </a:extLst>
-          </p:cNvPr>
-          <p:cNvSpPr/>
-          <p:nvPr/>
-        </p:nvSpPr>
-        <p:spPr>
-          <a:xfrm>
-            <a:off x="8393115" y="3294563"/>
-            <a:ext cx="720000" cy="360000"/>
-          </a:xfrm>
-          <a:prstGeom prst="roundRect">
-            <a:avLst/>
-          </a:prstGeom>
-          <a:solidFill>
-            <a:srgbClr val="00B0F0"/>
-          </a:solidFill>
-          <a:ln>
-            <a:solidFill>
-              <a:schemeClr val="tx1"/>
-            </a:solidFill>
-          </a:ln>
-        </p:spPr>
-        <p:style>
-          <a:lnRef idx="2">
-            <a:schemeClr val="accent1">
-              <a:shade val="50000"/>
-            </a:schemeClr>
-          </a:lnRef>
-          <a:fillRef idx="1">
-            <a:schemeClr val="accent1"/>
-          </a:fillRef>
-          <a:effectRef idx="0">
-            <a:schemeClr val="accent1"/>
-          </a:effectRef>
-          <a:fontRef idx="minor">
-            <a:schemeClr val="lt1"/>
-          </a:fontRef>
-        </p:style>
-        <p:txBody>
-          <a:bodyPr wrap="none" lIns="36000" tIns="36000" rIns="36000" bIns="36000" rtlCol="0" anchor="ctr" anchorCtr="0"/>
-          <a:lstStyle/>
-          <a:p>
-            <a:r>
-              <a:rPr lang="zh-CN" altLang="en-US" sz="1000" b="1">
-                <a:solidFill>
-                  <a:schemeClr val="tx1"/>
-                </a:solidFill>
-                <a:latin typeface="微软雅黑 Light" panose="020B0502040204020203" pitchFamily="34" charset="-122"/>
-                <a:ea typeface="微软雅黑 Light" panose="020B0502040204020203" pitchFamily="34" charset="-122"/>
-              </a:rPr>
-              <a:t>法师或寺院</a:t>
-            </a:r>
-          </a:p>
-        </p:txBody>
-      </p:sp>
-      <p:sp>
-        <p:nvSpPr>
-          <p:cNvPr id="127" name="矩形: 圆角 126">
-            <a:extLst>
-              <a:ext uri="{FF2B5EF4-FFF2-40B4-BE49-F238E27FC236}">
-                <a16:creationId xmlns:a16="http://schemas.microsoft.com/office/drawing/2014/main" id="{9F42D88E-B4A6-44C9-B5A5-127F11DCA10D}"/>
-              </a:ext>
-            </a:extLst>
-          </p:cNvPr>
-          <p:cNvSpPr/>
-          <p:nvPr/>
-        </p:nvSpPr>
-        <p:spPr>
-          <a:xfrm>
-            <a:off x="651957" y="1329705"/>
-            <a:ext cx="720000" cy="360000"/>
-          </a:xfrm>
-          <a:prstGeom prst="roundRect">
-            <a:avLst/>
-          </a:prstGeom>
-          <a:solidFill>
-            <a:srgbClr val="00B0F0"/>
-          </a:solidFill>
-          <a:ln>
-            <a:solidFill>
-              <a:schemeClr val="tx1"/>
-            </a:solidFill>
-          </a:ln>
-        </p:spPr>
-        <p:style>
-          <a:lnRef idx="2">
-            <a:schemeClr val="accent1">
-              <a:shade val="50000"/>
-            </a:schemeClr>
-          </a:lnRef>
-          <a:fillRef idx="1">
-            <a:schemeClr val="accent1"/>
-          </a:fillRef>
-          <a:effectRef idx="0">
-            <a:schemeClr val="accent1"/>
-          </a:effectRef>
-          <a:fontRef idx="minor">
-            <a:schemeClr val="lt1"/>
-          </a:fontRef>
-        </p:style>
-        <p:txBody>
-          <a:bodyPr wrap="none" lIns="36000" tIns="36000" rIns="36000" bIns="36000" rtlCol="0" anchor="ctr" anchorCtr="0"/>
-          <a:lstStyle/>
-          <a:p>
-            <a:r>
-              <a:rPr lang="zh-CN" altLang="en-US" sz="1000" b="1">
-                <a:solidFill>
-                  <a:schemeClr val="tx1"/>
-                </a:solidFill>
-                <a:latin typeface="微软雅黑 Light" panose="020B0502040204020203" pitchFamily="34" charset="-122"/>
-                <a:ea typeface="微软雅黑 Light" panose="020B0502040204020203" pitchFamily="34" charset="-122"/>
-              </a:rPr>
-              <a:t>法师或寺院</a:t>
-            </a:r>
-          </a:p>
-        </p:txBody>
-      </p:sp>
-      <p:sp>
-        <p:nvSpPr>
-          <p:cNvPr id="129" name="矩形: 圆角 128">
-            <a:extLst>
-              <a:ext uri="{FF2B5EF4-FFF2-40B4-BE49-F238E27FC236}">
-                <a16:creationId xmlns:a16="http://schemas.microsoft.com/office/drawing/2014/main" id="{4C4B19F3-0328-48BC-97D8-DAC8E749C950}"/>
-              </a:ext>
-            </a:extLst>
-          </p:cNvPr>
-          <p:cNvSpPr/>
-          <p:nvPr/>
-        </p:nvSpPr>
-        <p:spPr>
-          <a:xfrm>
-            <a:off x="2201396" y="1329705"/>
-            <a:ext cx="920899" cy="360000"/>
-          </a:xfrm>
-          <a:prstGeom prst="roundRect">
-            <a:avLst/>
-          </a:prstGeom>
-          <a:solidFill>
-            <a:srgbClr val="00B050"/>
-          </a:solidFill>
-          <a:ln>
-            <a:solidFill>
-              <a:schemeClr val="tx1"/>
-            </a:solidFill>
-          </a:ln>
-        </p:spPr>
-        <p:style>
-          <a:lnRef idx="2">
-            <a:schemeClr val="accent1">
-              <a:shade val="50000"/>
-            </a:schemeClr>
-          </a:lnRef>
-          <a:fillRef idx="1">
-            <a:schemeClr val="accent1"/>
-          </a:fillRef>
-          <a:effectRef idx="0">
-            <a:schemeClr val="accent1"/>
-          </a:effectRef>
-          <a:fontRef idx="minor">
-            <a:schemeClr val="lt1"/>
-          </a:fontRef>
-        </p:style>
-        <p:txBody>
-          <a:bodyPr wrap="none" lIns="36000" tIns="36000" rIns="36000" bIns="36000" rtlCol="0" anchor="ctr" anchorCtr="0"/>
-          <a:lstStyle/>
-          <a:p>
-            <a:r>
-              <a:rPr lang="zh-CN" altLang="en-US" sz="1000" b="1">
-                <a:solidFill>
-                  <a:schemeClr val="tx1"/>
-                </a:solidFill>
-                <a:latin typeface="微软雅黑 Light" panose="020B0502040204020203" pitchFamily="34" charset="-122"/>
-                <a:ea typeface="微软雅黑 Light" panose="020B0502040204020203" pitchFamily="34" charset="-122"/>
-              </a:rPr>
-              <a:t>添加善举</a:t>
-            </a:r>
-            <a:endParaRPr lang="en-US" altLang="zh-CN" sz="1000" b="1">
-              <a:solidFill>
-                <a:schemeClr val="tx1"/>
-              </a:solidFill>
-              <a:latin typeface="微软雅黑 Light" panose="020B0502040204020203" pitchFamily="34" charset="-122"/>
-              <a:ea typeface="微软雅黑 Light" panose="020B0502040204020203" pitchFamily="34" charset="-122"/>
-            </a:endParaRPr>
-          </a:p>
-          <a:p>
-            <a:r>
-              <a:rPr lang="en-US" altLang="zh-CN" sz="1000" b="1">
-                <a:solidFill>
-                  <a:schemeClr val="tx1"/>
-                </a:solidFill>
-                <a:latin typeface="微软雅黑 Light" panose="020B0502040204020203" pitchFamily="34" charset="-122"/>
-                <a:ea typeface="微软雅黑 Light" panose="020B0502040204020203" pitchFamily="34" charset="-122"/>
-              </a:rPr>
-              <a:t>add_kinddeed</a:t>
-            </a:r>
-            <a:endParaRPr lang="zh-CN" altLang="en-US" sz="1000" b="1">
-              <a:solidFill>
-                <a:schemeClr val="tx1"/>
-              </a:solidFill>
-              <a:latin typeface="微软雅黑 Light" panose="020B0502040204020203" pitchFamily="34" charset="-122"/>
-              <a:ea typeface="微软雅黑 Light" panose="020B0502040204020203" pitchFamily="34" charset="-122"/>
-            </a:endParaRPr>
-          </a:p>
-        </p:txBody>
-      </p:sp>
       <p:cxnSp>
         <p:nvCxnSpPr>
-          <p:cNvPr id="133" name="直接箭头连接符 132">
-            <a:extLst>
-              <a:ext uri="{FF2B5EF4-FFF2-40B4-BE49-F238E27FC236}">
-                <a16:creationId xmlns:a16="http://schemas.microsoft.com/office/drawing/2014/main" id="{3323236A-51D1-45A9-B579-8C9C1CB489DF}"/>
+          <p:cNvPr id="121" name="直接箭头连接符 120">
+            <a:extLst>
+              <a:ext uri="{FF2B5EF4-FFF2-40B4-BE49-F238E27FC236}">
+                <a16:creationId xmlns:a16="http://schemas.microsoft.com/office/drawing/2014/main" id="{3CF6DC00-D2B7-42E7-B1A0-0AA2DE3F3641}"/>
               </a:ext>
             </a:extLst>
           </p:cNvPr>
           <p:cNvCxnSpPr>
             <a:cxnSpLocks/>
-            <a:stCxn id="127" idx="3"/>
-            <a:endCxn id="134" idx="1"/>
+            <a:stCxn id="111" idx="3"/>
+            <a:endCxn id="122" idx="1"/>
           </p:cNvCxnSpPr>
           <p:nvPr/>
         </p:nvCxnSpPr>
         <p:spPr>
           <a:xfrm>
-            <a:off x="1371957" y="1509705"/>
-            <a:ext cx="198836" cy="0"/>
+            <a:off x="4167998" y="5003592"/>
+            <a:ext cx="267472" cy="0"/>
           </a:xfrm>
           <a:prstGeom prst="straightConnector1">
             <a:avLst/>
@@ -7428,7 +7357,6 @@
             <a:solidFill>
               <a:schemeClr val="tx1"/>
             </a:solidFill>
-            <a:headEnd type="triangle"/>
             <a:tailEnd type="triangle"/>
           </a:ln>
         </p:spPr>
@@ -7449,10 +7377,10 @@
       </p:cxnSp>
       <p:sp>
         <p:nvSpPr>
-          <p:cNvPr id="134" name="矩形: 圆角 133">
-            <a:extLst>
-              <a:ext uri="{FF2B5EF4-FFF2-40B4-BE49-F238E27FC236}">
-                <a16:creationId xmlns:a16="http://schemas.microsoft.com/office/drawing/2014/main" id="{5DA657E1-31BD-4904-B1E1-85DD7D4FFCAD}"/>
+          <p:cNvPr id="122" name="矩形: 圆角 121">
+            <a:extLst>
+              <a:ext uri="{FF2B5EF4-FFF2-40B4-BE49-F238E27FC236}">
+                <a16:creationId xmlns:a16="http://schemas.microsoft.com/office/drawing/2014/main" id="{3085DEE5-4FAF-4A4C-B817-6FBD90D8AC94}"/>
               </a:ext>
             </a:extLst>
           </p:cNvPr>
@@ -7461,7 +7389,7 @@
         </p:nvSpPr>
         <p:spPr>
           <a:xfrm>
-            <a:off x="1570793" y="1329705"/>
+            <a:off x="4435470" y="4823592"/>
             <a:ext cx="387547" cy="360000"/>
           </a:xfrm>
           <a:prstGeom prst="roundRect">
@@ -7514,24 +7442,24 @@
       </p:sp>
       <p:cxnSp>
         <p:nvCxnSpPr>
-          <p:cNvPr id="136" name="直接箭头连接符 135">
-            <a:extLst>
-              <a:ext uri="{FF2B5EF4-FFF2-40B4-BE49-F238E27FC236}">
-                <a16:creationId xmlns:a16="http://schemas.microsoft.com/office/drawing/2014/main" id="{3DC4F5F2-B2B3-464F-80C8-F7A6B6D30764}"/>
+          <p:cNvPr id="123" name="直接箭头连接符 122">
+            <a:extLst>
+              <a:ext uri="{FF2B5EF4-FFF2-40B4-BE49-F238E27FC236}">
+                <a16:creationId xmlns:a16="http://schemas.microsoft.com/office/drawing/2014/main" id="{356E74B3-9074-41E6-BD38-96A59F716BEB}"/>
               </a:ext>
             </a:extLst>
           </p:cNvPr>
           <p:cNvCxnSpPr>
             <a:cxnSpLocks/>
-            <a:stCxn id="134" idx="3"/>
-            <a:endCxn id="129" idx="1"/>
+            <a:stCxn id="122" idx="3"/>
+            <a:endCxn id="113" idx="1"/>
           </p:cNvCxnSpPr>
           <p:nvPr/>
         </p:nvCxnSpPr>
         <p:spPr>
           <a:xfrm>
-            <a:off x="1958340" y="1509705"/>
-            <a:ext cx="243056" cy="0"/>
+            <a:off x="4823017" y="5003592"/>
+            <a:ext cx="306469" cy="0"/>
           </a:xfrm>
           <a:prstGeom prst="straightConnector1">
             <a:avLst/>
@@ -7540,7 +7468,6 @@
             <a:solidFill>
               <a:schemeClr val="tx1"/>
             </a:solidFill>
-            <a:headEnd type="triangle"/>
             <a:tailEnd type="triangle"/>
           </a:ln>
         </p:spPr>
@@ -7559,12 +7486,58 @@
           </a:fontRef>
         </p:style>
       </p:cxnSp>
-      <p:sp>
-        <p:nvSpPr>
-          <p:cNvPr id="137" name="矩形: 圆角 136">
-            <a:extLst>
-              <a:ext uri="{FF2B5EF4-FFF2-40B4-BE49-F238E27FC236}">
-                <a16:creationId xmlns:a16="http://schemas.microsoft.com/office/drawing/2014/main" id="{A70EB2BD-D172-4FC5-A7A1-18587394ACCC}"/>
+      <p:cxnSp>
+        <p:nvCxnSpPr>
+          <p:cNvPr id="124" name="直接箭头连接符 123">
+            <a:extLst>
+              <a:ext uri="{FF2B5EF4-FFF2-40B4-BE49-F238E27FC236}">
+                <a16:creationId xmlns:a16="http://schemas.microsoft.com/office/drawing/2014/main" id="{039883E4-B203-4294-ACD4-E1CBF8AA9BFA}"/>
+              </a:ext>
+            </a:extLst>
+          </p:cNvPr>
+          <p:cNvCxnSpPr>
+            <a:cxnSpLocks/>
+            <a:stCxn id="113" idx="2"/>
+            <a:endCxn id="125" idx="0"/>
+          </p:cNvCxnSpPr>
+          <p:nvPr/>
+        </p:nvCxnSpPr>
+        <p:spPr>
+          <a:xfrm>
+            <a:off x="5646271" y="5183592"/>
+            <a:ext cx="0" cy="327901"/>
+          </a:xfrm>
+          <a:prstGeom prst="straightConnector1">
+            <a:avLst/>
+          </a:prstGeom>
+          <a:ln w="28575">
+            <a:solidFill>
+              <a:srgbClr val="FF0000"/>
+            </a:solidFill>
+            <a:tailEnd type="triangle"/>
+          </a:ln>
+        </p:spPr>
+        <p:style>
+          <a:lnRef idx="1">
+            <a:schemeClr val="accent1"/>
+          </a:lnRef>
+          <a:fillRef idx="0">
+            <a:schemeClr val="accent1"/>
+          </a:fillRef>
+          <a:effectRef idx="0">
+            <a:schemeClr val="accent1"/>
+          </a:effectRef>
+          <a:fontRef idx="minor">
+            <a:schemeClr val="tx1"/>
+          </a:fontRef>
+        </p:style>
+      </p:cxnSp>
+      <p:sp>
+        <p:nvSpPr>
+          <p:cNvPr id="125" name="矩形: 圆角 124">
+            <a:extLst>
+              <a:ext uri="{FF2B5EF4-FFF2-40B4-BE49-F238E27FC236}">
+                <a16:creationId xmlns:a16="http://schemas.microsoft.com/office/drawing/2014/main" id="{E3419127-6BB4-4588-AC16-05731ADE3E3A}"/>
               </a:ext>
             </a:extLst>
           </p:cNvPr>
@@ -7573,14 +7546,17 @@
         </p:nvSpPr>
         <p:spPr>
           <a:xfrm>
-            <a:off x="3207672" y="1329705"/>
-            <a:ext cx="1047374" cy="360000"/>
+            <a:off x="5452497" y="5511493"/>
+            <a:ext cx="387547" cy="360000"/>
           </a:xfrm>
           <a:prstGeom prst="roundRect">
             <a:avLst/>
           </a:prstGeom>
           <a:solidFill>
-            <a:srgbClr val="00B050"/>
+            <a:schemeClr val="accent4">
+              <a:lumMod val="40000"/>
+              <a:lumOff val="60000"/>
+            </a:schemeClr>
           </a:solidFill>
           <a:ln>
             <a:solidFill>
@@ -7616,43 +7592,63 @@
                 <a:latin typeface="微软雅黑 Light" panose="020B0502040204020203" pitchFamily="34" charset="-122"/>
                 <a:ea typeface="微软雅黑 Light" panose="020B0502040204020203" pitchFamily="34" charset="-122"/>
               </a:rPr>
-              <a:t>删除善举</a:t>
-            </a:r>
-            <a:endParaRPr lang="en-US" altLang="zh-CN" sz="1000" b="1">
-              <a:solidFill>
-                <a:schemeClr val="tx1"/>
-              </a:solidFill>
-              <a:latin typeface="微软雅黑 Light" panose="020B0502040204020203" pitchFamily="34" charset="-122"/>
-              <a:ea typeface="微软雅黑 Light" panose="020B0502040204020203" pitchFamily="34" charset="-122"/>
-            </a:endParaRPr>
-          </a:p>
-          <a:p>
-            <a:r>
-              <a:rPr lang="en-US" altLang="zh-CN" sz="1000" b="1">
-                <a:solidFill>
-                  <a:schemeClr val="tx1"/>
-                </a:solidFill>
-                <a:latin typeface="微软雅黑 Light" panose="020B0502040204020203" pitchFamily="34" charset="-122"/>
-                <a:ea typeface="微软雅黑 Light" panose="020B0502040204020203" pitchFamily="34" charset="-122"/>
-              </a:rPr>
-              <a:t>delete_kinddeed</a:t>
-            </a:r>
-            <a:endParaRPr lang="zh-CN" altLang="en-US" sz="1000" b="1">
-              <a:solidFill>
-                <a:schemeClr val="tx1"/>
-              </a:solidFill>
-              <a:latin typeface="微软雅黑 Light" panose="020B0502040204020203" pitchFamily="34" charset="-122"/>
-              <a:ea typeface="微软雅黑 Light" panose="020B0502040204020203" pitchFamily="34" charset="-122"/>
-            </a:endParaRPr>
-          </a:p>
-        </p:txBody>
-      </p:sp>
-      <p:sp>
-        <p:nvSpPr>
-          <p:cNvPr id="139" name="矩形: 圆角 138">
-            <a:extLst>
-              <a:ext uri="{FF2B5EF4-FFF2-40B4-BE49-F238E27FC236}">
-                <a16:creationId xmlns:a16="http://schemas.microsoft.com/office/drawing/2014/main" id="{97BC0456-EB21-4D2F-A602-2974F1C5A34E}"/>
+              <a:t>后端</a:t>
+            </a:r>
+          </a:p>
+        </p:txBody>
+      </p:sp>
+      <p:cxnSp>
+        <p:nvCxnSpPr>
+          <p:cNvPr id="126" name="直接箭头连接符 125">
+            <a:extLst>
+              <a:ext uri="{FF2B5EF4-FFF2-40B4-BE49-F238E27FC236}">
+                <a16:creationId xmlns:a16="http://schemas.microsoft.com/office/drawing/2014/main" id="{9A8A68D1-B9DF-4970-9879-59BCDEDFADE8}"/>
+              </a:ext>
+            </a:extLst>
+          </p:cNvPr>
+          <p:cNvCxnSpPr>
+            <a:cxnSpLocks/>
+            <a:stCxn id="125" idx="3"/>
+            <a:endCxn id="128" idx="1"/>
+          </p:cNvCxnSpPr>
+          <p:nvPr/>
+        </p:nvCxnSpPr>
+        <p:spPr>
+          <a:xfrm>
+            <a:off x="5840044" y="5691493"/>
+            <a:ext cx="631260" cy="0"/>
+          </a:xfrm>
+          <a:prstGeom prst="straightConnector1">
+            <a:avLst/>
+          </a:prstGeom>
+          <a:ln w="25400">
+            <a:solidFill>
+              <a:srgbClr val="00B050"/>
+            </a:solidFill>
+            <a:tailEnd type="triangle"/>
+          </a:ln>
+        </p:spPr>
+        <p:style>
+          <a:lnRef idx="1">
+            <a:schemeClr val="accent1"/>
+          </a:lnRef>
+          <a:fillRef idx="0">
+            <a:schemeClr val="accent1"/>
+          </a:fillRef>
+          <a:effectRef idx="0">
+            <a:schemeClr val="accent1"/>
+          </a:effectRef>
+          <a:fontRef idx="minor">
+            <a:schemeClr val="tx1"/>
+          </a:fontRef>
+        </p:style>
+      </p:cxnSp>
+      <p:sp>
+        <p:nvSpPr>
+          <p:cNvPr id="128" name="矩形: 圆角 127">
+            <a:extLst>
+              <a:ext uri="{FF2B5EF4-FFF2-40B4-BE49-F238E27FC236}">
+                <a16:creationId xmlns:a16="http://schemas.microsoft.com/office/drawing/2014/main" id="{92D6173D-AAB3-46F1-A2C1-41CFC4E297C5}"/>
               </a:ext>
             </a:extLst>
           </p:cNvPr>
@@ -7661,14 +7657,14 @@
         </p:nvSpPr>
         <p:spPr>
           <a:xfrm>
-            <a:off x="4329988" y="1341643"/>
-            <a:ext cx="1092192" cy="360000"/>
+            <a:off x="6471304" y="5511493"/>
+            <a:ext cx="468992" cy="360000"/>
           </a:xfrm>
           <a:prstGeom prst="roundRect">
             <a:avLst/>
           </a:prstGeom>
           <a:solidFill>
-            <a:srgbClr val="00B050"/>
+            <a:srgbClr val="00B0F0"/>
           </a:solidFill>
           <a:ln>
             <a:solidFill>
@@ -7704,483 +7700,17 @@
                 <a:latin typeface="微软雅黑 Light" panose="020B0502040204020203" pitchFamily="34" charset="-122"/>
                 <a:ea typeface="微软雅黑 Light" panose="020B0502040204020203" pitchFamily="34" charset="-122"/>
               </a:rPr>
-              <a:t>修改善举</a:t>
-            </a:r>
-            <a:endParaRPr lang="en-US" altLang="zh-CN" sz="1000" b="1">
-              <a:solidFill>
-                <a:schemeClr val="tx1"/>
-              </a:solidFill>
-              <a:latin typeface="微软雅黑 Light" panose="020B0502040204020203" pitchFamily="34" charset="-122"/>
-              <a:ea typeface="微软雅黑 Light" panose="020B0502040204020203" pitchFamily="34" charset="-122"/>
-            </a:endParaRPr>
-          </a:p>
-          <a:p>
-            <a:r>
-              <a:rPr lang="en-US" altLang="zh-CN" sz="1000" b="1">
-                <a:solidFill>
-                  <a:schemeClr val="tx1"/>
-                </a:solidFill>
-                <a:latin typeface="微软雅黑 Light" panose="020B0502040204020203" pitchFamily="34" charset="-122"/>
-                <a:ea typeface="微软雅黑 Light" panose="020B0502040204020203" pitchFamily="34" charset="-122"/>
-              </a:rPr>
-              <a:t>update_kinddeed</a:t>
-            </a:r>
-            <a:endParaRPr lang="zh-CN" altLang="en-US" sz="1000" b="1">
-              <a:solidFill>
-                <a:schemeClr val="tx1"/>
-              </a:solidFill>
-              <a:latin typeface="微软雅黑 Light" panose="020B0502040204020203" pitchFamily="34" charset="-122"/>
-              <a:ea typeface="微软雅黑 Light" panose="020B0502040204020203" pitchFamily="34" charset="-122"/>
-            </a:endParaRPr>
-          </a:p>
-        </p:txBody>
-      </p:sp>
-      <p:grpSp>
-        <p:nvGrpSpPr>
-          <p:cNvPr id="36" name="组合 35">
-            <a:extLst>
-              <a:ext uri="{FF2B5EF4-FFF2-40B4-BE49-F238E27FC236}">
-                <a16:creationId xmlns:a16="http://schemas.microsoft.com/office/drawing/2014/main" id="{F7A57498-8D75-4736-B785-0369DF9EF72D}"/>
-              </a:ext>
-            </a:extLst>
-          </p:cNvPr>
-          <p:cNvGrpSpPr/>
-          <p:nvPr/>
-        </p:nvGrpSpPr>
-        <p:grpSpPr>
-          <a:xfrm>
-            <a:off x="5941964" y="2530462"/>
-            <a:ext cx="3341867" cy="360000"/>
-            <a:chOff x="6322964" y="2832917"/>
-            <a:chExt cx="3341867" cy="360000"/>
-          </a:xfrm>
-        </p:grpSpPr>
-        <p:sp>
-          <p:nvSpPr>
-            <p:cNvPr id="140" name="矩形: 圆角 139">
-              <a:extLst>
-                <a:ext uri="{FF2B5EF4-FFF2-40B4-BE49-F238E27FC236}">
-                  <a16:creationId xmlns:a16="http://schemas.microsoft.com/office/drawing/2014/main" id="{CC58FB55-2AAA-4EE7-9AAE-10A6446FCB77}"/>
-                </a:ext>
-              </a:extLst>
-            </p:cNvPr>
-            <p:cNvSpPr/>
-            <p:nvPr/>
-          </p:nvSpPr>
-          <p:spPr>
-            <a:xfrm>
-              <a:off x="6322964" y="2832917"/>
-              <a:ext cx="1644296" cy="360000"/>
-            </a:xfrm>
-            <a:prstGeom prst="roundRect">
-              <a:avLst/>
-            </a:prstGeom>
-            <a:solidFill>
-              <a:srgbClr val="00B050"/>
-            </a:solidFill>
-            <a:ln>
-              <a:solidFill>
-                <a:schemeClr val="tx1"/>
-              </a:solidFill>
-            </a:ln>
-          </p:spPr>
-          <p:style>
-            <a:lnRef idx="2">
-              <a:schemeClr val="accent1">
-                <a:shade val="50000"/>
-              </a:schemeClr>
-            </a:lnRef>
-            <a:fillRef idx="1">
-              <a:schemeClr val="accent1"/>
-            </a:fillRef>
-            <a:effectRef idx="0">
-              <a:schemeClr val="accent1"/>
-            </a:effectRef>
-            <a:fontRef idx="minor">
-              <a:schemeClr val="lt1"/>
-            </a:fontRef>
-          </p:style>
-          <p:txBody>
-            <a:bodyPr wrap="none" lIns="36000" tIns="36000" rIns="36000" bIns="36000" rtlCol="0" anchor="ctr" anchorCtr="0"/>
-            <a:lstStyle/>
-            <a:p>
-              <a:r>
-                <a:rPr lang="zh-CN" altLang="en-US" sz="1000" b="1">
-                  <a:solidFill>
-                    <a:schemeClr val="tx1"/>
-                  </a:solidFill>
-                  <a:latin typeface="微软雅黑 Light" panose="020B0502040204020203" pitchFamily="34" charset="-122"/>
-                  <a:ea typeface="微软雅黑 Light" panose="020B0502040204020203" pitchFamily="34" charset="-122"/>
-                </a:rPr>
-                <a:t>批准善举上架</a:t>
-              </a:r>
-              <a:endParaRPr lang="en-US" altLang="zh-CN" sz="1000" b="1">
-                <a:solidFill>
-                  <a:schemeClr val="tx1"/>
-                </a:solidFill>
-                <a:latin typeface="微软雅黑 Light" panose="020B0502040204020203" pitchFamily="34" charset="-122"/>
-                <a:ea typeface="微软雅黑 Light" panose="020B0502040204020203" pitchFamily="34" charset="-122"/>
-              </a:endParaRPr>
-            </a:p>
-            <a:p>
-              <a:r>
-                <a:rPr lang="en-US" altLang="zh-CN" sz="1000" b="1">
-                  <a:solidFill>
-                    <a:schemeClr val="tx1"/>
-                  </a:solidFill>
-                  <a:latin typeface="微软雅黑 Light" panose="020B0502040204020203" pitchFamily="34" charset="-122"/>
-                  <a:ea typeface="微软雅黑 Light" panose="020B0502040204020203" pitchFamily="34" charset="-122"/>
-                </a:rPr>
-                <a:t>approve_online_kinddeed</a:t>
-              </a:r>
-              <a:endParaRPr lang="zh-CN" altLang="en-US" sz="1000" b="1">
-                <a:solidFill>
-                  <a:schemeClr val="tx1"/>
-                </a:solidFill>
-                <a:latin typeface="微软雅黑 Light" panose="020B0502040204020203" pitchFamily="34" charset="-122"/>
-                <a:ea typeface="微软雅黑 Light" panose="020B0502040204020203" pitchFamily="34" charset="-122"/>
-              </a:endParaRPr>
-            </a:p>
-          </p:txBody>
-        </p:sp>
-        <p:sp>
-          <p:nvSpPr>
-            <p:cNvPr id="141" name="矩形: 圆角 140">
-              <a:extLst>
-                <a:ext uri="{FF2B5EF4-FFF2-40B4-BE49-F238E27FC236}">
-                  <a16:creationId xmlns:a16="http://schemas.microsoft.com/office/drawing/2014/main" id="{96453972-9F6D-4B36-9730-7739DE5DBD3A}"/>
-                </a:ext>
-              </a:extLst>
-            </p:cNvPr>
-            <p:cNvSpPr/>
-            <p:nvPr/>
-          </p:nvSpPr>
-          <p:spPr>
-            <a:xfrm>
-              <a:off x="8012888" y="2832917"/>
-              <a:ext cx="1651943" cy="360000"/>
-            </a:xfrm>
-            <a:prstGeom prst="roundRect">
-              <a:avLst/>
-            </a:prstGeom>
-            <a:solidFill>
-              <a:srgbClr val="00B050"/>
-            </a:solidFill>
-            <a:ln>
-              <a:solidFill>
-                <a:schemeClr val="tx1"/>
-              </a:solidFill>
-            </a:ln>
-          </p:spPr>
-          <p:style>
-            <a:lnRef idx="2">
-              <a:schemeClr val="accent1">
-                <a:shade val="50000"/>
-              </a:schemeClr>
-            </a:lnRef>
-            <a:fillRef idx="1">
-              <a:schemeClr val="accent1"/>
-            </a:fillRef>
-            <a:effectRef idx="0">
-              <a:schemeClr val="accent1"/>
-            </a:effectRef>
-            <a:fontRef idx="minor">
-              <a:schemeClr val="lt1"/>
-            </a:fontRef>
-          </p:style>
-          <p:txBody>
-            <a:bodyPr wrap="none" lIns="36000" tIns="36000" rIns="36000" bIns="36000" rtlCol="0" anchor="ctr" anchorCtr="0"/>
-            <a:lstStyle/>
-            <a:p>
-              <a:r>
-                <a:rPr lang="zh-CN" altLang="en-US" sz="1000" b="1">
-                  <a:solidFill>
-                    <a:schemeClr val="tx1"/>
-                  </a:solidFill>
-                  <a:latin typeface="微软雅黑 Light" panose="020B0502040204020203" pitchFamily="34" charset="-122"/>
-                  <a:ea typeface="微软雅黑 Light" panose="020B0502040204020203" pitchFamily="34" charset="-122"/>
-                </a:rPr>
-                <a:t>批准善举下架</a:t>
-              </a:r>
-              <a:endParaRPr lang="en-US" altLang="zh-CN" sz="1000" b="1">
-                <a:solidFill>
-                  <a:schemeClr val="tx1"/>
-                </a:solidFill>
-                <a:latin typeface="微软雅黑 Light" panose="020B0502040204020203" pitchFamily="34" charset="-122"/>
-                <a:ea typeface="微软雅黑 Light" panose="020B0502040204020203" pitchFamily="34" charset="-122"/>
-              </a:endParaRPr>
-            </a:p>
-            <a:p>
-              <a:r>
-                <a:rPr lang="en-US" altLang="zh-CN" sz="1000" b="1">
-                  <a:solidFill>
-                    <a:schemeClr val="tx1"/>
-                  </a:solidFill>
-                  <a:latin typeface="微软雅黑 Light" panose="020B0502040204020203" pitchFamily="34" charset="-122"/>
-                  <a:ea typeface="微软雅黑 Light" panose="020B0502040204020203" pitchFamily="34" charset="-122"/>
-                </a:rPr>
-                <a:t>approve_offline_kinddeed</a:t>
-              </a:r>
-              <a:endParaRPr lang="zh-CN" altLang="en-US" sz="1000" b="1">
-                <a:solidFill>
-                  <a:schemeClr val="tx1"/>
-                </a:solidFill>
-                <a:latin typeface="微软雅黑 Light" panose="020B0502040204020203" pitchFamily="34" charset="-122"/>
-                <a:ea typeface="微软雅黑 Light" panose="020B0502040204020203" pitchFamily="34" charset="-122"/>
-              </a:endParaRPr>
-            </a:p>
-          </p:txBody>
-        </p:sp>
-      </p:grpSp>
-      <p:grpSp>
-        <p:nvGrpSpPr>
-          <p:cNvPr id="17" name="组合 16">
-            <a:extLst>
-              <a:ext uri="{FF2B5EF4-FFF2-40B4-BE49-F238E27FC236}">
-                <a16:creationId xmlns:a16="http://schemas.microsoft.com/office/drawing/2014/main" id="{E227B287-B0F5-4D9D-AA91-FE2B7D4FE4D1}"/>
-              </a:ext>
-            </a:extLst>
-          </p:cNvPr>
-          <p:cNvGrpSpPr/>
-          <p:nvPr/>
-        </p:nvGrpSpPr>
-        <p:grpSpPr>
-          <a:xfrm>
-            <a:off x="2225652" y="1779093"/>
-            <a:ext cx="2908196" cy="360101"/>
-            <a:chOff x="2353162" y="3675185"/>
-            <a:chExt cx="2908196" cy="360101"/>
-          </a:xfrm>
-        </p:grpSpPr>
-        <p:sp>
-          <p:nvSpPr>
-            <p:cNvPr id="143" name="矩形: 圆角 142">
-              <a:extLst>
-                <a:ext uri="{FF2B5EF4-FFF2-40B4-BE49-F238E27FC236}">
-                  <a16:creationId xmlns:a16="http://schemas.microsoft.com/office/drawing/2014/main" id="{9A6A9BDE-A966-4EDB-A01C-1F56194E2590}"/>
-                </a:ext>
-              </a:extLst>
-            </p:cNvPr>
-            <p:cNvSpPr/>
-            <p:nvPr/>
-          </p:nvSpPr>
-          <p:spPr>
-            <a:xfrm>
-              <a:off x="2353162" y="3675185"/>
-              <a:ext cx="1421078" cy="360000"/>
-            </a:xfrm>
-            <a:prstGeom prst="roundRect">
-              <a:avLst/>
-            </a:prstGeom>
-            <a:solidFill>
-              <a:srgbClr val="00B050"/>
-            </a:solidFill>
-            <a:ln>
-              <a:solidFill>
-                <a:schemeClr val="tx1"/>
-              </a:solidFill>
-            </a:ln>
-          </p:spPr>
-          <p:style>
-            <a:lnRef idx="2">
-              <a:schemeClr val="accent1">
-                <a:shade val="50000"/>
-              </a:schemeClr>
-            </a:lnRef>
-            <a:fillRef idx="1">
-              <a:schemeClr val="accent1"/>
-            </a:fillRef>
-            <a:effectRef idx="0">
-              <a:schemeClr val="accent1"/>
-            </a:effectRef>
-            <a:fontRef idx="minor">
-              <a:schemeClr val="lt1"/>
-            </a:fontRef>
-          </p:style>
-          <p:txBody>
-            <a:bodyPr wrap="none" lIns="36000" tIns="36000" rIns="36000" bIns="36000" rtlCol="0" anchor="ctr" anchorCtr="0"/>
-            <a:lstStyle/>
-            <a:p>
-              <a:r>
-                <a:rPr lang="zh-CN" altLang="en-US" sz="1000" b="1">
-                  <a:solidFill>
-                    <a:schemeClr val="tx1"/>
-                  </a:solidFill>
-                  <a:latin typeface="微软雅黑 Light" panose="020B0502040204020203" pitchFamily="34" charset="-122"/>
-                  <a:ea typeface="微软雅黑 Light" panose="020B0502040204020203" pitchFamily="34" charset="-122"/>
-                </a:rPr>
-                <a:t>申请上架善举</a:t>
-              </a:r>
-              <a:endParaRPr lang="en-US" altLang="zh-CN" sz="1000" b="1">
-                <a:solidFill>
-                  <a:schemeClr val="tx1"/>
-                </a:solidFill>
-                <a:latin typeface="微软雅黑 Light" panose="020B0502040204020203" pitchFamily="34" charset="-122"/>
-                <a:ea typeface="微软雅黑 Light" panose="020B0502040204020203" pitchFamily="34" charset="-122"/>
-              </a:endParaRPr>
-            </a:p>
-            <a:p>
-              <a:r>
-                <a:rPr lang="en-US" altLang="zh-CN" sz="1000" b="1">
-                  <a:solidFill>
-                    <a:schemeClr val="tx1"/>
-                  </a:solidFill>
-                  <a:latin typeface="微软雅黑 Light" panose="020B0502040204020203" pitchFamily="34" charset="-122"/>
-                  <a:ea typeface="微软雅黑 Light" panose="020B0502040204020203" pitchFamily="34" charset="-122"/>
-                </a:rPr>
-                <a:t>apply_online_kinddeed</a:t>
-              </a:r>
-              <a:endParaRPr lang="zh-CN" altLang="en-US" sz="1000" b="1">
-                <a:solidFill>
-                  <a:schemeClr val="tx1"/>
-                </a:solidFill>
-                <a:latin typeface="微软雅黑 Light" panose="020B0502040204020203" pitchFamily="34" charset="-122"/>
-                <a:ea typeface="微软雅黑 Light" panose="020B0502040204020203" pitchFamily="34" charset="-122"/>
-              </a:endParaRPr>
-            </a:p>
-          </p:txBody>
-        </p:sp>
-        <p:sp>
-          <p:nvSpPr>
-            <p:cNvPr id="144" name="矩形: 圆角 143">
-              <a:extLst>
-                <a:ext uri="{FF2B5EF4-FFF2-40B4-BE49-F238E27FC236}">
-                  <a16:creationId xmlns:a16="http://schemas.microsoft.com/office/drawing/2014/main" id="{0BC7F2CD-DE79-4552-BA88-35BA8F763D7E}"/>
-                </a:ext>
-              </a:extLst>
-            </p:cNvPr>
-            <p:cNvSpPr/>
-            <p:nvPr/>
-          </p:nvSpPr>
-          <p:spPr>
-            <a:xfrm>
-              <a:off x="3840280" y="3675286"/>
-              <a:ext cx="1421078" cy="360000"/>
-            </a:xfrm>
-            <a:prstGeom prst="roundRect">
-              <a:avLst/>
-            </a:prstGeom>
-            <a:solidFill>
-              <a:srgbClr val="00B050"/>
-            </a:solidFill>
-            <a:ln>
-              <a:solidFill>
-                <a:schemeClr val="tx1"/>
-              </a:solidFill>
-            </a:ln>
-          </p:spPr>
-          <p:style>
-            <a:lnRef idx="2">
-              <a:schemeClr val="accent1">
-                <a:shade val="50000"/>
-              </a:schemeClr>
-            </a:lnRef>
-            <a:fillRef idx="1">
-              <a:schemeClr val="accent1"/>
-            </a:fillRef>
-            <a:effectRef idx="0">
-              <a:schemeClr val="accent1"/>
-            </a:effectRef>
-            <a:fontRef idx="minor">
-              <a:schemeClr val="lt1"/>
-            </a:fontRef>
-          </p:style>
-          <p:txBody>
-            <a:bodyPr wrap="none" lIns="36000" tIns="36000" rIns="36000" bIns="36000" rtlCol="0" anchor="ctr" anchorCtr="0"/>
-            <a:lstStyle/>
-            <a:p>
-              <a:r>
-                <a:rPr lang="zh-CN" altLang="en-US" sz="1000" b="1">
-                  <a:solidFill>
-                    <a:schemeClr val="tx1"/>
-                  </a:solidFill>
-                  <a:latin typeface="微软雅黑 Light" panose="020B0502040204020203" pitchFamily="34" charset="-122"/>
-                  <a:ea typeface="微软雅黑 Light" panose="020B0502040204020203" pitchFamily="34" charset="-122"/>
-                </a:rPr>
-                <a:t>申请下架善举</a:t>
-              </a:r>
-              <a:endParaRPr lang="en-US" altLang="zh-CN" sz="1000" b="1">
-                <a:solidFill>
-                  <a:schemeClr val="tx1"/>
-                </a:solidFill>
-                <a:latin typeface="微软雅黑 Light" panose="020B0502040204020203" pitchFamily="34" charset="-122"/>
-                <a:ea typeface="微软雅黑 Light" panose="020B0502040204020203" pitchFamily="34" charset="-122"/>
-              </a:endParaRPr>
-            </a:p>
-            <a:p>
-              <a:r>
-                <a:rPr lang="en-US" altLang="zh-CN" sz="1000" b="1">
-                  <a:solidFill>
-                    <a:schemeClr val="tx1"/>
-                  </a:solidFill>
-                  <a:latin typeface="微软雅黑 Light" panose="020B0502040204020203" pitchFamily="34" charset="-122"/>
-                  <a:ea typeface="微软雅黑 Light" panose="020B0502040204020203" pitchFamily="34" charset="-122"/>
-                </a:rPr>
-                <a:t>apply_offline_kinddeed</a:t>
-              </a:r>
-              <a:endParaRPr lang="zh-CN" altLang="en-US" sz="1000" b="1">
-                <a:solidFill>
-                  <a:schemeClr val="tx1"/>
-                </a:solidFill>
-                <a:latin typeface="微软雅黑 Light" panose="020B0502040204020203" pitchFamily="34" charset="-122"/>
-                <a:ea typeface="微软雅黑 Light" panose="020B0502040204020203" pitchFamily="34" charset="-122"/>
-              </a:endParaRPr>
-            </a:p>
-          </p:txBody>
-        </p:sp>
-      </p:grpSp>
-      <p:cxnSp>
-        <p:nvCxnSpPr>
-          <p:cNvPr id="147" name="直接箭头连接符 146">
-            <a:extLst>
-              <a:ext uri="{FF2B5EF4-FFF2-40B4-BE49-F238E27FC236}">
-                <a16:creationId xmlns:a16="http://schemas.microsoft.com/office/drawing/2014/main" id="{B4EA27B9-725E-495D-822F-CA0F86EE82D1}"/>
-              </a:ext>
-            </a:extLst>
-          </p:cNvPr>
-          <p:cNvCxnSpPr>
-            <a:cxnSpLocks/>
-            <a:stCxn id="141" idx="2"/>
-            <a:endCxn id="77" idx="0"/>
-          </p:cNvCxnSpPr>
-          <p:nvPr/>
-        </p:nvCxnSpPr>
-        <p:spPr>
-          <a:xfrm flipH="1">
-            <a:off x="7612898" y="2890462"/>
-            <a:ext cx="844962" cy="404101"/>
-          </a:xfrm>
-          <a:prstGeom prst="straightConnector1">
-            <a:avLst/>
-          </a:prstGeom>
-          <a:ln w="28575">
-            <a:solidFill>
-              <a:srgbClr val="FF0000"/>
-            </a:solidFill>
-            <a:tailEnd type="triangle"/>
-          </a:ln>
-        </p:spPr>
-        <p:style>
-          <a:lnRef idx="1">
-            <a:schemeClr val="accent1"/>
-          </a:lnRef>
-          <a:fillRef idx="0">
-            <a:schemeClr val="accent1"/>
-          </a:fillRef>
-          <a:effectRef idx="0">
-            <a:schemeClr val="accent1"/>
-          </a:effectRef>
-          <a:fontRef idx="minor">
-            <a:schemeClr val="tx1"/>
-          </a:fontRef>
-        </p:style>
-      </p:cxnSp>
-      <p:sp>
-        <p:nvSpPr>
-          <p:cNvPr id="55" name="矩形 54">
-            <a:extLst>
-              <a:ext uri="{FF2B5EF4-FFF2-40B4-BE49-F238E27FC236}">
-                <a16:creationId xmlns:a16="http://schemas.microsoft.com/office/drawing/2014/main" id="{AF95C99F-6BBC-4D7C-9B25-D2D1C7595816}"/>
+              <a:t>法师</a:t>
+            </a:r>
+          </a:p>
+        </p:txBody>
+      </p:sp>
+      <p:sp>
+        <p:nvSpPr>
+          <p:cNvPr id="50" name="矩形 49">
+            <a:extLst>
+              <a:ext uri="{FF2B5EF4-FFF2-40B4-BE49-F238E27FC236}">
+                <a16:creationId xmlns:a16="http://schemas.microsoft.com/office/drawing/2014/main" id="{508C7892-41F1-4236-B0DD-A2791C654F97}"/>
               </a:ext>
             </a:extLst>
           </p:cNvPr>
@@ -8189,8 +7719,8 @@
         </p:nvSpPr>
         <p:spPr>
           <a:xfrm>
-            <a:off x="472441" y="4379091"/>
-            <a:ext cx="8811390" cy="2192274"/>
+            <a:off x="533387" y="1022827"/>
+            <a:ext cx="6949439" cy="2337891"/>
           </a:xfrm>
           <a:prstGeom prst="rect">
             <a:avLst/>
@@ -8231,10 +7761,10 @@
       </p:sp>
       <p:sp>
         <p:nvSpPr>
-          <p:cNvPr id="56" name="文本框 55">
-            <a:extLst>
-              <a:ext uri="{FF2B5EF4-FFF2-40B4-BE49-F238E27FC236}">
-                <a16:creationId xmlns:a16="http://schemas.microsoft.com/office/drawing/2014/main" id="{11C7285D-466D-4ECA-8B11-2E61E2A5CDC4}"/>
+          <p:cNvPr id="51" name="文本框 50">
+            <a:extLst>
+              <a:ext uri="{FF2B5EF4-FFF2-40B4-BE49-F238E27FC236}">
+                <a16:creationId xmlns:a16="http://schemas.microsoft.com/office/drawing/2014/main" id="{F869F522-CF40-4B8C-8D5F-EA8217788F9F}"/>
               </a:ext>
             </a:extLst>
           </p:cNvPr>
@@ -8243,8 +7773,8 @@
         </p:nvSpPr>
         <p:spPr>
           <a:xfrm>
-            <a:off x="411495" y="4060591"/>
-            <a:ext cx="3108543" cy="276999"/>
+            <a:off x="472441" y="704328"/>
+            <a:ext cx="1107996" cy="276999"/>
           </a:xfrm>
           <a:prstGeom prst="rect">
             <a:avLst/>
@@ -8259,17 +7789,17 @@
           <a:p>
             <a:r>
               <a:rPr lang="zh-CN" altLang="en-US" sz="1200" b="1"/>
-              <a:t>基金会成员授权法师或寺院上传的善举凭证</a:t>
-            </a:r>
-          </a:p>
-        </p:txBody>
-      </p:sp>
-      <p:sp>
-        <p:nvSpPr>
-          <p:cNvPr id="58" name="矩形: 圆角 57">
-            <a:extLst>
-              <a:ext uri="{FF2B5EF4-FFF2-40B4-BE49-F238E27FC236}">
-                <a16:creationId xmlns:a16="http://schemas.microsoft.com/office/drawing/2014/main" id="{DC0D6DA9-96A1-4B85-BBB0-BCEADF0D6421}"/>
+              <a:t>申请加入寺院</a:t>
+            </a:r>
+          </a:p>
+        </p:txBody>
+      </p:sp>
+      <p:sp>
+        <p:nvSpPr>
+          <p:cNvPr id="52" name="矩形: 圆角 51">
+            <a:extLst>
+              <a:ext uri="{FF2B5EF4-FFF2-40B4-BE49-F238E27FC236}">
+                <a16:creationId xmlns:a16="http://schemas.microsoft.com/office/drawing/2014/main" id="{78717F61-86CA-4BDE-9471-F8F3F4C55C11}"/>
               </a:ext>
             </a:extLst>
           </p:cNvPr>
@@ -8278,7 +7808,7 @@
         </p:nvSpPr>
         <p:spPr>
           <a:xfrm>
-            <a:off x="3908929" y="5272004"/>
+            <a:off x="3365314" y="2043757"/>
             <a:ext cx="806306" cy="360000"/>
           </a:xfrm>
           <a:prstGeom prst="roundRect">
@@ -8343,58 +7873,100 @@
           </a:p>
         </p:txBody>
       </p:sp>
-      <p:cxnSp>
-        <p:nvCxnSpPr>
-          <p:cNvPr id="65" name="直接箭头连接符 64">
-            <a:extLst>
-              <a:ext uri="{FF2B5EF4-FFF2-40B4-BE49-F238E27FC236}">
-                <a16:creationId xmlns:a16="http://schemas.microsoft.com/office/drawing/2014/main" id="{C0CEE7C4-D377-4548-A2C1-E5D65C05267A}"/>
-              </a:ext>
-            </a:extLst>
-          </p:cNvPr>
-          <p:cNvCxnSpPr>
-            <a:cxnSpLocks/>
-            <a:stCxn id="89" idx="3"/>
-            <a:endCxn id="68" idx="1"/>
-          </p:cNvCxnSpPr>
-          <p:nvPr/>
-        </p:nvCxnSpPr>
-        <p:spPr>
-          <a:xfrm>
-            <a:off x="1371957" y="4703171"/>
-            <a:ext cx="181450" cy="0"/>
-          </a:xfrm>
-          <a:prstGeom prst="straightConnector1">
-            <a:avLst/>
-          </a:prstGeom>
-          <a:ln w="15875">
+      <p:sp>
+        <p:nvSpPr>
+          <p:cNvPr id="55" name="矩形: 圆角 54">
+            <a:extLst>
+              <a:ext uri="{FF2B5EF4-FFF2-40B4-BE49-F238E27FC236}">
+                <a16:creationId xmlns:a16="http://schemas.microsoft.com/office/drawing/2014/main" id="{E3159212-D623-43DB-BA4A-70231FE1649E}"/>
+              </a:ext>
+            </a:extLst>
+          </p:cNvPr>
+          <p:cNvSpPr/>
+          <p:nvPr/>
+        </p:nvSpPr>
+        <p:spPr>
+          <a:xfrm>
+            <a:off x="5131348" y="2043757"/>
+            <a:ext cx="1385675" cy="360000"/>
+          </a:xfrm>
+          <a:prstGeom prst="roundRect">
+            <a:avLst/>
+          </a:prstGeom>
+          <a:solidFill>
+            <a:srgbClr val="00B050"/>
+          </a:solidFill>
+          <a:ln>
             <a:solidFill>
               <a:schemeClr val="tx1"/>
             </a:solidFill>
-            <a:tailEnd type="triangle"/>
-          </a:ln>
-        </p:spPr>
-        <p:style>
-          <a:lnRef idx="1">
-            <a:schemeClr val="accent1"/>
-          </a:lnRef>
-          <a:fillRef idx="0">
-            <a:schemeClr val="accent1"/>
-          </a:fillRef>
-          <a:effectRef idx="0">
-            <a:schemeClr val="accent1"/>
-          </a:effectRef>
-          <a:fontRef idx="minor">
-            <a:schemeClr val="tx1"/>
-          </a:fontRef>
-        </p:style>
-      </p:cxnSp>
-      <p:sp>
-        <p:nvSpPr>
-          <p:cNvPr id="68" name="矩形: 圆角 67">
-            <a:extLst>
-              <a:ext uri="{FF2B5EF4-FFF2-40B4-BE49-F238E27FC236}">
-                <a16:creationId xmlns:a16="http://schemas.microsoft.com/office/drawing/2014/main" id="{1039D72B-8BE6-455B-8A56-84DC795926E7}"/>
+          </a:ln>
+        </p:spPr>
+        <p:style>
+          <a:lnRef idx="2">
+            <a:schemeClr val="accent1">
+              <a:shade val="50000"/>
+            </a:schemeClr>
+          </a:lnRef>
+          <a:fillRef idx="1">
+            <a:schemeClr val="accent1"/>
+          </a:fillRef>
+          <a:effectRef idx="0">
+            <a:schemeClr val="accent1"/>
+          </a:effectRef>
+          <a:fontRef idx="minor">
+            <a:schemeClr val="lt1"/>
+          </a:fontRef>
+        </p:style>
+        <p:txBody>
+          <a:bodyPr wrap="none" lIns="36000" tIns="36000" rIns="36000" bIns="36000" rtlCol="0" anchor="ctr" anchorCtr="0"/>
+          <a:lstStyle/>
+          <a:p>
+            <a:r>
+              <a:rPr lang="zh-CN" altLang="en-US" sz="1000" b="1">
+                <a:solidFill>
+                  <a:schemeClr val="tx1"/>
+                </a:solidFill>
+                <a:latin typeface="微软雅黑 Light" panose="020B0502040204020203" pitchFamily="34" charset="-122"/>
+                <a:ea typeface="微软雅黑 Light" panose="020B0502040204020203" pitchFamily="34" charset="-122"/>
+              </a:rPr>
+              <a:t>批准加入寺院</a:t>
+            </a:r>
+            <a:endParaRPr lang="en-US" altLang="zh-CN" sz="1000" b="1">
+              <a:solidFill>
+                <a:schemeClr val="tx1"/>
+              </a:solidFill>
+              <a:latin typeface="微软雅黑 Light" panose="020B0502040204020203" pitchFamily="34" charset="-122"/>
+              <a:ea typeface="微软雅黑 Light" panose="020B0502040204020203" pitchFamily="34" charset="-122"/>
+            </a:endParaRPr>
+          </a:p>
+          <a:p>
+            <a:r>
+              <a:rPr lang="en-US" altLang="zh-CN" sz="1000" b="1">
+                <a:solidFill>
+                  <a:schemeClr val="tx1"/>
+                </a:solidFill>
+                <a:latin typeface="微软雅黑 Light" panose="020B0502040204020203" pitchFamily="34" charset="-122"/>
+                <a:ea typeface="微软雅黑 Light" panose="020B0502040204020203" pitchFamily="34" charset="-122"/>
+              </a:rPr>
+              <a:t>approve__join_temple</a:t>
+            </a:r>
+            <a:endParaRPr lang="zh-CN" altLang="en-US" sz="1000" b="1">
+              <a:solidFill>
+                <a:schemeClr val="tx1"/>
+              </a:solidFill>
+              <a:latin typeface="微软雅黑 Light" panose="020B0502040204020203" pitchFamily="34" charset="-122"/>
+              <a:ea typeface="微软雅黑 Light" panose="020B0502040204020203" pitchFamily="34" charset="-122"/>
+            </a:endParaRPr>
+          </a:p>
+        </p:txBody>
+      </p:sp>
+      <p:sp>
+        <p:nvSpPr>
+          <p:cNvPr id="56" name="矩形: 圆角 55">
+            <a:extLst>
+              <a:ext uri="{FF2B5EF4-FFF2-40B4-BE49-F238E27FC236}">
+                <a16:creationId xmlns:a16="http://schemas.microsoft.com/office/drawing/2014/main" id="{3AF460DF-1605-408F-8B6D-874B5EC4D485}"/>
               </a:ext>
             </a:extLst>
           </p:cNvPr>
@@ -8403,7 +7975,95 @@
         </p:nvSpPr>
         <p:spPr>
           <a:xfrm>
-            <a:off x="1553407" y="4523171"/>
+            <a:off x="2220101" y="1182416"/>
+            <a:ext cx="1145213" cy="360000"/>
+          </a:xfrm>
+          <a:prstGeom prst="roundRect">
+            <a:avLst/>
+          </a:prstGeom>
+          <a:solidFill>
+            <a:srgbClr val="00B050"/>
+          </a:solidFill>
+          <a:ln>
+            <a:solidFill>
+              <a:schemeClr val="tx1"/>
+            </a:solidFill>
+          </a:ln>
+        </p:spPr>
+        <p:style>
+          <a:lnRef idx="2">
+            <a:schemeClr val="accent1">
+              <a:shade val="50000"/>
+            </a:schemeClr>
+          </a:lnRef>
+          <a:fillRef idx="1">
+            <a:schemeClr val="accent1"/>
+          </a:fillRef>
+          <a:effectRef idx="0">
+            <a:schemeClr val="accent1"/>
+          </a:effectRef>
+          <a:fontRef idx="minor">
+            <a:schemeClr val="lt1"/>
+          </a:fontRef>
+        </p:style>
+        <p:txBody>
+          <a:bodyPr wrap="none" lIns="36000" tIns="36000" rIns="36000" bIns="36000" rtlCol="0" anchor="ctr" anchorCtr="0"/>
+          <a:lstStyle/>
+          <a:p>
+            <a:r>
+              <a:rPr lang="zh-CN" altLang="en-US" sz="1000" b="1">
+                <a:solidFill>
+                  <a:schemeClr val="tx1"/>
+                </a:solidFill>
+                <a:latin typeface="微软雅黑 Light" panose="020B0502040204020203" pitchFamily="34" charset="-122"/>
+                <a:ea typeface="微软雅黑 Light" panose="020B0502040204020203" pitchFamily="34" charset="-122"/>
+              </a:rPr>
+              <a:t>申请加入寺院</a:t>
+            </a:r>
+            <a:endParaRPr lang="en-US" altLang="zh-CN" sz="1000" b="1">
+              <a:solidFill>
+                <a:schemeClr val="tx1"/>
+              </a:solidFill>
+              <a:latin typeface="微软雅黑 Light" panose="020B0502040204020203" pitchFamily="34" charset="-122"/>
+              <a:ea typeface="微软雅黑 Light" panose="020B0502040204020203" pitchFamily="34" charset="-122"/>
+            </a:endParaRPr>
+          </a:p>
+          <a:p>
+            <a:r>
+              <a:rPr lang="en-US" altLang="zh-CN" sz="1000" b="1">
+                <a:solidFill>
+                  <a:schemeClr val="tx1"/>
+                </a:solidFill>
+                <a:latin typeface="微软雅黑 Light" panose="020B0502040204020203" pitchFamily="34" charset="-122"/>
+                <a:ea typeface="微软雅黑 Light" panose="020B0502040204020203" pitchFamily="34" charset="-122"/>
+              </a:rPr>
+              <a:t>apply_join_temple</a:t>
+            </a:r>
+            <a:endParaRPr lang="zh-CN" altLang="en-US" sz="1000" b="1">
+              <a:solidFill>
+                <a:schemeClr val="tx1"/>
+              </a:solidFill>
+              <a:latin typeface="微软雅黑 Light" panose="020B0502040204020203" pitchFamily="34" charset="-122"/>
+              <a:ea typeface="微软雅黑 Light" panose="020B0502040204020203" pitchFamily="34" charset="-122"/>
+            </a:endParaRPr>
+          </a:p>
+        </p:txBody>
+      </p:sp>
+      <p:sp>
+        <p:nvSpPr>
+          <p:cNvPr id="59" name="矩形: 圆角 58">
+            <a:extLst>
+              <a:ext uri="{FF2B5EF4-FFF2-40B4-BE49-F238E27FC236}">
+                <a16:creationId xmlns:a16="http://schemas.microsoft.com/office/drawing/2014/main" id="{3989F058-2315-4CCC-A137-CA6B6CFBA465}"/>
+              </a:ext>
+            </a:extLst>
+          </p:cNvPr>
+          <p:cNvSpPr/>
+          <p:nvPr/>
+        </p:nvSpPr>
+        <p:spPr>
+          <a:xfrm>
+            <a:off x="1597118" y="1182416"/>
             <a:ext cx="387547" cy="360000"/>
           </a:xfrm>
           <a:prstGeom prst="roundRect">
@@ -8456,24 +8116,24 @@
       </p:sp>
       <p:cxnSp>
         <p:nvCxnSpPr>
-          <p:cNvPr id="70" name="直接箭头连接符 69">
-            <a:extLst>
-              <a:ext uri="{FF2B5EF4-FFF2-40B4-BE49-F238E27FC236}">
-                <a16:creationId xmlns:a16="http://schemas.microsoft.com/office/drawing/2014/main" id="{7D2299AC-0E50-4656-B598-6D0419739805}"/>
+          <p:cNvPr id="61" name="直接箭头连接符 60">
+            <a:extLst>
+              <a:ext uri="{FF2B5EF4-FFF2-40B4-BE49-F238E27FC236}">
+                <a16:creationId xmlns:a16="http://schemas.microsoft.com/office/drawing/2014/main" id="{0ABDE980-BFA0-49A0-B8DD-36220747D1A3}"/>
               </a:ext>
             </a:extLst>
           </p:cNvPr>
           <p:cNvCxnSpPr>
             <a:cxnSpLocks/>
-            <a:stCxn id="68" idx="3"/>
-            <a:endCxn id="90" idx="1"/>
+            <a:stCxn id="59" idx="3"/>
+            <a:endCxn id="56" idx="1"/>
           </p:cNvCxnSpPr>
           <p:nvPr/>
         </p:nvCxnSpPr>
         <p:spPr>
-          <a:xfrm flipV="1">
-            <a:off x="1940954" y="4697590"/>
-            <a:ext cx="284698" cy="5581"/>
+          <a:xfrm>
+            <a:off x="1984665" y="1362416"/>
+            <a:ext cx="235436" cy="0"/>
           </a:xfrm>
           <a:prstGeom prst="straightConnector1">
             <a:avLst/>
@@ -8502,24 +8162,24 @@
       </p:cxnSp>
       <p:cxnSp>
         <p:nvCxnSpPr>
-          <p:cNvPr id="73" name="直接箭头连接符 72">
-            <a:extLst>
-              <a:ext uri="{FF2B5EF4-FFF2-40B4-BE49-F238E27FC236}">
-                <a16:creationId xmlns:a16="http://schemas.microsoft.com/office/drawing/2014/main" id="{D0E9F8D0-1EA6-4C7D-A209-D7ECA7224C9E}"/>
+          <p:cNvPr id="63" name="直接箭头连接符 62">
+            <a:extLst>
+              <a:ext uri="{FF2B5EF4-FFF2-40B4-BE49-F238E27FC236}">
+                <a16:creationId xmlns:a16="http://schemas.microsoft.com/office/drawing/2014/main" id="{0B6B8C0D-6608-434A-838D-45D8FE51F6D3}"/>
               </a:ext>
             </a:extLst>
           </p:cNvPr>
           <p:cNvCxnSpPr>
             <a:cxnSpLocks/>
-            <a:stCxn id="90" idx="2"/>
-            <a:endCxn id="79" idx="0"/>
+            <a:stCxn id="56" idx="2"/>
+            <a:endCxn id="64" idx="0"/>
           </p:cNvCxnSpPr>
           <p:nvPr/>
         </p:nvCxnSpPr>
         <p:spPr>
           <a:xfrm>
-            <a:off x="2978528" y="4877590"/>
-            <a:ext cx="0" cy="394414"/>
+            <a:off x="2792708" y="1542416"/>
+            <a:ext cx="0" cy="501341"/>
           </a:xfrm>
           <a:prstGeom prst="straightConnector1">
             <a:avLst/>
@@ -8548,10 +8208,10 @@
       </p:cxnSp>
       <p:sp>
         <p:nvSpPr>
-          <p:cNvPr id="79" name="矩形: 圆角 78">
-            <a:extLst>
-              <a:ext uri="{FF2B5EF4-FFF2-40B4-BE49-F238E27FC236}">
-                <a16:creationId xmlns:a16="http://schemas.microsoft.com/office/drawing/2014/main" id="{7F8969B1-F6FC-439F-8E5E-87275B8E7C7E}"/>
+          <p:cNvPr id="64" name="矩形: 圆角 63">
+            <a:extLst>
+              <a:ext uri="{FF2B5EF4-FFF2-40B4-BE49-F238E27FC236}">
+                <a16:creationId xmlns:a16="http://schemas.microsoft.com/office/drawing/2014/main" id="{51F5F467-0688-43EB-BB26-7F5A804C62DE}"/>
               </a:ext>
             </a:extLst>
           </p:cNvPr>
@@ -8560,7 +8220,7 @@
         </p:nvSpPr>
         <p:spPr>
           <a:xfrm>
-            <a:off x="2784754" y="5272004"/>
+            <a:off x="2598934" y="2043757"/>
             <a:ext cx="387547" cy="360000"/>
           </a:xfrm>
           <a:prstGeom prst="roundRect">
@@ -8613,24 +8273,24 @@
       </p:sp>
       <p:cxnSp>
         <p:nvCxnSpPr>
-          <p:cNvPr id="81" name="直接箭头连接符 80">
-            <a:extLst>
-              <a:ext uri="{FF2B5EF4-FFF2-40B4-BE49-F238E27FC236}">
-                <a16:creationId xmlns:a16="http://schemas.microsoft.com/office/drawing/2014/main" id="{087C1668-E3F0-455C-948B-3BF3673FA5EA}"/>
+          <p:cNvPr id="65" name="直接箭头连接符 64">
+            <a:extLst>
+              <a:ext uri="{FF2B5EF4-FFF2-40B4-BE49-F238E27FC236}">
+                <a16:creationId xmlns:a16="http://schemas.microsoft.com/office/drawing/2014/main" id="{23FC5E4E-9FA4-4935-A8F0-2D77CB8A3ED9}"/>
               </a:ext>
             </a:extLst>
           </p:cNvPr>
           <p:cNvCxnSpPr>
             <a:cxnSpLocks/>
-            <a:stCxn id="79" idx="3"/>
-            <a:endCxn id="58" idx="1"/>
+            <a:stCxn id="64" idx="3"/>
+            <a:endCxn id="52" idx="1"/>
           </p:cNvCxnSpPr>
           <p:nvPr/>
         </p:nvCxnSpPr>
         <p:spPr>
           <a:xfrm>
-            <a:off x="3172301" y="5452004"/>
-            <a:ext cx="736628" cy="0"/>
+            <a:off x="2986481" y="2223757"/>
+            <a:ext cx="378833" cy="0"/>
           </a:xfrm>
           <a:prstGeom prst="straightConnector1">
             <a:avLst/>
@@ -8659,23 +8319,23 @@
       </p:cxnSp>
       <p:cxnSp>
         <p:nvCxnSpPr>
-          <p:cNvPr id="82" name="直接箭头连接符 81">
-            <a:extLst>
-              <a:ext uri="{FF2B5EF4-FFF2-40B4-BE49-F238E27FC236}">
-                <a16:creationId xmlns:a16="http://schemas.microsoft.com/office/drawing/2014/main" id="{BCDB0C7B-BCB4-4F79-B54B-778D657D7528}"/>
+          <p:cNvPr id="69" name="直接箭头连接符 68">
+            <a:extLst>
+              <a:ext uri="{FF2B5EF4-FFF2-40B4-BE49-F238E27FC236}">
+                <a16:creationId xmlns:a16="http://schemas.microsoft.com/office/drawing/2014/main" id="{1820DA7B-714F-4B5E-B232-FCFA92181D64}"/>
               </a:ext>
             </a:extLst>
           </p:cNvPr>
           <p:cNvCxnSpPr>
             <a:cxnSpLocks/>
-            <a:stCxn id="58" idx="3"/>
-            <a:endCxn id="83" idx="1"/>
+            <a:stCxn id="52" idx="3"/>
+            <a:endCxn id="70" idx="1"/>
           </p:cNvCxnSpPr>
           <p:nvPr/>
         </p:nvCxnSpPr>
         <p:spPr>
           <a:xfrm>
-            <a:off x="4715235" y="5452004"/>
+            <a:off x="4171620" y="2223757"/>
             <a:ext cx="221752" cy="0"/>
           </a:xfrm>
           <a:prstGeom prst="straightConnector1">
@@ -8705,10 +8365,10 @@
       </p:cxnSp>
       <p:sp>
         <p:nvSpPr>
-          <p:cNvPr id="83" name="矩形: 圆角 82">
-            <a:extLst>
-              <a:ext uri="{FF2B5EF4-FFF2-40B4-BE49-F238E27FC236}">
-                <a16:creationId xmlns:a16="http://schemas.microsoft.com/office/drawing/2014/main" id="{B161FCCC-3427-4E36-AD3B-052185B0BEC9}"/>
+          <p:cNvPr id="70" name="矩形: 圆角 69">
+            <a:extLst>
+              <a:ext uri="{FF2B5EF4-FFF2-40B4-BE49-F238E27FC236}">
+                <a16:creationId xmlns:a16="http://schemas.microsoft.com/office/drawing/2014/main" id="{B94E8E5F-5164-4133-A45C-E3F93ED689D6}"/>
               </a:ext>
             </a:extLst>
           </p:cNvPr>
@@ -8717,7 +8377,7 @@
         </p:nvSpPr>
         <p:spPr>
           <a:xfrm>
-            <a:off x="4936987" y="5272004"/>
+            <a:off x="4393372" y="2043757"/>
             <a:ext cx="387547" cy="360000"/>
           </a:xfrm>
           <a:prstGeom prst="roundRect">
@@ -8770,24 +8430,24 @@
       </p:sp>
       <p:cxnSp>
         <p:nvCxnSpPr>
-          <p:cNvPr id="84" name="直接箭头连接符 83">
-            <a:extLst>
-              <a:ext uri="{FF2B5EF4-FFF2-40B4-BE49-F238E27FC236}">
-                <a16:creationId xmlns:a16="http://schemas.microsoft.com/office/drawing/2014/main" id="{5FA28F7D-D3D7-4F7B-86B5-B15578FD7732}"/>
+          <p:cNvPr id="71" name="直接箭头连接符 70">
+            <a:extLst>
+              <a:ext uri="{FF2B5EF4-FFF2-40B4-BE49-F238E27FC236}">
+                <a16:creationId xmlns:a16="http://schemas.microsoft.com/office/drawing/2014/main" id="{9F325164-43B6-4D39-83A7-CBA9241FBB59}"/>
               </a:ext>
             </a:extLst>
           </p:cNvPr>
           <p:cNvCxnSpPr>
             <a:cxnSpLocks/>
-            <a:stCxn id="83" idx="3"/>
-            <a:endCxn id="91" idx="1"/>
+            <a:stCxn id="70" idx="3"/>
+            <a:endCxn id="55" idx="1"/>
           </p:cNvCxnSpPr>
           <p:nvPr/>
         </p:nvCxnSpPr>
         <p:spPr>
-          <a:xfrm flipV="1">
-            <a:off x="5324534" y="5451818"/>
-            <a:ext cx="251488" cy="186"/>
+          <a:xfrm>
+            <a:off x="4780919" y="2223757"/>
+            <a:ext cx="350429" cy="0"/>
           </a:xfrm>
           <a:prstGeom prst="straightConnector1">
             <a:avLst/>
@@ -8816,24 +8476,24 @@
       </p:cxnSp>
       <p:cxnSp>
         <p:nvCxnSpPr>
-          <p:cNvPr id="85" name="直接箭头连接符 84">
-            <a:extLst>
-              <a:ext uri="{FF2B5EF4-FFF2-40B4-BE49-F238E27FC236}">
-                <a16:creationId xmlns:a16="http://schemas.microsoft.com/office/drawing/2014/main" id="{5EB8D0D6-83C3-46FB-A365-1EA7E174A5D5}"/>
+          <p:cNvPr id="72" name="直接箭头连接符 71">
+            <a:extLst>
+              <a:ext uri="{FF2B5EF4-FFF2-40B4-BE49-F238E27FC236}">
+                <a16:creationId xmlns:a16="http://schemas.microsoft.com/office/drawing/2014/main" id="{115C96D9-F5EC-43E7-9083-CA56188EF2A6}"/>
               </a:ext>
             </a:extLst>
           </p:cNvPr>
           <p:cNvCxnSpPr>
             <a:cxnSpLocks/>
-            <a:stCxn id="91" idx="2"/>
-            <a:endCxn id="86" idx="0"/>
+            <a:stCxn id="55" idx="2"/>
+            <a:endCxn id="74" idx="0"/>
           </p:cNvCxnSpPr>
           <p:nvPr/>
         </p:nvCxnSpPr>
         <p:spPr>
           <a:xfrm>
-            <a:off x="6376061" y="5631818"/>
-            <a:ext cx="1" cy="328087"/>
+            <a:off x="5824186" y="2403757"/>
+            <a:ext cx="0" cy="327901"/>
           </a:xfrm>
           <a:prstGeom prst="straightConnector1">
             <a:avLst/>
@@ -8862,10 +8522,10 @@
       </p:cxnSp>
       <p:sp>
         <p:nvSpPr>
-          <p:cNvPr id="86" name="矩形: 圆角 85">
-            <a:extLst>
-              <a:ext uri="{FF2B5EF4-FFF2-40B4-BE49-F238E27FC236}">
-                <a16:creationId xmlns:a16="http://schemas.microsoft.com/office/drawing/2014/main" id="{B35D4D94-01AD-42E3-9FC5-7DEC93659296}"/>
+          <p:cNvPr id="74" name="矩形: 圆角 73">
+            <a:extLst>
+              <a:ext uri="{FF2B5EF4-FFF2-40B4-BE49-F238E27FC236}">
+                <a16:creationId xmlns:a16="http://schemas.microsoft.com/office/drawing/2014/main" id="{F8ADF79E-67D5-4451-B69B-FF313B2856C0}"/>
               </a:ext>
             </a:extLst>
           </p:cNvPr>
@@ -8874,7 +8534,7 @@
         </p:nvSpPr>
         <p:spPr>
           <a:xfrm>
-            <a:off x="6182288" y="5959905"/>
+            <a:off x="5630412" y="2731658"/>
             <a:ext cx="387547" cy="360000"/>
           </a:xfrm>
           <a:prstGeom prst="roundRect">
@@ -8927,24 +8587,24 @@
       </p:sp>
       <p:cxnSp>
         <p:nvCxnSpPr>
-          <p:cNvPr id="87" name="直接箭头连接符 86">
-            <a:extLst>
-              <a:ext uri="{FF2B5EF4-FFF2-40B4-BE49-F238E27FC236}">
-                <a16:creationId xmlns:a16="http://schemas.microsoft.com/office/drawing/2014/main" id="{537B6127-2B1B-4B9C-A54C-2296F76A8BB3}"/>
+          <p:cNvPr id="75" name="直接箭头连接符 74">
+            <a:extLst>
+              <a:ext uri="{FF2B5EF4-FFF2-40B4-BE49-F238E27FC236}">
+                <a16:creationId xmlns:a16="http://schemas.microsoft.com/office/drawing/2014/main" id="{7E8AF293-F5E4-4E26-AB1A-2C8920A13EC0}"/>
               </a:ext>
             </a:extLst>
           </p:cNvPr>
           <p:cNvCxnSpPr>
             <a:cxnSpLocks/>
-            <a:stCxn id="86" idx="3"/>
-            <a:endCxn id="88" idx="1"/>
+            <a:stCxn id="74" idx="3"/>
+            <a:endCxn id="76" idx="1"/>
           </p:cNvCxnSpPr>
           <p:nvPr/>
         </p:nvCxnSpPr>
         <p:spPr>
           <a:xfrm>
-            <a:off x="6569835" y="6139905"/>
-            <a:ext cx="868980" cy="0"/>
+            <a:off x="6017959" y="2911658"/>
+            <a:ext cx="621559" cy="0"/>
           </a:xfrm>
           <a:prstGeom prst="straightConnector1">
             <a:avLst/>
@@ -8973,10 +8633,10 @@
       </p:cxnSp>
       <p:sp>
         <p:nvSpPr>
-          <p:cNvPr id="88" name="矩形: 圆角 87">
-            <a:extLst>
-              <a:ext uri="{FF2B5EF4-FFF2-40B4-BE49-F238E27FC236}">
-                <a16:creationId xmlns:a16="http://schemas.microsoft.com/office/drawing/2014/main" id="{DF005EBF-325A-4F3F-9E7D-46D508115CBB}"/>
+          <p:cNvPr id="76" name="矩形: 圆角 75">
+            <a:extLst>
+              <a:ext uri="{FF2B5EF4-FFF2-40B4-BE49-F238E27FC236}">
+                <a16:creationId xmlns:a16="http://schemas.microsoft.com/office/drawing/2014/main" id="{9A6ACDE2-8107-4355-A309-FE329FF973BB}"/>
               </a:ext>
             </a:extLst>
           </p:cNvPr>
@@ -8985,8 +8645,8 @@
         </p:nvSpPr>
         <p:spPr>
           <a:xfrm>
-            <a:off x="7438815" y="5959905"/>
-            <a:ext cx="720000" cy="360000"/>
+            <a:off x="6639518" y="2731658"/>
+            <a:ext cx="468992" cy="360000"/>
           </a:xfrm>
           <a:prstGeom prst="roundRect">
             <a:avLst/>
@@ -9028,17 +8688,17 @@
                 <a:latin typeface="微软雅黑 Light" panose="020B0502040204020203" pitchFamily="34" charset="-122"/>
                 <a:ea typeface="微软雅黑 Light" panose="020B0502040204020203" pitchFamily="34" charset="-122"/>
               </a:rPr>
-              <a:t>法师或寺院</a:t>
-            </a:r>
-          </a:p>
-        </p:txBody>
-      </p:sp>
-      <p:sp>
-        <p:nvSpPr>
-          <p:cNvPr id="89" name="矩形: 圆角 88">
-            <a:extLst>
-              <a:ext uri="{FF2B5EF4-FFF2-40B4-BE49-F238E27FC236}">
-                <a16:creationId xmlns:a16="http://schemas.microsoft.com/office/drawing/2014/main" id="{B78DB536-A8FF-4A8B-ACAA-8C8C00A6C295}"/>
+              <a:t>寺院</a:t>
+            </a:r>
+          </a:p>
+        </p:txBody>
+      </p:sp>
+      <p:sp>
+        <p:nvSpPr>
+          <p:cNvPr id="80" name="矩形: 圆角 79">
+            <a:extLst>
+              <a:ext uri="{FF2B5EF4-FFF2-40B4-BE49-F238E27FC236}">
+                <a16:creationId xmlns:a16="http://schemas.microsoft.com/office/drawing/2014/main" id="{76B652A3-178E-41F2-8EDF-A0285B02C4D1}"/>
               </a:ext>
             </a:extLst>
           </p:cNvPr>
@@ -9047,8 +8707,8 @@
         </p:nvSpPr>
         <p:spPr>
           <a:xfrm>
-            <a:off x="651957" y="4523171"/>
-            <a:ext cx="720000" cy="360000"/>
+            <a:off x="722720" y="1182416"/>
+            <a:ext cx="503021" cy="360000"/>
           </a:xfrm>
           <a:prstGeom prst="roundRect">
             <a:avLst/>
@@ -9090,191 +8750,61 @@
                 <a:latin typeface="微软雅黑 Light" panose="020B0502040204020203" pitchFamily="34" charset="-122"/>
                 <a:ea typeface="微软雅黑 Light" panose="020B0502040204020203" pitchFamily="34" charset="-122"/>
               </a:rPr>
-              <a:t>法师或寺院</a:t>
-            </a:r>
-          </a:p>
-        </p:txBody>
-      </p:sp>
-      <p:sp>
-        <p:nvSpPr>
-          <p:cNvPr id="90" name="矩形: 圆角 89">
-            <a:extLst>
-              <a:ext uri="{FF2B5EF4-FFF2-40B4-BE49-F238E27FC236}">
-                <a16:creationId xmlns:a16="http://schemas.microsoft.com/office/drawing/2014/main" id="{8530F58A-D064-4AFA-8988-A0A1B8F56010}"/>
-              </a:ext>
-            </a:extLst>
-          </p:cNvPr>
-          <p:cNvSpPr/>
-          <p:nvPr/>
-        </p:nvSpPr>
-        <p:spPr>
-          <a:xfrm>
-            <a:off x="2225652" y="4517590"/>
-            <a:ext cx="1505751" cy="360000"/>
-          </a:xfrm>
-          <a:prstGeom prst="roundRect">
-            <a:avLst/>
-          </a:prstGeom>
-          <a:solidFill>
-            <a:srgbClr val="00B050"/>
-          </a:solidFill>
-          <a:ln>
+              <a:t>法师</a:t>
+            </a:r>
+          </a:p>
+        </p:txBody>
+      </p:sp>
+      <p:cxnSp>
+        <p:nvCxnSpPr>
+          <p:cNvPr id="82" name="直接箭头连接符 81">
+            <a:extLst>
+              <a:ext uri="{FF2B5EF4-FFF2-40B4-BE49-F238E27FC236}">
+                <a16:creationId xmlns:a16="http://schemas.microsoft.com/office/drawing/2014/main" id="{E0709D46-B423-4234-9614-E62A5E28E4DC}"/>
+              </a:ext>
+            </a:extLst>
+          </p:cNvPr>
+          <p:cNvCxnSpPr>
+            <a:cxnSpLocks/>
+            <a:stCxn id="80" idx="3"/>
+            <a:endCxn id="59" idx="1"/>
+          </p:cNvCxnSpPr>
+          <p:nvPr/>
+        </p:nvCxnSpPr>
+        <p:spPr>
+          <a:xfrm>
+            <a:off x="1225741" y="1362416"/>
+            <a:ext cx="371377" cy="0"/>
+          </a:xfrm>
+          <a:prstGeom prst="straightConnector1">
+            <a:avLst/>
+          </a:prstGeom>
+          <a:ln w="15875">
             <a:solidFill>
               <a:schemeClr val="tx1"/>
             </a:solidFill>
-          </a:ln>
-        </p:spPr>
-        <p:style>
-          <a:lnRef idx="2">
-            <a:schemeClr val="accent1">
-              <a:shade val="50000"/>
-            </a:schemeClr>
-          </a:lnRef>
-          <a:fillRef idx="1">
-            <a:schemeClr val="accent1"/>
-          </a:fillRef>
-          <a:effectRef idx="0">
-            <a:schemeClr val="accent1"/>
-          </a:effectRef>
-          <a:fontRef idx="minor">
-            <a:schemeClr val="lt1"/>
-          </a:fontRef>
-        </p:style>
-        <p:txBody>
-          <a:bodyPr wrap="none" lIns="36000" tIns="36000" rIns="36000" bIns="36000" rtlCol="0" anchor="ctr" anchorCtr="0"/>
-          <a:lstStyle/>
-          <a:p>
-            <a:r>
-              <a:rPr lang="zh-CN" altLang="en-US" sz="1000" b="1">
-                <a:solidFill>
-                  <a:schemeClr val="tx1"/>
-                </a:solidFill>
-                <a:latin typeface="微软雅黑 Light" panose="020B0502040204020203" pitchFamily="34" charset="-122"/>
-                <a:ea typeface="微软雅黑 Light" panose="020B0502040204020203" pitchFamily="34" charset="-122"/>
-              </a:rPr>
-              <a:t>上传善举凭证</a:t>
-            </a:r>
-            <a:endParaRPr lang="en-US" altLang="zh-CN" sz="1000" b="1">
-              <a:solidFill>
-                <a:schemeClr val="tx1"/>
-              </a:solidFill>
-              <a:latin typeface="微软雅黑 Light" panose="020B0502040204020203" pitchFamily="34" charset="-122"/>
-              <a:ea typeface="微软雅黑 Light" panose="020B0502040204020203" pitchFamily="34" charset="-122"/>
-            </a:endParaRPr>
-          </a:p>
-          <a:p>
-            <a:r>
-              <a:rPr lang="en-US" altLang="zh-CN" sz="1000" b="1">
-                <a:solidFill>
-                  <a:schemeClr val="tx1"/>
-                </a:solidFill>
-                <a:latin typeface="微软雅黑 Light" panose="020B0502040204020203" pitchFamily="34" charset="-122"/>
-                <a:ea typeface="微软雅黑 Light" panose="020B0502040204020203" pitchFamily="34" charset="-122"/>
-              </a:rPr>
-              <a:t>upload_kinddeed_proof</a:t>
-            </a:r>
-            <a:endParaRPr lang="zh-CN" altLang="en-US" sz="1000" b="1">
-              <a:solidFill>
-                <a:schemeClr val="tx1"/>
-              </a:solidFill>
-              <a:latin typeface="微软雅黑 Light" panose="020B0502040204020203" pitchFamily="34" charset="-122"/>
-              <a:ea typeface="微软雅黑 Light" panose="020B0502040204020203" pitchFamily="34" charset="-122"/>
-            </a:endParaRPr>
-          </a:p>
-        </p:txBody>
-      </p:sp>
-      <p:sp>
-        <p:nvSpPr>
-          <p:cNvPr id="91" name="矩形: 圆角 90">
-            <a:extLst>
-              <a:ext uri="{FF2B5EF4-FFF2-40B4-BE49-F238E27FC236}">
-                <a16:creationId xmlns:a16="http://schemas.microsoft.com/office/drawing/2014/main" id="{BB6DB12F-E071-4921-BE08-4F0140422434}"/>
-              </a:ext>
-            </a:extLst>
-          </p:cNvPr>
-          <p:cNvSpPr/>
-          <p:nvPr/>
-        </p:nvSpPr>
-        <p:spPr>
-          <a:xfrm>
-            <a:off x="5576022" y="5271818"/>
-            <a:ext cx="1600078" cy="360000"/>
-          </a:xfrm>
-          <a:prstGeom prst="roundRect">
-            <a:avLst/>
-          </a:prstGeom>
-          <a:solidFill>
-            <a:srgbClr val="00B050"/>
-          </a:solidFill>
-          <a:ln>
-            <a:solidFill>
-              <a:schemeClr val="tx1"/>
-            </a:solidFill>
-          </a:ln>
-        </p:spPr>
-        <p:style>
-          <a:lnRef idx="2">
-            <a:schemeClr val="accent1">
-              <a:shade val="50000"/>
-            </a:schemeClr>
-          </a:lnRef>
-          <a:fillRef idx="1">
-            <a:schemeClr val="accent1"/>
-          </a:fillRef>
-          <a:effectRef idx="0">
-            <a:schemeClr val="accent1"/>
-          </a:effectRef>
-          <a:fontRef idx="minor">
-            <a:schemeClr val="lt1"/>
-          </a:fontRef>
-        </p:style>
-        <p:txBody>
-          <a:bodyPr wrap="none" lIns="36000" tIns="36000" rIns="36000" bIns="36000" rtlCol="0" anchor="ctr" anchorCtr="0"/>
-          <a:lstStyle/>
-          <a:p>
-            <a:r>
-              <a:rPr lang="zh-CN" altLang="en-US" sz="1000" b="1">
-                <a:solidFill>
-                  <a:schemeClr val="tx1"/>
-                </a:solidFill>
-                <a:latin typeface="微软雅黑 Light" panose="020B0502040204020203" pitchFamily="34" charset="-122"/>
-                <a:ea typeface="微软雅黑 Light" panose="020B0502040204020203" pitchFamily="34" charset="-122"/>
-              </a:rPr>
-              <a:t>批准善举凭证</a:t>
-            </a:r>
-            <a:endParaRPr lang="en-US" altLang="zh-CN" sz="1000" b="1">
-              <a:solidFill>
-                <a:schemeClr val="tx1"/>
-              </a:solidFill>
-              <a:latin typeface="微软雅黑 Light" panose="020B0502040204020203" pitchFamily="34" charset="-122"/>
-              <a:ea typeface="微软雅黑 Light" panose="020B0502040204020203" pitchFamily="34" charset="-122"/>
-            </a:endParaRPr>
-          </a:p>
-          <a:p>
-            <a:r>
-              <a:rPr lang="en-US" altLang="zh-CN" sz="1000" b="1">
-                <a:solidFill>
-                  <a:schemeClr val="tx1"/>
-                </a:solidFill>
-                <a:latin typeface="微软雅黑 Light" panose="020B0502040204020203" pitchFamily="34" charset="-122"/>
-                <a:ea typeface="微软雅黑 Light" panose="020B0502040204020203" pitchFamily="34" charset="-122"/>
-              </a:rPr>
-              <a:t>approve_kinddeed_proof</a:t>
-            </a:r>
-            <a:endParaRPr lang="zh-CN" altLang="en-US" sz="1000" b="1">
-              <a:solidFill>
-                <a:schemeClr val="tx1"/>
-              </a:solidFill>
-              <a:latin typeface="微软雅黑 Light" panose="020B0502040204020203" pitchFamily="34" charset="-122"/>
-              <a:ea typeface="微软雅黑 Light" panose="020B0502040204020203" pitchFamily="34" charset="-122"/>
-            </a:endParaRPr>
-          </a:p>
-        </p:txBody>
-      </p:sp>
+            <a:tailEnd type="triangle"/>
+          </a:ln>
+        </p:spPr>
+        <p:style>
+          <a:lnRef idx="1">
+            <a:schemeClr val="accent1"/>
+          </a:lnRef>
+          <a:fillRef idx="0">
+            <a:schemeClr val="accent1"/>
+          </a:fillRef>
+          <a:effectRef idx="0">
+            <a:schemeClr val="accent1"/>
+          </a:effectRef>
+          <a:fontRef idx="minor">
+            <a:schemeClr val="tx1"/>
+          </a:fontRef>
+        </p:style>
+      </p:cxnSp>
     </p:spTree>
     <p:extLst>
       <p:ext uri="{BB962C8B-B14F-4D97-AF65-F5344CB8AC3E}">
-        <p14:creationId xmlns:p14="http://schemas.microsoft.com/office/powerpoint/2010/main" val="2215664890"/>
+        <p14:creationId xmlns:p14="http://schemas.microsoft.com/office/powerpoint/2010/main" val="3022685829"/>
       </p:ext>
     </p:extLst>
   </p:cSld>
@@ -9303,10 +8833,10 @@
       </p:grpSpPr>
       <p:sp>
         <p:nvSpPr>
-          <p:cNvPr id="73" name="矩形 72">
-            <a:extLst>
-              <a:ext uri="{FF2B5EF4-FFF2-40B4-BE49-F238E27FC236}">
-                <a16:creationId xmlns:a16="http://schemas.microsoft.com/office/drawing/2014/main" id="{C5BAF906-CA6E-4744-8006-FBA604155293}"/>
+          <p:cNvPr id="98" name="矩形 97">
+            <a:extLst>
+              <a:ext uri="{FF2B5EF4-FFF2-40B4-BE49-F238E27FC236}">
+                <a16:creationId xmlns:a16="http://schemas.microsoft.com/office/drawing/2014/main" id="{2ADFC412-FC8E-40C0-A9B6-727AE6C4A7AC}"/>
               </a:ext>
             </a:extLst>
           </p:cNvPr>
@@ -9315,8 +8845,8 @@
         </p:nvSpPr>
         <p:spPr>
           <a:xfrm>
-            <a:off x="472441" y="1485173"/>
-            <a:ext cx="9713505" cy="3781281"/>
+            <a:off x="472441" y="1167652"/>
+            <a:ext cx="9028463" cy="2705654"/>
           </a:xfrm>
           <a:prstGeom prst="rect">
             <a:avLst/>
@@ -9357,10 +8887,10 @@
       </p:sp>
       <p:sp>
         <p:nvSpPr>
-          <p:cNvPr id="79" name="文本框 78">
-            <a:extLst>
-              <a:ext uri="{FF2B5EF4-FFF2-40B4-BE49-F238E27FC236}">
-                <a16:creationId xmlns:a16="http://schemas.microsoft.com/office/drawing/2014/main" id="{5D747885-BD41-406F-83C7-9D529382B855}"/>
+          <p:cNvPr id="2" name="文本框 1">
+            <a:extLst>
+              <a:ext uri="{FF2B5EF4-FFF2-40B4-BE49-F238E27FC236}">
+                <a16:creationId xmlns:a16="http://schemas.microsoft.com/office/drawing/2014/main" id="{F13421BB-C840-460E-A60A-16F3B0411457}"/>
               </a:ext>
             </a:extLst>
           </p:cNvPr>
@@ -9369,8 +8899,8 @@
         </p:nvSpPr>
         <p:spPr>
           <a:xfrm>
-            <a:off x="411495" y="1126035"/>
-            <a:ext cx="1107996" cy="276999"/>
+            <a:off x="3024554" y="184638"/>
+            <a:ext cx="2031325" cy="276999"/>
           </a:xfrm>
           <a:prstGeom prst="rect">
             <a:avLst/>
@@ -9385,17 +8915,33 @@
           <a:p>
             <a:r>
               <a:rPr lang="zh-CN" altLang="en-US" sz="1200" b="1"/>
-              <a:t>用户祈求善举</a:t>
-            </a:r>
-          </a:p>
-        </p:txBody>
-      </p:sp>
-      <p:sp>
-        <p:nvSpPr>
-          <p:cNvPr id="2" name="文本框 1">
-            <a:extLst>
-              <a:ext uri="{FF2B5EF4-FFF2-40B4-BE49-F238E27FC236}">
-                <a16:creationId xmlns:a16="http://schemas.microsoft.com/office/drawing/2014/main" id="{F13421BB-C840-460E-A60A-16F3B0411457}"/>
+              <a:t>流程</a:t>
+            </a:r>
+            <a:r>
+              <a:rPr lang="en-US" altLang="zh-CN" sz="1200" b="1"/>
+              <a:t>-</a:t>
+            </a:r>
+            <a:r>
+              <a:rPr lang="zh-CN" altLang="en-US" sz="1200" b="1"/>
+              <a:t>角色</a:t>
+            </a:r>
+            <a:r>
+              <a:rPr lang="en-US" altLang="zh-CN" sz="1200" b="1"/>
+              <a:t>-</a:t>
+            </a:r>
+            <a:r>
+              <a:rPr lang="zh-CN" altLang="en-US" sz="1200" b="1"/>
+              <a:t>方面对应关系图</a:t>
+            </a:r>
+          </a:p>
+        </p:txBody>
+      </p:sp>
+      <p:sp>
+        <p:nvSpPr>
+          <p:cNvPr id="46" name="文本框 45">
+            <a:extLst>
+              <a:ext uri="{FF2B5EF4-FFF2-40B4-BE49-F238E27FC236}">
+                <a16:creationId xmlns:a16="http://schemas.microsoft.com/office/drawing/2014/main" id="{BF5D3473-021A-4960-82A4-A830167CDC19}"/>
               </a:ext>
             </a:extLst>
           </p:cNvPr>
@@ -9404,8 +8950,8 @@
         </p:nvSpPr>
         <p:spPr>
           <a:xfrm>
-            <a:off x="3024554" y="184638"/>
-            <a:ext cx="2031325" cy="276999"/>
+            <a:off x="411495" y="808513"/>
+            <a:ext cx="1415772" cy="276999"/>
           </a:xfrm>
           <a:prstGeom prst="rect">
             <a:avLst/>
@@ -9420,23 +8966,69 @@
           <a:p>
             <a:r>
               <a:rPr lang="zh-CN" altLang="en-US" sz="1200" b="1"/>
-              <a:t>流程</a:t>
-            </a:r>
-            <a:r>
-              <a:rPr lang="en-US" altLang="zh-CN" sz="1200" b="1"/>
-              <a:t>-</a:t>
-            </a:r>
-            <a:r>
-              <a:rPr lang="zh-CN" altLang="en-US" sz="1200" b="1"/>
-              <a:t>角色</a:t>
-            </a:r>
-            <a:r>
-              <a:rPr lang="en-US" altLang="zh-CN" sz="1200" b="1"/>
-              <a:t>-</a:t>
-            </a:r>
-            <a:r>
-              <a:rPr lang="zh-CN" altLang="en-US" sz="1200" b="1"/>
-              <a:t>方面对应关系图</a:t>
+              <a:t>申请善举上架下架</a:t>
+            </a:r>
+          </a:p>
+        </p:txBody>
+      </p:sp>
+      <p:sp>
+        <p:nvSpPr>
+          <p:cNvPr id="48" name="矩形: 圆角 47">
+            <a:extLst>
+              <a:ext uri="{FF2B5EF4-FFF2-40B4-BE49-F238E27FC236}">
+                <a16:creationId xmlns:a16="http://schemas.microsoft.com/office/drawing/2014/main" id="{EBD4EA97-5025-4DE6-B38D-69D50269EB33}"/>
+              </a:ext>
+            </a:extLst>
+          </p:cNvPr>
+          <p:cNvSpPr/>
+          <p:nvPr/>
+        </p:nvSpPr>
+        <p:spPr>
+          <a:xfrm>
+            <a:off x="651957" y="1779093"/>
+            <a:ext cx="720000" cy="360000"/>
+          </a:xfrm>
+          <a:prstGeom prst="roundRect">
+            <a:avLst/>
+          </a:prstGeom>
+          <a:solidFill>
+            <a:srgbClr val="00B0F0"/>
+          </a:solidFill>
+          <a:ln>
+            <a:solidFill>
+              <a:schemeClr val="tx1"/>
+            </a:solidFill>
+          </a:ln>
+        </p:spPr>
+        <p:style>
+          <a:lnRef idx="2">
+            <a:schemeClr val="accent1">
+              <a:shade val="50000"/>
+            </a:schemeClr>
+          </a:lnRef>
+          <a:fillRef idx="1">
+            <a:schemeClr val="accent1"/>
+          </a:fillRef>
+          <a:effectRef idx="0">
+            <a:schemeClr val="accent1"/>
+          </a:effectRef>
+          <a:fontRef idx="minor">
+            <a:schemeClr val="lt1"/>
+          </a:fontRef>
+        </p:style>
+        <p:txBody>
+          <a:bodyPr wrap="none" lIns="36000" tIns="36000" rIns="36000" bIns="36000" rtlCol="0" anchor="ctr" anchorCtr="0"/>
+          <a:lstStyle/>
+          <a:p>
+            <a:r>
+              <a:rPr lang="zh-CN" altLang="en-US" sz="1000" b="1">
+                <a:solidFill>
+                  <a:schemeClr val="tx1"/>
+                </a:solidFill>
+                <a:latin typeface="微软雅黑 Light" panose="020B0502040204020203" pitchFamily="34" charset="-122"/>
+                <a:ea typeface="微软雅黑 Light" panose="020B0502040204020203" pitchFamily="34" charset="-122"/>
+              </a:rPr>
+              <a:t>法师或寺院</a:t>
             </a:r>
           </a:p>
         </p:txBody>
@@ -9452,15 +9044,15 @@
           </p:cNvPr>
           <p:cNvCxnSpPr>
             <a:cxnSpLocks/>
-            <a:stCxn id="81" idx="3"/>
+            <a:stCxn id="48" idx="3"/>
             <a:endCxn id="60" idx="1"/>
           </p:cNvCxnSpPr>
           <p:nvPr/>
         </p:nvCxnSpPr>
         <p:spPr>
-          <a:xfrm flipV="1">
-            <a:off x="1241350" y="1849683"/>
-            <a:ext cx="155823" cy="3267"/>
+          <a:xfrm>
+            <a:off x="1371957" y="1959093"/>
+            <a:ext cx="198836" cy="0"/>
           </a:xfrm>
           <a:prstGeom prst="straightConnector1">
             <a:avLst/>
@@ -9501,7 +9093,7 @@
         </p:nvSpPr>
         <p:spPr>
           <a:xfrm>
-            <a:off x="1397173" y="1669683"/>
+            <a:off x="1570793" y="1779093"/>
             <a:ext cx="387547" cy="360000"/>
           </a:xfrm>
           <a:prstGeom prst="roundRect">
@@ -9564,14 +9156,14 @@
           <p:cNvCxnSpPr>
             <a:cxnSpLocks/>
             <a:stCxn id="60" idx="3"/>
-            <a:endCxn id="82" idx="1"/>
+            <a:endCxn id="143" idx="1"/>
           </p:cNvCxnSpPr>
           <p:nvPr/>
         </p:nvCxnSpPr>
         <p:spPr>
           <a:xfrm>
-            <a:off x="1784720" y="1849683"/>
-            <a:ext cx="221334" cy="0"/>
+            <a:off x="1958340" y="1959093"/>
+            <a:ext cx="267312" cy="0"/>
           </a:xfrm>
           <a:prstGeom prst="straightConnector1">
             <a:avLst/>
@@ -9598,6 +9190,52 @@
           </a:fontRef>
         </p:style>
       </p:cxnSp>
+      <p:cxnSp>
+        <p:nvCxnSpPr>
+          <p:cNvPr id="66" name="直接箭头连接符 65">
+            <a:extLst>
+              <a:ext uri="{FF2B5EF4-FFF2-40B4-BE49-F238E27FC236}">
+                <a16:creationId xmlns:a16="http://schemas.microsoft.com/office/drawing/2014/main" id="{1E1E8DE9-9571-4532-B2C0-CF05C7652144}"/>
+              </a:ext>
+            </a:extLst>
+          </p:cNvPr>
+          <p:cNvCxnSpPr>
+            <a:cxnSpLocks/>
+            <a:stCxn id="144" idx="2"/>
+            <a:endCxn id="67" idx="0"/>
+          </p:cNvCxnSpPr>
+          <p:nvPr/>
+        </p:nvCxnSpPr>
+        <p:spPr>
+          <a:xfrm flipH="1">
+            <a:off x="3679751" y="2139194"/>
+            <a:ext cx="743558" cy="391272"/>
+          </a:xfrm>
+          <a:prstGeom prst="straightConnector1">
+            <a:avLst/>
+          </a:prstGeom>
+          <a:ln w="28575">
+            <a:solidFill>
+              <a:srgbClr val="FF0000"/>
+            </a:solidFill>
+            <a:tailEnd type="triangle"/>
+          </a:ln>
+        </p:spPr>
+        <p:style>
+          <a:lnRef idx="1">
+            <a:schemeClr val="accent1"/>
+          </a:lnRef>
+          <a:fillRef idx="0">
+            <a:schemeClr val="accent1"/>
+          </a:fillRef>
+          <a:effectRef idx="0">
+            <a:schemeClr val="accent1"/>
+          </a:effectRef>
+          <a:fontRef idx="minor">
+            <a:schemeClr val="tx1"/>
+          </a:fontRef>
+        </p:style>
+      </p:cxnSp>
       <p:sp>
         <p:nvSpPr>
           <p:cNvPr id="67" name="矩形: 圆角 66">
@@ -9612,7 +9250,7 @@
         </p:nvSpPr>
         <p:spPr>
           <a:xfrm>
-            <a:off x="2278876" y="2280999"/>
+            <a:off x="3485977" y="2530466"/>
             <a:ext cx="387547" cy="360000"/>
           </a:xfrm>
           <a:prstGeom prst="roundRect">
@@ -9992,6 +9630,3284 @@
           </p:cNvPr>
           <p:cNvCxnSpPr>
             <a:cxnSpLocks/>
+            <a:stCxn id="143" idx="2"/>
+            <a:endCxn id="67" idx="0"/>
+          </p:cNvCxnSpPr>
+          <p:nvPr/>
+        </p:nvCxnSpPr>
+        <p:spPr>
+          <a:xfrm>
+            <a:off x="2936191" y="2139093"/>
+            <a:ext cx="743560" cy="391373"/>
+          </a:xfrm>
+          <a:prstGeom prst="straightConnector1">
+            <a:avLst/>
+          </a:prstGeom>
+          <a:ln w="28575">
+            <a:solidFill>
+              <a:srgbClr val="FF0000"/>
+            </a:solidFill>
+            <a:tailEnd type="triangle"/>
+          </a:ln>
+        </p:spPr>
+        <p:style>
+          <a:lnRef idx="1">
+            <a:schemeClr val="accent1"/>
+          </a:lnRef>
+          <a:fillRef idx="0">
+            <a:schemeClr val="accent1"/>
+          </a:fillRef>
+          <a:effectRef idx="0">
+            <a:schemeClr val="accent1"/>
+          </a:effectRef>
+          <a:fontRef idx="minor">
+            <a:schemeClr val="tx1"/>
+          </a:fontRef>
+        </p:style>
+      </p:cxnSp>
+      <p:sp>
+        <p:nvSpPr>
+          <p:cNvPr id="69" name="矩形: 圆角 68">
+            <a:extLst>
+              <a:ext uri="{FF2B5EF4-FFF2-40B4-BE49-F238E27FC236}">
+                <a16:creationId xmlns:a16="http://schemas.microsoft.com/office/drawing/2014/main" id="{C4FF7E89-30A1-4ABF-BDB9-B7ECD826ACA3}"/>
+              </a:ext>
+            </a:extLst>
+          </p:cNvPr>
+          <p:cNvSpPr/>
+          <p:nvPr/>
+        </p:nvSpPr>
+        <p:spPr>
+          <a:xfrm>
+            <a:off x="4295062" y="2530462"/>
+            <a:ext cx="806306" cy="360000"/>
+          </a:xfrm>
+          <a:prstGeom prst="roundRect">
+            <a:avLst/>
+          </a:prstGeom>
+          <a:solidFill>
+            <a:srgbClr val="00B0F0"/>
+          </a:solidFill>
+          <a:ln>
+            <a:solidFill>
+              <a:schemeClr val="tx1"/>
+            </a:solidFill>
+          </a:ln>
+        </p:spPr>
+        <p:style>
+          <a:lnRef idx="2">
+            <a:schemeClr val="accent1">
+              <a:shade val="50000"/>
+            </a:schemeClr>
+          </a:lnRef>
+          <a:fillRef idx="1">
+            <a:schemeClr val="accent1"/>
+          </a:fillRef>
+          <a:effectRef idx="0">
+            <a:schemeClr val="accent1"/>
+          </a:effectRef>
+          <a:fontRef idx="minor">
+            <a:schemeClr val="lt1"/>
+          </a:fontRef>
+        </p:style>
+        <p:txBody>
+          <a:bodyPr wrap="none" lIns="36000" tIns="36000" rIns="36000" bIns="36000" rtlCol="0" anchor="ctr" anchorCtr="0"/>
+          <a:lstStyle/>
+          <a:p>
+            <a:r>
+              <a:rPr lang="zh-CN" altLang="en-US" sz="1000" b="1">
+                <a:solidFill>
+                  <a:schemeClr val="tx1"/>
+                </a:solidFill>
+                <a:latin typeface="微软雅黑 Light" panose="020B0502040204020203" pitchFamily="34" charset="-122"/>
+                <a:ea typeface="微软雅黑 Light" panose="020B0502040204020203" pitchFamily="34" charset="-122"/>
+              </a:rPr>
+              <a:t>基金会成员</a:t>
+            </a:r>
+            <a:r>
+              <a:rPr lang="en-US" altLang="zh-CN" sz="1000" b="1">
+                <a:solidFill>
+                  <a:schemeClr val="tx1"/>
+                </a:solidFill>
+                <a:latin typeface="微软雅黑 Light" panose="020B0502040204020203" pitchFamily="34" charset="-122"/>
+                <a:ea typeface="微软雅黑 Light" panose="020B0502040204020203" pitchFamily="34" charset="-122"/>
+              </a:rPr>
+              <a:t>x</a:t>
+            </a:r>
+            <a:endParaRPr lang="zh-CN" altLang="en-US" sz="1000" b="1">
+              <a:solidFill>
+                <a:schemeClr val="tx1"/>
+              </a:solidFill>
+              <a:latin typeface="微软雅黑 Light" panose="020B0502040204020203" pitchFamily="34" charset="-122"/>
+              <a:ea typeface="微软雅黑 Light" panose="020B0502040204020203" pitchFamily="34" charset="-122"/>
+            </a:endParaRPr>
+          </a:p>
+        </p:txBody>
+      </p:sp>
+      <p:cxnSp>
+        <p:nvCxnSpPr>
+          <p:cNvPr id="71" name="直接箭头连接符 70">
+            <a:extLst>
+              <a:ext uri="{FF2B5EF4-FFF2-40B4-BE49-F238E27FC236}">
+                <a16:creationId xmlns:a16="http://schemas.microsoft.com/office/drawing/2014/main" id="{7579D706-F21C-4E76-844F-67CD7B249C19}"/>
+              </a:ext>
+            </a:extLst>
+          </p:cNvPr>
+          <p:cNvCxnSpPr>
+            <a:cxnSpLocks/>
+            <a:stCxn id="67" idx="3"/>
+            <a:endCxn id="69" idx="1"/>
+          </p:cNvCxnSpPr>
+          <p:nvPr/>
+        </p:nvCxnSpPr>
+        <p:spPr>
+          <a:xfrm flipV="1">
+            <a:off x="3873524" y="2710462"/>
+            <a:ext cx="421538" cy="4"/>
+          </a:xfrm>
+          <a:prstGeom prst="straightConnector1">
+            <a:avLst/>
+          </a:prstGeom>
+          <a:ln w="25400">
+            <a:solidFill>
+              <a:srgbClr val="00B050"/>
+            </a:solidFill>
+            <a:tailEnd type="triangle"/>
+          </a:ln>
+        </p:spPr>
+        <p:style>
+          <a:lnRef idx="1">
+            <a:schemeClr val="accent1"/>
+          </a:lnRef>
+          <a:fillRef idx="0">
+            <a:schemeClr val="accent1"/>
+          </a:fillRef>
+          <a:effectRef idx="0">
+            <a:schemeClr val="accent1"/>
+          </a:effectRef>
+          <a:fontRef idx="minor">
+            <a:schemeClr val="tx1"/>
+          </a:fontRef>
+        </p:style>
+      </p:cxnSp>
+      <p:cxnSp>
+        <p:nvCxnSpPr>
+          <p:cNvPr id="72" name="直接箭头连接符 71">
+            <a:extLst>
+              <a:ext uri="{FF2B5EF4-FFF2-40B4-BE49-F238E27FC236}">
+                <a16:creationId xmlns:a16="http://schemas.microsoft.com/office/drawing/2014/main" id="{342AA069-23CD-4A71-9233-1E1A6B00EAAA}"/>
+              </a:ext>
+            </a:extLst>
+          </p:cNvPr>
+          <p:cNvCxnSpPr>
+            <a:cxnSpLocks/>
+            <a:stCxn id="69" idx="3"/>
+            <a:endCxn id="74" idx="1"/>
+          </p:cNvCxnSpPr>
+          <p:nvPr/>
+        </p:nvCxnSpPr>
+        <p:spPr>
+          <a:xfrm>
+            <a:off x="5101368" y="2710462"/>
+            <a:ext cx="216037" cy="0"/>
+          </a:xfrm>
+          <a:prstGeom prst="straightConnector1">
+            <a:avLst/>
+          </a:prstGeom>
+          <a:ln w="15875">
+            <a:solidFill>
+              <a:schemeClr val="tx1"/>
+            </a:solidFill>
+            <a:tailEnd type="triangle"/>
+          </a:ln>
+        </p:spPr>
+        <p:style>
+          <a:lnRef idx="1">
+            <a:schemeClr val="accent1"/>
+          </a:lnRef>
+          <a:fillRef idx="0">
+            <a:schemeClr val="accent1"/>
+          </a:fillRef>
+          <a:effectRef idx="0">
+            <a:schemeClr val="accent1"/>
+          </a:effectRef>
+          <a:fontRef idx="minor">
+            <a:schemeClr val="tx1"/>
+          </a:fontRef>
+        </p:style>
+      </p:cxnSp>
+      <p:sp>
+        <p:nvSpPr>
+          <p:cNvPr id="74" name="矩形: 圆角 73">
+            <a:extLst>
+              <a:ext uri="{FF2B5EF4-FFF2-40B4-BE49-F238E27FC236}">
+                <a16:creationId xmlns:a16="http://schemas.microsoft.com/office/drawing/2014/main" id="{E66DC2E1-5702-42A2-99B4-8F00F403CFE5}"/>
+              </a:ext>
+            </a:extLst>
+          </p:cNvPr>
+          <p:cNvSpPr/>
+          <p:nvPr/>
+        </p:nvSpPr>
+        <p:spPr>
+          <a:xfrm>
+            <a:off x="5317405" y="2530462"/>
+            <a:ext cx="387547" cy="360000"/>
+          </a:xfrm>
+          <a:prstGeom prst="roundRect">
+            <a:avLst/>
+          </a:prstGeom>
+          <a:solidFill>
+            <a:schemeClr val="accent4">
+              <a:lumMod val="40000"/>
+              <a:lumOff val="60000"/>
+            </a:schemeClr>
+          </a:solidFill>
+          <a:ln>
+            <a:solidFill>
+              <a:schemeClr val="tx1"/>
+            </a:solidFill>
+          </a:ln>
+        </p:spPr>
+        <p:style>
+          <a:lnRef idx="2">
+            <a:schemeClr val="accent1">
+              <a:shade val="50000"/>
+            </a:schemeClr>
+          </a:lnRef>
+          <a:fillRef idx="1">
+            <a:schemeClr val="accent1"/>
+          </a:fillRef>
+          <a:effectRef idx="0">
+            <a:schemeClr val="accent1"/>
+          </a:effectRef>
+          <a:fontRef idx="minor">
+            <a:schemeClr val="lt1"/>
+          </a:fontRef>
+        </p:style>
+        <p:txBody>
+          <a:bodyPr wrap="none" lIns="36000" tIns="36000" rIns="36000" bIns="36000" rtlCol="0" anchor="ctr" anchorCtr="0"/>
+          <a:lstStyle/>
+          <a:p>
+            <a:r>
+              <a:rPr lang="zh-CN" altLang="en-US" sz="1000" b="1">
+                <a:solidFill>
+                  <a:schemeClr val="tx1"/>
+                </a:solidFill>
+                <a:latin typeface="微软雅黑 Light" panose="020B0502040204020203" pitchFamily="34" charset="-122"/>
+                <a:ea typeface="微软雅黑 Light" panose="020B0502040204020203" pitchFamily="34" charset="-122"/>
+              </a:rPr>
+              <a:t>后端</a:t>
+            </a:r>
+          </a:p>
+        </p:txBody>
+      </p:sp>
+      <p:cxnSp>
+        <p:nvCxnSpPr>
+          <p:cNvPr id="75" name="直接箭头连接符 74">
+            <a:extLst>
+              <a:ext uri="{FF2B5EF4-FFF2-40B4-BE49-F238E27FC236}">
+                <a16:creationId xmlns:a16="http://schemas.microsoft.com/office/drawing/2014/main" id="{B1CC438F-A859-4A5B-A4C0-76EBA1F729AD}"/>
+              </a:ext>
+            </a:extLst>
+          </p:cNvPr>
+          <p:cNvCxnSpPr>
+            <a:cxnSpLocks/>
+            <a:stCxn id="74" idx="3"/>
+            <a:endCxn id="140" idx="1"/>
+          </p:cNvCxnSpPr>
+          <p:nvPr/>
+        </p:nvCxnSpPr>
+        <p:spPr>
+          <a:xfrm>
+            <a:off x="5704952" y="2710462"/>
+            <a:ext cx="237012" cy="0"/>
+          </a:xfrm>
+          <a:prstGeom prst="straightConnector1">
+            <a:avLst/>
+          </a:prstGeom>
+          <a:ln w="15875">
+            <a:solidFill>
+              <a:schemeClr val="tx1"/>
+            </a:solidFill>
+            <a:tailEnd type="triangle"/>
+          </a:ln>
+        </p:spPr>
+        <p:style>
+          <a:lnRef idx="1">
+            <a:schemeClr val="accent1"/>
+          </a:lnRef>
+          <a:fillRef idx="0">
+            <a:schemeClr val="accent1"/>
+          </a:fillRef>
+          <a:effectRef idx="0">
+            <a:schemeClr val="accent1"/>
+          </a:effectRef>
+          <a:fontRef idx="minor">
+            <a:schemeClr val="tx1"/>
+          </a:fontRef>
+        </p:style>
+      </p:cxnSp>
+      <p:cxnSp>
+        <p:nvCxnSpPr>
+          <p:cNvPr id="76" name="直接箭头连接符 75">
+            <a:extLst>
+              <a:ext uri="{FF2B5EF4-FFF2-40B4-BE49-F238E27FC236}">
+                <a16:creationId xmlns:a16="http://schemas.microsoft.com/office/drawing/2014/main" id="{15865907-5830-496D-B639-2CD8510BC2D9}"/>
+              </a:ext>
+            </a:extLst>
+          </p:cNvPr>
+          <p:cNvCxnSpPr>
+            <a:cxnSpLocks/>
+            <a:stCxn id="140" idx="2"/>
+            <a:endCxn id="77" idx="0"/>
+          </p:cNvCxnSpPr>
+          <p:nvPr/>
+        </p:nvCxnSpPr>
+        <p:spPr>
+          <a:xfrm>
+            <a:off x="6764112" y="2890462"/>
+            <a:ext cx="848786" cy="404101"/>
+          </a:xfrm>
+          <a:prstGeom prst="straightConnector1">
+            <a:avLst/>
+          </a:prstGeom>
+          <a:ln w="28575">
+            <a:solidFill>
+              <a:srgbClr val="FF0000"/>
+            </a:solidFill>
+            <a:tailEnd type="triangle"/>
+          </a:ln>
+        </p:spPr>
+        <p:style>
+          <a:lnRef idx="1">
+            <a:schemeClr val="accent1"/>
+          </a:lnRef>
+          <a:fillRef idx="0">
+            <a:schemeClr val="accent1"/>
+          </a:fillRef>
+          <a:effectRef idx="0">
+            <a:schemeClr val="accent1"/>
+          </a:effectRef>
+          <a:fontRef idx="minor">
+            <a:schemeClr val="tx1"/>
+          </a:fontRef>
+        </p:style>
+      </p:cxnSp>
+      <p:sp>
+        <p:nvSpPr>
+          <p:cNvPr id="77" name="矩形: 圆角 76">
+            <a:extLst>
+              <a:ext uri="{FF2B5EF4-FFF2-40B4-BE49-F238E27FC236}">
+                <a16:creationId xmlns:a16="http://schemas.microsoft.com/office/drawing/2014/main" id="{611505B1-D127-48DD-9B46-47FF5AAB3B6C}"/>
+              </a:ext>
+            </a:extLst>
+          </p:cNvPr>
+          <p:cNvSpPr/>
+          <p:nvPr/>
+        </p:nvSpPr>
+        <p:spPr>
+          <a:xfrm>
+            <a:off x="7419124" y="3294563"/>
+            <a:ext cx="387547" cy="360000"/>
+          </a:xfrm>
+          <a:prstGeom prst="roundRect">
+            <a:avLst/>
+          </a:prstGeom>
+          <a:solidFill>
+            <a:schemeClr val="accent4">
+              <a:lumMod val="40000"/>
+              <a:lumOff val="60000"/>
+            </a:schemeClr>
+          </a:solidFill>
+          <a:ln>
+            <a:solidFill>
+              <a:schemeClr val="tx1"/>
+            </a:solidFill>
+          </a:ln>
+        </p:spPr>
+        <p:style>
+          <a:lnRef idx="2">
+            <a:schemeClr val="accent1">
+              <a:shade val="50000"/>
+            </a:schemeClr>
+          </a:lnRef>
+          <a:fillRef idx="1">
+            <a:schemeClr val="accent1"/>
+          </a:fillRef>
+          <a:effectRef idx="0">
+            <a:schemeClr val="accent1"/>
+          </a:effectRef>
+          <a:fontRef idx="minor">
+            <a:schemeClr val="lt1"/>
+          </a:fontRef>
+        </p:style>
+        <p:txBody>
+          <a:bodyPr wrap="none" lIns="36000" tIns="36000" rIns="36000" bIns="36000" rtlCol="0" anchor="ctr" anchorCtr="0"/>
+          <a:lstStyle/>
+          <a:p>
+            <a:r>
+              <a:rPr lang="zh-CN" altLang="en-US" sz="1000" b="1">
+                <a:solidFill>
+                  <a:schemeClr val="tx1"/>
+                </a:solidFill>
+                <a:latin typeface="微软雅黑 Light" panose="020B0502040204020203" pitchFamily="34" charset="-122"/>
+                <a:ea typeface="微软雅黑 Light" panose="020B0502040204020203" pitchFamily="34" charset="-122"/>
+              </a:rPr>
+              <a:t>后端</a:t>
+            </a:r>
+          </a:p>
+        </p:txBody>
+      </p:sp>
+      <p:cxnSp>
+        <p:nvCxnSpPr>
+          <p:cNvPr id="78" name="直接箭头连接符 77">
+            <a:extLst>
+              <a:ext uri="{FF2B5EF4-FFF2-40B4-BE49-F238E27FC236}">
+                <a16:creationId xmlns:a16="http://schemas.microsoft.com/office/drawing/2014/main" id="{A8E1B373-C08D-4E4A-BC77-EF6323BBB2F2}"/>
+              </a:ext>
+            </a:extLst>
+          </p:cNvPr>
+          <p:cNvCxnSpPr>
+            <a:cxnSpLocks/>
+            <a:stCxn id="77" idx="3"/>
+            <a:endCxn id="80" idx="1"/>
+          </p:cNvCxnSpPr>
+          <p:nvPr/>
+        </p:nvCxnSpPr>
+        <p:spPr>
+          <a:xfrm>
+            <a:off x="7806671" y="3474563"/>
+            <a:ext cx="586444" cy="0"/>
+          </a:xfrm>
+          <a:prstGeom prst="straightConnector1">
+            <a:avLst/>
+          </a:prstGeom>
+          <a:ln w="25400">
+            <a:solidFill>
+              <a:srgbClr val="00B050"/>
+            </a:solidFill>
+            <a:tailEnd type="triangle"/>
+          </a:ln>
+        </p:spPr>
+        <p:style>
+          <a:lnRef idx="1">
+            <a:schemeClr val="accent1"/>
+          </a:lnRef>
+          <a:fillRef idx="0">
+            <a:schemeClr val="accent1"/>
+          </a:fillRef>
+          <a:effectRef idx="0">
+            <a:schemeClr val="accent1"/>
+          </a:effectRef>
+          <a:fontRef idx="minor">
+            <a:schemeClr val="tx1"/>
+          </a:fontRef>
+        </p:style>
+      </p:cxnSp>
+      <p:sp>
+        <p:nvSpPr>
+          <p:cNvPr id="80" name="矩形: 圆角 79">
+            <a:extLst>
+              <a:ext uri="{FF2B5EF4-FFF2-40B4-BE49-F238E27FC236}">
+                <a16:creationId xmlns:a16="http://schemas.microsoft.com/office/drawing/2014/main" id="{CBD1392E-E069-4CD7-B6F3-D801A640CF23}"/>
+              </a:ext>
+            </a:extLst>
+          </p:cNvPr>
+          <p:cNvSpPr/>
+          <p:nvPr/>
+        </p:nvSpPr>
+        <p:spPr>
+          <a:xfrm>
+            <a:off x="8393115" y="3294563"/>
+            <a:ext cx="720000" cy="360000"/>
+          </a:xfrm>
+          <a:prstGeom prst="roundRect">
+            <a:avLst/>
+          </a:prstGeom>
+          <a:solidFill>
+            <a:srgbClr val="00B0F0"/>
+          </a:solidFill>
+          <a:ln>
+            <a:solidFill>
+              <a:schemeClr val="tx1"/>
+            </a:solidFill>
+          </a:ln>
+        </p:spPr>
+        <p:style>
+          <a:lnRef idx="2">
+            <a:schemeClr val="accent1">
+              <a:shade val="50000"/>
+            </a:schemeClr>
+          </a:lnRef>
+          <a:fillRef idx="1">
+            <a:schemeClr val="accent1"/>
+          </a:fillRef>
+          <a:effectRef idx="0">
+            <a:schemeClr val="accent1"/>
+          </a:effectRef>
+          <a:fontRef idx="minor">
+            <a:schemeClr val="lt1"/>
+          </a:fontRef>
+        </p:style>
+        <p:txBody>
+          <a:bodyPr wrap="none" lIns="36000" tIns="36000" rIns="36000" bIns="36000" rtlCol="0" anchor="ctr" anchorCtr="0"/>
+          <a:lstStyle/>
+          <a:p>
+            <a:r>
+              <a:rPr lang="zh-CN" altLang="en-US" sz="1000" b="1">
+                <a:solidFill>
+                  <a:schemeClr val="tx1"/>
+                </a:solidFill>
+                <a:latin typeface="微软雅黑 Light" panose="020B0502040204020203" pitchFamily="34" charset="-122"/>
+                <a:ea typeface="微软雅黑 Light" panose="020B0502040204020203" pitchFamily="34" charset="-122"/>
+              </a:rPr>
+              <a:t>法师或寺院</a:t>
+            </a:r>
+          </a:p>
+        </p:txBody>
+      </p:sp>
+      <p:sp>
+        <p:nvSpPr>
+          <p:cNvPr id="127" name="矩形: 圆角 126">
+            <a:extLst>
+              <a:ext uri="{FF2B5EF4-FFF2-40B4-BE49-F238E27FC236}">
+                <a16:creationId xmlns:a16="http://schemas.microsoft.com/office/drawing/2014/main" id="{9F42D88E-B4A6-44C9-B5A5-127F11DCA10D}"/>
+              </a:ext>
+            </a:extLst>
+          </p:cNvPr>
+          <p:cNvSpPr/>
+          <p:nvPr/>
+        </p:nvSpPr>
+        <p:spPr>
+          <a:xfrm>
+            <a:off x="651957" y="1329705"/>
+            <a:ext cx="720000" cy="360000"/>
+          </a:xfrm>
+          <a:prstGeom prst="roundRect">
+            <a:avLst/>
+          </a:prstGeom>
+          <a:solidFill>
+            <a:srgbClr val="00B0F0"/>
+          </a:solidFill>
+          <a:ln>
+            <a:solidFill>
+              <a:schemeClr val="tx1"/>
+            </a:solidFill>
+          </a:ln>
+        </p:spPr>
+        <p:style>
+          <a:lnRef idx="2">
+            <a:schemeClr val="accent1">
+              <a:shade val="50000"/>
+            </a:schemeClr>
+          </a:lnRef>
+          <a:fillRef idx="1">
+            <a:schemeClr val="accent1"/>
+          </a:fillRef>
+          <a:effectRef idx="0">
+            <a:schemeClr val="accent1"/>
+          </a:effectRef>
+          <a:fontRef idx="minor">
+            <a:schemeClr val="lt1"/>
+          </a:fontRef>
+        </p:style>
+        <p:txBody>
+          <a:bodyPr wrap="none" lIns="36000" tIns="36000" rIns="36000" bIns="36000" rtlCol="0" anchor="ctr" anchorCtr="0"/>
+          <a:lstStyle/>
+          <a:p>
+            <a:r>
+              <a:rPr lang="zh-CN" altLang="en-US" sz="1000" b="1">
+                <a:solidFill>
+                  <a:schemeClr val="tx1"/>
+                </a:solidFill>
+                <a:latin typeface="微软雅黑 Light" panose="020B0502040204020203" pitchFamily="34" charset="-122"/>
+                <a:ea typeface="微软雅黑 Light" panose="020B0502040204020203" pitchFamily="34" charset="-122"/>
+              </a:rPr>
+              <a:t>法师或寺院</a:t>
+            </a:r>
+          </a:p>
+        </p:txBody>
+      </p:sp>
+      <p:sp>
+        <p:nvSpPr>
+          <p:cNvPr id="129" name="矩形: 圆角 128">
+            <a:extLst>
+              <a:ext uri="{FF2B5EF4-FFF2-40B4-BE49-F238E27FC236}">
+                <a16:creationId xmlns:a16="http://schemas.microsoft.com/office/drawing/2014/main" id="{4C4B19F3-0328-48BC-97D8-DAC8E749C950}"/>
+              </a:ext>
+            </a:extLst>
+          </p:cNvPr>
+          <p:cNvSpPr/>
+          <p:nvPr/>
+        </p:nvSpPr>
+        <p:spPr>
+          <a:xfrm>
+            <a:off x="2201396" y="1329705"/>
+            <a:ext cx="920899" cy="360000"/>
+          </a:xfrm>
+          <a:prstGeom prst="roundRect">
+            <a:avLst/>
+          </a:prstGeom>
+          <a:solidFill>
+            <a:srgbClr val="00B050"/>
+          </a:solidFill>
+          <a:ln>
+            <a:solidFill>
+              <a:schemeClr val="tx1"/>
+            </a:solidFill>
+          </a:ln>
+        </p:spPr>
+        <p:style>
+          <a:lnRef idx="2">
+            <a:schemeClr val="accent1">
+              <a:shade val="50000"/>
+            </a:schemeClr>
+          </a:lnRef>
+          <a:fillRef idx="1">
+            <a:schemeClr val="accent1"/>
+          </a:fillRef>
+          <a:effectRef idx="0">
+            <a:schemeClr val="accent1"/>
+          </a:effectRef>
+          <a:fontRef idx="minor">
+            <a:schemeClr val="lt1"/>
+          </a:fontRef>
+        </p:style>
+        <p:txBody>
+          <a:bodyPr wrap="none" lIns="36000" tIns="36000" rIns="36000" bIns="36000" rtlCol="0" anchor="ctr" anchorCtr="0"/>
+          <a:lstStyle/>
+          <a:p>
+            <a:r>
+              <a:rPr lang="zh-CN" altLang="en-US" sz="1000" b="1">
+                <a:solidFill>
+                  <a:schemeClr val="tx1"/>
+                </a:solidFill>
+                <a:latin typeface="微软雅黑 Light" panose="020B0502040204020203" pitchFamily="34" charset="-122"/>
+                <a:ea typeface="微软雅黑 Light" panose="020B0502040204020203" pitchFamily="34" charset="-122"/>
+              </a:rPr>
+              <a:t>添加善举</a:t>
+            </a:r>
+            <a:endParaRPr lang="en-US" altLang="zh-CN" sz="1000" b="1">
+              <a:solidFill>
+                <a:schemeClr val="tx1"/>
+              </a:solidFill>
+              <a:latin typeface="微软雅黑 Light" panose="020B0502040204020203" pitchFamily="34" charset="-122"/>
+              <a:ea typeface="微软雅黑 Light" panose="020B0502040204020203" pitchFamily="34" charset="-122"/>
+            </a:endParaRPr>
+          </a:p>
+          <a:p>
+            <a:r>
+              <a:rPr lang="en-US" altLang="zh-CN" sz="1000" b="1">
+                <a:solidFill>
+                  <a:schemeClr val="tx1"/>
+                </a:solidFill>
+                <a:latin typeface="微软雅黑 Light" panose="020B0502040204020203" pitchFamily="34" charset="-122"/>
+                <a:ea typeface="微软雅黑 Light" panose="020B0502040204020203" pitchFamily="34" charset="-122"/>
+              </a:rPr>
+              <a:t>add_kinddeed</a:t>
+            </a:r>
+            <a:endParaRPr lang="zh-CN" altLang="en-US" sz="1000" b="1">
+              <a:solidFill>
+                <a:schemeClr val="tx1"/>
+              </a:solidFill>
+              <a:latin typeface="微软雅黑 Light" panose="020B0502040204020203" pitchFamily="34" charset="-122"/>
+              <a:ea typeface="微软雅黑 Light" panose="020B0502040204020203" pitchFamily="34" charset="-122"/>
+            </a:endParaRPr>
+          </a:p>
+        </p:txBody>
+      </p:sp>
+      <p:cxnSp>
+        <p:nvCxnSpPr>
+          <p:cNvPr id="133" name="直接箭头连接符 132">
+            <a:extLst>
+              <a:ext uri="{FF2B5EF4-FFF2-40B4-BE49-F238E27FC236}">
+                <a16:creationId xmlns:a16="http://schemas.microsoft.com/office/drawing/2014/main" id="{3323236A-51D1-45A9-B579-8C9C1CB489DF}"/>
+              </a:ext>
+            </a:extLst>
+          </p:cNvPr>
+          <p:cNvCxnSpPr>
+            <a:cxnSpLocks/>
+            <a:stCxn id="127" idx="3"/>
+            <a:endCxn id="134" idx="1"/>
+          </p:cNvCxnSpPr>
+          <p:nvPr/>
+        </p:nvCxnSpPr>
+        <p:spPr>
+          <a:xfrm>
+            <a:off x="1371957" y="1509705"/>
+            <a:ext cx="198836" cy="0"/>
+          </a:xfrm>
+          <a:prstGeom prst="straightConnector1">
+            <a:avLst/>
+          </a:prstGeom>
+          <a:ln w="15875">
+            <a:solidFill>
+              <a:schemeClr val="tx1"/>
+            </a:solidFill>
+            <a:headEnd type="triangle"/>
+            <a:tailEnd type="triangle"/>
+          </a:ln>
+        </p:spPr>
+        <p:style>
+          <a:lnRef idx="1">
+            <a:schemeClr val="accent1"/>
+          </a:lnRef>
+          <a:fillRef idx="0">
+            <a:schemeClr val="accent1"/>
+          </a:fillRef>
+          <a:effectRef idx="0">
+            <a:schemeClr val="accent1"/>
+          </a:effectRef>
+          <a:fontRef idx="minor">
+            <a:schemeClr val="tx1"/>
+          </a:fontRef>
+        </p:style>
+      </p:cxnSp>
+      <p:sp>
+        <p:nvSpPr>
+          <p:cNvPr id="134" name="矩形: 圆角 133">
+            <a:extLst>
+              <a:ext uri="{FF2B5EF4-FFF2-40B4-BE49-F238E27FC236}">
+                <a16:creationId xmlns:a16="http://schemas.microsoft.com/office/drawing/2014/main" id="{5DA657E1-31BD-4904-B1E1-85DD7D4FFCAD}"/>
+              </a:ext>
+            </a:extLst>
+          </p:cNvPr>
+          <p:cNvSpPr/>
+          <p:nvPr/>
+        </p:nvSpPr>
+        <p:spPr>
+          <a:xfrm>
+            <a:off x="1570793" y="1329705"/>
+            <a:ext cx="387547" cy="360000"/>
+          </a:xfrm>
+          <a:prstGeom prst="roundRect">
+            <a:avLst/>
+          </a:prstGeom>
+          <a:solidFill>
+            <a:schemeClr val="accent4">
+              <a:lumMod val="40000"/>
+              <a:lumOff val="60000"/>
+            </a:schemeClr>
+          </a:solidFill>
+          <a:ln>
+            <a:solidFill>
+              <a:schemeClr val="tx1"/>
+            </a:solidFill>
+          </a:ln>
+        </p:spPr>
+        <p:style>
+          <a:lnRef idx="2">
+            <a:schemeClr val="accent1">
+              <a:shade val="50000"/>
+            </a:schemeClr>
+          </a:lnRef>
+          <a:fillRef idx="1">
+            <a:schemeClr val="accent1"/>
+          </a:fillRef>
+          <a:effectRef idx="0">
+            <a:schemeClr val="accent1"/>
+          </a:effectRef>
+          <a:fontRef idx="minor">
+            <a:schemeClr val="lt1"/>
+          </a:fontRef>
+        </p:style>
+        <p:txBody>
+          <a:bodyPr wrap="none" lIns="36000" tIns="36000" rIns="36000" bIns="36000" rtlCol="0" anchor="ctr" anchorCtr="0"/>
+          <a:lstStyle/>
+          <a:p>
+            <a:r>
+              <a:rPr lang="zh-CN" altLang="en-US" sz="1000" b="1">
+                <a:solidFill>
+                  <a:schemeClr val="tx1"/>
+                </a:solidFill>
+                <a:latin typeface="微软雅黑 Light" panose="020B0502040204020203" pitchFamily="34" charset="-122"/>
+                <a:ea typeface="微软雅黑 Light" panose="020B0502040204020203" pitchFamily="34" charset="-122"/>
+              </a:rPr>
+              <a:t>后端</a:t>
+            </a:r>
+          </a:p>
+        </p:txBody>
+      </p:sp>
+      <p:cxnSp>
+        <p:nvCxnSpPr>
+          <p:cNvPr id="136" name="直接箭头连接符 135">
+            <a:extLst>
+              <a:ext uri="{FF2B5EF4-FFF2-40B4-BE49-F238E27FC236}">
+                <a16:creationId xmlns:a16="http://schemas.microsoft.com/office/drawing/2014/main" id="{3DC4F5F2-B2B3-464F-80C8-F7A6B6D30764}"/>
+              </a:ext>
+            </a:extLst>
+          </p:cNvPr>
+          <p:cNvCxnSpPr>
+            <a:cxnSpLocks/>
+            <a:stCxn id="134" idx="3"/>
+            <a:endCxn id="129" idx="1"/>
+          </p:cNvCxnSpPr>
+          <p:nvPr/>
+        </p:nvCxnSpPr>
+        <p:spPr>
+          <a:xfrm>
+            <a:off x="1958340" y="1509705"/>
+            <a:ext cx="243056" cy="0"/>
+          </a:xfrm>
+          <a:prstGeom prst="straightConnector1">
+            <a:avLst/>
+          </a:prstGeom>
+          <a:ln w="15875">
+            <a:solidFill>
+              <a:schemeClr val="tx1"/>
+            </a:solidFill>
+            <a:headEnd type="triangle"/>
+            <a:tailEnd type="triangle"/>
+          </a:ln>
+        </p:spPr>
+        <p:style>
+          <a:lnRef idx="1">
+            <a:schemeClr val="accent1"/>
+          </a:lnRef>
+          <a:fillRef idx="0">
+            <a:schemeClr val="accent1"/>
+          </a:fillRef>
+          <a:effectRef idx="0">
+            <a:schemeClr val="accent1"/>
+          </a:effectRef>
+          <a:fontRef idx="minor">
+            <a:schemeClr val="tx1"/>
+          </a:fontRef>
+        </p:style>
+      </p:cxnSp>
+      <p:sp>
+        <p:nvSpPr>
+          <p:cNvPr id="137" name="矩形: 圆角 136">
+            <a:extLst>
+              <a:ext uri="{FF2B5EF4-FFF2-40B4-BE49-F238E27FC236}">
+                <a16:creationId xmlns:a16="http://schemas.microsoft.com/office/drawing/2014/main" id="{A70EB2BD-D172-4FC5-A7A1-18587394ACCC}"/>
+              </a:ext>
+            </a:extLst>
+          </p:cNvPr>
+          <p:cNvSpPr/>
+          <p:nvPr/>
+        </p:nvSpPr>
+        <p:spPr>
+          <a:xfrm>
+            <a:off x="3207672" y="1329705"/>
+            <a:ext cx="1047374" cy="360000"/>
+          </a:xfrm>
+          <a:prstGeom prst="roundRect">
+            <a:avLst/>
+          </a:prstGeom>
+          <a:solidFill>
+            <a:srgbClr val="00B050"/>
+          </a:solidFill>
+          <a:ln>
+            <a:solidFill>
+              <a:schemeClr val="tx1"/>
+            </a:solidFill>
+          </a:ln>
+        </p:spPr>
+        <p:style>
+          <a:lnRef idx="2">
+            <a:schemeClr val="accent1">
+              <a:shade val="50000"/>
+            </a:schemeClr>
+          </a:lnRef>
+          <a:fillRef idx="1">
+            <a:schemeClr val="accent1"/>
+          </a:fillRef>
+          <a:effectRef idx="0">
+            <a:schemeClr val="accent1"/>
+          </a:effectRef>
+          <a:fontRef idx="minor">
+            <a:schemeClr val="lt1"/>
+          </a:fontRef>
+        </p:style>
+        <p:txBody>
+          <a:bodyPr wrap="none" lIns="36000" tIns="36000" rIns="36000" bIns="36000" rtlCol="0" anchor="ctr" anchorCtr="0"/>
+          <a:lstStyle/>
+          <a:p>
+            <a:r>
+              <a:rPr lang="zh-CN" altLang="en-US" sz="1000" b="1">
+                <a:solidFill>
+                  <a:schemeClr val="tx1"/>
+                </a:solidFill>
+                <a:latin typeface="微软雅黑 Light" panose="020B0502040204020203" pitchFamily="34" charset="-122"/>
+                <a:ea typeface="微软雅黑 Light" panose="020B0502040204020203" pitchFamily="34" charset="-122"/>
+              </a:rPr>
+              <a:t>删除善举</a:t>
+            </a:r>
+            <a:endParaRPr lang="en-US" altLang="zh-CN" sz="1000" b="1">
+              <a:solidFill>
+                <a:schemeClr val="tx1"/>
+              </a:solidFill>
+              <a:latin typeface="微软雅黑 Light" panose="020B0502040204020203" pitchFamily="34" charset="-122"/>
+              <a:ea typeface="微软雅黑 Light" panose="020B0502040204020203" pitchFamily="34" charset="-122"/>
+            </a:endParaRPr>
+          </a:p>
+          <a:p>
+            <a:r>
+              <a:rPr lang="en-US" altLang="zh-CN" sz="1000" b="1">
+                <a:solidFill>
+                  <a:schemeClr val="tx1"/>
+                </a:solidFill>
+                <a:latin typeface="微软雅黑 Light" panose="020B0502040204020203" pitchFamily="34" charset="-122"/>
+                <a:ea typeface="微软雅黑 Light" panose="020B0502040204020203" pitchFamily="34" charset="-122"/>
+              </a:rPr>
+              <a:t>delete_kinddeed</a:t>
+            </a:r>
+            <a:endParaRPr lang="zh-CN" altLang="en-US" sz="1000" b="1">
+              <a:solidFill>
+                <a:schemeClr val="tx1"/>
+              </a:solidFill>
+              <a:latin typeface="微软雅黑 Light" panose="020B0502040204020203" pitchFamily="34" charset="-122"/>
+              <a:ea typeface="微软雅黑 Light" panose="020B0502040204020203" pitchFamily="34" charset="-122"/>
+            </a:endParaRPr>
+          </a:p>
+        </p:txBody>
+      </p:sp>
+      <p:sp>
+        <p:nvSpPr>
+          <p:cNvPr id="139" name="矩形: 圆角 138">
+            <a:extLst>
+              <a:ext uri="{FF2B5EF4-FFF2-40B4-BE49-F238E27FC236}">
+                <a16:creationId xmlns:a16="http://schemas.microsoft.com/office/drawing/2014/main" id="{97BC0456-EB21-4D2F-A602-2974F1C5A34E}"/>
+              </a:ext>
+            </a:extLst>
+          </p:cNvPr>
+          <p:cNvSpPr/>
+          <p:nvPr/>
+        </p:nvSpPr>
+        <p:spPr>
+          <a:xfrm>
+            <a:off x="4329988" y="1341643"/>
+            <a:ext cx="1092192" cy="360000"/>
+          </a:xfrm>
+          <a:prstGeom prst="roundRect">
+            <a:avLst/>
+          </a:prstGeom>
+          <a:solidFill>
+            <a:srgbClr val="00B050"/>
+          </a:solidFill>
+          <a:ln>
+            <a:solidFill>
+              <a:schemeClr val="tx1"/>
+            </a:solidFill>
+          </a:ln>
+        </p:spPr>
+        <p:style>
+          <a:lnRef idx="2">
+            <a:schemeClr val="accent1">
+              <a:shade val="50000"/>
+            </a:schemeClr>
+          </a:lnRef>
+          <a:fillRef idx="1">
+            <a:schemeClr val="accent1"/>
+          </a:fillRef>
+          <a:effectRef idx="0">
+            <a:schemeClr val="accent1"/>
+          </a:effectRef>
+          <a:fontRef idx="minor">
+            <a:schemeClr val="lt1"/>
+          </a:fontRef>
+        </p:style>
+        <p:txBody>
+          <a:bodyPr wrap="none" lIns="36000" tIns="36000" rIns="36000" bIns="36000" rtlCol="0" anchor="ctr" anchorCtr="0"/>
+          <a:lstStyle/>
+          <a:p>
+            <a:r>
+              <a:rPr lang="zh-CN" altLang="en-US" sz="1000" b="1">
+                <a:solidFill>
+                  <a:schemeClr val="tx1"/>
+                </a:solidFill>
+                <a:latin typeface="微软雅黑 Light" panose="020B0502040204020203" pitchFamily="34" charset="-122"/>
+                <a:ea typeface="微软雅黑 Light" panose="020B0502040204020203" pitchFamily="34" charset="-122"/>
+              </a:rPr>
+              <a:t>修改善举</a:t>
+            </a:r>
+            <a:endParaRPr lang="en-US" altLang="zh-CN" sz="1000" b="1">
+              <a:solidFill>
+                <a:schemeClr val="tx1"/>
+              </a:solidFill>
+              <a:latin typeface="微软雅黑 Light" panose="020B0502040204020203" pitchFamily="34" charset="-122"/>
+              <a:ea typeface="微软雅黑 Light" panose="020B0502040204020203" pitchFamily="34" charset="-122"/>
+            </a:endParaRPr>
+          </a:p>
+          <a:p>
+            <a:r>
+              <a:rPr lang="en-US" altLang="zh-CN" sz="1000" b="1">
+                <a:solidFill>
+                  <a:schemeClr val="tx1"/>
+                </a:solidFill>
+                <a:latin typeface="微软雅黑 Light" panose="020B0502040204020203" pitchFamily="34" charset="-122"/>
+                <a:ea typeface="微软雅黑 Light" panose="020B0502040204020203" pitchFamily="34" charset="-122"/>
+              </a:rPr>
+              <a:t>update_kinddeed</a:t>
+            </a:r>
+            <a:endParaRPr lang="zh-CN" altLang="en-US" sz="1000" b="1">
+              <a:solidFill>
+                <a:schemeClr val="tx1"/>
+              </a:solidFill>
+              <a:latin typeface="微软雅黑 Light" panose="020B0502040204020203" pitchFamily="34" charset="-122"/>
+              <a:ea typeface="微软雅黑 Light" panose="020B0502040204020203" pitchFamily="34" charset="-122"/>
+            </a:endParaRPr>
+          </a:p>
+        </p:txBody>
+      </p:sp>
+      <p:grpSp>
+        <p:nvGrpSpPr>
+          <p:cNvPr id="36" name="组合 35">
+            <a:extLst>
+              <a:ext uri="{FF2B5EF4-FFF2-40B4-BE49-F238E27FC236}">
+                <a16:creationId xmlns:a16="http://schemas.microsoft.com/office/drawing/2014/main" id="{F7A57498-8D75-4736-B785-0369DF9EF72D}"/>
+              </a:ext>
+            </a:extLst>
+          </p:cNvPr>
+          <p:cNvGrpSpPr/>
+          <p:nvPr/>
+        </p:nvGrpSpPr>
+        <p:grpSpPr>
+          <a:xfrm>
+            <a:off x="5941964" y="2530462"/>
+            <a:ext cx="3341867" cy="360000"/>
+            <a:chOff x="6322964" y="2832917"/>
+            <a:chExt cx="3341867" cy="360000"/>
+          </a:xfrm>
+        </p:grpSpPr>
+        <p:sp>
+          <p:nvSpPr>
+            <p:cNvPr id="140" name="矩形: 圆角 139">
+              <a:extLst>
+                <a:ext uri="{FF2B5EF4-FFF2-40B4-BE49-F238E27FC236}">
+                  <a16:creationId xmlns:a16="http://schemas.microsoft.com/office/drawing/2014/main" id="{CC58FB55-2AAA-4EE7-9AAE-10A6446FCB77}"/>
+                </a:ext>
+              </a:extLst>
+            </p:cNvPr>
+            <p:cNvSpPr/>
+            <p:nvPr/>
+          </p:nvSpPr>
+          <p:spPr>
+            <a:xfrm>
+              <a:off x="6322964" y="2832917"/>
+              <a:ext cx="1644296" cy="360000"/>
+            </a:xfrm>
+            <a:prstGeom prst="roundRect">
+              <a:avLst/>
+            </a:prstGeom>
+            <a:solidFill>
+              <a:srgbClr val="00B050"/>
+            </a:solidFill>
+            <a:ln>
+              <a:solidFill>
+                <a:schemeClr val="tx1"/>
+              </a:solidFill>
+            </a:ln>
+          </p:spPr>
+          <p:style>
+            <a:lnRef idx="2">
+              <a:schemeClr val="accent1">
+                <a:shade val="50000"/>
+              </a:schemeClr>
+            </a:lnRef>
+            <a:fillRef idx="1">
+              <a:schemeClr val="accent1"/>
+            </a:fillRef>
+            <a:effectRef idx="0">
+              <a:schemeClr val="accent1"/>
+            </a:effectRef>
+            <a:fontRef idx="minor">
+              <a:schemeClr val="lt1"/>
+            </a:fontRef>
+          </p:style>
+          <p:txBody>
+            <a:bodyPr wrap="none" lIns="36000" tIns="36000" rIns="36000" bIns="36000" rtlCol="0" anchor="ctr" anchorCtr="0"/>
+            <a:lstStyle/>
+            <a:p>
+              <a:r>
+                <a:rPr lang="zh-CN" altLang="en-US" sz="1000" b="1">
+                  <a:solidFill>
+                    <a:schemeClr val="tx1"/>
+                  </a:solidFill>
+                  <a:latin typeface="微软雅黑 Light" panose="020B0502040204020203" pitchFamily="34" charset="-122"/>
+                  <a:ea typeface="微软雅黑 Light" panose="020B0502040204020203" pitchFamily="34" charset="-122"/>
+                </a:rPr>
+                <a:t>批准善举上架</a:t>
+              </a:r>
+              <a:endParaRPr lang="en-US" altLang="zh-CN" sz="1000" b="1">
+                <a:solidFill>
+                  <a:schemeClr val="tx1"/>
+                </a:solidFill>
+                <a:latin typeface="微软雅黑 Light" panose="020B0502040204020203" pitchFamily="34" charset="-122"/>
+                <a:ea typeface="微软雅黑 Light" panose="020B0502040204020203" pitchFamily="34" charset="-122"/>
+              </a:endParaRPr>
+            </a:p>
+            <a:p>
+              <a:r>
+                <a:rPr lang="en-US" altLang="zh-CN" sz="1000" b="1">
+                  <a:solidFill>
+                    <a:schemeClr val="tx1"/>
+                  </a:solidFill>
+                  <a:latin typeface="微软雅黑 Light" panose="020B0502040204020203" pitchFamily="34" charset="-122"/>
+                  <a:ea typeface="微软雅黑 Light" panose="020B0502040204020203" pitchFamily="34" charset="-122"/>
+                </a:rPr>
+                <a:t>approve_online_kinddeed</a:t>
+              </a:r>
+              <a:endParaRPr lang="zh-CN" altLang="en-US" sz="1000" b="1">
+                <a:solidFill>
+                  <a:schemeClr val="tx1"/>
+                </a:solidFill>
+                <a:latin typeface="微软雅黑 Light" panose="020B0502040204020203" pitchFamily="34" charset="-122"/>
+                <a:ea typeface="微软雅黑 Light" panose="020B0502040204020203" pitchFamily="34" charset="-122"/>
+              </a:endParaRPr>
+            </a:p>
+          </p:txBody>
+        </p:sp>
+        <p:sp>
+          <p:nvSpPr>
+            <p:cNvPr id="141" name="矩形: 圆角 140">
+              <a:extLst>
+                <a:ext uri="{FF2B5EF4-FFF2-40B4-BE49-F238E27FC236}">
+                  <a16:creationId xmlns:a16="http://schemas.microsoft.com/office/drawing/2014/main" id="{96453972-9F6D-4B36-9730-7739DE5DBD3A}"/>
+                </a:ext>
+              </a:extLst>
+            </p:cNvPr>
+            <p:cNvSpPr/>
+            <p:nvPr/>
+          </p:nvSpPr>
+          <p:spPr>
+            <a:xfrm>
+              <a:off x="8012888" y="2832917"/>
+              <a:ext cx="1651943" cy="360000"/>
+            </a:xfrm>
+            <a:prstGeom prst="roundRect">
+              <a:avLst/>
+            </a:prstGeom>
+            <a:solidFill>
+              <a:srgbClr val="00B050"/>
+            </a:solidFill>
+            <a:ln>
+              <a:solidFill>
+                <a:schemeClr val="tx1"/>
+              </a:solidFill>
+            </a:ln>
+          </p:spPr>
+          <p:style>
+            <a:lnRef idx="2">
+              <a:schemeClr val="accent1">
+                <a:shade val="50000"/>
+              </a:schemeClr>
+            </a:lnRef>
+            <a:fillRef idx="1">
+              <a:schemeClr val="accent1"/>
+            </a:fillRef>
+            <a:effectRef idx="0">
+              <a:schemeClr val="accent1"/>
+            </a:effectRef>
+            <a:fontRef idx="minor">
+              <a:schemeClr val="lt1"/>
+            </a:fontRef>
+          </p:style>
+          <p:txBody>
+            <a:bodyPr wrap="none" lIns="36000" tIns="36000" rIns="36000" bIns="36000" rtlCol="0" anchor="ctr" anchorCtr="0"/>
+            <a:lstStyle/>
+            <a:p>
+              <a:r>
+                <a:rPr lang="zh-CN" altLang="en-US" sz="1000" b="1">
+                  <a:solidFill>
+                    <a:schemeClr val="tx1"/>
+                  </a:solidFill>
+                  <a:latin typeface="微软雅黑 Light" panose="020B0502040204020203" pitchFamily="34" charset="-122"/>
+                  <a:ea typeface="微软雅黑 Light" panose="020B0502040204020203" pitchFamily="34" charset="-122"/>
+                </a:rPr>
+                <a:t>批准善举下架</a:t>
+              </a:r>
+              <a:endParaRPr lang="en-US" altLang="zh-CN" sz="1000" b="1">
+                <a:solidFill>
+                  <a:schemeClr val="tx1"/>
+                </a:solidFill>
+                <a:latin typeface="微软雅黑 Light" panose="020B0502040204020203" pitchFamily="34" charset="-122"/>
+                <a:ea typeface="微软雅黑 Light" panose="020B0502040204020203" pitchFamily="34" charset="-122"/>
+              </a:endParaRPr>
+            </a:p>
+            <a:p>
+              <a:r>
+                <a:rPr lang="en-US" altLang="zh-CN" sz="1000" b="1">
+                  <a:solidFill>
+                    <a:schemeClr val="tx1"/>
+                  </a:solidFill>
+                  <a:latin typeface="微软雅黑 Light" panose="020B0502040204020203" pitchFamily="34" charset="-122"/>
+                  <a:ea typeface="微软雅黑 Light" panose="020B0502040204020203" pitchFamily="34" charset="-122"/>
+                </a:rPr>
+                <a:t>approve_offline_kinddeed</a:t>
+              </a:r>
+              <a:endParaRPr lang="zh-CN" altLang="en-US" sz="1000" b="1">
+                <a:solidFill>
+                  <a:schemeClr val="tx1"/>
+                </a:solidFill>
+                <a:latin typeface="微软雅黑 Light" panose="020B0502040204020203" pitchFamily="34" charset="-122"/>
+                <a:ea typeface="微软雅黑 Light" panose="020B0502040204020203" pitchFamily="34" charset="-122"/>
+              </a:endParaRPr>
+            </a:p>
+          </p:txBody>
+        </p:sp>
+      </p:grpSp>
+      <p:grpSp>
+        <p:nvGrpSpPr>
+          <p:cNvPr id="17" name="组合 16">
+            <a:extLst>
+              <a:ext uri="{FF2B5EF4-FFF2-40B4-BE49-F238E27FC236}">
+                <a16:creationId xmlns:a16="http://schemas.microsoft.com/office/drawing/2014/main" id="{E227B287-B0F5-4D9D-AA91-FE2B7D4FE4D1}"/>
+              </a:ext>
+            </a:extLst>
+          </p:cNvPr>
+          <p:cNvGrpSpPr/>
+          <p:nvPr/>
+        </p:nvGrpSpPr>
+        <p:grpSpPr>
+          <a:xfrm>
+            <a:off x="2225652" y="1779093"/>
+            <a:ext cx="2908196" cy="360101"/>
+            <a:chOff x="2353162" y="3675185"/>
+            <a:chExt cx="2908196" cy="360101"/>
+          </a:xfrm>
+        </p:grpSpPr>
+        <p:sp>
+          <p:nvSpPr>
+            <p:cNvPr id="143" name="矩形: 圆角 142">
+              <a:extLst>
+                <a:ext uri="{FF2B5EF4-FFF2-40B4-BE49-F238E27FC236}">
+                  <a16:creationId xmlns:a16="http://schemas.microsoft.com/office/drawing/2014/main" id="{9A6A9BDE-A966-4EDB-A01C-1F56194E2590}"/>
+                </a:ext>
+              </a:extLst>
+            </p:cNvPr>
+            <p:cNvSpPr/>
+            <p:nvPr/>
+          </p:nvSpPr>
+          <p:spPr>
+            <a:xfrm>
+              <a:off x="2353162" y="3675185"/>
+              <a:ext cx="1421078" cy="360000"/>
+            </a:xfrm>
+            <a:prstGeom prst="roundRect">
+              <a:avLst/>
+            </a:prstGeom>
+            <a:solidFill>
+              <a:srgbClr val="00B050"/>
+            </a:solidFill>
+            <a:ln>
+              <a:solidFill>
+                <a:schemeClr val="tx1"/>
+              </a:solidFill>
+            </a:ln>
+          </p:spPr>
+          <p:style>
+            <a:lnRef idx="2">
+              <a:schemeClr val="accent1">
+                <a:shade val="50000"/>
+              </a:schemeClr>
+            </a:lnRef>
+            <a:fillRef idx="1">
+              <a:schemeClr val="accent1"/>
+            </a:fillRef>
+            <a:effectRef idx="0">
+              <a:schemeClr val="accent1"/>
+            </a:effectRef>
+            <a:fontRef idx="minor">
+              <a:schemeClr val="lt1"/>
+            </a:fontRef>
+          </p:style>
+          <p:txBody>
+            <a:bodyPr wrap="none" lIns="36000" tIns="36000" rIns="36000" bIns="36000" rtlCol="0" anchor="ctr" anchorCtr="0"/>
+            <a:lstStyle/>
+            <a:p>
+              <a:r>
+                <a:rPr lang="zh-CN" altLang="en-US" sz="1000" b="1">
+                  <a:solidFill>
+                    <a:schemeClr val="tx1"/>
+                  </a:solidFill>
+                  <a:latin typeface="微软雅黑 Light" panose="020B0502040204020203" pitchFamily="34" charset="-122"/>
+                  <a:ea typeface="微软雅黑 Light" panose="020B0502040204020203" pitchFamily="34" charset="-122"/>
+                </a:rPr>
+                <a:t>申请上架善举</a:t>
+              </a:r>
+              <a:endParaRPr lang="en-US" altLang="zh-CN" sz="1000" b="1">
+                <a:solidFill>
+                  <a:schemeClr val="tx1"/>
+                </a:solidFill>
+                <a:latin typeface="微软雅黑 Light" panose="020B0502040204020203" pitchFamily="34" charset="-122"/>
+                <a:ea typeface="微软雅黑 Light" panose="020B0502040204020203" pitchFamily="34" charset="-122"/>
+              </a:endParaRPr>
+            </a:p>
+            <a:p>
+              <a:r>
+                <a:rPr lang="en-US" altLang="zh-CN" sz="1000" b="1">
+                  <a:solidFill>
+                    <a:schemeClr val="tx1"/>
+                  </a:solidFill>
+                  <a:latin typeface="微软雅黑 Light" panose="020B0502040204020203" pitchFamily="34" charset="-122"/>
+                  <a:ea typeface="微软雅黑 Light" panose="020B0502040204020203" pitchFamily="34" charset="-122"/>
+                </a:rPr>
+                <a:t>apply_online_kinddeed</a:t>
+              </a:r>
+              <a:endParaRPr lang="zh-CN" altLang="en-US" sz="1000" b="1">
+                <a:solidFill>
+                  <a:schemeClr val="tx1"/>
+                </a:solidFill>
+                <a:latin typeface="微软雅黑 Light" panose="020B0502040204020203" pitchFamily="34" charset="-122"/>
+                <a:ea typeface="微软雅黑 Light" panose="020B0502040204020203" pitchFamily="34" charset="-122"/>
+              </a:endParaRPr>
+            </a:p>
+          </p:txBody>
+        </p:sp>
+        <p:sp>
+          <p:nvSpPr>
+            <p:cNvPr id="144" name="矩形: 圆角 143">
+              <a:extLst>
+                <a:ext uri="{FF2B5EF4-FFF2-40B4-BE49-F238E27FC236}">
+                  <a16:creationId xmlns:a16="http://schemas.microsoft.com/office/drawing/2014/main" id="{0BC7F2CD-DE79-4552-BA88-35BA8F763D7E}"/>
+                </a:ext>
+              </a:extLst>
+            </p:cNvPr>
+            <p:cNvSpPr/>
+            <p:nvPr/>
+          </p:nvSpPr>
+          <p:spPr>
+            <a:xfrm>
+              <a:off x="3840280" y="3675286"/>
+              <a:ext cx="1421078" cy="360000"/>
+            </a:xfrm>
+            <a:prstGeom prst="roundRect">
+              <a:avLst/>
+            </a:prstGeom>
+            <a:solidFill>
+              <a:srgbClr val="00B050"/>
+            </a:solidFill>
+            <a:ln>
+              <a:solidFill>
+                <a:schemeClr val="tx1"/>
+              </a:solidFill>
+            </a:ln>
+          </p:spPr>
+          <p:style>
+            <a:lnRef idx="2">
+              <a:schemeClr val="accent1">
+                <a:shade val="50000"/>
+              </a:schemeClr>
+            </a:lnRef>
+            <a:fillRef idx="1">
+              <a:schemeClr val="accent1"/>
+            </a:fillRef>
+            <a:effectRef idx="0">
+              <a:schemeClr val="accent1"/>
+            </a:effectRef>
+            <a:fontRef idx="minor">
+              <a:schemeClr val="lt1"/>
+            </a:fontRef>
+          </p:style>
+          <p:txBody>
+            <a:bodyPr wrap="none" lIns="36000" tIns="36000" rIns="36000" bIns="36000" rtlCol="0" anchor="ctr" anchorCtr="0"/>
+            <a:lstStyle/>
+            <a:p>
+              <a:r>
+                <a:rPr lang="zh-CN" altLang="en-US" sz="1000" b="1">
+                  <a:solidFill>
+                    <a:schemeClr val="tx1"/>
+                  </a:solidFill>
+                  <a:latin typeface="微软雅黑 Light" panose="020B0502040204020203" pitchFamily="34" charset="-122"/>
+                  <a:ea typeface="微软雅黑 Light" panose="020B0502040204020203" pitchFamily="34" charset="-122"/>
+                </a:rPr>
+                <a:t>申请下架善举</a:t>
+              </a:r>
+              <a:endParaRPr lang="en-US" altLang="zh-CN" sz="1000" b="1">
+                <a:solidFill>
+                  <a:schemeClr val="tx1"/>
+                </a:solidFill>
+                <a:latin typeface="微软雅黑 Light" panose="020B0502040204020203" pitchFamily="34" charset="-122"/>
+                <a:ea typeface="微软雅黑 Light" panose="020B0502040204020203" pitchFamily="34" charset="-122"/>
+              </a:endParaRPr>
+            </a:p>
+            <a:p>
+              <a:r>
+                <a:rPr lang="en-US" altLang="zh-CN" sz="1000" b="1">
+                  <a:solidFill>
+                    <a:schemeClr val="tx1"/>
+                  </a:solidFill>
+                  <a:latin typeface="微软雅黑 Light" panose="020B0502040204020203" pitchFamily="34" charset="-122"/>
+                  <a:ea typeface="微软雅黑 Light" panose="020B0502040204020203" pitchFamily="34" charset="-122"/>
+                </a:rPr>
+                <a:t>apply_offline_kinddeed</a:t>
+              </a:r>
+              <a:endParaRPr lang="zh-CN" altLang="en-US" sz="1000" b="1">
+                <a:solidFill>
+                  <a:schemeClr val="tx1"/>
+                </a:solidFill>
+                <a:latin typeface="微软雅黑 Light" panose="020B0502040204020203" pitchFamily="34" charset="-122"/>
+                <a:ea typeface="微软雅黑 Light" panose="020B0502040204020203" pitchFamily="34" charset="-122"/>
+              </a:endParaRPr>
+            </a:p>
+          </p:txBody>
+        </p:sp>
+      </p:grpSp>
+      <p:cxnSp>
+        <p:nvCxnSpPr>
+          <p:cNvPr id="147" name="直接箭头连接符 146">
+            <a:extLst>
+              <a:ext uri="{FF2B5EF4-FFF2-40B4-BE49-F238E27FC236}">
+                <a16:creationId xmlns:a16="http://schemas.microsoft.com/office/drawing/2014/main" id="{B4EA27B9-725E-495D-822F-CA0F86EE82D1}"/>
+              </a:ext>
+            </a:extLst>
+          </p:cNvPr>
+          <p:cNvCxnSpPr>
+            <a:cxnSpLocks/>
+            <a:stCxn id="141" idx="2"/>
+            <a:endCxn id="77" idx="0"/>
+          </p:cNvCxnSpPr>
+          <p:nvPr/>
+        </p:nvCxnSpPr>
+        <p:spPr>
+          <a:xfrm flipH="1">
+            <a:off x="7612898" y="2890462"/>
+            <a:ext cx="844962" cy="404101"/>
+          </a:xfrm>
+          <a:prstGeom prst="straightConnector1">
+            <a:avLst/>
+          </a:prstGeom>
+          <a:ln w="28575">
+            <a:solidFill>
+              <a:srgbClr val="FF0000"/>
+            </a:solidFill>
+            <a:tailEnd type="triangle"/>
+          </a:ln>
+        </p:spPr>
+        <p:style>
+          <a:lnRef idx="1">
+            <a:schemeClr val="accent1"/>
+          </a:lnRef>
+          <a:fillRef idx="0">
+            <a:schemeClr val="accent1"/>
+          </a:fillRef>
+          <a:effectRef idx="0">
+            <a:schemeClr val="accent1"/>
+          </a:effectRef>
+          <a:fontRef idx="minor">
+            <a:schemeClr val="tx1"/>
+          </a:fontRef>
+        </p:style>
+      </p:cxnSp>
+      <p:sp>
+        <p:nvSpPr>
+          <p:cNvPr id="55" name="矩形 54">
+            <a:extLst>
+              <a:ext uri="{FF2B5EF4-FFF2-40B4-BE49-F238E27FC236}">
+                <a16:creationId xmlns:a16="http://schemas.microsoft.com/office/drawing/2014/main" id="{AF95C99F-6BBC-4D7C-9B25-D2D1C7595816}"/>
+              </a:ext>
+            </a:extLst>
+          </p:cNvPr>
+          <p:cNvSpPr/>
+          <p:nvPr/>
+        </p:nvSpPr>
+        <p:spPr>
+          <a:xfrm>
+            <a:off x="472441" y="4379091"/>
+            <a:ext cx="8811390" cy="2192274"/>
+          </a:xfrm>
+          <a:prstGeom prst="rect">
+            <a:avLst/>
+          </a:prstGeom>
+          <a:solidFill>
+            <a:schemeClr val="bg1">
+              <a:lumMod val="95000"/>
+            </a:schemeClr>
+          </a:solidFill>
+          <a:ln>
+            <a:noFill/>
+          </a:ln>
+        </p:spPr>
+        <p:style>
+          <a:lnRef idx="2">
+            <a:schemeClr val="accent1">
+              <a:shade val="50000"/>
+            </a:schemeClr>
+          </a:lnRef>
+          <a:fillRef idx="1">
+            <a:schemeClr val="accent1"/>
+          </a:fillRef>
+          <a:effectRef idx="0">
+            <a:schemeClr val="accent1"/>
+          </a:effectRef>
+          <a:fontRef idx="minor">
+            <a:schemeClr val="lt1"/>
+          </a:fontRef>
+        </p:style>
+        <p:txBody>
+          <a:bodyPr rtlCol="0" anchor="ctr"/>
+          <a:lstStyle/>
+          <a:p>
+            <a:pPr algn="ctr"/>
+            <a:endParaRPr lang="zh-CN" altLang="en-US"/>
+          </a:p>
+        </p:txBody>
+      </p:sp>
+      <p:sp>
+        <p:nvSpPr>
+          <p:cNvPr id="56" name="文本框 55">
+            <a:extLst>
+              <a:ext uri="{FF2B5EF4-FFF2-40B4-BE49-F238E27FC236}">
+                <a16:creationId xmlns:a16="http://schemas.microsoft.com/office/drawing/2014/main" id="{11C7285D-466D-4ECA-8B11-2E61E2A5CDC4}"/>
+              </a:ext>
+            </a:extLst>
+          </p:cNvPr>
+          <p:cNvSpPr txBox="1"/>
+          <p:nvPr/>
+        </p:nvSpPr>
+        <p:spPr>
+          <a:xfrm>
+            <a:off x="411495" y="4060591"/>
+            <a:ext cx="3108543" cy="276999"/>
+          </a:xfrm>
+          <a:prstGeom prst="rect">
+            <a:avLst/>
+          </a:prstGeom>
+          <a:noFill/>
+        </p:spPr>
+        <p:txBody>
+          <a:bodyPr wrap="none" rtlCol="0">
+            <a:spAutoFit/>
+          </a:bodyPr>
+          <a:lstStyle/>
+          <a:p>
+            <a:r>
+              <a:rPr lang="zh-CN" altLang="en-US" sz="1200" b="1"/>
+              <a:t>基金会成员授权法师或寺院上传的善举凭证</a:t>
+            </a:r>
+          </a:p>
+        </p:txBody>
+      </p:sp>
+      <p:sp>
+        <p:nvSpPr>
+          <p:cNvPr id="58" name="矩形: 圆角 57">
+            <a:extLst>
+              <a:ext uri="{FF2B5EF4-FFF2-40B4-BE49-F238E27FC236}">
+                <a16:creationId xmlns:a16="http://schemas.microsoft.com/office/drawing/2014/main" id="{DC0D6DA9-96A1-4B85-BBB0-BCEADF0D6421}"/>
+              </a:ext>
+            </a:extLst>
+          </p:cNvPr>
+          <p:cNvSpPr/>
+          <p:nvPr/>
+        </p:nvSpPr>
+        <p:spPr>
+          <a:xfrm>
+            <a:off x="3908929" y="5272004"/>
+            <a:ext cx="806306" cy="360000"/>
+          </a:xfrm>
+          <a:prstGeom prst="roundRect">
+            <a:avLst/>
+          </a:prstGeom>
+          <a:solidFill>
+            <a:srgbClr val="00B0F0"/>
+          </a:solidFill>
+          <a:ln>
+            <a:solidFill>
+              <a:schemeClr val="tx1"/>
+            </a:solidFill>
+          </a:ln>
+        </p:spPr>
+        <p:style>
+          <a:lnRef idx="2">
+            <a:schemeClr val="accent1">
+              <a:shade val="50000"/>
+            </a:schemeClr>
+          </a:lnRef>
+          <a:fillRef idx="1">
+            <a:schemeClr val="accent1"/>
+          </a:fillRef>
+          <a:effectRef idx="0">
+            <a:schemeClr val="accent1"/>
+          </a:effectRef>
+          <a:fontRef idx="minor">
+            <a:schemeClr val="lt1"/>
+          </a:fontRef>
+        </p:style>
+        <p:txBody>
+          <a:bodyPr wrap="none" lIns="36000" tIns="36000" rIns="36000" bIns="36000" rtlCol="0" anchor="ctr" anchorCtr="0"/>
+          <a:lstStyle/>
+          <a:p>
+            <a:r>
+              <a:rPr lang="zh-CN" altLang="en-US" sz="1000" b="1">
+                <a:solidFill>
+                  <a:schemeClr val="tx1"/>
+                </a:solidFill>
+                <a:latin typeface="微软雅黑 Light" panose="020B0502040204020203" pitchFamily="34" charset="-122"/>
+                <a:ea typeface="微软雅黑 Light" panose="020B0502040204020203" pitchFamily="34" charset="-122"/>
+              </a:rPr>
+              <a:t>基金会成员</a:t>
+            </a:r>
+            <a:r>
+              <a:rPr lang="en-US" altLang="zh-CN" sz="1000" b="1">
+                <a:solidFill>
+                  <a:schemeClr val="tx1"/>
+                </a:solidFill>
+                <a:latin typeface="微软雅黑 Light" panose="020B0502040204020203" pitchFamily="34" charset="-122"/>
+                <a:ea typeface="微软雅黑 Light" panose="020B0502040204020203" pitchFamily="34" charset="-122"/>
+              </a:rPr>
+              <a:t>x</a:t>
+            </a:r>
+            <a:endParaRPr lang="zh-CN" altLang="en-US" sz="1000" b="1">
+              <a:solidFill>
+                <a:schemeClr val="tx1"/>
+              </a:solidFill>
+              <a:latin typeface="微软雅黑 Light" panose="020B0502040204020203" pitchFamily="34" charset="-122"/>
+              <a:ea typeface="微软雅黑 Light" panose="020B0502040204020203" pitchFamily="34" charset="-122"/>
+            </a:endParaRPr>
+          </a:p>
+        </p:txBody>
+      </p:sp>
+      <p:cxnSp>
+        <p:nvCxnSpPr>
+          <p:cNvPr id="65" name="直接箭头连接符 64">
+            <a:extLst>
+              <a:ext uri="{FF2B5EF4-FFF2-40B4-BE49-F238E27FC236}">
+                <a16:creationId xmlns:a16="http://schemas.microsoft.com/office/drawing/2014/main" id="{C0CEE7C4-D377-4548-A2C1-E5D65C05267A}"/>
+              </a:ext>
+            </a:extLst>
+          </p:cNvPr>
+          <p:cNvCxnSpPr>
+            <a:cxnSpLocks/>
+            <a:stCxn id="89" idx="3"/>
+            <a:endCxn id="68" idx="1"/>
+          </p:cNvCxnSpPr>
+          <p:nvPr/>
+        </p:nvCxnSpPr>
+        <p:spPr>
+          <a:xfrm>
+            <a:off x="1371957" y="4703171"/>
+            <a:ext cx="181450" cy="0"/>
+          </a:xfrm>
+          <a:prstGeom prst="straightConnector1">
+            <a:avLst/>
+          </a:prstGeom>
+          <a:ln w="15875">
+            <a:solidFill>
+              <a:schemeClr val="tx1"/>
+            </a:solidFill>
+            <a:tailEnd type="triangle"/>
+          </a:ln>
+        </p:spPr>
+        <p:style>
+          <a:lnRef idx="1">
+            <a:schemeClr val="accent1"/>
+          </a:lnRef>
+          <a:fillRef idx="0">
+            <a:schemeClr val="accent1"/>
+          </a:fillRef>
+          <a:effectRef idx="0">
+            <a:schemeClr val="accent1"/>
+          </a:effectRef>
+          <a:fontRef idx="minor">
+            <a:schemeClr val="tx1"/>
+          </a:fontRef>
+        </p:style>
+      </p:cxnSp>
+      <p:sp>
+        <p:nvSpPr>
+          <p:cNvPr id="68" name="矩形: 圆角 67">
+            <a:extLst>
+              <a:ext uri="{FF2B5EF4-FFF2-40B4-BE49-F238E27FC236}">
+                <a16:creationId xmlns:a16="http://schemas.microsoft.com/office/drawing/2014/main" id="{1039D72B-8BE6-455B-8A56-84DC795926E7}"/>
+              </a:ext>
+            </a:extLst>
+          </p:cNvPr>
+          <p:cNvSpPr/>
+          <p:nvPr/>
+        </p:nvSpPr>
+        <p:spPr>
+          <a:xfrm>
+            <a:off x="1553407" y="4523171"/>
+            <a:ext cx="387547" cy="360000"/>
+          </a:xfrm>
+          <a:prstGeom prst="roundRect">
+            <a:avLst/>
+          </a:prstGeom>
+          <a:solidFill>
+            <a:schemeClr val="accent4">
+              <a:lumMod val="40000"/>
+              <a:lumOff val="60000"/>
+            </a:schemeClr>
+          </a:solidFill>
+          <a:ln>
+            <a:solidFill>
+              <a:schemeClr val="tx1"/>
+            </a:solidFill>
+          </a:ln>
+        </p:spPr>
+        <p:style>
+          <a:lnRef idx="2">
+            <a:schemeClr val="accent1">
+              <a:shade val="50000"/>
+            </a:schemeClr>
+          </a:lnRef>
+          <a:fillRef idx="1">
+            <a:schemeClr val="accent1"/>
+          </a:fillRef>
+          <a:effectRef idx="0">
+            <a:schemeClr val="accent1"/>
+          </a:effectRef>
+          <a:fontRef idx="minor">
+            <a:schemeClr val="lt1"/>
+          </a:fontRef>
+        </p:style>
+        <p:txBody>
+          <a:bodyPr wrap="none" lIns="36000" tIns="36000" rIns="36000" bIns="36000" rtlCol="0" anchor="ctr" anchorCtr="0"/>
+          <a:lstStyle/>
+          <a:p>
+            <a:r>
+              <a:rPr lang="zh-CN" altLang="en-US" sz="1000" b="1">
+                <a:solidFill>
+                  <a:schemeClr val="tx1"/>
+                </a:solidFill>
+                <a:latin typeface="微软雅黑 Light" panose="020B0502040204020203" pitchFamily="34" charset="-122"/>
+                <a:ea typeface="微软雅黑 Light" panose="020B0502040204020203" pitchFamily="34" charset="-122"/>
+              </a:rPr>
+              <a:t>后端</a:t>
+            </a:r>
+          </a:p>
+        </p:txBody>
+      </p:sp>
+      <p:cxnSp>
+        <p:nvCxnSpPr>
+          <p:cNvPr id="70" name="直接箭头连接符 69">
+            <a:extLst>
+              <a:ext uri="{FF2B5EF4-FFF2-40B4-BE49-F238E27FC236}">
+                <a16:creationId xmlns:a16="http://schemas.microsoft.com/office/drawing/2014/main" id="{7D2299AC-0E50-4656-B598-6D0419739805}"/>
+              </a:ext>
+            </a:extLst>
+          </p:cNvPr>
+          <p:cNvCxnSpPr>
+            <a:cxnSpLocks/>
+            <a:stCxn id="68" idx="3"/>
+            <a:endCxn id="90" idx="1"/>
+          </p:cNvCxnSpPr>
+          <p:nvPr/>
+        </p:nvCxnSpPr>
+        <p:spPr>
+          <a:xfrm flipV="1">
+            <a:off x="1940954" y="4697590"/>
+            <a:ext cx="284698" cy="5581"/>
+          </a:xfrm>
+          <a:prstGeom prst="straightConnector1">
+            <a:avLst/>
+          </a:prstGeom>
+          <a:ln w="15875">
+            <a:solidFill>
+              <a:schemeClr val="tx1"/>
+            </a:solidFill>
+            <a:tailEnd type="triangle"/>
+          </a:ln>
+        </p:spPr>
+        <p:style>
+          <a:lnRef idx="1">
+            <a:schemeClr val="accent1"/>
+          </a:lnRef>
+          <a:fillRef idx="0">
+            <a:schemeClr val="accent1"/>
+          </a:fillRef>
+          <a:effectRef idx="0">
+            <a:schemeClr val="accent1"/>
+          </a:effectRef>
+          <a:fontRef idx="minor">
+            <a:schemeClr val="tx1"/>
+          </a:fontRef>
+        </p:style>
+      </p:cxnSp>
+      <p:cxnSp>
+        <p:nvCxnSpPr>
+          <p:cNvPr id="73" name="直接箭头连接符 72">
+            <a:extLst>
+              <a:ext uri="{FF2B5EF4-FFF2-40B4-BE49-F238E27FC236}">
+                <a16:creationId xmlns:a16="http://schemas.microsoft.com/office/drawing/2014/main" id="{D0E9F8D0-1EA6-4C7D-A209-D7ECA7224C9E}"/>
+              </a:ext>
+            </a:extLst>
+          </p:cNvPr>
+          <p:cNvCxnSpPr>
+            <a:cxnSpLocks/>
+            <a:stCxn id="90" idx="2"/>
+            <a:endCxn id="79" idx="0"/>
+          </p:cNvCxnSpPr>
+          <p:nvPr/>
+        </p:nvCxnSpPr>
+        <p:spPr>
+          <a:xfrm>
+            <a:off x="2978528" y="4877590"/>
+            <a:ext cx="0" cy="394414"/>
+          </a:xfrm>
+          <a:prstGeom prst="straightConnector1">
+            <a:avLst/>
+          </a:prstGeom>
+          <a:ln w="28575">
+            <a:solidFill>
+              <a:srgbClr val="FF0000"/>
+            </a:solidFill>
+            <a:tailEnd type="triangle"/>
+          </a:ln>
+        </p:spPr>
+        <p:style>
+          <a:lnRef idx="1">
+            <a:schemeClr val="accent1"/>
+          </a:lnRef>
+          <a:fillRef idx="0">
+            <a:schemeClr val="accent1"/>
+          </a:fillRef>
+          <a:effectRef idx="0">
+            <a:schemeClr val="accent1"/>
+          </a:effectRef>
+          <a:fontRef idx="minor">
+            <a:schemeClr val="tx1"/>
+          </a:fontRef>
+        </p:style>
+      </p:cxnSp>
+      <p:sp>
+        <p:nvSpPr>
+          <p:cNvPr id="79" name="矩形: 圆角 78">
+            <a:extLst>
+              <a:ext uri="{FF2B5EF4-FFF2-40B4-BE49-F238E27FC236}">
+                <a16:creationId xmlns:a16="http://schemas.microsoft.com/office/drawing/2014/main" id="{7F8969B1-F6FC-439F-8E5E-87275B8E7C7E}"/>
+              </a:ext>
+            </a:extLst>
+          </p:cNvPr>
+          <p:cNvSpPr/>
+          <p:nvPr/>
+        </p:nvSpPr>
+        <p:spPr>
+          <a:xfrm>
+            <a:off x="2784754" y="5272004"/>
+            <a:ext cx="387547" cy="360000"/>
+          </a:xfrm>
+          <a:prstGeom prst="roundRect">
+            <a:avLst/>
+          </a:prstGeom>
+          <a:solidFill>
+            <a:schemeClr val="accent4">
+              <a:lumMod val="40000"/>
+              <a:lumOff val="60000"/>
+            </a:schemeClr>
+          </a:solidFill>
+          <a:ln>
+            <a:solidFill>
+              <a:schemeClr val="tx1"/>
+            </a:solidFill>
+          </a:ln>
+        </p:spPr>
+        <p:style>
+          <a:lnRef idx="2">
+            <a:schemeClr val="accent1">
+              <a:shade val="50000"/>
+            </a:schemeClr>
+          </a:lnRef>
+          <a:fillRef idx="1">
+            <a:schemeClr val="accent1"/>
+          </a:fillRef>
+          <a:effectRef idx="0">
+            <a:schemeClr val="accent1"/>
+          </a:effectRef>
+          <a:fontRef idx="minor">
+            <a:schemeClr val="lt1"/>
+          </a:fontRef>
+        </p:style>
+        <p:txBody>
+          <a:bodyPr wrap="none" lIns="36000" tIns="36000" rIns="36000" bIns="36000" rtlCol="0" anchor="ctr" anchorCtr="0"/>
+          <a:lstStyle/>
+          <a:p>
+            <a:r>
+              <a:rPr lang="zh-CN" altLang="en-US" sz="1000" b="1">
+                <a:solidFill>
+                  <a:schemeClr val="tx1"/>
+                </a:solidFill>
+                <a:latin typeface="微软雅黑 Light" panose="020B0502040204020203" pitchFamily="34" charset="-122"/>
+                <a:ea typeface="微软雅黑 Light" panose="020B0502040204020203" pitchFamily="34" charset="-122"/>
+              </a:rPr>
+              <a:t>后端</a:t>
+            </a:r>
+          </a:p>
+        </p:txBody>
+      </p:sp>
+      <p:cxnSp>
+        <p:nvCxnSpPr>
+          <p:cNvPr id="81" name="直接箭头连接符 80">
+            <a:extLst>
+              <a:ext uri="{FF2B5EF4-FFF2-40B4-BE49-F238E27FC236}">
+                <a16:creationId xmlns:a16="http://schemas.microsoft.com/office/drawing/2014/main" id="{087C1668-E3F0-455C-948B-3BF3673FA5EA}"/>
+              </a:ext>
+            </a:extLst>
+          </p:cNvPr>
+          <p:cNvCxnSpPr>
+            <a:cxnSpLocks/>
+            <a:stCxn id="79" idx="3"/>
+            <a:endCxn id="58" idx="1"/>
+          </p:cNvCxnSpPr>
+          <p:nvPr/>
+        </p:nvCxnSpPr>
+        <p:spPr>
+          <a:xfrm>
+            <a:off x="3172301" y="5452004"/>
+            <a:ext cx="736628" cy="0"/>
+          </a:xfrm>
+          <a:prstGeom prst="straightConnector1">
+            <a:avLst/>
+          </a:prstGeom>
+          <a:ln w="25400">
+            <a:solidFill>
+              <a:srgbClr val="00B050"/>
+            </a:solidFill>
+            <a:tailEnd type="triangle"/>
+          </a:ln>
+        </p:spPr>
+        <p:style>
+          <a:lnRef idx="1">
+            <a:schemeClr val="accent1"/>
+          </a:lnRef>
+          <a:fillRef idx="0">
+            <a:schemeClr val="accent1"/>
+          </a:fillRef>
+          <a:effectRef idx="0">
+            <a:schemeClr val="accent1"/>
+          </a:effectRef>
+          <a:fontRef idx="minor">
+            <a:schemeClr val="tx1"/>
+          </a:fontRef>
+        </p:style>
+      </p:cxnSp>
+      <p:cxnSp>
+        <p:nvCxnSpPr>
+          <p:cNvPr id="82" name="直接箭头连接符 81">
+            <a:extLst>
+              <a:ext uri="{FF2B5EF4-FFF2-40B4-BE49-F238E27FC236}">
+                <a16:creationId xmlns:a16="http://schemas.microsoft.com/office/drawing/2014/main" id="{BCDB0C7B-BCB4-4F79-B54B-778D657D7528}"/>
+              </a:ext>
+            </a:extLst>
+          </p:cNvPr>
+          <p:cNvCxnSpPr>
+            <a:cxnSpLocks/>
+            <a:stCxn id="58" idx="3"/>
+            <a:endCxn id="83" idx="1"/>
+          </p:cNvCxnSpPr>
+          <p:nvPr/>
+        </p:nvCxnSpPr>
+        <p:spPr>
+          <a:xfrm>
+            <a:off x="4715235" y="5452004"/>
+            <a:ext cx="221752" cy="0"/>
+          </a:xfrm>
+          <a:prstGeom prst="straightConnector1">
+            <a:avLst/>
+          </a:prstGeom>
+          <a:ln w="15875">
+            <a:solidFill>
+              <a:schemeClr val="tx1"/>
+            </a:solidFill>
+            <a:tailEnd type="triangle"/>
+          </a:ln>
+        </p:spPr>
+        <p:style>
+          <a:lnRef idx="1">
+            <a:schemeClr val="accent1"/>
+          </a:lnRef>
+          <a:fillRef idx="0">
+            <a:schemeClr val="accent1"/>
+          </a:fillRef>
+          <a:effectRef idx="0">
+            <a:schemeClr val="accent1"/>
+          </a:effectRef>
+          <a:fontRef idx="minor">
+            <a:schemeClr val="tx1"/>
+          </a:fontRef>
+        </p:style>
+      </p:cxnSp>
+      <p:sp>
+        <p:nvSpPr>
+          <p:cNvPr id="83" name="矩形: 圆角 82">
+            <a:extLst>
+              <a:ext uri="{FF2B5EF4-FFF2-40B4-BE49-F238E27FC236}">
+                <a16:creationId xmlns:a16="http://schemas.microsoft.com/office/drawing/2014/main" id="{B161FCCC-3427-4E36-AD3B-052185B0BEC9}"/>
+              </a:ext>
+            </a:extLst>
+          </p:cNvPr>
+          <p:cNvSpPr/>
+          <p:nvPr/>
+        </p:nvSpPr>
+        <p:spPr>
+          <a:xfrm>
+            <a:off x="4936987" y="5272004"/>
+            <a:ext cx="387547" cy="360000"/>
+          </a:xfrm>
+          <a:prstGeom prst="roundRect">
+            <a:avLst/>
+          </a:prstGeom>
+          <a:solidFill>
+            <a:schemeClr val="accent4">
+              <a:lumMod val="40000"/>
+              <a:lumOff val="60000"/>
+            </a:schemeClr>
+          </a:solidFill>
+          <a:ln>
+            <a:solidFill>
+              <a:schemeClr val="tx1"/>
+            </a:solidFill>
+          </a:ln>
+        </p:spPr>
+        <p:style>
+          <a:lnRef idx="2">
+            <a:schemeClr val="accent1">
+              <a:shade val="50000"/>
+            </a:schemeClr>
+          </a:lnRef>
+          <a:fillRef idx="1">
+            <a:schemeClr val="accent1"/>
+          </a:fillRef>
+          <a:effectRef idx="0">
+            <a:schemeClr val="accent1"/>
+          </a:effectRef>
+          <a:fontRef idx="minor">
+            <a:schemeClr val="lt1"/>
+          </a:fontRef>
+        </p:style>
+        <p:txBody>
+          <a:bodyPr wrap="none" lIns="36000" tIns="36000" rIns="36000" bIns="36000" rtlCol="0" anchor="ctr" anchorCtr="0"/>
+          <a:lstStyle/>
+          <a:p>
+            <a:r>
+              <a:rPr lang="zh-CN" altLang="en-US" sz="1000" b="1">
+                <a:solidFill>
+                  <a:schemeClr val="tx1"/>
+                </a:solidFill>
+                <a:latin typeface="微软雅黑 Light" panose="020B0502040204020203" pitchFamily="34" charset="-122"/>
+                <a:ea typeface="微软雅黑 Light" panose="020B0502040204020203" pitchFamily="34" charset="-122"/>
+              </a:rPr>
+              <a:t>后端</a:t>
+            </a:r>
+          </a:p>
+        </p:txBody>
+      </p:sp>
+      <p:cxnSp>
+        <p:nvCxnSpPr>
+          <p:cNvPr id="84" name="直接箭头连接符 83">
+            <a:extLst>
+              <a:ext uri="{FF2B5EF4-FFF2-40B4-BE49-F238E27FC236}">
+                <a16:creationId xmlns:a16="http://schemas.microsoft.com/office/drawing/2014/main" id="{5FA28F7D-D3D7-4F7B-86B5-B15578FD7732}"/>
+              </a:ext>
+            </a:extLst>
+          </p:cNvPr>
+          <p:cNvCxnSpPr>
+            <a:cxnSpLocks/>
+            <a:stCxn id="83" idx="3"/>
+            <a:endCxn id="91" idx="1"/>
+          </p:cNvCxnSpPr>
+          <p:nvPr/>
+        </p:nvCxnSpPr>
+        <p:spPr>
+          <a:xfrm flipV="1">
+            <a:off x="5324534" y="5451818"/>
+            <a:ext cx="251488" cy="186"/>
+          </a:xfrm>
+          <a:prstGeom prst="straightConnector1">
+            <a:avLst/>
+          </a:prstGeom>
+          <a:ln w="15875">
+            <a:solidFill>
+              <a:schemeClr val="tx1"/>
+            </a:solidFill>
+            <a:tailEnd type="triangle"/>
+          </a:ln>
+        </p:spPr>
+        <p:style>
+          <a:lnRef idx="1">
+            <a:schemeClr val="accent1"/>
+          </a:lnRef>
+          <a:fillRef idx="0">
+            <a:schemeClr val="accent1"/>
+          </a:fillRef>
+          <a:effectRef idx="0">
+            <a:schemeClr val="accent1"/>
+          </a:effectRef>
+          <a:fontRef idx="minor">
+            <a:schemeClr val="tx1"/>
+          </a:fontRef>
+        </p:style>
+      </p:cxnSp>
+      <p:cxnSp>
+        <p:nvCxnSpPr>
+          <p:cNvPr id="85" name="直接箭头连接符 84">
+            <a:extLst>
+              <a:ext uri="{FF2B5EF4-FFF2-40B4-BE49-F238E27FC236}">
+                <a16:creationId xmlns:a16="http://schemas.microsoft.com/office/drawing/2014/main" id="{5EB8D0D6-83C3-46FB-A365-1EA7E174A5D5}"/>
+              </a:ext>
+            </a:extLst>
+          </p:cNvPr>
+          <p:cNvCxnSpPr>
+            <a:cxnSpLocks/>
+            <a:stCxn id="91" idx="2"/>
+            <a:endCxn id="86" idx="0"/>
+          </p:cNvCxnSpPr>
+          <p:nvPr/>
+        </p:nvCxnSpPr>
+        <p:spPr>
+          <a:xfrm>
+            <a:off x="6376061" y="5631818"/>
+            <a:ext cx="1" cy="328087"/>
+          </a:xfrm>
+          <a:prstGeom prst="straightConnector1">
+            <a:avLst/>
+          </a:prstGeom>
+          <a:ln w="28575">
+            <a:solidFill>
+              <a:srgbClr val="FF0000"/>
+            </a:solidFill>
+            <a:tailEnd type="triangle"/>
+          </a:ln>
+        </p:spPr>
+        <p:style>
+          <a:lnRef idx="1">
+            <a:schemeClr val="accent1"/>
+          </a:lnRef>
+          <a:fillRef idx="0">
+            <a:schemeClr val="accent1"/>
+          </a:fillRef>
+          <a:effectRef idx="0">
+            <a:schemeClr val="accent1"/>
+          </a:effectRef>
+          <a:fontRef idx="minor">
+            <a:schemeClr val="tx1"/>
+          </a:fontRef>
+        </p:style>
+      </p:cxnSp>
+      <p:sp>
+        <p:nvSpPr>
+          <p:cNvPr id="86" name="矩形: 圆角 85">
+            <a:extLst>
+              <a:ext uri="{FF2B5EF4-FFF2-40B4-BE49-F238E27FC236}">
+                <a16:creationId xmlns:a16="http://schemas.microsoft.com/office/drawing/2014/main" id="{B35D4D94-01AD-42E3-9FC5-7DEC93659296}"/>
+              </a:ext>
+            </a:extLst>
+          </p:cNvPr>
+          <p:cNvSpPr/>
+          <p:nvPr/>
+        </p:nvSpPr>
+        <p:spPr>
+          <a:xfrm>
+            <a:off x="6182288" y="5959905"/>
+            <a:ext cx="387547" cy="360000"/>
+          </a:xfrm>
+          <a:prstGeom prst="roundRect">
+            <a:avLst/>
+          </a:prstGeom>
+          <a:solidFill>
+            <a:schemeClr val="accent4">
+              <a:lumMod val="40000"/>
+              <a:lumOff val="60000"/>
+            </a:schemeClr>
+          </a:solidFill>
+          <a:ln>
+            <a:solidFill>
+              <a:schemeClr val="tx1"/>
+            </a:solidFill>
+          </a:ln>
+        </p:spPr>
+        <p:style>
+          <a:lnRef idx="2">
+            <a:schemeClr val="accent1">
+              <a:shade val="50000"/>
+            </a:schemeClr>
+          </a:lnRef>
+          <a:fillRef idx="1">
+            <a:schemeClr val="accent1"/>
+          </a:fillRef>
+          <a:effectRef idx="0">
+            <a:schemeClr val="accent1"/>
+          </a:effectRef>
+          <a:fontRef idx="minor">
+            <a:schemeClr val="lt1"/>
+          </a:fontRef>
+        </p:style>
+        <p:txBody>
+          <a:bodyPr wrap="none" lIns="36000" tIns="36000" rIns="36000" bIns="36000" rtlCol="0" anchor="ctr" anchorCtr="0"/>
+          <a:lstStyle/>
+          <a:p>
+            <a:r>
+              <a:rPr lang="zh-CN" altLang="en-US" sz="1000" b="1">
+                <a:solidFill>
+                  <a:schemeClr val="tx1"/>
+                </a:solidFill>
+                <a:latin typeface="微软雅黑 Light" panose="020B0502040204020203" pitchFamily="34" charset="-122"/>
+                <a:ea typeface="微软雅黑 Light" panose="020B0502040204020203" pitchFamily="34" charset="-122"/>
+              </a:rPr>
+              <a:t>后端</a:t>
+            </a:r>
+          </a:p>
+        </p:txBody>
+      </p:sp>
+      <p:cxnSp>
+        <p:nvCxnSpPr>
+          <p:cNvPr id="87" name="直接箭头连接符 86">
+            <a:extLst>
+              <a:ext uri="{FF2B5EF4-FFF2-40B4-BE49-F238E27FC236}">
+                <a16:creationId xmlns:a16="http://schemas.microsoft.com/office/drawing/2014/main" id="{537B6127-2B1B-4B9C-A54C-2296F76A8BB3}"/>
+              </a:ext>
+            </a:extLst>
+          </p:cNvPr>
+          <p:cNvCxnSpPr>
+            <a:cxnSpLocks/>
+            <a:stCxn id="86" idx="3"/>
+            <a:endCxn id="88" idx="1"/>
+          </p:cNvCxnSpPr>
+          <p:nvPr/>
+        </p:nvCxnSpPr>
+        <p:spPr>
+          <a:xfrm>
+            <a:off x="6569835" y="6139905"/>
+            <a:ext cx="868980" cy="0"/>
+          </a:xfrm>
+          <a:prstGeom prst="straightConnector1">
+            <a:avLst/>
+          </a:prstGeom>
+          <a:ln w="25400">
+            <a:solidFill>
+              <a:srgbClr val="00B050"/>
+            </a:solidFill>
+            <a:tailEnd type="triangle"/>
+          </a:ln>
+        </p:spPr>
+        <p:style>
+          <a:lnRef idx="1">
+            <a:schemeClr val="accent1"/>
+          </a:lnRef>
+          <a:fillRef idx="0">
+            <a:schemeClr val="accent1"/>
+          </a:fillRef>
+          <a:effectRef idx="0">
+            <a:schemeClr val="accent1"/>
+          </a:effectRef>
+          <a:fontRef idx="minor">
+            <a:schemeClr val="tx1"/>
+          </a:fontRef>
+        </p:style>
+      </p:cxnSp>
+      <p:sp>
+        <p:nvSpPr>
+          <p:cNvPr id="88" name="矩形: 圆角 87">
+            <a:extLst>
+              <a:ext uri="{FF2B5EF4-FFF2-40B4-BE49-F238E27FC236}">
+                <a16:creationId xmlns:a16="http://schemas.microsoft.com/office/drawing/2014/main" id="{DF005EBF-325A-4F3F-9E7D-46D508115CBB}"/>
+              </a:ext>
+            </a:extLst>
+          </p:cNvPr>
+          <p:cNvSpPr/>
+          <p:nvPr/>
+        </p:nvSpPr>
+        <p:spPr>
+          <a:xfrm>
+            <a:off x="7438815" y="5959905"/>
+            <a:ext cx="720000" cy="360000"/>
+          </a:xfrm>
+          <a:prstGeom prst="roundRect">
+            <a:avLst/>
+          </a:prstGeom>
+          <a:solidFill>
+            <a:srgbClr val="00B0F0"/>
+          </a:solidFill>
+          <a:ln>
+            <a:solidFill>
+              <a:schemeClr val="tx1"/>
+            </a:solidFill>
+          </a:ln>
+        </p:spPr>
+        <p:style>
+          <a:lnRef idx="2">
+            <a:schemeClr val="accent1">
+              <a:shade val="50000"/>
+            </a:schemeClr>
+          </a:lnRef>
+          <a:fillRef idx="1">
+            <a:schemeClr val="accent1"/>
+          </a:fillRef>
+          <a:effectRef idx="0">
+            <a:schemeClr val="accent1"/>
+          </a:effectRef>
+          <a:fontRef idx="minor">
+            <a:schemeClr val="lt1"/>
+          </a:fontRef>
+        </p:style>
+        <p:txBody>
+          <a:bodyPr wrap="none" lIns="36000" tIns="36000" rIns="36000" bIns="36000" rtlCol="0" anchor="ctr" anchorCtr="0"/>
+          <a:lstStyle/>
+          <a:p>
+            <a:r>
+              <a:rPr lang="zh-CN" altLang="en-US" sz="1000" b="1">
+                <a:solidFill>
+                  <a:schemeClr val="tx1"/>
+                </a:solidFill>
+                <a:latin typeface="微软雅黑 Light" panose="020B0502040204020203" pitchFamily="34" charset="-122"/>
+                <a:ea typeface="微软雅黑 Light" panose="020B0502040204020203" pitchFamily="34" charset="-122"/>
+              </a:rPr>
+              <a:t>法师或寺院</a:t>
+            </a:r>
+          </a:p>
+        </p:txBody>
+      </p:sp>
+      <p:sp>
+        <p:nvSpPr>
+          <p:cNvPr id="89" name="矩形: 圆角 88">
+            <a:extLst>
+              <a:ext uri="{FF2B5EF4-FFF2-40B4-BE49-F238E27FC236}">
+                <a16:creationId xmlns:a16="http://schemas.microsoft.com/office/drawing/2014/main" id="{B78DB536-A8FF-4A8B-ACAA-8C8C00A6C295}"/>
+              </a:ext>
+            </a:extLst>
+          </p:cNvPr>
+          <p:cNvSpPr/>
+          <p:nvPr/>
+        </p:nvSpPr>
+        <p:spPr>
+          <a:xfrm>
+            <a:off x="651957" y="4523171"/>
+            <a:ext cx="720000" cy="360000"/>
+          </a:xfrm>
+          <a:prstGeom prst="roundRect">
+            <a:avLst/>
+          </a:prstGeom>
+          <a:solidFill>
+            <a:srgbClr val="00B0F0"/>
+          </a:solidFill>
+          <a:ln>
+            <a:solidFill>
+              <a:schemeClr val="tx1"/>
+            </a:solidFill>
+          </a:ln>
+        </p:spPr>
+        <p:style>
+          <a:lnRef idx="2">
+            <a:schemeClr val="accent1">
+              <a:shade val="50000"/>
+            </a:schemeClr>
+          </a:lnRef>
+          <a:fillRef idx="1">
+            <a:schemeClr val="accent1"/>
+          </a:fillRef>
+          <a:effectRef idx="0">
+            <a:schemeClr val="accent1"/>
+          </a:effectRef>
+          <a:fontRef idx="minor">
+            <a:schemeClr val="lt1"/>
+          </a:fontRef>
+        </p:style>
+        <p:txBody>
+          <a:bodyPr wrap="none" lIns="36000" tIns="36000" rIns="36000" bIns="36000" rtlCol="0" anchor="ctr" anchorCtr="0"/>
+          <a:lstStyle/>
+          <a:p>
+            <a:r>
+              <a:rPr lang="zh-CN" altLang="en-US" sz="1000" b="1">
+                <a:solidFill>
+                  <a:schemeClr val="tx1"/>
+                </a:solidFill>
+                <a:latin typeface="微软雅黑 Light" panose="020B0502040204020203" pitchFamily="34" charset="-122"/>
+                <a:ea typeface="微软雅黑 Light" panose="020B0502040204020203" pitchFamily="34" charset="-122"/>
+              </a:rPr>
+              <a:t>法师或寺院</a:t>
+            </a:r>
+          </a:p>
+        </p:txBody>
+      </p:sp>
+      <p:sp>
+        <p:nvSpPr>
+          <p:cNvPr id="90" name="矩形: 圆角 89">
+            <a:extLst>
+              <a:ext uri="{FF2B5EF4-FFF2-40B4-BE49-F238E27FC236}">
+                <a16:creationId xmlns:a16="http://schemas.microsoft.com/office/drawing/2014/main" id="{8530F58A-D064-4AFA-8988-A0A1B8F56010}"/>
+              </a:ext>
+            </a:extLst>
+          </p:cNvPr>
+          <p:cNvSpPr/>
+          <p:nvPr/>
+        </p:nvSpPr>
+        <p:spPr>
+          <a:xfrm>
+            <a:off x="2225652" y="4517590"/>
+            <a:ext cx="1505751" cy="360000"/>
+          </a:xfrm>
+          <a:prstGeom prst="roundRect">
+            <a:avLst/>
+          </a:prstGeom>
+          <a:solidFill>
+            <a:srgbClr val="00B050"/>
+          </a:solidFill>
+          <a:ln>
+            <a:solidFill>
+              <a:schemeClr val="tx1"/>
+            </a:solidFill>
+          </a:ln>
+        </p:spPr>
+        <p:style>
+          <a:lnRef idx="2">
+            <a:schemeClr val="accent1">
+              <a:shade val="50000"/>
+            </a:schemeClr>
+          </a:lnRef>
+          <a:fillRef idx="1">
+            <a:schemeClr val="accent1"/>
+          </a:fillRef>
+          <a:effectRef idx="0">
+            <a:schemeClr val="accent1"/>
+          </a:effectRef>
+          <a:fontRef idx="minor">
+            <a:schemeClr val="lt1"/>
+          </a:fontRef>
+        </p:style>
+        <p:txBody>
+          <a:bodyPr wrap="none" lIns="36000" tIns="36000" rIns="36000" bIns="36000" rtlCol="0" anchor="ctr" anchorCtr="0"/>
+          <a:lstStyle/>
+          <a:p>
+            <a:r>
+              <a:rPr lang="zh-CN" altLang="en-US" sz="1000" b="1">
+                <a:solidFill>
+                  <a:schemeClr val="tx1"/>
+                </a:solidFill>
+                <a:latin typeface="微软雅黑 Light" panose="020B0502040204020203" pitchFamily="34" charset="-122"/>
+                <a:ea typeface="微软雅黑 Light" panose="020B0502040204020203" pitchFamily="34" charset="-122"/>
+              </a:rPr>
+              <a:t>上传善举凭证</a:t>
+            </a:r>
+            <a:endParaRPr lang="en-US" altLang="zh-CN" sz="1000" b="1">
+              <a:solidFill>
+                <a:schemeClr val="tx1"/>
+              </a:solidFill>
+              <a:latin typeface="微软雅黑 Light" panose="020B0502040204020203" pitchFamily="34" charset="-122"/>
+              <a:ea typeface="微软雅黑 Light" panose="020B0502040204020203" pitchFamily="34" charset="-122"/>
+            </a:endParaRPr>
+          </a:p>
+          <a:p>
+            <a:r>
+              <a:rPr lang="en-US" altLang="zh-CN" sz="1000" b="1">
+                <a:solidFill>
+                  <a:schemeClr val="tx1"/>
+                </a:solidFill>
+                <a:latin typeface="微软雅黑 Light" panose="020B0502040204020203" pitchFamily="34" charset="-122"/>
+                <a:ea typeface="微软雅黑 Light" panose="020B0502040204020203" pitchFamily="34" charset="-122"/>
+              </a:rPr>
+              <a:t>upload_kinddeed_proof</a:t>
+            </a:r>
+            <a:endParaRPr lang="zh-CN" altLang="en-US" sz="1000" b="1">
+              <a:solidFill>
+                <a:schemeClr val="tx1"/>
+              </a:solidFill>
+              <a:latin typeface="微软雅黑 Light" panose="020B0502040204020203" pitchFamily="34" charset="-122"/>
+              <a:ea typeface="微软雅黑 Light" panose="020B0502040204020203" pitchFamily="34" charset="-122"/>
+            </a:endParaRPr>
+          </a:p>
+        </p:txBody>
+      </p:sp>
+      <p:sp>
+        <p:nvSpPr>
+          <p:cNvPr id="91" name="矩形: 圆角 90">
+            <a:extLst>
+              <a:ext uri="{FF2B5EF4-FFF2-40B4-BE49-F238E27FC236}">
+                <a16:creationId xmlns:a16="http://schemas.microsoft.com/office/drawing/2014/main" id="{BB6DB12F-E071-4921-BE08-4F0140422434}"/>
+              </a:ext>
+            </a:extLst>
+          </p:cNvPr>
+          <p:cNvSpPr/>
+          <p:nvPr/>
+        </p:nvSpPr>
+        <p:spPr>
+          <a:xfrm>
+            <a:off x="5576022" y="5271818"/>
+            <a:ext cx="1600078" cy="360000"/>
+          </a:xfrm>
+          <a:prstGeom prst="roundRect">
+            <a:avLst/>
+          </a:prstGeom>
+          <a:solidFill>
+            <a:srgbClr val="00B050"/>
+          </a:solidFill>
+          <a:ln>
+            <a:solidFill>
+              <a:schemeClr val="tx1"/>
+            </a:solidFill>
+          </a:ln>
+        </p:spPr>
+        <p:style>
+          <a:lnRef idx="2">
+            <a:schemeClr val="accent1">
+              <a:shade val="50000"/>
+            </a:schemeClr>
+          </a:lnRef>
+          <a:fillRef idx="1">
+            <a:schemeClr val="accent1"/>
+          </a:fillRef>
+          <a:effectRef idx="0">
+            <a:schemeClr val="accent1"/>
+          </a:effectRef>
+          <a:fontRef idx="minor">
+            <a:schemeClr val="lt1"/>
+          </a:fontRef>
+        </p:style>
+        <p:txBody>
+          <a:bodyPr wrap="none" lIns="36000" tIns="36000" rIns="36000" bIns="36000" rtlCol="0" anchor="ctr" anchorCtr="0"/>
+          <a:lstStyle/>
+          <a:p>
+            <a:r>
+              <a:rPr lang="zh-CN" altLang="en-US" sz="1000" b="1">
+                <a:solidFill>
+                  <a:schemeClr val="tx1"/>
+                </a:solidFill>
+                <a:latin typeface="微软雅黑 Light" panose="020B0502040204020203" pitchFamily="34" charset="-122"/>
+                <a:ea typeface="微软雅黑 Light" panose="020B0502040204020203" pitchFamily="34" charset="-122"/>
+              </a:rPr>
+              <a:t>批准善举凭证</a:t>
+            </a:r>
+            <a:endParaRPr lang="en-US" altLang="zh-CN" sz="1000" b="1">
+              <a:solidFill>
+                <a:schemeClr val="tx1"/>
+              </a:solidFill>
+              <a:latin typeface="微软雅黑 Light" panose="020B0502040204020203" pitchFamily="34" charset="-122"/>
+              <a:ea typeface="微软雅黑 Light" panose="020B0502040204020203" pitchFamily="34" charset="-122"/>
+            </a:endParaRPr>
+          </a:p>
+          <a:p>
+            <a:r>
+              <a:rPr lang="en-US" altLang="zh-CN" sz="1000" b="1">
+                <a:solidFill>
+                  <a:schemeClr val="tx1"/>
+                </a:solidFill>
+                <a:latin typeface="微软雅黑 Light" panose="020B0502040204020203" pitchFamily="34" charset="-122"/>
+                <a:ea typeface="微软雅黑 Light" panose="020B0502040204020203" pitchFamily="34" charset="-122"/>
+              </a:rPr>
+              <a:t>approve_kinddeed_proof</a:t>
+            </a:r>
+            <a:endParaRPr lang="zh-CN" altLang="en-US" sz="1000" b="1">
+              <a:solidFill>
+                <a:schemeClr val="tx1"/>
+              </a:solidFill>
+              <a:latin typeface="微软雅黑 Light" panose="020B0502040204020203" pitchFamily="34" charset="-122"/>
+              <a:ea typeface="微软雅黑 Light" panose="020B0502040204020203" pitchFamily="34" charset="-122"/>
+            </a:endParaRPr>
+          </a:p>
+        </p:txBody>
+      </p:sp>
+    </p:spTree>
+    <p:extLst>
+      <p:ext uri="{BB962C8B-B14F-4D97-AF65-F5344CB8AC3E}">
+        <p14:creationId xmlns:p14="http://schemas.microsoft.com/office/powerpoint/2010/main" val="2215664890"/>
+      </p:ext>
+    </p:extLst>
+  </p:cSld>
+  <p:clrMapOvr>
+    <a:masterClrMapping/>
+  </p:clrMapOvr>
+</p:sld>
+</file>
+
+<file path=ppt/slides/slide4.xml><?xml version="1.0" encoding="utf-8"?>
+<p:sld xmlns:a="http://schemas.openxmlformats.org/drawingml/2006/main" xmlns:r="http://schemas.openxmlformats.org/officeDocument/2006/relationships" xmlns:p="http://schemas.openxmlformats.org/presentationml/2006/main">
+  <p:cSld>
+    <p:spTree>
+      <p:nvGrpSpPr>
+        <p:cNvPr id="1" name=""/>
+        <p:cNvGrpSpPr/>
+        <p:nvPr/>
+      </p:nvGrpSpPr>
+      <p:grpSpPr>
+        <a:xfrm>
+          <a:off x="0" y="0"/>
+          <a:ext cx="0" cy="0"/>
+          <a:chOff x="0" y="0"/>
+          <a:chExt cx="0" cy="0"/>
+        </a:xfrm>
+      </p:grpSpPr>
+      <p:sp>
+        <p:nvSpPr>
+          <p:cNvPr id="73" name="矩形 72">
+            <a:extLst>
+              <a:ext uri="{FF2B5EF4-FFF2-40B4-BE49-F238E27FC236}">
+                <a16:creationId xmlns:a16="http://schemas.microsoft.com/office/drawing/2014/main" id="{C5BAF906-CA6E-4744-8006-FBA604155293}"/>
+              </a:ext>
+            </a:extLst>
+          </p:cNvPr>
+          <p:cNvSpPr/>
+          <p:nvPr/>
+        </p:nvSpPr>
+        <p:spPr>
+          <a:xfrm>
+            <a:off x="472441" y="1485173"/>
+            <a:ext cx="9713505" cy="3781281"/>
+          </a:xfrm>
+          <a:prstGeom prst="rect">
+            <a:avLst/>
+          </a:prstGeom>
+          <a:solidFill>
+            <a:schemeClr val="bg1">
+              <a:lumMod val="95000"/>
+            </a:schemeClr>
+          </a:solidFill>
+          <a:ln>
+            <a:noFill/>
+          </a:ln>
+        </p:spPr>
+        <p:style>
+          <a:lnRef idx="2">
+            <a:schemeClr val="accent1">
+              <a:shade val="50000"/>
+            </a:schemeClr>
+          </a:lnRef>
+          <a:fillRef idx="1">
+            <a:schemeClr val="accent1"/>
+          </a:fillRef>
+          <a:effectRef idx="0">
+            <a:schemeClr val="accent1"/>
+          </a:effectRef>
+          <a:fontRef idx="minor">
+            <a:schemeClr val="lt1"/>
+          </a:fontRef>
+        </p:style>
+        <p:txBody>
+          <a:bodyPr rtlCol="0" anchor="ctr"/>
+          <a:lstStyle/>
+          <a:p>
+            <a:pPr algn="ctr"/>
+            <a:endParaRPr lang="zh-CN" altLang="en-US"/>
+          </a:p>
+        </p:txBody>
+      </p:sp>
+      <p:sp>
+        <p:nvSpPr>
+          <p:cNvPr id="79" name="文本框 78">
+            <a:extLst>
+              <a:ext uri="{FF2B5EF4-FFF2-40B4-BE49-F238E27FC236}">
+                <a16:creationId xmlns:a16="http://schemas.microsoft.com/office/drawing/2014/main" id="{5D747885-BD41-406F-83C7-9D529382B855}"/>
+              </a:ext>
+            </a:extLst>
+          </p:cNvPr>
+          <p:cNvSpPr txBox="1"/>
+          <p:nvPr/>
+        </p:nvSpPr>
+        <p:spPr>
+          <a:xfrm>
+            <a:off x="411495" y="1126035"/>
+            <a:ext cx="1107996" cy="276999"/>
+          </a:xfrm>
+          <a:prstGeom prst="rect">
+            <a:avLst/>
+          </a:prstGeom>
+          <a:noFill/>
+        </p:spPr>
+        <p:txBody>
+          <a:bodyPr wrap="none" rtlCol="0">
+            <a:spAutoFit/>
+          </a:bodyPr>
+          <a:lstStyle/>
+          <a:p>
+            <a:r>
+              <a:rPr lang="zh-CN" altLang="en-US" sz="1200" b="1"/>
+              <a:t>用户祈求善举</a:t>
+            </a:r>
+          </a:p>
+        </p:txBody>
+      </p:sp>
+      <p:sp>
+        <p:nvSpPr>
+          <p:cNvPr id="2" name="文本框 1">
+            <a:extLst>
+              <a:ext uri="{FF2B5EF4-FFF2-40B4-BE49-F238E27FC236}">
+                <a16:creationId xmlns:a16="http://schemas.microsoft.com/office/drawing/2014/main" id="{F13421BB-C840-460E-A60A-16F3B0411457}"/>
+              </a:ext>
+            </a:extLst>
+          </p:cNvPr>
+          <p:cNvSpPr txBox="1"/>
+          <p:nvPr/>
+        </p:nvSpPr>
+        <p:spPr>
+          <a:xfrm>
+            <a:off x="3024554" y="184638"/>
+            <a:ext cx="2031325" cy="276999"/>
+          </a:xfrm>
+          <a:prstGeom prst="rect">
+            <a:avLst/>
+          </a:prstGeom>
+          <a:noFill/>
+        </p:spPr>
+        <p:txBody>
+          <a:bodyPr wrap="none" rtlCol="0">
+            <a:spAutoFit/>
+          </a:bodyPr>
+          <a:lstStyle/>
+          <a:p>
+            <a:r>
+              <a:rPr lang="zh-CN" altLang="en-US" sz="1200" b="1"/>
+              <a:t>流程</a:t>
+            </a:r>
+            <a:r>
+              <a:rPr lang="en-US" altLang="zh-CN" sz="1200" b="1"/>
+              <a:t>-</a:t>
+            </a:r>
+            <a:r>
+              <a:rPr lang="zh-CN" altLang="en-US" sz="1200" b="1"/>
+              <a:t>角色</a:t>
+            </a:r>
+            <a:r>
+              <a:rPr lang="en-US" altLang="zh-CN" sz="1200" b="1"/>
+              <a:t>-</a:t>
+            </a:r>
+            <a:r>
+              <a:rPr lang="zh-CN" altLang="en-US" sz="1200" b="1"/>
+              <a:t>方面对应关系图</a:t>
+            </a:r>
+          </a:p>
+        </p:txBody>
+      </p:sp>
+      <p:cxnSp>
+        <p:nvCxnSpPr>
+          <p:cNvPr id="57" name="直接箭头连接符 56">
+            <a:extLst>
+              <a:ext uri="{FF2B5EF4-FFF2-40B4-BE49-F238E27FC236}">
+                <a16:creationId xmlns:a16="http://schemas.microsoft.com/office/drawing/2014/main" id="{44D402C3-9D68-4660-83D0-40229B324883}"/>
+              </a:ext>
+            </a:extLst>
+          </p:cNvPr>
+          <p:cNvCxnSpPr>
+            <a:cxnSpLocks/>
+            <a:stCxn id="81" idx="3"/>
+            <a:endCxn id="60" idx="1"/>
+          </p:cNvCxnSpPr>
+          <p:nvPr/>
+        </p:nvCxnSpPr>
+        <p:spPr>
+          <a:xfrm flipV="1">
+            <a:off x="1241350" y="1849683"/>
+            <a:ext cx="155823" cy="3267"/>
+          </a:xfrm>
+          <a:prstGeom prst="straightConnector1">
+            <a:avLst/>
+          </a:prstGeom>
+          <a:ln w="15875">
+            <a:solidFill>
+              <a:schemeClr val="tx1"/>
+            </a:solidFill>
+            <a:tailEnd type="triangle"/>
+          </a:ln>
+        </p:spPr>
+        <p:style>
+          <a:lnRef idx="1">
+            <a:schemeClr val="accent1"/>
+          </a:lnRef>
+          <a:fillRef idx="0">
+            <a:schemeClr val="accent1"/>
+          </a:fillRef>
+          <a:effectRef idx="0">
+            <a:schemeClr val="accent1"/>
+          </a:effectRef>
+          <a:fontRef idx="minor">
+            <a:schemeClr val="tx1"/>
+          </a:fontRef>
+        </p:style>
+      </p:cxnSp>
+      <p:sp>
+        <p:nvSpPr>
+          <p:cNvPr id="60" name="矩形: 圆角 59">
+            <a:extLst>
+              <a:ext uri="{FF2B5EF4-FFF2-40B4-BE49-F238E27FC236}">
+                <a16:creationId xmlns:a16="http://schemas.microsoft.com/office/drawing/2014/main" id="{CE979948-2673-4DFB-8A65-C49927893609}"/>
+              </a:ext>
+            </a:extLst>
+          </p:cNvPr>
+          <p:cNvSpPr/>
+          <p:nvPr/>
+        </p:nvSpPr>
+        <p:spPr>
+          <a:xfrm>
+            <a:off x="1397173" y="1669683"/>
+            <a:ext cx="387547" cy="360000"/>
+          </a:xfrm>
+          <a:prstGeom prst="roundRect">
+            <a:avLst/>
+          </a:prstGeom>
+          <a:solidFill>
+            <a:schemeClr val="accent4">
+              <a:lumMod val="40000"/>
+              <a:lumOff val="60000"/>
+            </a:schemeClr>
+          </a:solidFill>
+          <a:ln>
+            <a:solidFill>
+              <a:schemeClr val="tx1"/>
+            </a:solidFill>
+          </a:ln>
+        </p:spPr>
+        <p:style>
+          <a:lnRef idx="2">
+            <a:schemeClr val="accent1">
+              <a:shade val="50000"/>
+            </a:schemeClr>
+          </a:lnRef>
+          <a:fillRef idx="1">
+            <a:schemeClr val="accent1"/>
+          </a:fillRef>
+          <a:effectRef idx="0">
+            <a:schemeClr val="accent1"/>
+          </a:effectRef>
+          <a:fontRef idx="minor">
+            <a:schemeClr val="lt1"/>
+          </a:fontRef>
+        </p:style>
+        <p:txBody>
+          <a:bodyPr wrap="none" lIns="36000" tIns="36000" rIns="36000" bIns="36000" rtlCol="0" anchor="ctr" anchorCtr="0"/>
+          <a:lstStyle/>
+          <a:p>
+            <a:r>
+              <a:rPr lang="zh-CN" altLang="en-US" sz="1000" b="1">
+                <a:solidFill>
+                  <a:schemeClr val="tx1"/>
+                </a:solidFill>
+                <a:latin typeface="微软雅黑 Light" panose="020B0502040204020203" pitchFamily="34" charset="-122"/>
+                <a:ea typeface="微软雅黑 Light" panose="020B0502040204020203" pitchFamily="34" charset="-122"/>
+              </a:rPr>
+              <a:t>后端</a:t>
+            </a:r>
+          </a:p>
+        </p:txBody>
+      </p:sp>
+      <p:cxnSp>
+        <p:nvCxnSpPr>
+          <p:cNvPr id="62" name="直接箭头连接符 61">
+            <a:extLst>
+              <a:ext uri="{FF2B5EF4-FFF2-40B4-BE49-F238E27FC236}">
+                <a16:creationId xmlns:a16="http://schemas.microsoft.com/office/drawing/2014/main" id="{46F5EA98-BA87-4C0C-8EFE-79B9B6041A4D}"/>
+              </a:ext>
+            </a:extLst>
+          </p:cNvPr>
+          <p:cNvCxnSpPr>
+            <a:cxnSpLocks/>
+            <a:stCxn id="60" idx="3"/>
+            <a:endCxn id="82" idx="1"/>
+          </p:cNvCxnSpPr>
+          <p:nvPr/>
+        </p:nvCxnSpPr>
+        <p:spPr>
+          <a:xfrm>
+            <a:off x="1784720" y="1849683"/>
+            <a:ext cx="221334" cy="0"/>
+          </a:xfrm>
+          <a:prstGeom prst="straightConnector1">
+            <a:avLst/>
+          </a:prstGeom>
+          <a:ln w="15875">
+            <a:solidFill>
+              <a:schemeClr val="tx1"/>
+            </a:solidFill>
+            <a:tailEnd type="triangle"/>
+          </a:ln>
+        </p:spPr>
+        <p:style>
+          <a:lnRef idx="1">
+            <a:schemeClr val="accent1"/>
+          </a:lnRef>
+          <a:fillRef idx="0">
+            <a:schemeClr val="accent1"/>
+          </a:fillRef>
+          <a:effectRef idx="0">
+            <a:schemeClr val="accent1"/>
+          </a:effectRef>
+          <a:fontRef idx="minor">
+            <a:schemeClr val="tx1"/>
+          </a:fontRef>
+        </p:style>
+      </p:cxnSp>
+      <p:sp>
+        <p:nvSpPr>
+          <p:cNvPr id="67" name="矩形: 圆角 66">
+            <a:extLst>
+              <a:ext uri="{FF2B5EF4-FFF2-40B4-BE49-F238E27FC236}">
+                <a16:creationId xmlns:a16="http://schemas.microsoft.com/office/drawing/2014/main" id="{0BA7F1C4-AC2D-4833-BC4A-C654159529A6}"/>
+              </a:ext>
+            </a:extLst>
+          </p:cNvPr>
+          <p:cNvSpPr/>
+          <p:nvPr/>
+        </p:nvSpPr>
+        <p:spPr>
+          <a:xfrm>
+            <a:off x="2278876" y="2280999"/>
+            <a:ext cx="387547" cy="360000"/>
+          </a:xfrm>
+          <a:prstGeom prst="roundRect">
+            <a:avLst/>
+          </a:prstGeom>
+          <a:solidFill>
+            <a:schemeClr val="accent4">
+              <a:lumMod val="40000"/>
+              <a:lumOff val="60000"/>
+            </a:schemeClr>
+          </a:solidFill>
+          <a:ln>
+            <a:solidFill>
+              <a:schemeClr val="tx1"/>
+            </a:solidFill>
+          </a:ln>
+        </p:spPr>
+        <p:style>
+          <a:lnRef idx="2">
+            <a:schemeClr val="accent1">
+              <a:shade val="50000"/>
+            </a:schemeClr>
+          </a:lnRef>
+          <a:fillRef idx="1">
+            <a:schemeClr val="accent1"/>
+          </a:fillRef>
+          <a:effectRef idx="0">
+            <a:schemeClr val="accent1"/>
+          </a:effectRef>
+          <a:fontRef idx="minor">
+            <a:schemeClr val="lt1"/>
+          </a:fontRef>
+        </p:style>
+        <p:txBody>
+          <a:bodyPr wrap="none" lIns="36000" tIns="36000" rIns="36000" bIns="36000" rtlCol="0" anchor="ctr" anchorCtr="0"/>
+          <a:lstStyle/>
+          <a:p>
+            <a:r>
+              <a:rPr lang="zh-CN" altLang="en-US" sz="1000" b="1">
+                <a:solidFill>
+                  <a:schemeClr val="tx1"/>
+                </a:solidFill>
+                <a:latin typeface="微软雅黑 Light" panose="020B0502040204020203" pitchFamily="34" charset="-122"/>
+                <a:ea typeface="微软雅黑 Light" panose="020B0502040204020203" pitchFamily="34" charset="-122"/>
+              </a:rPr>
+              <a:t>后端</a:t>
+            </a:r>
+          </a:p>
+        </p:txBody>
+      </p:sp>
+      <p:grpSp>
+        <p:nvGrpSpPr>
+          <p:cNvPr id="97" name="组合 96">
+            <a:extLst>
+              <a:ext uri="{FF2B5EF4-FFF2-40B4-BE49-F238E27FC236}">
+                <a16:creationId xmlns:a16="http://schemas.microsoft.com/office/drawing/2014/main" id="{29B735DE-9D23-4610-84C0-82132CADD9C6}"/>
+              </a:ext>
+            </a:extLst>
+          </p:cNvPr>
+          <p:cNvGrpSpPr/>
+          <p:nvPr/>
+        </p:nvGrpSpPr>
+        <p:grpSpPr>
+          <a:xfrm>
+            <a:off x="8282676" y="109771"/>
+            <a:ext cx="1218228" cy="246221"/>
+            <a:chOff x="2606914" y="2848575"/>
+            <a:chExt cx="1218228" cy="246221"/>
+          </a:xfrm>
+        </p:grpSpPr>
+        <p:sp>
+          <p:nvSpPr>
+            <p:cNvPr id="94" name="文本框 93">
+              <a:extLst>
+                <a:ext uri="{FF2B5EF4-FFF2-40B4-BE49-F238E27FC236}">
+                  <a16:creationId xmlns:a16="http://schemas.microsoft.com/office/drawing/2014/main" id="{7191E07F-F2B2-41B9-8592-B988D8E3C30A}"/>
+                </a:ext>
+              </a:extLst>
+            </p:cNvPr>
+            <p:cNvSpPr txBox="1"/>
+            <p:nvPr/>
+          </p:nvSpPr>
+          <p:spPr>
+            <a:xfrm>
+              <a:off x="3048000" y="2848575"/>
+              <a:ext cx="777142" cy="246221"/>
+            </a:xfrm>
+            <a:prstGeom prst="rect">
+              <a:avLst/>
+            </a:prstGeom>
+            <a:noFill/>
+          </p:spPr>
+          <p:txBody>
+            <a:bodyPr wrap="square">
+              <a:spAutoFit/>
+            </a:bodyPr>
+            <a:lstStyle/>
+            <a:p>
+              <a:r>
+                <a:rPr lang="zh-CN" altLang="en-US" sz="1000" b="1">
+                  <a:latin typeface="微软雅黑 Light" panose="020B0502040204020203" pitchFamily="34" charset="-122"/>
+                  <a:ea typeface="微软雅黑 Light" panose="020B0502040204020203" pitchFamily="34" charset="-122"/>
+                </a:rPr>
+                <a:t>调用关系</a:t>
+              </a:r>
+              <a:endParaRPr lang="zh-CN" altLang="en-US" sz="1000"/>
+            </a:p>
+          </p:txBody>
+        </p:sp>
+        <p:cxnSp>
+          <p:nvCxnSpPr>
+            <p:cNvPr id="95" name="直接箭头连接符 94">
+              <a:extLst>
+                <a:ext uri="{FF2B5EF4-FFF2-40B4-BE49-F238E27FC236}">
+                  <a16:creationId xmlns:a16="http://schemas.microsoft.com/office/drawing/2014/main" id="{03BCA1A3-4ABB-4506-B0B3-31A0F18C82FC}"/>
+                </a:ext>
+              </a:extLst>
+            </p:cNvPr>
+            <p:cNvCxnSpPr>
+              <a:cxnSpLocks/>
+            </p:cNvCxnSpPr>
+            <p:nvPr/>
+          </p:nvCxnSpPr>
+          <p:spPr>
+            <a:xfrm>
+              <a:off x="2606914" y="2971685"/>
+              <a:ext cx="360000" cy="0"/>
+            </a:xfrm>
+            <a:prstGeom prst="straightConnector1">
+              <a:avLst/>
+            </a:prstGeom>
+            <a:ln w="25400">
+              <a:solidFill>
+                <a:schemeClr val="tx1"/>
+              </a:solidFill>
+              <a:tailEnd type="triangle"/>
+            </a:ln>
+          </p:spPr>
+          <p:style>
+            <a:lnRef idx="1">
+              <a:schemeClr val="accent1"/>
+            </a:lnRef>
+            <a:fillRef idx="0">
+              <a:schemeClr val="accent1"/>
+            </a:fillRef>
+            <a:effectRef idx="0">
+              <a:schemeClr val="accent1"/>
+            </a:effectRef>
+            <a:fontRef idx="minor">
+              <a:schemeClr val="tx1"/>
+            </a:fontRef>
+          </p:style>
+        </p:cxnSp>
+      </p:grpSp>
+      <p:grpSp>
+        <p:nvGrpSpPr>
+          <p:cNvPr id="93" name="组合 92">
+            <a:extLst>
+              <a:ext uri="{FF2B5EF4-FFF2-40B4-BE49-F238E27FC236}">
+                <a16:creationId xmlns:a16="http://schemas.microsoft.com/office/drawing/2014/main" id="{74CDAB4D-5630-45B9-AD10-87D685803227}"/>
+              </a:ext>
+            </a:extLst>
+          </p:cNvPr>
+          <p:cNvGrpSpPr/>
+          <p:nvPr/>
+        </p:nvGrpSpPr>
+        <p:grpSpPr>
+          <a:xfrm>
+            <a:off x="8282676" y="347292"/>
+            <a:ext cx="1409798" cy="246221"/>
+            <a:chOff x="2606914" y="3052824"/>
+            <a:chExt cx="1409798" cy="246221"/>
+          </a:xfrm>
+        </p:grpSpPr>
+        <p:cxnSp>
+          <p:nvCxnSpPr>
+            <p:cNvPr id="100" name="直接箭头连接符 99">
+              <a:extLst>
+                <a:ext uri="{FF2B5EF4-FFF2-40B4-BE49-F238E27FC236}">
+                  <a16:creationId xmlns:a16="http://schemas.microsoft.com/office/drawing/2014/main" id="{4F372F9D-459A-44DB-96C0-DB03CFDDB336}"/>
+                </a:ext>
+              </a:extLst>
+            </p:cNvPr>
+            <p:cNvCxnSpPr>
+              <a:cxnSpLocks/>
+            </p:cNvCxnSpPr>
+            <p:nvPr/>
+          </p:nvCxnSpPr>
+          <p:spPr>
+            <a:xfrm>
+              <a:off x="2606914" y="3175934"/>
+              <a:ext cx="360000" cy="0"/>
+            </a:xfrm>
+            <a:prstGeom prst="straightConnector1">
+              <a:avLst/>
+            </a:prstGeom>
+            <a:ln w="28575">
+              <a:solidFill>
+                <a:srgbClr val="FF0000"/>
+              </a:solidFill>
+              <a:tailEnd type="triangle"/>
+            </a:ln>
+          </p:spPr>
+          <p:style>
+            <a:lnRef idx="1">
+              <a:schemeClr val="accent1"/>
+            </a:lnRef>
+            <a:fillRef idx="0">
+              <a:schemeClr val="accent1"/>
+            </a:fillRef>
+            <a:effectRef idx="0">
+              <a:schemeClr val="accent1"/>
+            </a:effectRef>
+            <a:fontRef idx="minor">
+              <a:schemeClr val="tx1"/>
+            </a:fontRef>
+          </p:style>
+        </p:cxnSp>
+        <p:sp>
+          <p:nvSpPr>
+            <p:cNvPr id="103" name="文本框 102">
+              <a:extLst>
+                <a:ext uri="{FF2B5EF4-FFF2-40B4-BE49-F238E27FC236}">
+                  <a16:creationId xmlns:a16="http://schemas.microsoft.com/office/drawing/2014/main" id="{4EB93444-FD52-40CE-B897-B30C8F1F556A}"/>
+                </a:ext>
+              </a:extLst>
+            </p:cNvPr>
+            <p:cNvSpPr txBox="1"/>
+            <p:nvPr/>
+          </p:nvSpPr>
+          <p:spPr>
+            <a:xfrm>
+              <a:off x="3048000" y="3052824"/>
+              <a:ext cx="968712" cy="246221"/>
+            </a:xfrm>
+            <a:prstGeom prst="rect">
+              <a:avLst/>
+            </a:prstGeom>
+            <a:noFill/>
+          </p:spPr>
+          <p:txBody>
+            <a:bodyPr wrap="square">
+              <a:spAutoFit/>
+            </a:bodyPr>
+            <a:lstStyle/>
+            <a:p>
+              <a:r>
+                <a:rPr lang="zh-CN" altLang="en-US" sz="1000" b="1">
+                  <a:solidFill>
+                    <a:srgbClr val="FF0000"/>
+                  </a:solidFill>
+                  <a:latin typeface="微软雅黑 Light" panose="020B0502040204020203" pitchFamily="34" charset="-122"/>
+                  <a:ea typeface="微软雅黑 Light" panose="020B0502040204020203" pitchFamily="34" charset="-122"/>
+                </a:rPr>
+                <a:t>后端事件扫描</a:t>
+              </a:r>
+              <a:endParaRPr lang="zh-CN" altLang="en-US" sz="1000"/>
+            </a:p>
+          </p:txBody>
+        </p:sp>
+      </p:grpSp>
+      <p:grpSp>
+        <p:nvGrpSpPr>
+          <p:cNvPr id="92" name="组合 91">
+            <a:extLst>
+              <a:ext uri="{FF2B5EF4-FFF2-40B4-BE49-F238E27FC236}">
+                <a16:creationId xmlns:a16="http://schemas.microsoft.com/office/drawing/2014/main" id="{DE692E94-2E26-41D9-BC27-F83344FD3692}"/>
+              </a:ext>
+            </a:extLst>
+          </p:cNvPr>
+          <p:cNvGrpSpPr/>
+          <p:nvPr/>
+        </p:nvGrpSpPr>
+        <p:grpSpPr>
+          <a:xfrm>
+            <a:off x="8282676" y="584813"/>
+            <a:ext cx="1409798" cy="246221"/>
+            <a:chOff x="2606914" y="3476017"/>
+            <a:chExt cx="1409798" cy="246221"/>
+          </a:xfrm>
+        </p:grpSpPr>
+        <p:cxnSp>
+          <p:nvCxnSpPr>
+            <p:cNvPr id="102" name="直接箭头连接符 101">
+              <a:extLst>
+                <a:ext uri="{FF2B5EF4-FFF2-40B4-BE49-F238E27FC236}">
+                  <a16:creationId xmlns:a16="http://schemas.microsoft.com/office/drawing/2014/main" id="{6595C1EC-D0B6-42E5-9358-BF36D6F4F369}"/>
+                </a:ext>
+              </a:extLst>
+            </p:cNvPr>
+            <p:cNvCxnSpPr>
+              <a:cxnSpLocks/>
+            </p:cNvCxnSpPr>
+            <p:nvPr/>
+          </p:nvCxnSpPr>
+          <p:spPr>
+            <a:xfrm>
+              <a:off x="2606914" y="3599127"/>
+              <a:ext cx="360000" cy="0"/>
+            </a:xfrm>
+            <a:prstGeom prst="straightConnector1">
+              <a:avLst/>
+            </a:prstGeom>
+            <a:ln w="25400">
+              <a:solidFill>
+                <a:srgbClr val="00B050"/>
+              </a:solidFill>
+              <a:tailEnd type="triangle"/>
+            </a:ln>
+          </p:spPr>
+          <p:style>
+            <a:lnRef idx="1">
+              <a:schemeClr val="accent1"/>
+            </a:lnRef>
+            <a:fillRef idx="0">
+              <a:schemeClr val="accent1"/>
+            </a:fillRef>
+            <a:effectRef idx="0">
+              <a:schemeClr val="accent1"/>
+            </a:effectRef>
+            <a:fontRef idx="minor">
+              <a:schemeClr val="tx1"/>
+            </a:fontRef>
+          </p:style>
+        </p:cxnSp>
+        <p:sp>
+          <p:nvSpPr>
+            <p:cNvPr id="104" name="文本框 103">
+              <a:extLst>
+                <a:ext uri="{FF2B5EF4-FFF2-40B4-BE49-F238E27FC236}">
+                  <a16:creationId xmlns:a16="http://schemas.microsoft.com/office/drawing/2014/main" id="{B9E0432B-D820-4785-B6F0-DC07048B1385}"/>
+                </a:ext>
+              </a:extLst>
+            </p:cNvPr>
+            <p:cNvSpPr txBox="1"/>
+            <p:nvPr/>
+          </p:nvSpPr>
+          <p:spPr>
+            <a:xfrm>
+              <a:off x="3048000" y="3476017"/>
+              <a:ext cx="968712" cy="246221"/>
+            </a:xfrm>
+            <a:prstGeom prst="rect">
+              <a:avLst/>
+            </a:prstGeom>
+            <a:noFill/>
+          </p:spPr>
+          <p:txBody>
+            <a:bodyPr wrap="square">
+              <a:spAutoFit/>
+            </a:bodyPr>
+            <a:lstStyle/>
+            <a:p>
+              <a:r>
+                <a:rPr lang="zh-CN" altLang="en-US" sz="1000" b="1">
+                  <a:solidFill>
+                    <a:srgbClr val="00B050"/>
+                  </a:solidFill>
+                  <a:latin typeface="微软雅黑 Light" panose="020B0502040204020203" pitchFamily="34" charset="-122"/>
+                  <a:ea typeface="微软雅黑 Light" panose="020B0502040204020203" pitchFamily="34" charset="-122"/>
+                </a:rPr>
+                <a:t>后端通知前端</a:t>
+              </a:r>
+              <a:endParaRPr lang="zh-CN" altLang="en-US" sz="1000"/>
+            </a:p>
+          </p:txBody>
+        </p:sp>
+      </p:grpSp>
+      <p:cxnSp>
+        <p:nvCxnSpPr>
+          <p:cNvPr id="61" name="直接箭头连接符 60">
+            <a:extLst>
+              <a:ext uri="{FF2B5EF4-FFF2-40B4-BE49-F238E27FC236}">
+                <a16:creationId xmlns:a16="http://schemas.microsoft.com/office/drawing/2014/main" id="{93EE83CB-22E4-41E8-A854-A32925D029BD}"/>
+              </a:ext>
+            </a:extLst>
+          </p:cNvPr>
+          <p:cNvCxnSpPr>
+            <a:cxnSpLocks/>
             <a:stCxn id="82" idx="2"/>
             <a:endCxn id="67" idx="0"/>
           </p:cNvCxnSpPr>
@@ -11515,7 +14431,7 @@
 </p:sld>
 </file>
 
-<file path=ppt/slides/slide4.xml><?xml version="1.0" encoding="utf-8"?>
+<file path=ppt/slides/slide5.xml><?xml version="1.0" encoding="utf-8"?>
 <p:sld xmlns:a="http://schemas.openxmlformats.org/drawingml/2006/main" xmlns:r="http://schemas.openxmlformats.org/officeDocument/2006/relationships" xmlns:p="http://schemas.openxmlformats.org/presentationml/2006/main">
   <p:cSld>
     <p:spTree>
